--- a/ppt/jsp_ppt/6장. jsp 유효성검사와 정규표현식.pptx
+++ b/ppt/jsp_ppt/6장. jsp 유효성검사와 정규표현식.pptx
@@ -5,45 +5,49 @@
     <p:sldMasterId id="2147483648" r:id="rId1"/>
   </p:sldMasterIdLst>
   <p:notesMasterIdLst>
-    <p:notesMasterId r:id="rId38"/>
+    <p:notesMasterId r:id="rId42"/>
   </p:notesMasterIdLst>
   <p:sldIdLst>
     <p:sldId id="256" r:id="rId2"/>
     <p:sldId id="351" r:id="rId3"/>
     <p:sldId id="353" r:id="rId4"/>
     <p:sldId id="389" r:id="rId5"/>
-    <p:sldId id="372" r:id="rId6"/>
-    <p:sldId id="390" r:id="rId7"/>
-    <p:sldId id="355" r:id="rId8"/>
-    <p:sldId id="394" r:id="rId9"/>
-    <p:sldId id="395" r:id="rId10"/>
-    <p:sldId id="396" r:id="rId11"/>
-    <p:sldId id="357" r:id="rId12"/>
-    <p:sldId id="391" r:id="rId13"/>
-    <p:sldId id="392" r:id="rId14"/>
+    <p:sldId id="417" r:id="rId6"/>
+    <p:sldId id="372" r:id="rId7"/>
+    <p:sldId id="416" r:id="rId8"/>
+    <p:sldId id="413" r:id="rId9"/>
+    <p:sldId id="355" r:id="rId10"/>
+    <p:sldId id="394" r:id="rId11"/>
+    <p:sldId id="395" r:id="rId12"/>
+    <p:sldId id="396" r:id="rId13"/>
+    <p:sldId id="414" r:id="rId14"/>
     <p:sldId id="358" r:id="rId15"/>
-    <p:sldId id="356" r:id="rId16"/>
-    <p:sldId id="374" r:id="rId17"/>
-    <p:sldId id="393" r:id="rId18"/>
-    <p:sldId id="361" r:id="rId19"/>
-    <p:sldId id="405" r:id="rId20"/>
-    <p:sldId id="403" r:id="rId21"/>
-    <p:sldId id="404" r:id="rId22"/>
-    <p:sldId id="385" r:id="rId23"/>
-    <p:sldId id="382" r:id="rId24"/>
-    <p:sldId id="402" r:id="rId25"/>
-    <p:sldId id="365" r:id="rId26"/>
-    <p:sldId id="378" r:id="rId27"/>
-    <p:sldId id="397" r:id="rId28"/>
-    <p:sldId id="407" r:id="rId29"/>
-    <p:sldId id="406" r:id="rId30"/>
-    <p:sldId id="376" r:id="rId31"/>
-    <p:sldId id="398" r:id="rId32"/>
-    <p:sldId id="399" r:id="rId33"/>
-    <p:sldId id="400" r:id="rId34"/>
-    <p:sldId id="401" r:id="rId35"/>
-    <p:sldId id="386" r:id="rId36"/>
-    <p:sldId id="387" r:id="rId37"/>
+    <p:sldId id="409" r:id="rId16"/>
+    <p:sldId id="410" r:id="rId17"/>
+    <p:sldId id="411" r:id="rId18"/>
+    <p:sldId id="412" r:id="rId19"/>
+    <p:sldId id="356" r:id="rId20"/>
+    <p:sldId id="374" r:id="rId21"/>
+    <p:sldId id="393" r:id="rId22"/>
+    <p:sldId id="361" r:id="rId23"/>
+    <p:sldId id="405" r:id="rId24"/>
+    <p:sldId id="403" r:id="rId25"/>
+    <p:sldId id="404" r:id="rId26"/>
+    <p:sldId id="385" r:id="rId27"/>
+    <p:sldId id="382" r:id="rId28"/>
+    <p:sldId id="402" r:id="rId29"/>
+    <p:sldId id="365" r:id="rId30"/>
+    <p:sldId id="378" r:id="rId31"/>
+    <p:sldId id="397" r:id="rId32"/>
+    <p:sldId id="407" r:id="rId33"/>
+    <p:sldId id="406" r:id="rId34"/>
+    <p:sldId id="376" r:id="rId35"/>
+    <p:sldId id="398" r:id="rId36"/>
+    <p:sldId id="399" r:id="rId37"/>
+    <p:sldId id="400" r:id="rId38"/>
+    <p:sldId id="401" r:id="rId39"/>
+    <p:sldId id="386" r:id="rId40"/>
+    <p:sldId id="387" r:id="rId41"/>
   </p:sldIdLst>
   <p:sldSz cx="9906000" cy="6858000" type="A4"/>
   <p:notesSz cx="6858000" cy="9144000"/>
@@ -144,7 +148,7 @@
   </p:defaultTextStyle>
   <p:extLst>
     <p:ext uri="{EFAFB233-063F-42B5-8137-9DF3F51BA10A}">
-      <p15:sldGuideLst xmlns:p15="http://schemas.microsoft.com/office/powerpoint/2012/main" xmlns="">
+      <p15:sldGuideLst xmlns:p15="http://schemas.microsoft.com/office/powerpoint/2012/main">
         <p15:guide id="1" orient="horz" pos="2160">
           <p15:clr>
             <a:srgbClr val="A4A3A4"/>
@@ -243,7 +247,7 @@
           <a:p>
             <a:fld id="{7665CDAC-D627-4E87-877A-1B781DD4CADC}" type="datetimeFigureOut">
               <a:rPr lang="ko-KR" altLang="en-US" smtClean="0"/>
-              <a:t>2022-07-25</a:t>
+              <a:t>2023-06-07</a:t>
             </a:fld>
             <a:endParaRPr lang="ko-KR" altLang="en-US"/>
           </a:p>
@@ -660,7 +664,7 @@
           <a:p>
             <a:fld id="{0FADDD8A-FD4C-4C63-90D4-202AFE8080B2}" type="slidenum">
               <a:rPr lang="ko-KR" altLang="en-US" smtClean="0"/>
-              <a:t>22</a:t>
+              <a:t>26</a:t>
             </a:fld>
             <a:endParaRPr lang="ko-KR" altLang="en-US"/>
           </a:p>
@@ -744,7 +748,7 @@
           <a:p>
             <a:fld id="{0FADDD8A-FD4C-4C63-90D4-202AFE8080B2}" type="slidenum">
               <a:rPr lang="ko-KR" altLang="en-US" smtClean="0"/>
-              <a:t>23</a:t>
+              <a:t>27</a:t>
             </a:fld>
             <a:endParaRPr lang="ko-KR" altLang="en-US"/>
           </a:p>
@@ -828,7 +832,7 @@
           <a:p>
             <a:fld id="{0FADDD8A-FD4C-4C63-90D4-202AFE8080B2}" type="slidenum">
               <a:rPr lang="ko-KR" altLang="en-US" smtClean="0"/>
-              <a:t>24</a:t>
+              <a:t>28</a:t>
             </a:fld>
             <a:endParaRPr lang="ko-KR" altLang="en-US"/>
           </a:p>
@@ -912,7 +916,7 @@
           <a:p>
             <a:fld id="{0FADDD8A-FD4C-4C63-90D4-202AFE8080B2}" type="slidenum">
               <a:rPr lang="ko-KR" altLang="en-US" smtClean="0"/>
-              <a:t>25</a:t>
+              <a:t>29</a:t>
             </a:fld>
             <a:endParaRPr lang="ko-KR" altLang="en-US"/>
           </a:p>
@@ -1117,7 +1121,7 @@
           <a:p>
             <a:fld id="{F4AC81B4-D91A-4578-85B3-829E63FCFE17}" type="datetime1">
               <a:rPr lang="ko-KR" altLang="en-US" smtClean="0"/>
-              <a:t>2022-07-25</a:t>
+              <a:t>2023-06-07</a:t>
             </a:fld>
             <a:endParaRPr lang="ko-KR" altLang="en-US"/>
           </a:p>
@@ -1492,7 +1496,7 @@
           <a:p>
             <a:fld id="{F5B77542-37E5-48F2-BAE7-80CC6B0EB6A3}" type="datetime1">
               <a:rPr lang="ko-KR" altLang="en-US" smtClean="0"/>
-              <a:t>2022-07-25</a:t>
+              <a:t>2023-06-07</a:t>
             </a:fld>
             <a:endParaRPr lang="ko-KR" altLang="en-US"/>
           </a:p>
@@ -1672,7 +1676,7 @@
           <a:p>
             <a:fld id="{227CF174-B5AC-4A98-B673-0BE8126D3F27}" type="datetime1">
               <a:rPr lang="ko-KR" altLang="en-US" smtClean="0"/>
-              <a:t>2022-07-25</a:t>
+              <a:t>2023-06-07</a:t>
             </a:fld>
             <a:endParaRPr lang="ko-KR" altLang="en-US"/>
           </a:p>
@@ -1846,7 +1850,7 @@
           <a:p>
             <a:fld id="{E20FDEC8-1339-42E8-9704-2977280C2FD3}" type="datetime1">
               <a:rPr lang="ko-KR" altLang="en-US" smtClean="0"/>
-              <a:t>2022-07-25</a:t>
+              <a:t>2023-06-07</a:t>
             </a:fld>
             <a:endParaRPr lang="ko-KR" altLang="en-US"/>
           </a:p>
@@ -2092,7 +2096,7 @@
           <a:p>
             <a:fld id="{4D18DC76-A282-4817-B790-197F054E1215}" type="datetime1">
               <a:rPr lang="ko-KR" altLang="en-US" smtClean="0"/>
-              <a:t>2022-07-25</a:t>
+              <a:t>2023-06-07</a:t>
             </a:fld>
             <a:endParaRPr lang="ko-KR" altLang="en-US"/>
           </a:p>
@@ -2380,7 +2384,7 @@
           <a:p>
             <a:fld id="{6680AA6C-13D8-43E4-90F0-E6C88A2B9F16}" type="datetime1">
               <a:rPr lang="ko-KR" altLang="en-US" smtClean="0"/>
-              <a:t>2022-07-25</a:t>
+              <a:t>2023-06-07</a:t>
             </a:fld>
             <a:endParaRPr lang="ko-KR" altLang="en-US"/>
           </a:p>
@@ -2802,7 +2806,7 @@
           <a:p>
             <a:fld id="{3EF5B03B-20CC-436E-8601-C933C6C1F4A6}" type="datetime1">
               <a:rPr lang="ko-KR" altLang="en-US" smtClean="0"/>
-              <a:t>2022-07-25</a:t>
+              <a:t>2023-06-07</a:t>
             </a:fld>
             <a:endParaRPr lang="ko-KR" altLang="en-US"/>
           </a:p>
@@ -2920,7 +2924,7 @@
           <a:p>
             <a:fld id="{87B5A15D-8B08-482F-AB47-E416EC355EB6}" type="datetime1">
               <a:rPr lang="ko-KR" altLang="en-US" smtClean="0"/>
-              <a:t>2022-07-25</a:t>
+              <a:t>2023-06-07</a:t>
             </a:fld>
             <a:endParaRPr lang="ko-KR" altLang="en-US"/>
           </a:p>
@@ -3015,7 +3019,7 @@
           <a:p>
             <a:fld id="{A877D7F8-7B64-44F8-A411-CBD22F28CBFF}" type="datetime1">
               <a:rPr lang="ko-KR" altLang="en-US" smtClean="0"/>
-              <a:t>2022-07-25</a:t>
+              <a:t>2023-06-07</a:t>
             </a:fld>
             <a:endParaRPr lang="ko-KR" altLang="en-US"/>
           </a:p>
@@ -3292,7 +3296,7 @@
           <a:p>
             <a:fld id="{E12DBD9B-2BB6-4D1F-BCB4-1E48829C93C3}" type="datetime1">
               <a:rPr lang="ko-KR" altLang="en-US" smtClean="0"/>
-              <a:t>2022-07-25</a:t>
+              <a:t>2023-06-07</a:t>
             </a:fld>
             <a:endParaRPr lang="ko-KR" altLang="en-US"/>
           </a:p>
@@ -3545,7 +3549,7 @@
           <a:p>
             <a:fld id="{17564C48-0CD7-40EB-BE64-BBF4DB8C56AF}" type="datetime1">
               <a:rPr lang="ko-KR" altLang="en-US" smtClean="0"/>
-              <a:t>2022-07-25</a:t>
+              <a:t>2023-06-07</a:t>
             </a:fld>
             <a:endParaRPr lang="ko-KR" altLang="en-US"/>
           </a:p>
@@ -3725,7 +3729,7 @@
           <a:p>
             <a:fld id="{C116BCB4-B68B-4638-8167-F4BDC0A30DA1}" type="datetime1">
               <a:rPr lang="ko-KR" altLang="en-US" smtClean="0"/>
-              <a:t>2022-07-25</a:t>
+              <a:t>2023-06-07</a:t>
             </a:fld>
             <a:endParaRPr lang="ko-KR" altLang="en-US"/>
           </a:p>
@@ -4579,9 +4583,44 @@
           </a:p>
         </p:txBody>
       </p:sp>
+      <p:sp>
+        <p:nvSpPr>
+          <p:cNvPr id="5" name="TextBox 4"/>
+          <p:cNvSpPr txBox="1"/>
+          <p:nvPr/>
+        </p:nvSpPr>
+        <p:spPr>
+          <a:xfrm>
+            <a:off x="776536" y="980728"/>
+            <a:ext cx="8496944" cy="494494"/>
+          </a:xfrm>
+          <a:prstGeom prst="rect">
+            <a:avLst/>
+          </a:prstGeom>
+          <a:noFill/>
+        </p:spPr>
+        <p:txBody>
+          <a:bodyPr wrap="square" rtlCol="0">
+            <a:spAutoFit/>
+          </a:bodyPr>
+          <a:lstStyle/>
+          <a:p>
+            <a:pPr>
+              <a:lnSpc>
+                <a:spcPct val="150000"/>
+              </a:lnSpc>
+            </a:pPr>
+            <a:r>
+              <a:rPr lang="ko-KR" altLang="en-US" sz="2000" b="1" dirty="0" smtClean="0"/>
+              <a:t>회원 가입 폼 만들기</a:t>
+            </a:r>
+            <a:endParaRPr lang="en-US" altLang="ko-KR" sz="2000" b="1" dirty="0" smtClean="0"/>
+          </a:p>
+        </p:txBody>
+      </p:sp>
       <p:pic>
         <p:nvPicPr>
-          <p:cNvPr id="2" name="그림 1"/>
+          <p:cNvPr id="3" name="그림 2"/>
           <p:cNvPicPr>
             <a:picLocks noChangeAspect="1"/>
           </p:cNvPicPr>
@@ -4601,8 +4640,8 @@
         </p:blipFill>
         <p:spPr>
           <a:xfrm>
-            <a:off x="3440832" y="1086407"/>
-            <a:ext cx="3463833" cy="2880320"/>
+            <a:off x="1064568" y="1772816"/>
+            <a:ext cx="4367372" cy="1944215"/>
           </a:xfrm>
           <a:prstGeom prst="rect">
             <a:avLst/>
@@ -4618,7 +4657,7 @@
       </p:pic>
       <p:pic>
         <p:nvPicPr>
-          <p:cNvPr id="3" name="그림 2"/>
+          <p:cNvPr id="7" name="그림 6"/>
           <p:cNvPicPr>
             <a:picLocks noChangeAspect="1"/>
           </p:cNvPicPr>
@@ -4638,25 +4677,48 @@
         </p:blipFill>
         <p:spPr>
           <a:xfrm>
-            <a:off x="1064569" y="4077072"/>
-            <a:ext cx="8352928" cy="2141215"/>
+            <a:off x="3584847" y="2636912"/>
+            <a:ext cx="4143639" cy="1872208"/>
           </a:xfrm>
           <a:prstGeom prst="rect">
             <a:avLst/>
           </a:prstGeom>
-          <a:ln>
-            <a:solidFill>
-              <a:schemeClr val="bg1">
-                <a:lumMod val="85000"/>
-              </a:schemeClr>
-            </a:solidFill>
-          </a:ln>
+        </p:spPr>
+      </p:pic>
+      <p:pic>
+        <p:nvPicPr>
+          <p:cNvPr id="8" name="그림 7"/>
+          <p:cNvPicPr>
+            <a:picLocks noChangeAspect="1"/>
+          </p:cNvPicPr>
+          <p:nvPr/>
+        </p:nvPicPr>
+        <p:blipFill>
+          <a:blip r:embed="rId4">
+            <a:extLst>
+              <a:ext uri="{28A0092B-C50C-407E-A947-70E740481C1C}">
+                <a14:useLocalDpi xmlns:a14="http://schemas.microsoft.com/office/drawing/2010/main" val="0"/>
+              </a:ext>
+            </a:extLst>
+          </a:blip>
+          <a:stretch>
+            <a:fillRect/>
+          </a:stretch>
+        </p:blipFill>
+        <p:spPr>
+          <a:xfrm>
+            <a:off x="2600198" y="4669770"/>
+            <a:ext cx="4566916" cy="1656184"/>
+          </a:xfrm>
+          <a:prstGeom prst="rect">
+            <a:avLst/>
+          </a:prstGeom>
         </p:spPr>
       </p:pic>
     </p:spTree>
     <p:extLst>
       <p:ext uri="{BB962C8B-B14F-4D97-AF65-F5344CB8AC3E}">
-        <p14:creationId xmlns:p14="http://schemas.microsoft.com/office/powerpoint/2010/main" val="4122447666"/>
+        <p14:creationId xmlns:p14="http://schemas.microsoft.com/office/powerpoint/2010/main" val="1336430194"/>
       </p:ext>
     </p:extLst>
   </p:cSld>
@@ -4732,54 +4794,19 @@
             </a:r>
             <a:r>
               <a:rPr lang="ko-KR" altLang="en-US" dirty="0"/>
-              <a:t> 유효성 검사</a:t>
-            </a:r>
-            <a:r>
-              <a:rPr lang="en-US" altLang="ko-KR" dirty="0"/>
-              <a:t>(validation)</a:t>
+              <a:t> </a:t>
+            </a:r>
+            <a:r>
+              <a:rPr lang="ko-KR" altLang="en-US" dirty="0" smtClean="0"/>
+              <a:t>자바스크립트 활용</a:t>
             </a:r>
             <a:endParaRPr lang="ko-KR" altLang="en-US" dirty="0"/>
-          </a:p>
-        </p:txBody>
-      </p:sp>
-      <p:sp>
-        <p:nvSpPr>
-          <p:cNvPr id="5" name="TextBox 4"/>
-          <p:cNvSpPr txBox="1"/>
-          <p:nvPr/>
-        </p:nvSpPr>
-        <p:spPr>
-          <a:xfrm>
-            <a:off x="776536" y="980728"/>
-            <a:ext cx="8496944" cy="553998"/>
-          </a:xfrm>
-          <a:prstGeom prst="rect">
-            <a:avLst/>
-          </a:prstGeom>
-          <a:noFill/>
-        </p:spPr>
-        <p:txBody>
-          <a:bodyPr wrap="square" rtlCol="0">
-            <a:spAutoFit/>
-          </a:bodyPr>
-          <a:lstStyle/>
-          <a:p>
-            <a:pPr>
-              <a:lnSpc>
-                <a:spcPct val="150000"/>
-              </a:lnSpc>
-            </a:pPr>
-            <a:r>
-              <a:rPr lang="ko-KR" altLang="en-US" sz="2000" b="1" dirty="0" smtClean="0"/>
-              <a:t>폼 페이지에 입력한 데이터 길이 확인하기</a:t>
-            </a:r>
-            <a:endParaRPr lang="en-US" altLang="ko-KR" sz="2000" b="1" dirty="0" smtClean="0"/>
           </a:p>
         </p:txBody>
       </p:sp>
       <p:pic>
         <p:nvPicPr>
-          <p:cNvPr id="2" name="그림 1"/>
+          <p:cNvPr id="4" name="그림 3"/>
           <p:cNvPicPr>
             <a:picLocks noChangeAspect="1"/>
           </p:cNvPicPr>
@@ -4799,138 +4826,8 @@
         </p:blipFill>
         <p:spPr>
           <a:xfrm>
-            <a:off x="1404798" y="2276871"/>
-            <a:ext cx="4147164" cy="1095381"/>
-          </a:xfrm>
-          <a:prstGeom prst="rect">
-            <a:avLst/>
-          </a:prstGeom>
-          <a:ln>
-            <a:solidFill>
-              <a:schemeClr val="accent4">
-                <a:lumMod val="20000"/>
-                <a:lumOff val="80000"/>
-              </a:schemeClr>
-            </a:solidFill>
-          </a:ln>
-        </p:spPr>
-      </p:pic>
-      <p:sp>
-        <p:nvSpPr>
-          <p:cNvPr id="6" name="TextBox 5"/>
-          <p:cNvSpPr txBox="1"/>
-          <p:nvPr/>
-        </p:nvSpPr>
-        <p:spPr>
-          <a:xfrm>
-            <a:off x="1309892" y="1628800"/>
-            <a:ext cx="5587324" cy="408623"/>
-          </a:xfrm>
-          <a:prstGeom prst="roundRect">
-            <a:avLst/>
-          </a:prstGeom>
-          <a:ln w="12700"/>
-        </p:spPr>
-        <p:style>
-          <a:lnRef idx="2">
-            <a:schemeClr val="dk1"/>
-          </a:lnRef>
-          <a:fillRef idx="1">
-            <a:schemeClr val="lt1"/>
-          </a:fillRef>
-          <a:effectRef idx="0">
-            <a:schemeClr val="dk1"/>
-          </a:effectRef>
-          <a:fontRef idx="minor">
-            <a:schemeClr val="dk1"/>
-          </a:fontRef>
-        </p:style>
-        <p:txBody>
-          <a:bodyPr wrap="square" rtlCol="0">
-            <a:spAutoFit/>
-          </a:bodyPr>
-          <a:lstStyle/>
-          <a:p>
-            <a:r>
-              <a:rPr lang="en-US" altLang="ko-KR" b="1" dirty="0" smtClean="0">
-                <a:solidFill>
-                  <a:srgbClr val="C00000"/>
-                </a:solidFill>
-              </a:rPr>
-              <a:t>document.</a:t>
-            </a:r>
-            <a:r>
-              <a:rPr lang="ko-KR" altLang="en-US" b="1" dirty="0" smtClean="0">
-                <a:solidFill>
-                  <a:srgbClr val="C00000"/>
-                </a:solidFill>
-              </a:rPr>
-              <a:t>폼 이름</a:t>
-            </a:r>
-            <a:r>
-              <a:rPr lang="en-US" altLang="ko-KR" b="1" dirty="0" smtClean="0">
-                <a:solidFill>
-                  <a:srgbClr val="C00000"/>
-                </a:solidFill>
-              </a:rPr>
-              <a:t>.</a:t>
-            </a:r>
-            <a:r>
-              <a:rPr lang="ko-KR" altLang="en-US" b="1" dirty="0" smtClean="0">
-                <a:solidFill>
-                  <a:srgbClr val="C00000"/>
-                </a:solidFill>
-              </a:rPr>
-              <a:t>입력양식 이름</a:t>
-            </a:r>
-            <a:r>
-              <a:rPr lang="en-US" altLang="ko-KR" b="1" dirty="0" smtClean="0">
-                <a:solidFill>
-                  <a:srgbClr val="C00000"/>
-                </a:solidFill>
-              </a:rPr>
-              <a:t>.</a:t>
-            </a:r>
-            <a:r>
-              <a:rPr lang="en-US" altLang="ko-KR" b="1" dirty="0" err="1" smtClean="0">
-                <a:solidFill>
-                  <a:srgbClr val="C00000"/>
-                </a:solidFill>
-              </a:rPr>
-              <a:t>value.length</a:t>
-            </a:r>
-            <a:endParaRPr lang="en-US" altLang="ko-KR" b="1" dirty="0">
-              <a:solidFill>
-                <a:srgbClr val="C00000"/>
-              </a:solidFill>
-            </a:endParaRPr>
-          </a:p>
-        </p:txBody>
-      </p:sp>
-      <p:pic>
-        <p:nvPicPr>
-          <p:cNvPr id="4" name="그림 3"/>
-          <p:cNvPicPr>
-            <a:picLocks noChangeAspect="1"/>
-          </p:cNvPicPr>
-          <p:nvPr/>
-        </p:nvPicPr>
-        <p:blipFill>
-          <a:blip r:embed="rId3">
-            <a:extLst>
-              <a:ext uri="{28A0092B-C50C-407E-A947-70E740481C1C}">
-                <a14:useLocalDpi xmlns:a14="http://schemas.microsoft.com/office/drawing/2010/main" val="0"/>
-              </a:ext>
-            </a:extLst>
-          </a:blip>
-          <a:stretch>
-            <a:fillRect/>
-          </a:stretch>
-        </p:blipFill>
-        <p:spPr>
-          <a:xfrm>
-            <a:off x="1404798" y="3510338"/>
-            <a:ext cx="6372708" cy="2798562"/>
+            <a:off x="1208584" y="1700807"/>
+            <a:ext cx="7468248" cy="4259949"/>
           </a:xfrm>
           <a:prstGeom prst="rect">
             <a:avLst/>
@@ -4946,10 +4843,10 @@
       </p:pic>
       <p:sp>
         <p:nvSpPr>
-          <p:cNvPr id="8" name="모서리가 둥근 직사각형 7">
+          <p:cNvPr id="9" name="모서리가 둥근 직사각형 8">
             <a:extLst>
               <a:ext uri="{FF2B5EF4-FFF2-40B4-BE49-F238E27FC236}">
-                <a16:creationId xmlns:a16="http://schemas.microsoft.com/office/drawing/2014/main" xmlns="" id="{792DA8B4-17B2-454B-97AC-17311A4832C5}"/>
+                <a16:creationId xmlns:a16="http://schemas.microsoft.com/office/drawing/2014/main" id="{792DA8B4-17B2-454B-97AC-17311A4832C5}"/>
               </a:ext>
             </a:extLst>
           </p:cNvPr>
@@ -4958,8 +4855,8 @@
         </p:nvSpPr>
         <p:spPr>
           <a:xfrm>
-            <a:off x="5925108" y="3339545"/>
-            <a:ext cx="1944216" cy="317650"/>
+            <a:off x="5889104" y="1287423"/>
+            <a:ext cx="2664296" cy="317650"/>
           </a:xfrm>
           <a:prstGeom prst="roundRect">
             <a:avLst/>
@@ -4991,28 +4888,33 @@
           <a:p>
             <a:pPr algn="ctr"/>
             <a:r>
-              <a:rPr lang="en-US" altLang="ko-KR" sz="1600" dirty="0">
-                <a:solidFill>
-                  <a:sysClr val="windowText" lastClr="000000"/>
-                </a:solidFill>
-              </a:rPr>
-              <a:t>v</a:t>
-            </a:r>
-            <a:r>
               <a:rPr lang="en-US" altLang="ko-KR" sz="1600" dirty="0" smtClean="0">
                 <a:solidFill>
                   <a:sysClr val="windowText" lastClr="000000"/>
                 </a:solidFill>
               </a:rPr>
-              <a:t>alidation.js</a:t>
-            </a:r>
+              <a:t>validation/</a:t>
+            </a:r>
+            <a:r>
+              <a:rPr lang="en-US" altLang="ko-KR" sz="1600" dirty="0" err="1" smtClean="0">
+                <a:solidFill>
+                  <a:sysClr val="windowText" lastClr="000000"/>
+                </a:solidFill>
+              </a:rPr>
+              <a:t>regForm.jsp</a:t>
+            </a:r>
+            <a:endParaRPr lang="en-US" altLang="ko-KR" sz="1600" dirty="0" smtClean="0">
+              <a:solidFill>
+                <a:sysClr val="windowText" lastClr="000000"/>
+              </a:solidFill>
+            </a:endParaRPr>
           </a:p>
         </p:txBody>
       </p:sp>
     </p:spTree>
     <p:extLst>
       <p:ext uri="{BB962C8B-B14F-4D97-AF65-F5344CB8AC3E}">
-        <p14:creationId xmlns:p14="http://schemas.microsoft.com/office/powerpoint/2010/main" val="2957695048"/>
+        <p14:creationId xmlns:p14="http://schemas.microsoft.com/office/powerpoint/2010/main" val="1316165441"/>
       </p:ext>
     </p:extLst>
   </p:cSld>
@@ -5088,11 +4990,11 @@
             </a:r>
             <a:r>
               <a:rPr lang="ko-KR" altLang="en-US" dirty="0"/>
-              <a:t> 유효성 검사</a:t>
-            </a:r>
-            <a:r>
-              <a:rPr lang="en-US" altLang="ko-KR" dirty="0"/>
-              <a:t>(validation)</a:t>
+              <a:t> </a:t>
+            </a:r>
+            <a:r>
+              <a:rPr lang="ko-KR" altLang="en-US" dirty="0" smtClean="0"/>
+              <a:t>자바스크립트 활용</a:t>
             </a:r>
             <a:endParaRPr lang="ko-KR" altLang="en-US" dirty="0"/>
           </a:p>
@@ -5120,8 +5022,8 @@
         </p:blipFill>
         <p:spPr>
           <a:xfrm>
-            <a:off x="992560" y="1916832"/>
-            <a:ext cx="7856901" cy="3551228"/>
+            <a:off x="632520" y="1268760"/>
+            <a:ext cx="8893311" cy="3330229"/>
           </a:xfrm>
           <a:prstGeom prst="rect">
             <a:avLst/>
@@ -5135,67 +5037,47 @@
           </a:ln>
         </p:spPr>
       </p:pic>
-      <p:sp>
-        <p:nvSpPr>
-          <p:cNvPr id="9" name="모서리가 둥근 직사각형 8">
+      <p:pic>
+        <p:nvPicPr>
+          <p:cNvPr id="5" name="그림 4"/>
+          <p:cNvPicPr>
+            <a:picLocks noChangeAspect="1"/>
+          </p:cNvPicPr>
+          <p:nvPr/>
+        </p:nvPicPr>
+        <p:blipFill>
+          <a:blip r:embed="rId3">
             <a:extLst>
-              <a:ext uri="{FF2B5EF4-FFF2-40B4-BE49-F238E27FC236}">
-                <a16:creationId xmlns:a16="http://schemas.microsoft.com/office/drawing/2014/main" xmlns="" id="{792DA8B4-17B2-454B-97AC-17311A4832C5}"/>
+              <a:ext uri="{28A0092B-C50C-407E-A947-70E740481C1C}">
+                <a14:useLocalDpi xmlns:a14="http://schemas.microsoft.com/office/drawing/2010/main" val="0"/>
               </a:ext>
             </a:extLst>
-          </p:cNvPr>
-          <p:cNvSpPr/>
-          <p:nvPr/>
-        </p:nvSpPr>
-        <p:spPr>
-          <a:xfrm>
-            <a:off x="6905245" y="1427585"/>
-            <a:ext cx="1944216" cy="317650"/>
-          </a:xfrm>
-          <a:prstGeom prst="roundRect">
+          </a:blip>
+          <a:stretch>
+            <a:fillRect/>
+          </a:stretch>
+        </p:blipFill>
+        <p:spPr>
+          <a:xfrm>
+            <a:off x="1352600" y="4797152"/>
+            <a:ext cx="7590178" cy="1463167"/>
+          </a:xfrm>
+          <a:prstGeom prst="rect">
             <a:avLst/>
           </a:prstGeom>
-          <a:noFill/>
-          <a:ln w="12700">
+          <a:ln>
             <a:solidFill>
-              <a:schemeClr val="tx1"/>
+              <a:schemeClr val="bg1">
+                <a:lumMod val="85000"/>
+              </a:schemeClr>
             </a:solidFill>
           </a:ln>
         </p:spPr>
-        <p:style>
-          <a:lnRef idx="2">
-            <a:schemeClr val="accent2"/>
-          </a:lnRef>
-          <a:fillRef idx="1">
-            <a:schemeClr val="lt1"/>
-          </a:fillRef>
-          <a:effectRef idx="0">
-            <a:schemeClr val="accent2"/>
-          </a:effectRef>
-          <a:fontRef idx="minor">
-            <a:schemeClr val="dk1"/>
-          </a:fontRef>
-        </p:style>
-        <p:txBody>
-          <a:bodyPr rtlCol="0" anchor="ctr"/>
-          <a:lstStyle/>
-          <a:p>
-            <a:pPr algn="ctr"/>
-            <a:r>
-              <a:rPr lang="en-US" altLang="ko-KR" sz="1600" dirty="0" smtClean="0">
-                <a:solidFill>
-                  <a:sysClr val="windowText" lastClr="000000"/>
-                </a:solidFill>
-              </a:rPr>
-              <a:t>validation03.jsp</a:t>
-            </a:r>
-          </a:p>
-        </p:txBody>
-      </p:sp>
+      </p:pic>
     </p:spTree>
     <p:extLst>
       <p:ext uri="{BB962C8B-B14F-4D97-AF65-F5344CB8AC3E}">
-        <p14:creationId xmlns:p14="http://schemas.microsoft.com/office/powerpoint/2010/main" val="1912260780"/>
+        <p14:creationId xmlns:p14="http://schemas.microsoft.com/office/powerpoint/2010/main" val="4122447666"/>
       </p:ext>
     </p:extLst>
   </p:cSld>
@@ -5229,6 +5111,58 @@
           <a:chExt cx="0" cy="0"/>
         </a:xfrm>
       </p:grpSpPr>
+      <p:sp>
+        <p:nvSpPr>
+          <p:cNvPr id="15" name="제목 5"/>
+          <p:cNvSpPr txBox="1">
+            <a:spLocks/>
+          </p:cNvSpPr>
+          <p:nvPr/>
+        </p:nvSpPr>
+        <p:spPr>
+          <a:xfrm>
+            <a:off x="0" y="-27384"/>
+            <a:ext cx="7995338" cy="854968"/>
+          </a:xfrm>
+          <a:prstGeom prst="rect">
+            <a:avLst/>
+          </a:prstGeom>
+        </p:spPr>
+        <p:txBody>
+          <a:bodyPr anchor="ctr" anchorCtr="0"/>
+          <a:lstStyle>
+            <a:lvl1pPr algn="l" defTabSz="914400" rtl="0" eaLnBrk="1" latinLnBrk="1" hangingPunct="1">
+              <a:spcBef>
+                <a:spcPct val="0"/>
+              </a:spcBef>
+              <a:buNone/>
+              <a:defRPr sz="3200" kern="1200">
+                <a:solidFill>
+                  <a:schemeClr val="bg1"/>
+                </a:solidFill>
+                <a:latin typeface="HY헤드라인M" panose="02030600000101010101" pitchFamily="18" charset="-127"/>
+                <a:ea typeface="HY헤드라인M" panose="02030600000101010101" pitchFamily="18" charset="-127"/>
+                <a:cs typeface="+mj-cs"/>
+              </a:defRPr>
+            </a:lvl1pPr>
+          </a:lstStyle>
+          <a:p>
+            <a:r>
+              <a:rPr lang="en-US" altLang="ko-KR" dirty="0" smtClean="0"/>
+              <a:t> </a:t>
+            </a:r>
+            <a:r>
+              <a:rPr lang="ko-KR" altLang="en-US" dirty="0"/>
+              <a:t> </a:t>
+            </a:r>
+            <a:r>
+              <a:rPr lang="ko-KR" altLang="en-US" dirty="0" smtClean="0"/>
+              <a:t>자바스크립트 활용</a:t>
+            </a:r>
+            <a:endParaRPr lang="ko-KR" altLang="en-US" dirty="0"/>
+          </a:p>
+        </p:txBody>
+      </p:sp>
       <p:pic>
         <p:nvPicPr>
           <p:cNvPr id="2" name="그림 1"/>
@@ -5251,8 +5185,8 @@
         </p:blipFill>
         <p:spPr>
           <a:xfrm>
-            <a:off x="1239552" y="2269277"/>
-            <a:ext cx="7376800" cy="3535987"/>
+            <a:off x="1208584" y="2060848"/>
+            <a:ext cx="7216765" cy="2263336"/>
           </a:xfrm>
           <a:prstGeom prst="rect">
             <a:avLst/>
@@ -5268,121 +5202,10 @@
       </p:pic>
       <p:sp>
         <p:nvSpPr>
-          <p:cNvPr id="15" name="제목 5"/>
-          <p:cNvSpPr txBox="1">
-            <a:spLocks/>
-          </p:cNvSpPr>
-          <p:nvPr/>
-        </p:nvSpPr>
-        <p:spPr>
-          <a:xfrm>
-            <a:off x="0" y="-27384"/>
-            <a:ext cx="7995338" cy="854968"/>
-          </a:xfrm>
-          <a:prstGeom prst="rect">
-            <a:avLst/>
-          </a:prstGeom>
-        </p:spPr>
-        <p:txBody>
-          <a:bodyPr anchor="ctr" anchorCtr="0"/>
-          <a:lstStyle>
-            <a:lvl1pPr algn="l" defTabSz="914400" rtl="0" eaLnBrk="1" latinLnBrk="1" hangingPunct="1">
-              <a:spcBef>
-                <a:spcPct val="0"/>
-              </a:spcBef>
-              <a:buNone/>
-              <a:defRPr sz="3200" kern="1200">
-                <a:solidFill>
-                  <a:schemeClr val="bg1"/>
-                </a:solidFill>
-                <a:latin typeface="HY헤드라인M" panose="02030600000101010101" pitchFamily="18" charset="-127"/>
-                <a:ea typeface="HY헤드라인M" panose="02030600000101010101" pitchFamily="18" charset="-127"/>
-                <a:cs typeface="+mj-cs"/>
-              </a:defRPr>
-            </a:lvl1pPr>
-          </a:lstStyle>
-          <a:p>
-            <a:r>
-              <a:rPr lang="en-US" altLang="ko-KR" dirty="0" smtClean="0"/>
-              <a:t> </a:t>
-            </a:r>
-            <a:r>
-              <a:rPr lang="ko-KR" altLang="en-US" dirty="0"/>
-              <a:t> 유효성 검사</a:t>
-            </a:r>
-            <a:r>
-              <a:rPr lang="en-US" altLang="ko-KR" dirty="0"/>
-              <a:t>(validation)</a:t>
-            </a:r>
-            <a:endParaRPr lang="ko-KR" altLang="en-US" dirty="0"/>
-          </a:p>
-        </p:txBody>
-      </p:sp>
-      <p:sp>
-        <p:nvSpPr>
-          <p:cNvPr id="5" name="TextBox 4"/>
-          <p:cNvSpPr txBox="1"/>
-          <p:nvPr/>
-        </p:nvSpPr>
-        <p:spPr>
-          <a:xfrm>
-            <a:off x="776536" y="980728"/>
-            <a:ext cx="8496944" cy="494494"/>
-          </a:xfrm>
-          <a:prstGeom prst="rect">
-            <a:avLst/>
-          </a:prstGeom>
-          <a:noFill/>
-        </p:spPr>
-        <p:txBody>
-          <a:bodyPr wrap="square" rtlCol="0">
-            <a:spAutoFit/>
-          </a:bodyPr>
-          <a:lstStyle/>
-          <a:p>
-            <a:pPr>
-              <a:lnSpc>
-                <a:spcPct val="150000"/>
-              </a:lnSpc>
-            </a:pPr>
-            <a:r>
-              <a:rPr lang="ko-KR" altLang="en-US" sz="2000" b="1" dirty="0" smtClean="0"/>
-              <a:t>폼</a:t>
-            </a:r>
-            <a:r>
-              <a:rPr lang="en-US" altLang="ko-KR" sz="2000" b="1" dirty="0" smtClean="0"/>
-              <a:t>(form)</a:t>
-            </a:r>
-            <a:r>
-              <a:rPr lang="ko-KR" altLang="en-US" sz="2000" b="1" dirty="0"/>
-              <a:t>에</a:t>
-            </a:r>
-            <a:r>
-              <a:rPr lang="ko-KR" altLang="en-US" sz="2000" b="1" dirty="0" smtClean="0"/>
-              <a:t> </a:t>
-            </a:r>
-            <a:r>
-              <a:rPr lang="en-US" altLang="ko-KR" sz="2000" b="1" dirty="0" err="1" smtClean="0"/>
-              <a:t>onsubmit</a:t>
-            </a:r>
-            <a:r>
-              <a:rPr lang="en-US" altLang="ko-KR" sz="2000" b="1" dirty="0" smtClean="0"/>
-              <a:t> </a:t>
-            </a:r>
-            <a:r>
-              <a:rPr lang="ko-KR" altLang="en-US" sz="2000" b="1" dirty="0" smtClean="0"/>
-              <a:t>속성 사용하기</a:t>
-            </a:r>
-            <a:endParaRPr lang="en-US" altLang="ko-KR" sz="2000" b="1" dirty="0" smtClean="0"/>
-          </a:p>
-        </p:txBody>
-      </p:sp>
-      <p:sp>
-        <p:nvSpPr>
-          <p:cNvPr id="8" name="모서리가 둥근 직사각형 7">
+          <p:cNvPr id="4" name="모서리가 둥근 직사각형 3">
             <a:extLst>
               <a:ext uri="{FF2B5EF4-FFF2-40B4-BE49-F238E27FC236}">
-                <a16:creationId xmlns:a16="http://schemas.microsoft.com/office/drawing/2014/main" xmlns="" id="{792DA8B4-17B2-454B-97AC-17311A4832C5}"/>
+                <a16:creationId xmlns:a16="http://schemas.microsoft.com/office/drawing/2014/main" id="{792DA8B4-17B2-454B-97AC-17311A4832C5}"/>
               </a:ext>
             </a:extLst>
           </p:cNvPr>
@@ -5391,18 +5214,17 @@
         </p:nvSpPr>
         <p:spPr>
           <a:xfrm>
-            <a:off x="1739067" y="2866234"/>
-            <a:ext cx="7102365" cy="562765"/>
+            <a:off x="5761053" y="1412776"/>
+            <a:ext cx="2664296" cy="317650"/>
           </a:xfrm>
           <a:prstGeom prst="roundRect">
             <a:avLst/>
           </a:prstGeom>
           <a:noFill/>
-          <a:ln w="19050">
+          <a:ln w="12700">
             <a:solidFill>
-              <a:srgbClr val="C00000"/>
+              <a:schemeClr val="tx1"/>
             </a:solidFill>
-            <a:prstDash val="sysDash"/>
           </a:ln>
         </p:spPr>
         <p:style>
@@ -5424,88 +5246,23 @@
           <a:lstStyle/>
           <a:p>
             <a:pPr algn="ctr"/>
-            <a:endParaRPr lang="ko-KR" altLang="en-US" sz="1300" dirty="0">
-              <a:solidFill>
-                <a:srgbClr val="C00000"/>
-              </a:solidFill>
-            </a:endParaRPr>
-          </a:p>
-        </p:txBody>
-      </p:sp>
-      <p:sp>
-        <p:nvSpPr>
-          <p:cNvPr id="10" name="모서리가 둥근 직사각형 9"/>
-          <p:cNvSpPr/>
-          <p:nvPr/>
-        </p:nvSpPr>
-        <p:spPr>
-          <a:xfrm>
-            <a:off x="4174368" y="1754327"/>
-            <a:ext cx="4464496" cy="432048"/>
-          </a:xfrm>
-          <a:prstGeom prst="roundRect">
-            <a:avLst/>
-          </a:prstGeom>
-          <a:noFill/>
-          <a:ln w="19050">
-            <a:solidFill>
-              <a:srgbClr val="C00000"/>
-            </a:solidFill>
-          </a:ln>
-        </p:spPr>
-        <p:style>
-          <a:lnRef idx="2">
-            <a:schemeClr val="accent1">
-              <a:shade val="50000"/>
-            </a:schemeClr>
-          </a:lnRef>
-          <a:fillRef idx="1">
-            <a:schemeClr val="accent1"/>
-          </a:fillRef>
-          <a:effectRef idx="0">
-            <a:schemeClr val="accent1"/>
-          </a:effectRef>
-          <a:fontRef idx="minor">
-            <a:schemeClr val="lt1"/>
-          </a:fontRef>
-        </p:style>
-        <p:txBody>
-          <a:bodyPr rtlCol="0" anchor="ctr"/>
-          <a:lstStyle/>
-          <a:p>
             <a:r>
               <a:rPr lang="en-US" altLang="ko-KR" sz="1600" dirty="0" smtClean="0">
                 <a:solidFill>
                   <a:sysClr val="windowText" lastClr="000000"/>
                 </a:solidFill>
               </a:rPr>
-              <a:t>※ return </a:t>
-            </a:r>
-            <a:r>
-              <a:rPr lang="ko-KR" altLang="en-US" sz="1600" dirty="0" smtClean="0">
+              <a:t>validation/</a:t>
+            </a:r>
+            <a:r>
+              <a:rPr lang="en-US" altLang="ko-KR" sz="1600" dirty="0" err="1" smtClean="0">
                 <a:solidFill>
                   <a:sysClr val="windowText" lastClr="000000"/>
                 </a:solidFill>
               </a:rPr>
-              <a:t>을 생략하면 </a:t>
-            </a:r>
-            <a:r>
-              <a:rPr lang="en-US" altLang="ko-KR" sz="1600" dirty="0" smtClean="0">
-                <a:solidFill>
-                  <a:sysClr val="windowText" lastClr="000000"/>
-                </a:solidFill>
-              </a:rPr>
-              <a:t>action </a:t>
-            </a:r>
-            <a:r>
-              <a:rPr lang="ko-KR" altLang="en-US" sz="1600" dirty="0" smtClean="0">
-                <a:solidFill>
-                  <a:sysClr val="windowText" lastClr="000000"/>
-                </a:solidFill>
-              </a:rPr>
-              <a:t>페이지로 이동함 </a:t>
-            </a:r>
-            <a:endParaRPr lang="ko-KR" altLang="en-US" sz="1600" dirty="0">
+              <a:t>regForm.jsp</a:t>
+            </a:r>
+            <a:endParaRPr lang="en-US" altLang="ko-KR" sz="1600" dirty="0" smtClean="0">
               <a:solidFill>
                 <a:sysClr val="windowText" lastClr="000000"/>
               </a:solidFill>
@@ -5513,104 +5270,10 @@
           </a:p>
         </p:txBody>
       </p:sp>
-      <p:cxnSp>
-        <p:nvCxnSpPr>
-          <p:cNvPr id="11" name="직선 화살표 연결선 10"/>
-          <p:cNvCxnSpPr/>
-          <p:nvPr/>
-        </p:nvCxnSpPr>
-        <p:spPr>
-          <a:xfrm>
-            <a:off x="7833320" y="2186374"/>
-            <a:ext cx="0" cy="649113"/>
-          </a:xfrm>
-          <a:prstGeom prst="straightConnector1">
-            <a:avLst/>
-          </a:prstGeom>
-          <a:ln w="12700">
-            <a:solidFill>
-              <a:srgbClr val="C00000"/>
-            </a:solidFill>
-            <a:headEnd type="none" w="med" len="med"/>
-            <a:tailEnd type="triangle" w="med" len="med"/>
-          </a:ln>
-        </p:spPr>
-        <p:style>
-          <a:lnRef idx="2">
-            <a:schemeClr val="dk1"/>
-          </a:lnRef>
-          <a:fillRef idx="1">
-            <a:schemeClr val="lt1"/>
-          </a:fillRef>
-          <a:effectRef idx="0">
-            <a:schemeClr val="dk1"/>
-          </a:effectRef>
-          <a:fontRef idx="minor">
-            <a:schemeClr val="dk1"/>
-          </a:fontRef>
-        </p:style>
-      </p:cxnSp>
-      <p:sp>
-        <p:nvSpPr>
-          <p:cNvPr id="14" name="모서리가 둥근 직사각형 13">
-            <a:extLst>
-              <a:ext uri="{FF2B5EF4-FFF2-40B4-BE49-F238E27FC236}">
-                <a16:creationId xmlns:a16="http://schemas.microsoft.com/office/drawing/2014/main" xmlns="" id="{792DA8B4-17B2-454B-97AC-17311A4832C5}"/>
-              </a:ext>
-            </a:extLst>
-          </p:cNvPr>
-          <p:cNvSpPr/>
-          <p:nvPr/>
-        </p:nvSpPr>
-        <p:spPr>
-          <a:xfrm>
-            <a:off x="1239552" y="1811526"/>
-            <a:ext cx="1944216" cy="317650"/>
-          </a:xfrm>
-          <a:prstGeom prst="roundRect">
-            <a:avLst/>
-          </a:prstGeom>
-          <a:noFill/>
-          <a:ln w="12700">
-            <a:solidFill>
-              <a:schemeClr val="tx1"/>
-            </a:solidFill>
-          </a:ln>
-        </p:spPr>
-        <p:style>
-          <a:lnRef idx="2">
-            <a:schemeClr val="accent2"/>
-          </a:lnRef>
-          <a:fillRef idx="1">
-            <a:schemeClr val="lt1"/>
-          </a:fillRef>
-          <a:effectRef idx="0">
-            <a:schemeClr val="accent2"/>
-          </a:effectRef>
-          <a:fontRef idx="minor">
-            <a:schemeClr val="dk1"/>
-          </a:fontRef>
-        </p:style>
-        <p:txBody>
-          <a:bodyPr rtlCol="0" anchor="ctr"/>
-          <a:lstStyle/>
-          <a:p>
-            <a:pPr algn="ctr"/>
-            <a:r>
-              <a:rPr lang="en-US" altLang="ko-KR" sz="1600" dirty="0" smtClean="0">
-                <a:solidFill>
-                  <a:sysClr val="windowText" lastClr="000000"/>
-                </a:solidFill>
-              </a:rPr>
-              <a:t>validation04.jsp</a:t>
-            </a:r>
-          </a:p>
-        </p:txBody>
-      </p:sp>
     </p:spTree>
     <p:extLst>
       <p:ext uri="{BB962C8B-B14F-4D97-AF65-F5344CB8AC3E}">
-        <p14:creationId xmlns:p14="http://schemas.microsoft.com/office/powerpoint/2010/main" val="268817249"/>
+        <p14:creationId xmlns:p14="http://schemas.microsoft.com/office/powerpoint/2010/main" val="2308628790"/>
       </p:ext>
     </p:extLst>
   </p:cSld>
@@ -5704,8 +5367,8 @@
         </p:nvSpPr>
         <p:spPr>
           <a:xfrm>
-            <a:off x="776536" y="980728"/>
-            <a:ext cx="8496944" cy="553998"/>
+            <a:off x="776536" y="1123046"/>
+            <a:ext cx="8496944" cy="494494"/>
           </a:xfrm>
           <a:prstGeom prst="rect">
             <a:avLst/>
@@ -5718,10 +5381,12 @@
           </a:bodyPr>
           <a:lstStyle/>
           <a:p>
-            <a:pPr>
+            <a:pPr marL="342900" indent="-342900">
               <a:lnSpc>
                 <a:spcPct val="150000"/>
               </a:lnSpc>
+              <a:buFont typeface="Wingdings" panose="05000000000000000000" pitchFamily="2" charset="2"/>
+              <a:buChar char="§"/>
             </a:pPr>
             <a:r>
               <a:rPr lang="ko-KR" altLang="en-US" sz="2000" b="1" dirty="0" smtClean="0"/>
@@ -5739,7 +5404,7 @@
         </p:nvSpPr>
         <p:spPr>
           <a:xfrm>
-            <a:off x="1309892" y="1628800"/>
+            <a:off x="1309892" y="1771118"/>
             <a:ext cx="5587324" cy="408623"/>
           </a:xfrm>
           <a:prstGeom prst="roundRect">
@@ -5770,7 +5435,7 @@
             <a:r>
               <a:rPr lang="en-US" altLang="ko-KR" b="1" dirty="0" err="1" smtClean="0">
                 <a:solidFill>
-                  <a:srgbClr val="C00000"/>
+                  <a:schemeClr val="tx1"/>
                 </a:solidFill>
               </a:rPr>
               <a:t>isNaN</a:t>
@@ -5825,7 +5490,7 @@
       </p:sp>
       <p:pic>
         <p:nvPicPr>
-          <p:cNvPr id="4" name="그림 3"/>
+          <p:cNvPr id="7" name="그림 6"/>
           <p:cNvPicPr>
             <a:picLocks noChangeAspect="1"/>
           </p:cNvPicPr>
@@ -5845,8 +5510,8 @@
         </p:blipFill>
         <p:spPr>
           <a:xfrm>
-            <a:off x="1496616" y="2396344"/>
-            <a:ext cx="4404742" cy="2209992"/>
+            <a:off x="1309892" y="2635214"/>
+            <a:ext cx="6614733" cy="1729890"/>
           </a:xfrm>
           <a:prstGeom prst="rect">
             <a:avLst/>
@@ -5939,7 +5604,11 @@
             </a:r>
             <a:r>
               <a:rPr lang="ko-KR" altLang="en-US" dirty="0"/>
-              <a:t> 유효성 검사</a:t>
+              <a:t> </a:t>
+            </a:r>
+            <a:r>
+              <a:rPr lang="ko-KR" altLang="en-US" dirty="0"/>
+              <a:t>유효성 검사</a:t>
             </a:r>
             <a:r>
               <a:rPr lang="en-US" altLang="ko-KR" dirty="0"/>
@@ -5951,14 +5620,14 @@
       </p:sp>
       <p:sp>
         <p:nvSpPr>
-          <p:cNvPr id="5" name="TextBox 4"/>
+          <p:cNvPr id="11" name="TextBox 10"/>
           <p:cNvSpPr txBox="1"/>
           <p:nvPr/>
         </p:nvSpPr>
         <p:spPr>
           <a:xfrm>
-            <a:off x="776536" y="980728"/>
-            <a:ext cx="8496944" cy="494494"/>
+            <a:off x="992560" y="1174508"/>
+            <a:ext cx="8712968" cy="454292"/>
           </a:xfrm>
           <a:prstGeom prst="rect">
             <a:avLst/>
@@ -5977,28 +5646,78 @@
               </a:lnSpc>
             </a:pPr>
             <a:r>
-              <a:rPr lang="ko-KR" altLang="en-US" sz="2000" b="1" dirty="0" smtClean="0"/>
-              <a:t>자바스크립트 </a:t>
-            </a:r>
-            <a:r>
-              <a:rPr lang="en-US" altLang="ko-KR" sz="2000" b="1" dirty="0" err="1" smtClean="0"/>
-              <a:t>charAt</a:t>
-            </a:r>
-            <a:r>
-              <a:rPr lang="en-US" altLang="ko-KR" sz="2000" b="1" dirty="0" smtClean="0"/>
-              <a:t>() </a:t>
-            </a:r>
-            <a:r>
-              <a:rPr lang="ko-KR" altLang="en-US" sz="2000" b="1" dirty="0" err="1" smtClean="0"/>
-              <a:t>메서드</a:t>
-            </a:r>
-            <a:endParaRPr lang="en-US" altLang="ko-KR" sz="2000" b="1" dirty="0" smtClean="0"/>
+              <a:rPr lang="ko-KR" altLang="en-US" b="1" dirty="0" smtClean="0"/>
+              <a:t>구구단 애플리케이션 만들기</a:t>
+            </a:r>
+            <a:endParaRPr lang="en-US" altLang="ko-KR" b="1" dirty="0" smtClean="0"/>
+          </a:p>
+        </p:txBody>
+      </p:sp>
+      <p:sp>
+        <p:nvSpPr>
+          <p:cNvPr id="7" name="모서리가 둥근 직사각형 6">
+            <a:extLst>
+              <a:ext uri="{FF2B5EF4-FFF2-40B4-BE49-F238E27FC236}">
+                <a16:creationId xmlns:a16="http://schemas.microsoft.com/office/drawing/2014/main" id="{792DA8B4-17B2-454B-97AC-17311A4832C5}"/>
+              </a:ext>
+            </a:extLst>
+          </p:cNvPr>
+          <p:cNvSpPr/>
+          <p:nvPr/>
+        </p:nvSpPr>
+        <p:spPr>
+          <a:xfrm>
+            <a:off x="6465168" y="1783436"/>
+            <a:ext cx="1686988" cy="317650"/>
+          </a:xfrm>
+          <a:prstGeom prst="roundRect">
+            <a:avLst/>
+          </a:prstGeom>
+          <a:noFill/>
+          <a:ln w="12700">
+            <a:solidFill>
+              <a:schemeClr val="tx1"/>
+            </a:solidFill>
+          </a:ln>
+        </p:spPr>
+        <p:style>
+          <a:lnRef idx="2">
+            <a:schemeClr val="accent2"/>
+          </a:lnRef>
+          <a:fillRef idx="1">
+            <a:schemeClr val="lt1"/>
+          </a:fillRef>
+          <a:effectRef idx="0">
+            <a:schemeClr val="accent2"/>
+          </a:effectRef>
+          <a:fontRef idx="minor">
+            <a:schemeClr val="dk1"/>
+          </a:fontRef>
+        </p:style>
+        <p:txBody>
+          <a:bodyPr rtlCol="0" anchor="ctr"/>
+          <a:lstStyle/>
+          <a:p>
+            <a:pPr algn="ctr"/>
+            <a:r>
+              <a:rPr lang="en-US" altLang="ko-KR" sz="1600" dirty="0" err="1" smtClean="0">
+                <a:solidFill>
+                  <a:sysClr val="windowText" lastClr="000000"/>
+                </a:solidFill>
+              </a:rPr>
+              <a:t>guguForm.jsp</a:t>
+            </a:r>
+            <a:endParaRPr lang="en-US" altLang="ko-KR" sz="1600" dirty="0" smtClean="0">
+              <a:solidFill>
+                <a:sysClr val="windowText" lastClr="000000"/>
+              </a:solidFill>
+            </a:endParaRPr>
           </a:p>
         </p:txBody>
       </p:sp>
       <p:pic>
         <p:nvPicPr>
-          <p:cNvPr id="9" name="그림 8"/>
+          <p:cNvPr id="4" name="그림 3"/>
           <p:cNvPicPr>
             <a:picLocks noChangeAspect="1"/>
           </p:cNvPicPr>
@@ -6018,17 +5737,16 @@
         </p:blipFill>
         <p:spPr>
           <a:xfrm>
-            <a:off x="1208584" y="1589654"/>
-            <a:ext cx="7002778" cy="1345972"/>
+            <a:off x="704528" y="2346483"/>
+            <a:ext cx="7616756" cy="2983588"/>
           </a:xfrm>
           <a:prstGeom prst="rect">
             <a:avLst/>
           </a:prstGeom>
           <a:ln>
             <a:solidFill>
-              <a:schemeClr val="accent4">
-                <a:lumMod val="20000"/>
-                <a:lumOff val="80000"/>
+              <a:schemeClr val="bg1">
+                <a:lumMod val="85000"/>
               </a:schemeClr>
             </a:solidFill>
           </a:ln>
@@ -6036,7 +5754,7 @@
       </p:pic>
       <p:pic>
         <p:nvPicPr>
-          <p:cNvPr id="10" name="그림 9"/>
+          <p:cNvPr id="3" name="그림 2"/>
           <p:cNvPicPr>
             <a:picLocks noChangeAspect="1"/>
           </p:cNvPicPr>
@@ -6056,17 +5774,16 @@
         </p:blipFill>
         <p:spPr>
           <a:xfrm>
-            <a:off x="2000672" y="3068960"/>
-            <a:ext cx="5256584" cy="3231906"/>
+            <a:off x="7617296" y="2492896"/>
+            <a:ext cx="2166826" cy="1935996"/>
           </a:xfrm>
           <a:prstGeom prst="rect">
             <a:avLst/>
           </a:prstGeom>
           <a:ln>
             <a:solidFill>
-              <a:schemeClr val="accent4">
-                <a:lumMod val="20000"/>
-                <a:lumOff val="80000"/>
+              <a:schemeClr val="bg1">
+                <a:lumMod val="85000"/>
               </a:schemeClr>
             </a:solidFill>
           </a:ln>
@@ -6075,7 +5792,7 @@
     </p:spTree>
     <p:extLst>
       <p:ext uri="{BB962C8B-B14F-4D97-AF65-F5344CB8AC3E}">
-        <p14:creationId xmlns:p14="http://schemas.microsoft.com/office/powerpoint/2010/main" val="2990879503"/>
+        <p14:creationId xmlns:p14="http://schemas.microsoft.com/office/powerpoint/2010/main" val="2845720381"/>
       </p:ext>
     </p:extLst>
   </p:cSld>
@@ -6151,19 +5868,84 @@
             </a:r>
             <a:r>
               <a:rPr lang="ko-KR" altLang="en-US" dirty="0"/>
-              <a:t> 유효성 검사</a:t>
+              <a:t> </a:t>
+            </a:r>
+            <a:r>
+              <a:rPr lang="ko-KR" altLang="en-US" dirty="0"/>
+              <a:t>유효성 검사</a:t>
             </a:r>
             <a:r>
               <a:rPr lang="en-US" altLang="ko-KR" dirty="0"/>
-              <a:t>(validation)</a:t>
+              <a:t>(validation</a:t>
+            </a:r>
+            <a:r>
+              <a:rPr lang="en-US" altLang="ko-KR" dirty="0" smtClean="0"/>
+              <a:t>)</a:t>
             </a:r>
             <a:endParaRPr lang="ko-KR" altLang="en-US" dirty="0"/>
+          </a:p>
+        </p:txBody>
+      </p:sp>
+      <p:sp>
+        <p:nvSpPr>
+          <p:cNvPr id="7" name="모서리가 둥근 직사각형 6">
+            <a:extLst>
+              <a:ext uri="{FF2B5EF4-FFF2-40B4-BE49-F238E27FC236}">
+                <a16:creationId xmlns:a16="http://schemas.microsoft.com/office/drawing/2014/main" id="{792DA8B4-17B2-454B-97AC-17311A4832C5}"/>
+              </a:ext>
+            </a:extLst>
+          </p:cNvPr>
+          <p:cNvSpPr/>
+          <p:nvPr/>
+        </p:nvSpPr>
+        <p:spPr>
+          <a:xfrm>
+            <a:off x="5127824" y="1583570"/>
+            <a:ext cx="1841400" cy="317650"/>
+          </a:xfrm>
+          <a:prstGeom prst="roundRect">
+            <a:avLst/>
+          </a:prstGeom>
+          <a:noFill/>
+          <a:ln w="12700">
+            <a:solidFill>
+              <a:schemeClr val="tx1"/>
+            </a:solidFill>
+          </a:ln>
+        </p:spPr>
+        <p:style>
+          <a:lnRef idx="2">
+            <a:schemeClr val="accent2"/>
+          </a:lnRef>
+          <a:fillRef idx="1">
+            <a:schemeClr val="lt1"/>
+          </a:fillRef>
+          <a:effectRef idx="0">
+            <a:schemeClr val="accent2"/>
+          </a:effectRef>
+          <a:fontRef idx="minor">
+            <a:schemeClr val="dk1"/>
+          </a:fontRef>
+        </p:style>
+        <p:txBody>
+          <a:bodyPr rtlCol="0" anchor="ctr"/>
+          <a:lstStyle/>
+          <a:p>
+            <a:pPr algn="ctr"/>
+            <a:r>
+              <a:rPr lang="en-US" altLang="ko-KR" sz="1600" dirty="0" smtClean="0">
+                <a:solidFill>
+                  <a:sysClr val="windowText" lastClr="000000"/>
+                </a:solidFill>
+              </a:rPr>
+              <a:t>GuguBean.java</a:t>
+            </a:r>
           </a:p>
         </p:txBody>
       </p:sp>
       <p:pic>
         <p:nvPicPr>
-          <p:cNvPr id="4" name="그림 3"/>
+          <p:cNvPr id="2" name="그림 1"/>
           <p:cNvPicPr>
             <a:picLocks noChangeAspect="1"/>
           </p:cNvPicPr>
@@ -6183,8 +5965,8 @@
         </p:blipFill>
         <p:spPr>
           <a:xfrm>
-            <a:off x="1064568" y="1412776"/>
-            <a:ext cx="7956748" cy="4154276"/>
+            <a:off x="1451112" y="2132856"/>
+            <a:ext cx="6530906" cy="2484335"/>
           </a:xfrm>
           <a:prstGeom prst="rect">
             <a:avLst/>
@@ -6198,67 +5980,10 @@
           </a:ln>
         </p:spPr>
       </p:pic>
-      <p:sp>
-        <p:nvSpPr>
-          <p:cNvPr id="9" name="모서리가 둥근 직사각형 8">
-            <a:extLst>
-              <a:ext uri="{FF2B5EF4-FFF2-40B4-BE49-F238E27FC236}">
-                <a16:creationId xmlns:a16="http://schemas.microsoft.com/office/drawing/2014/main" xmlns="" id="{792DA8B4-17B2-454B-97AC-17311A4832C5}"/>
-              </a:ext>
-            </a:extLst>
-          </p:cNvPr>
-          <p:cNvSpPr/>
-          <p:nvPr/>
-        </p:nvSpPr>
-        <p:spPr>
-          <a:xfrm>
-            <a:off x="7185248" y="1687119"/>
-            <a:ext cx="1944216" cy="317650"/>
-          </a:xfrm>
-          <a:prstGeom prst="roundRect">
-            <a:avLst/>
-          </a:prstGeom>
-          <a:noFill/>
-          <a:ln w="12700">
-            <a:solidFill>
-              <a:schemeClr val="tx1"/>
-            </a:solidFill>
-          </a:ln>
-        </p:spPr>
-        <p:style>
-          <a:lnRef idx="2">
-            <a:schemeClr val="accent2"/>
-          </a:lnRef>
-          <a:fillRef idx="1">
-            <a:schemeClr val="lt1"/>
-          </a:fillRef>
-          <a:effectRef idx="0">
-            <a:schemeClr val="accent2"/>
-          </a:effectRef>
-          <a:fontRef idx="minor">
-            <a:schemeClr val="dk1"/>
-          </a:fontRef>
-        </p:style>
-        <p:txBody>
-          <a:bodyPr rtlCol="0" anchor="ctr"/>
-          <a:lstStyle/>
-          <a:p>
-            <a:pPr algn="ctr"/>
-            <a:r>
-              <a:rPr lang="en-US" altLang="ko-KR" sz="1600" b="1" dirty="0" smtClean="0">
-                <a:solidFill>
-                  <a:sysClr val="windowText" lastClr="000000"/>
-                </a:solidFill>
-              </a:rPr>
-              <a:t>checklogin.js</a:t>
-            </a:r>
-          </a:p>
-        </p:txBody>
-      </p:sp>
     </p:spTree>
     <p:extLst>
       <p:ext uri="{BB962C8B-B14F-4D97-AF65-F5344CB8AC3E}">
-        <p14:creationId xmlns:p14="http://schemas.microsoft.com/office/powerpoint/2010/main" val="708062030"/>
+        <p14:creationId xmlns:p14="http://schemas.microsoft.com/office/powerpoint/2010/main" val="3345424254"/>
       </p:ext>
     </p:extLst>
   </p:cSld>
@@ -6334,11 +6059,19 @@
             </a:r>
             <a:r>
               <a:rPr lang="ko-KR" altLang="en-US" dirty="0"/>
-              <a:t> 유효성 검사</a:t>
+              <a:t> </a:t>
+            </a:r>
+            <a:r>
+              <a:rPr lang="ko-KR" altLang="en-US" dirty="0"/>
+              <a:t>유효성 검사</a:t>
             </a:r>
             <a:r>
               <a:rPr lang="en-US" altLang="ko-KR" dirty="0"/>
-              <a:t>(validation)</a:t>
+              <a:t>(validation</a:t>
+            </a:r>
+            <a:r>
+              <a:rPr lang="en-US" altLang="ko-KR" dirty="0" smtClean="0"/>
+              <a:t>)</a:t>
             </a:r>
             <a:endParaRPr lang="ko-KR" altLang="en-US" dirty="0"/>
           </a:p>
@@ -6346,10 +6079,10 @@
       </p:sp>
       <p:sp>
         <p:nvSpPr>
-          <p:cNvPr id="9" name="모서리가 둥근 직사각형 8">
+          <p:cNvPr id="8" name="모서리가 둥근 직사각형 7">
             <a:extLst>
               <a:ext uri="{FF2B5EF4-FFF2-40B4-BE49-F238E27FC236}">
-                <a16:creationId xmlns:a16="http://schemas.microsoft.com/office/drawing/2014/main" xmlns="" id="{792DA8B4-17B2-454B-97AC-17311A4832C5}"/>
+                <a16:creationId xmlns:a16="http://schemas.microsoft.com/office/drawing/2014/main" id="{792DA8B4-17B2-454B-97AC-17311A4832C5}"/>
               </a:ext>
             </a:extLst>
           </p:cNvPr>
@@ -6358,8 +6091,8 @@
         </p:nvSpPr>
         <p:spPr>
           <a:xfrm>
-            <a:off x="5097016" y="1484784"/>
-            <a:ext cx="1944216" cy="317650"/>
+            <a:off x="6906456" y="1484784"/>
+            <a:ext cx="1872208" cy="317650"/>
           </a:xfrm>
           <a:prstGeom prst="roundRect">
             <a:avLst/>
@@ -6391,13 +6124,18 @@
           <a:p>
             <a:pPr algn="ctr"/>
             <a:r>
-              <a:rPr lang="en-US" altLang="ko-KR" sz="1600" b="1" dirty="0" smtClean="0">
+              <a:rPr lang="en-US" altLang="ko-KR" sz="1600" dirty="0" err="1" smtClean="0">
                 <a:solidFill>
                   <a:sysClr val="windowText" lastClr="000000"/>
                 </a:solidFill>
               </a:rPr>
-              <a:t>checklogin.js</a:t>
-            </a:r>
+              <a:t>guguProcess.jsp</a:t>
+            </a:r>
+            <a:endParaRPr lang="en-US" altLang="ko-KR" sz="1600" dirty="0" smtClean="0">
+              <a:solidFill>
+                <a:sysClr val="windowText" lastClr="000000"/>
+              </a:solidFill>
+            </a:endParaRPr>
           </a:p>
         </p:txBody>
       </p:sp>
@@ -6423,8 +6161,8 @@
         </p:blipFill>
         <p:spPr>
           <a:xfrm>
-            <a:off x="1973493" y="2011355"/>
-            <a:ext cx="5067739" cy="2880610"/>
+            <a:off x="1280592" y="2060848"/>
+            <a:ext cx="7544454" cy="2918713"/>
           </a:xfrm>
           <a:prstGeom prst="rect">
             <a:avLst/>
@@ -6441,7 +6179,7 @@
     </p:spTree>
     <p:extLst>
       <p:ext uri="{BB962C8B-B14F-4D97-AF65-F5344CB8AC3E}">
-        <p14:creationId xmlns:p14="http://schemas.microsoft.com/office/powerpoint/2010/main" val="1452147318"/>
+        <p14:creationId xmlns:p14="http://schemas.microsoft.com/office/powerpoint/2010/main" val="1884902717"/>
       </p:ext>
     </p:extLst>
   </p:cSld>
@@ -6520,6 +6258,1402 @@
               <a:t> </a:t>
             </a:r>
             <a:r>
+              <a:rPr lang="ko-KR" altLang="en-US" dirty="0"/>
+              <a:t>유효성 검사</a:t>
+            </a:r>
+            <a:r>
+              <a:rPr lang="en-US" altLang="ko-KR" dirty="0"/>
+              <a:t>(validation)</a:t>
+            </a:r>
+            <a:endParaRPr lang="ko-KR" altLang="en-US" dirty="0"/>
+          </a:p>
+        </p:txBody>
+      </p:sp>
+      <p:pic>
+        <p:nvPicPr>
+          <p:cNvPr id="2" name="그림 1"/>
+          <p:cNvPicPr>
+            <a:picLocks noChangeAspect="1"/>
+          </p:cNvPicPr>
+          <p:nvPr/>
+        </p:nvPicPr>
+        <p:blipFill>
+          <a:blip r:embed="rId2">
+            <a:extLst>
+              <a:ext uri="{28A0092B-C50C-407E-A947-70E740481C1C}">
+                <a14:useLocalDpi xmlns:a14="http://schemas.microsoft.com/office/drawing/2010/main" val="0"/>
+              </a:ext>
+            </a:extLst>
+          </a:blip>
+          <a:stretch>
+            <a:fillRect/>
+          </a:stretch>
+        </p:blipFill>
+        <p:spPr>
+          <a:xfrm>
+            <a:off x="1640632" y="1484784"/>
+            <a:ext cx="5692633" cy="4320914"/>
+          </a:xfrm>
+          <a:prstGeom prst="rect">
+            <a:avLst/>
+          </a:prstGeom>
+          <a:ln>
+            <a:solidFill>
+              <a:schemeClr val="bg1">
+                <a:lumMod val="85000"/>
+              </a:schemeClr>
+            </a:solidFill>
+          </a:ln>
+        </p:spPr>
+      </p:pic>
+      <p:sp>
+        <p:nvSpPr>
+          <p:cNvPr id="8" name="모서리가 둥근 직사각형 7">
+            <a:extLst>
+              <a:ext uri="{FF2B5EF4-FFF2-40B4-BE49-F238E27FC236}">
+                <a16:creationId xmlns:a16="http://schemas.microsoft.com/office/drawing/2014/main" id="{792DA8B4-17B2-454B-97AC-17311A4832C5}"/>
+              </a:ext>
+            </a:extLst>
+          </p:cNvPr>
+          <p:cNvSpPr/>
+          <p:nvPr/>
+        </p:nvSpPr>
+        <p:spPr>
+          <a:xfrm>
+            <a:off x="6033120" y="1700808"/>
+            <a:ext cx="1872208" cy="317650"/>
+          </a:xfrm>
+          <a:prstGeom prst="roundRect">
+            <a:avLst/>
+          </a:prstGeom>
+          <a:noFill/>
+          <a:ln w="12700">
+            <a:solidFill>
+              <a:schemeClr val="tx1"/>
+            </a:solidFill>
+          </a:ln>
+        </p:spPr>
+        <p:style>
+          <a:lnRef idx="2">
+            <a:schemeClr val="accent2"/>
+          </a:lnRef>
+          <a:fillRef idx="1">
+            <a:schemeClr val="lt1"/>
+          </a:fillRef>
+          <a:effectRef idx="0">
+            <a:schemeClr val="accent2"/>
+          </a:effectRef>
+          <a:fontRef idx="minor">
+            <a:schemeClr val="dk1"/>
+          </a:fontRef>
+        </p:style>
+        <p:txBody>
+          <a:bodyPr rtlCol="0" anchor="ctr"/>
+          <a:lstStyle/>
+          <a:p>
+            <a:pPr algn="ctr"/>
+            <a:r>
+              <a:rPr lang="en-US" altLang="ko-KR" sz="1600" dirty="0" smtClean="0">
+                <a:solidFill>
+                  <a:sysClr val="windowText" lastClr="000000"/>
+                </a:solidFill>
+              </a:rPr>
+              <a:t>guguCheck.js</a:t>
+            </a:r>
+          </a:p>
+        </p:txBody>
+      </p:sp>
+    </p:spTree>
+    <p:extLst>
+      <p:ext uri="{BB962C8B-B14F-4D97-AF65-F5344CB8AC3E}">
+        <p14:creationId xmlns:p14="http://schemas.microsoft.com/office/powerpoint/2010/main" val="1085075935"/>
+      </p:ext>
+    </p:extLst>
+  </p:cSld>
+  <p:clrMapOvr>
+    <a:masterClrMapping/>
+  </p:clrMapOvr>
+  <p:timing>
+    <p:tnLst>
+      <p:par>
+        <p:cTn id="1" dur="indefinite" restart="never" nodeType="tmRoot"/>
+      </p:par>
+    </p:tnLst>
+  </p:timing>
+</p:sld>
+</file>
+
+<file path=ppt/slides/slide19.xml><?xml version="1.0" encoding="utf-8"?>
+<p:sld xmlns:a="http://schemas.openxmlformats.org/drawingml/2006/main" xmlns:r="http://schemas.openxmlformats.org/officeDocument/2006/relationships" xmlns:p="http://schemas.openxmlformats.org/presentationml/2006/main">
+  <p:cSld>
+    <p:spTree>
+      <p:nvGrpSpPr>
+        <p:cNvPr id="1" name=""/>
+        <p:cNvGrpSpPr/>
+        <p:nvPr/>
+      </p:nvGrpSpPr>
+      <p:grpSpPr>
+        <a:xfrm>
+          <a:off x="0" y="0"/>
+          <a:ext cx="0" cy="0"/>
+          <a:chOff x="0" y="0"/>
+          <a:chExt cx="0" cy="0"/>
+        </a:xfrm>
+      </p:grpSpPr>
+      <p:sp>
+        <p:nvSpPr>
+          <p:cNvPr id="15" name="제목 5"/>
+          <p:cNvSpPr txBox="1">
+            <a:spLocks/>
+          </p:cNvSpPr>
+          <p:nvPr/>
+        </p:nvSpPr>
+        <p:spPr>
+          <a:xfrm>
+            <a:off x="0" y="-27384"/>
+            <a:ext cx="7995338" cy="854968"/>
+          </a:xfrm>
+          <a:prstGeom prst="rect">
+            <a:avLst/>
+          </a:prstGeom>
+        </p:spPr>
+        <p:txBody>
+          <a:bodyPr anchor="ctr" anchorCtr="0"/>
+          <a:lstStyle>
+            <a:lvl1pPr algn="l" defTabSz="914400" rtl="0" eaLnBrk="1" latinLnBrk="1" hangingPunct="1">
+              <a:spcBef>
+                <a:spcPct val="0"/>
+              </a:spcBef>
+              <a:buNone/>
+              <a:defRPr sz="3200" kern="1200">
+                <a:solidFill>
+                  <a:schemeClr val="bg1"/>
+                </a:solidFill>
+                <a:latin typeface="HY헤드라인M" panose="02030600000101010101" pitchFamily="18" charset="-127"/>
+                <a:ea typeface="HY헤드라인M" panose="02030600000101010101" pitchFamily="18" charset="-127"/>
+                <a:cs typeface="+mj-cs"/>
+              </a:defRPr>
+            </a:lvl1pPr>
+          </a:lstStyle>
+          <a:p>
+            <a:r>
+              <a:rPr lang="en-US" altLang="ko-KR" dirty="0" smtClean="0"/>
+              <a:t> </a:t>
+            </a:r>
+            <a:r>
+              <a:rPr lang="ko-KR" altLang="en-US" dirty="0"/>
+              <a:t> 유효성 검사</a:t>
+            </a:r>
+            <a:r>
+              <a:rPr lang="en-US" altLang="ko-KR" dirty="0"/>
+              <a:t>(validation)</a:t>
+            </a:r>
+            <a:endParaRPr lang="ko-KR" altLang="en-US" dirty="0"/>
+          </a:p>
+        </p:txBody>
+      </p:sp>
+      <p:sp>
+        <p:nvSpPr>
+          <p:cNvPr id="5" name="TextBox 4"/>
+          <p:cNvSpPr txBox="1"/>
+          <p:nvPr/>
+        </p:nvSpPr>
+        <p:spPr>
+          <a:xfrm>
+            <a:off x="776536" y="980728"/>
+            <a:ext cx="8496944" cy="494494"/>
+          </a:xfrm>
+          <a:prstGeom prst="rect">
+            <a:avLst/>
+          </a:prstGeom>
+          <a:noFill/>
+        </p:spPr>
+        <p:txBody>
+          <a:bodyPr wrap="square" rtlCol="0">
+            <a:spAutoFit/>
+          </a:bodyPr>
+          <a:lstStyle/>
+          <a:p>
+            <a:pPr>
+              <a:lnSpc>
+                <a:spcPct val="150000"/>
+              </a:lnSpc>
+            </a:pPr>
+            <a:r>
+              <a:rPr lang="ko-KR" altLang="en-US" sz="2000" b="1" dirty="0" smtClean="0"/>
+              <a:t>자바스크립트 </a:t>
+            </a:r>
+            <a:r>
+              <a:rPr lang="en-US" altLang="ko-KR" sz="2000" b="1" dirty="0" err="1" smtClean="0"/>
+              <a:t>charAt</a:t>
+            </a:r>
+            <a:r>
+              <a:rPr lang="en-US" altLang="ko-KR" sz="2000" b="1" dirty="0" smtClean="0"/>
+              <a:t>() </a:t>
+            </a:r>
+            <a:r>
+              <a:rPr lang="ko-KR" altLang="en-US" sz="2000" b="1" dirty="0" err="1" smtClean="0"/>
+              <a:t>메서드</a:t>
+            </a:r>
+            <a:endParaRPr lang="en-US" altLang="ko-KR" sz="2000" b="1" dirty="0" smtClean="0"/>
+          </a:p>
+        </p:txBody>
+      </p:sp>
+      <p:pic>
+        <p:nvPicPr>
+          <p:cNvPr id="10" name="그림 9"/>
+          <p:cNvPicPr>
+            <a:picLocks noChangeAspect="1"/>
+          </p:cNvPicPr>
+          <p:nvPr/>
+        </p:nvPicPr>
+        <p:blipFill>
+          <a:blip r:embed="rId2">
+            <a:extLst>
+              <a:ext uri="{28A0092B-C50C-407E-A947-70E740481C1C}">
+                <a14:useLocalDpi xmlns:a14="http://schemas.microsoft.com/office/drawing/2010/main" val="0"/>
+              </a:ext>
+            </a:extLst>
+          </a:blip>
+          <a:stretch>
+            <a:fillRect/>
+          </a:stretch>
+        </p:blipFill>
+        <p:spPr>
+          <a:xfrm>
+            <a:off x="1352600" y="1844824"/>
+            <a:ext cx="6840760" cy="4205905"/>
+          </a:xfrm>
+          <a:prstGeom prst="rect">
+            <a:avLst/>
+          </a:prstGeom>
+          <a:ln>
+            <a:solidFill>
+              <a:schemeClr val="accent4">
+                <a:lumMod val="20000"/>
+                <a:lumOff val="80000"/>
+              </a:schemeClr>
+            </a:solidFill>
+          </a:ln>
+        </p:spPr>
+      </p:pic>
+    </p:spTree>
+    <p:extLst>
+      <p:ext uri="{BB962C8B-B14F-4D97-AF65-F5344CB8AC3E}">
+        <p14:creationId xmlns:p14="http://schemas.microsoft.com/office/powerpoint/2010/main" val="2990879503"/>
+      </p:ext>
+    </p:extLst>
+  </p:cSld>
+  <p:clrMapOvr>
+    <a:masterClrMapping/>
+  </p:clrMapOvr>
+  <p:timing>
+    <p:tnLst>
+      <p:par>
+        <p:cTn id="1" dur="indefinite" restart="never" nodeType="tmRoot"/>
+      </p:par>
+    </p:tnLst>
+  </p:timing>
+</p:sld>
+</file>
+
+<file path=ppt/slides/slide2.xml><?xml version="1.0" encoding="utf-8"?>
+<p:sld xmlns:a="http://schemas.openxmlformats.org/drawingml/2006/main" xmlns:r="http://schemas.openxmlformats.org/officeDocument/2006/relationships" xmlns:p="http://schemas.openxmlformats.org/presentationml/2006/main">
+  <p:cSld>
+    <p:spTree>
+      <p:nvGrpSpPr>
+        <p:cNvPr id="1" name=""/>
+        <p:cNvGrpSpPr/>
+        <p:nvPr/>
+      </p:nvGrpSpPr>
+      <p:grpSpPr>
+        <a:xfrm>
+          <a:off x="0" y="0"/>
+          <a:ext cx="0" cy="0"/>
+          <a:chOff x="0" y="0"/>
+          <a:chExt cx="0" cy="0"/>
+        </a:xfrm>
+      </p:grpSpPr>
+      <p:sp>
+        <p:nvSpPr>
+          <p:cNvPr id="15" name="제목 5"/>
+          <p:cNvSpPr txBox="1">
+            <a:spLocks/>
+          </p:cNvSpPr>
+          <p:nvPr/>
+        </p:nvSpPr>
+        <p:spPr>
+          <a:xfrm>
+            <a:off x="0" y="-27384"/>
+            <a:ext cx="7995338" cy="854968"/>
+          </a:xfrm>
+          <a:prstGeom prst="rect">
+            <a:avLst/>
+          </a:prstGeom>
+        </p:spPr>
+        <p:txBody>
+          <a:bodyPr anchor="ctr" anchorCtr="0"/>
+          <a:lstStyle>
+            <a:lvl1pPr algn="l" defTabSz="914400" rtl="0" eaLnBrk="1" latinLnBrk="1" hangingPunct="1">
+              <a:spcBef>
+                <a:spcPct val="0"/>
+              </a:spcBef>
+              <a:buNone/>
+              <a:defRPr sz="3200" kern="1200">
+                <a:solidFill>
+                  <a:schemeClr val="bg1"/>
+                </a:solidFill>
+                <a:latin typeface="HY헤드라인M" panose="02030600000101010101" pitchFamily="18" charset="-127"/>
+                <a:ea typeface="HY헤드라인M" panose="02030600000101010101" pitchFamily="18" charset="-127"/>
+                <a:cs typeface="+mj-cs"/>
+              </a:defRPr>
+            </a:lvl1pPr>
+          </a:lstStyle>
+          <a:p>
+            <a:r>
+              <a:rPr lang="en-US" altLang="ko-KR" dirty="0" smtClean="0"/>
+              <a:t> </a:t>
+            </a:r>
+            <a:r>
+              <a:rPr lang="ko-KR" altLang="en-US" dirty="0"/>
+              <a:t> </a:t>
+            </a:r>
+            <a:r>
+              <a:rPr lang="ko-KR" altLang="en-US" dirty="0" smtClean="0"/>
+              <a:t>유효성 검사</a:t>
+            </a:r>
+            <a:r>
+              <a:rPr lang="en-US" altLang="ko-KR" dirty="0" smtClean="0"/>
+              <a:t>(validation)</a:t>
+            </a:r>
+            <a:endParaRPr lang="ko-KR" altLang="en-US" dirty="0"/>
+          </a:p>
+        </p:txBody>
+      </p:sp>
+      <p:sp>
+        <p:nvSpPr>
+          <p:cNvPr id="5" name="TextBox 4"/>
+          <p:cNvSpPr txBox="1"/>
+          <p:nvPr/>
+        </p:nvSpPr>
+        <p:spPr>
+          <a:xfrm>
+            <a:off x="776536" y="980728"/>
+            <a:ext cx="8928992" cy="1661993"/>
+          </a:xfrm>
+          <a:prstGeom prst="rect">
+            <a:avLst/>
+          </a:prstGeom>
+          <a:noFill/>
+        </p:spPr>
+        <p:txBody>
+          <a:bodyPr wrap="square" rtlCol="0">
+            <a:spAutoFit/>
+          </a:bodyPr>
+          <a:lstStyle/>
+          <a:p>
+            <a:pPr marL="342900" indent="-342900">
+              <a:lnSpc>
+                <a:spcPct val="150000"/>
+              </a:lnSpc>
+              <a:buFont typeface="Wingdings" panose="05000000000000000000" pitchFamily="2" charset="2"/>
+              <a:buChar char="l"/>
+            </a:pPr>
+            <a:r>
+              <a:rPr lang="ko-KR" altLang="en-US" sz="2000" b="1" dirty="0" smtClean="0"/>
+              <a:t>유효성 검사</a:t>
+            </a:r>
+            <a:r>
+              <a:rPr lang="en-US" altLang="ko-KR" sz="2000" b="1" dirty="0" smtClean="0"/>
+              <a:t>(validation)</a:t>
+            </a:r>
+          </a:p>
+          <a:p>
+            <a:pPr>
+              <a:lnSpc>
+                <a:spcPct val="150000"/>
+              </a:lnSpc>
+            </a:pPr>
+            <a:r>
+              <a:rPr lang="en-US" altLang="ko-KR" sz="1600" dirty="0" smtClean="0"/>
+              <a:t>- </a:t>
+            </a:r>
+            <a:r>
+              <a:rPr lang="ko-KR" altLang="en-US" sz="1600" dirty="0" smtClean="0"/>
+              <a:t>사용자가 폼 페이지에서 입력한 데이터 값이 서버로 전송되기 전에 특정 규칙에 맞게 </a:t>
+            </a:r>
+            <a:r>
+              <a:rPr lang="ko-KR" altLang="en-US" sz="1600" dirty="0" err="1" smtClean="0"/>
+              <a:t>입력되었</a:t>
+            </a:r>
+            <a:r>
+              <a:rPr lang="ko-KR" altLang="en-US" sz="1600" dirty="0" smtClean="0"/>
+              <a:t> </a:t>
+            </a:r>
+            <a:endParaRPr lang="en-US" altLang="ko-KR" sz="1600" dirty="0" smtClean="0"/>
+          </a:p>
+          <a:p>
+            <a:pPr>
+              <a:lnSpc>
+                <a:spcPct val="150000"/>
+              </a:lnSpc>
+            </a:pPr>
+            <a:r>
+              <a:rPr lang="ko-KR" altLang="en-US" sz="1600" dirty="0" err="1" smtClean="0"/>
+              <a:t>는지</a:t>
+            </a:r>
+            <a:r>
+              <a:rPr lang="ko-KR" altLang="en-US" sz="1600" dirty="0" smtClean="0"/>
+              <a:t> 검증하는 것을 말한다</a:t>
+            </a:r>
+            <a:r>
+              <a:rPr lang="en-US" altLang="ko-KR" sz="1600" dirty="0" smtClean="0"/>
+              <a:t>.</a:t>
+            </a:r>
+            <a:r>
+              <a:rPr lang="en-US" altLang="ko-KR" sz="1600" dirty="0"/>
+              <a:t> </a:t>
+            </a:r>
+            <a:r>
+              <a:rPr lang="en-US" altLang="ko-KR" sz="1600" dirty="0" smtClean="0"/>
+              <a:t> </a:t>
+            </a:r>
+          </a:p>
+          <a:p>
+            <a:pPr>
+              <a:lnSpc>
+                <a:spcPct val="150000"/>
+              </a:lnSpc>
+            </a:pPr>
+            <a:r>
+              <a:rPr lang="en-US" altLang="ko-KR" sz="1600" dirty="0"/>
+              <a:t> </a:t>
+            </a:r>
+            <a:r>
+              <a:rPr lang="en-US" altLang="ko-KR" sz="1600" dirty="0" smtClean="0"/>
+              <a:t>  </a:t>
+            </a:r>
+            <a:r>
+              <a:rPr lang="ko-KR" altLang="en-US" sz="1600" dirty="0" smtClean="0"/>
+              <a:t>예를 들면</a:t>
+            </a:r>
+            <a:r>
+              <a:rPr lang="en-US" altLang="ko-KR" sz="1600" dirty="0" smtClean="0"/>
+              <a:t>, </a:t>
+            </a:r>
+            <a:r>
+              <a:rPr lang="ko-KR" altLang="en-US" sz="1600" dirty="0" smtClean="0"/>
+              <a:t>회원 </a:t>
+            </a:r>
+            <a:r>
+              <a:rPr lang="ko-KR" altLang="en-US" sz="1600" dirty="0" err="1" smtClean="0"/>
+              <a:t>가입시</a:t>
+            </a:r>
+            <a:r>
+              <a:rPr lang="ko-KR" altLang="en-US" sz="1600" dirty="0" smtClean="0"/>
+              <a:t> 아이디나 비밀번호</a:t>
+            </a:r>
+            <a:r>
+              <a:rPr lang="en-US" altLang="ko-KR" sz="1600" dirty="0" smtClean="0"/>
+              <a:t>, </a:t>
+            </a:r>
+            <a:r>
+              <a:rPr lang="ko-KR" altLang="en-US" sz="1600" dirty="0" err="1" smtClean="0"/>
+              <a:t>연락처등</a:t>
+            </a:r>
+            <a:r>
+              <a:rPr lang="ko-KR" altLang="en-US" sz="1600" dirty="0" smtClean="0"/>
+              <a:t> 검사</a:t>
+            </a:r>
+            <a:r>
+              <a:rPr lang="en-US" altLang="ko-KR" sz="1600" dirty="0" smtClean="0"/>
+              <a:t>, </a:t>
+            </a:r>
+            <a:r>
+              <a:rPr lang="ko-KR" altLang="en-US" sz="1600" dirty="0" smtClean="0"/>
+              <a:t>아이디 중복 </a:t>
+            </a:r>
+            <a:r>
+              <a:rPr lang="ko-KR" altLang="en-US" sz="1600" dirty="0" err="1" smtClean="0"/>
+              <a:t>검사등을</a:t>
+            </a:r>
+            <a:r>
+              <a:rPr lang="ko-KR" altLang="en-US" sz="1600" dirty="0" smtClean="0"/>
+              <a:t> 들 수 있다</a:t>
+            </a:r>
+            <a:r>
+              <a:rPr lang="en-US" altLang="ko-KR" sz="1600" dirty="0" smtClean="0"/>
+              <a:t>.</a:t>
+            </a:r>
+          </a:p>
+        </p:txBody>
+      </p:sp>
+      <p:sp>
+        <p:nvSpPr>
+          <p:cNvPr id="8" name="TextBox 7"/>
+          <p:cNvSpPr txBox="1"/>
+          <p:nvPr/>
+        </p:nvSpPr>
+        <p:spPr>
+          <a:xfrm>
+            <a:off x="776536" y="2636912"/>
+            <a:ext cx="8928992" cy="1246495"/>
+          </a:xfrm>
+          <a:prstGeom prst="rect">
+            <a:avLst/>
+          </a:prstGeom>
+          <a:noFill/>
+        </p:spPr>
+        <p:txBody>
+          <a:bodyPr wrap="square" rtlCol="0">
+            <a:spAutoFit/>
+          </a:bodyPr>
+          <a:lstStyle/>
+          <a:p>
+            <a:pPr>
+              <a:lnSpc>
+                <a:spcPct val="150000"/>
+              </a:lnSpc>
+            </a:pPr>
+            <a:r>
+              <a:rPr lang="ko-KR" altLang="en-US" sz="1600" b="1" dirty="0" smtClean="0"/>
+              <a:t>유효성 검사를 위한 </a:t>
+            </a:r>
+            <a:r>
+              <a:rPr lang="ko-KR" altLang="en-US" sz="1600" b="1" dirty="0" err="1" smtClean="0"/>
+              <a:t>핸들러</a:t>
+            </a:r>
+            <a:r>
+              <a:rPr lang="ko-KR" altLang="en-US" sz="1600" b="1" dirty="0" smtClean="0"/>
+              <a:t> 함수</a:t>
+            </a:r>
+            <a:endParaRPr lang="en-US" altLang="ko-KR" sz="1600" b="1" dirty="0" smtClean="0"/>
+          </a:p>
+          <a:p>
+            <a:pPr marL="285750" indent="-285750">
+              <a:lnSpc>
+                <a:spcPct val="150000"/>
+              </a:lnSpc>
+              <a:buFontTx/>
+              <a:buChar char="-"/>
+            </a:pPr>
+            <a:r>
+              <a:rPr lang="ko-KR" altLang="en-US" sz="1600" dirty="0" smtClean="0"/>
+              <a:t>폼 페이지에서 이벤트가 </a:t>
+            </a:r>
+            <a:r>
+              <a:rPr lang="ko-KR" altLang="en-US" sz="1600" dirty="0" err="1" smtClean="0"/>
+              <a:t>발생했을때</a:t>
+            </a:r>
+            <a:r>
+              <a:rPr lang="en-US" altLang="ko-KR" sz="1600" dirty="0" smtClean="0"/>
+              <a:t>(&lt;input </a:t>
+            </a:r>
+            <a:r>
+              <a:rPr lang="en-US" altLang="ko-KR" sz="1600" dirty="0" err="1" smtClean="0"/>
+              <a:t>onclick</a:t>
+            </a:r>
+            <a:r>
+              <a:rPr lang="en-US" altLang="ko-KR" sz="1600" dirty="0" smtClean="0"/>
+              <a:t>&gt;</a:t>
+            </a:r>
+            <a:r>
+              <a:rPr lang="ko-KR" altLang="en-US" sz="1600" dirty="0" smtClean="0"/>
+              <a:t>을 클릭한 경우</a:t>
+            </a:r>
+            <a:r>
+              <a:rPr lang="en-US" altLang="ko-KR" sz="1600" dirty="0" smtClean="0"/>
+              <a:t>)</a:t>
+            </a:r>
+            <a:r>
+              <a:rPr lang="ko-KR" altLang="en-US" sz="1600" dirty="0" smtClean="0"/>
+              <a:t>의 유효성 검사를 위한 </a:t>
+            </a:r>
+            <a:r>
+              <a:rPr lang="ko-KR" altLang="en-US" sz="1600" b="1" dirty="0" err="1" smtClean="0">
+                <a:solidFill>
+                  <a:srgbClr val="C00000"/>
+                </a:solidFill>
+              </a:rPr>
+              <a:t>매핑</a:t>
+            </a:r>
+            <a:r>
+              <a:rPr lang="ko-KR" altLang="en-US" sz="1600" b="1" dirty="0" smtClean="0">
+                <a:solidFill>
+                  <a:srgbClr val="C00000"/>
+                </a:solidFill>
+              </a:rPr>
+              <a:t> </a:t>
+            </a:r>
+            <a:r>
+              <a:rPr lang="ko-KR" altLang="en-US" sz="1600" b="1" dirty="0" err="1" smtClean="0">
+                <a:solidFill>
+                  <a:srgbClr val="C00000"/>
+                </a:solidFill>
+              </a:rPr>
+              <a:t>메서드로</a:t>
+            </a:r>
+            <a:r>
+              <a:rPr lang="ko-KR" altLang="en-US" sz="1600" b="1" dirty="0" smtClean="0">
+                <a:solidFill>
+                  <a:srgbClr val="C00000"/>
+                </a:solidFill>
+              </a:rPr>
+              <a:t> 자바스크립트</a:t>
+            </a:r>
+            <a:r>
+              <a:rPr lang="ko-KR" altLang="en-US" sz="1600" dirty="0" smtClean="0"/>
+              <a:t>를 이용하여 코드를 작성한다</a:t>
+            </a:r>
+            <a:r>
+              <a:rPr lang="en-US" altLang="ko-KR" sz="1600" dirty="0" smtClean="0"/>
+              <a:t>.</a:t>
+            </a:r>
+          </a:p>
+        </p:txBody>
+      </p:sp>
+      <p:sp>
+        <p:nvSpPr>
+          <p:cNvPr id="9" name="TextBox 8"/>
+          <p:cNvSpPr txBox="1"/>
+          <p:nvPr/>
+        </p:nvSpPr>
+        <p:spPr>
+          <a:xfrm>
+            <a:off x="1500893" y="3871440"/>
+            <a:ext cx="6480720" cy="2553891"/>
+          </a:xfrm>
+          <a:prstGeom prst="roundRect">
+            <a:avLst/>
+          </a:prstGeom>
+          <a:ln w="12700"/>
+        </p:spPr>
+        <p:style>
+          <a:lnRef idx="2">
+            <a:schemeClr val="dk1"/>
+          </a:lnRef>
+          <a:fillRef idx="1">
+            <a:schemeClr val="lt1"/>
+          </a:fillRef>
+          <a:effectRef idx="0">
+            <a:schemeClr val="dk1"/>
+          </a:effectRef>
+          <a:fontRef idx="minor">
+            <a:schemeClr val="dk1"/>
+          </a:fontRef>
+        </p:style>
+        <p:txBody>
+          <a:bodyPr wrap="square" rtlCol="0">
+            <a:spAutoFit/>
+          </a:bodyPr>
+          <a:lstStyle/>
+          <a:p>
+            <a:r>
+              <a:rPr lang="en-US" altLang="ko-KR" sz="1600" b="1" dirty="0" smtClean="0">
+                <a:solidFill>
+                  <a:srgbClr val="0070C0"/>
+                </a:solidFill>
+              </a:rPr>
+              <a:t>&lt;script type=“text/</a:t>
+            </a:r>
+            <a:r>
+              <a:rPr lang="en-US" altLang="ko-KR" sz="1600" b="1" dirty="0" err="1" smtClean="0">
+                <a:solidFill>
+                  <a:srgbClr val="0070C0"/>
+                </a:solidFill>
+              </a:rPr>
+              <a:t>javascript</a:t>
+            </a:r>
+            <a:r>
+              <a:rPr lang="en-US" altLang="ko-KR" sz="1600" b="1" dirty="0" smtClean="0">
+                <a:solidFill>
+                  <a:srgbClr val="0070C0"/>
+                </a:solidFill>
+              </a:rPr>
+              <a:t>”&gt;</a:t>
+            </a:r>
+          </a:p>
+          <a:p>
+            <a:r>
+              <a:rPr lang="en-US" altLang="ko-KR" sz="1600" b="1" dirty="0" smtClean="0">
+                <a:solidFill>
+                  <a:srgbClr val="0070C0"/>
+                </a:solidFill>
+              </a:rPr>
+              <a:t>    function </a:t>
+            </a:r>
+            <a:r>
+              <a:rPr lang="ko-KR" altLang="en-US" sz="1600" b="1" dirty="0" err="1" smtClean="0">
+                <a:solidFill>
+                  <a:srgbClr val="0070C0"/>
+                </a:solidFill>
+              </a:rPr>
+              <a:t>핸들러</a:t>
+            </a:r>
+            <a:r>
+              <a:rPr lang="ko-KR" altLang="en-US" sz="1600" b="1" dirty="0" smtClean="0">
+                <a:solidFill>
+                  <a:srgbClr val="0070C0"/>
+                </a:solidFill>
+              </a:rPr>
+              <a:t> 함수</a:t>
+            </a:r>
+            <a:r>
+              <a:rPr lang="en-US" altLang="ko-KR" sz="1600" b="1" dirty="0" smtClean="0">
+                <a:solidFill>
+                  <a:srgbClr val="0070C0"/>
+                </a:solidFill>
+              </a:rPr>
+              <a:t>(){</a:t>
+            </a:r>
+          </a:p>
+          <a:p>
+            <a:r>
+              <a:rPr lang="en-US" altLang="ko-KR" sz="1600" b="1" dirty="0" smtClean="0">
+                <a:solidFill>
+                  <a:srgbClr val="0070C0"/>
+                </a:solidFill>
+              </a:rPr>
+              <a:t>       </a:t>
+            </a:r>
+            <a:r>
+              <a:rPr lang="en-US" altLang="ko-KR" sz="1600" b="1" dirty="0" err="1" smtClean="0">
+                <a:solidFill>
+                  <a:srgbClr val="0070C0"/>
+                </a:solidFill>
+              </a:rPr>
+              <a:t>var</a:t>
+            </a:r>
+            <a:r>
+              <a:rPr lang="en-US" altLang="ko-KR" sz="1600" b="1" dirty="0" smtClean="0">
+                <a:solidFill>
+                  <a:srgbClr val="0070C0"/>
+                </a:solidFill>
+              </a:rPr>
+              <a:t> </a:t>
+            </a:r>
+            <a:r>
+              <a:rPr lang="en-US" altLang="ko-KR" sz="1600" b="1" dirty="0" err="1" smtClean="0">
+                <a:solidFill>
+                  <a:srgbClr val="0070C0"/>
+                </a:solidFill>
+              </a:rPr>
+              <a:t>str</a:t>
+            </a:r>
+            <a:r>
+              <a:rPr lang="en-US" altLang="ko-KR" sz="1600" b="1" dirty="0" smtClean="0">
+                <a:solidFill>
+                  <a:srgbClr val="0070C0"/>
+                </a:solidFill>
+              </a:rPr>
+              <a:t> = document.</a:t>
+            </a:r>
+            <a:r>
+              <a:rPr lang="ko-KR" altLang="en-US" sz="1600" b="1" dirty="0" smtClean="0">
+                <a:solidFill>
+                  <a:srgbClr val="0070C0"/>
+                </a:solidFill>
+              </a:rPr>
+              <a:t>폼 이름</a:t>
+            </a:r>
+            <a:r>
+              <a:rPr lang="en-US" altLang="ko-KR" sz="1600" b="1" dirty="0" smtClean="0">
+                <a:solidFill>
+                  <a:srgbClr val="0070C0"/>
+                </a:solidFill>
+              </a:rPr>
+              <a:t>.</a:t>
+            </a:r>
+            <a:r>
+              <a:rPr lang="ko-KR" altLang="en-US" sz="1600" b="1" dirty="0" smtClean="0">
+                <a:solidFill>
+                  <a:srgbClr val="0070C0"/>
+                </a:solidFill>
+              </a:rPr>
+              <a:t>입력항목 이름</a:t>
+            </a:r>
+            <a:r>
+              <a:rPr lang="en-US" altLang="ko-KR" sz="1600" b="1" dirty="0" smtClean="0">
+                <a:solidFill>
+                  <a:srgbClr val="0070C0"/>
+                </a:solidFill>
+              </a:rPr>
+              <a:t>.value;</a:t>
+            </a:r>
+            <a:endParaRPr lang="en-US" altLang="ko-KR" sz="1600" b="1" dirty="0">
+              <a:solidFill>
+                <a:srgbClr val="0070C0"/>
+              </a:solidFill>
+            </a:endParaRPr>
+          </a:p>
+          <a:p>
+            <a:r>
+              <a:rPr lang="en-US" altLang="ko-KR" sz="1600" b="1" dirty="0" smtClean="0">
+                <a:solidFill>
+                  <a:srgbClr val="0070C0"/>
+                </a:solidFill>
+              </a:rPr>
+              <a:t>    }</a:t>
+            </a:r>
+          </a:p>
+          <a:p>
+            <a:r>
+              <a:rPr lang="en-US" altLang="ko-KR" sz="1600" b="1" dirty="0" smtClean="0">
+                <a:solidFill>
+                  <a:srgbClr val="0070C0"/>
+                </a:solidFill>
+              </a:rPr>
+              <a:t>&lt;/script&gt;</a:t>
+            </a:r>
+          </a:p>
+          <a:p>
+            <a:endParaRPr lang="en-US" altLang="ko-KR" sz="1600" b="1" dirty="0">
+              <a:solidFill>
+                <a:srgbClr val="0070C0"/>
+              </a:solidFill>
+            </a:endParaRPr>
+          </a:p>
+          <a:p>
+            <a:r>
+              <a:rPr lang="en-US" altLang="ko-KR" sz="1600" b="1" dirty="0" smtClean="0">
+                <a:solidFill>
+                  <a:srgbClr val="0070C0"/>
+                </a:solidFill>
+              </a:rPr>
+              <a:t>&lt;form name=“</a:t>
+            </a:r>
+            <a:r>
+              <a:rPr lang="ko-KR" altLang="en-US" sz="1600" b="1" dirty="0" smtClean="0">
+                <a:solidFill>
+                  <a:srgbClr val="0070C0"/>
+                </a:solidFill>
+              </a:rPr>
+              <a:t>폼 이름</a:t>
+            </a:r>
+            <a:r>
+              <a:rPr lang="en-US" altLang="ko-KR" sz="1600" b="1" dirty="0" smtClean="0">
+                <a:solidFill>
+                  <a:srgbClr val="0070C0"/>
+                </a:solidFill>
+              </a:rPr>
+              <a:t>”&gt;</a:t>
+            </a:r>
+          </a:p>
+          <a:p>
+            <a:r>
+              <a:rPr lang="en-US" altLang="ko-KR" sz="1600" b="1" dirty="0" smtClean="0">
+                <a:solidFill>
+                  <a:srgbClr val="0070C0"/>
+                </a:solidFill>
+              </a:rPr>
+              <a:t>    &lt;input type=“button” </a:t>
+            </a:r>
+            <a:r>
+              <a:rPr lang="en-US" altLang="ko-KR" sz="1600" b="1" dirty="0" err="1" smtClean="0">
+                <a:solidFill>
+                  <a:srgbClr val="C00000"/>
+                </a:solidFill>
+              </a:rPr>
+              <a:t>onclick</a:t>
+            </a:r>
+            <a:r>
+              <a:rPr lang="en-US" altLang="ko-KR" sz="1600" b="1" dirty="0" smtClean="0">
+                <a:solidFill>
+                  <a:srgbClr val="C00000"/>
+                </a:solidFill>
+              </a:rPr>
+              <a:t>=“</a:t>
+            </a:r>
+            <a:r>
+              <a:rPr lang="ko-KR" altLang="en-US" sz="1600" b="1" dirty="0" err="1" smtClean="0">
+                <a:solidFill>
+                  <a:srgbClr val="C00000"/>
+                </a:solidFill>
+              </a:rPr>
+              <a:t>핸들러함수</a:t>
+            </a:r>
+            <a:r>
+              <a:rPr lang="en-US" altLang="ko-KR" sz="1600" b="1" dirty="0" smtClean="0">
+                <a:solidFill>
+                  <a:srgbClr val="C00000"/>
+                </a:solidFill>
+              </a:rPr>
+              <a:t>()”</a:t>
+            </a:r>
+            <a:r>
+              <a:rPr lang="en-US" altLang="ko-KR" sz="1600" b="1" dirty="0" smtClean="0">
+                <a:solidFill>
+                  <a:srgbClr val="0070C0"/>
+                </a:solidFill>
+              </a:rPr>
+              <a:t>&gt;</a:t>
+            </a:r>
+          </a:p>
+          <a:p>
+            <a:r>
+              <a:rPr lang="en-US" altLang="ko-KR" sz="1600" b="1" dirty="0" smtClean="0">
+                <a:solidFill>
+                  <a:srgbClr val="0070C0"/>
+                </a:solidFill>
+              </a:rPr>
+              <a:t>&lt;/form&gt;</a:t>
+            </a:r>
+            <a:endParaRPr lang="ko-KR" altLang="en-US" sz="1600" b="1" dirty="0">
+              <a:solidFill>
+                <a:srgbClr val="0070C0"/>
+              </a:solidFill>
+            </a:endParaRPr>
+          </a:p>
+        </p:txBody>
+      </p:sp>
+    </p:spTree>
+    <p:extLst>
+      <p:ext uri="{BB962C8B-B14F-4D97-AF65-F5344CB8AC3E}">
+        <p14:creationId xmlns:p14="http://schemas.microsoft.com/office/powerpoint/2010/main" val="2241920699"/>
+      </p:ext>
+    </p:extLst>
+  </p:cSld>
+  <p:clrMapOvr>
+    <a:masterClrMapping/>
+  </p:clrMapOvr>
+  <p:timing>
+    <p:tnLst>
+      <p:par>
+        <p:cTn id="1" dur="indefinite" restart="never" nodeType="tmRoot"/>
+      </p:par>
+    </p:tnLst>
+  </p:timing>
+</p:sld>
+</file>
+
+<file path=ppt/slides/slide20.xml><?xml version="1.0" encoding="utf-8"?>
+<p:sld xmlns:a="http://schemas.openxmlformats.org/drawingml/2006/main" xmlns:r="http://schemas.openxmlformats.org/officeDocument/2006/relationships" xmlns:p="http://schemas.openxmlformats.org/presentationml/2006/main">
+  <p:cSld>
+    <p:spTree>
+      <p:nvGrpSpPr>
+        <p:cNvPr id="1" name=""/>
+        <p:cNvGrpSpPr/>
+        <p:nvPr/>
+      </p:nvGrpSpPr>
+      <p:grpSpPr>
+        <a:xfrm>
+          <a:off x="0" y="0"/>
+          <a:ext cx="0" cy="0"/>
+          <a:chOff x="0" y="0"/>
+          <a:chExt cx="0" cy="0"/>
+        </a:xfrm>
+      </p:grpSpPr>
+      <p:sp>
+        <p:nvSpPr>
+          <p:cNvPr id="15" name="제목 5"/>
+          <p:cNvSpPr txBox="1">
+            <a:spLocks/>
+          </p:cNvSpPr>
+          <p:nvPr/>
+        </p:nvSpPr>
+        <p:spPr>
+          <a:xfrm>
+            <a:off x="0" y="-27384"/>
+            <a:ext cx="7995338" cy="854968"/>
+          </a:xfrm>
+          <a:prstGeom prst="rect">
+            <a:avLst/>
+          </a:prstGeom>
+        </p:spPr>
+        <p:txBody>
+          <a:bodyPr anchor="ctr" anchorCtr="0"/>
+          <a:lstStyle>
+            <a:lvl1pPr algn="l" defTabSz="914400" rtl="0" eaLnBrk="1" latinLnBrk="1" hangingPunct="1">
+              <a:spcBef>
+                <a:spcPct val="0"/>
+              </a:spcBef>
+              <a:buNone/>
+              <a:defRPr sz="3200" kern="1200">
+                <a:solidFill>
+                  <a:schemeClr val="bg1"/>
+                </a:solidFill>
+                <a:latin typeface="HY헤드라인M" panose="02030600000101010101" pitchFamily="18" charset="-127"/>
+                <a:ea typeface="HY헤드라인M" panose="02030600000101010101" pitchFamily="18" charset="-127"/>
+                <a:cs typeface="+mj-cs"/>
+              </a:defRPr>
+            </a:lvl1pPr>
+          </a:lstStyle>
+          <a:p>
+            <a:r>
+              <a:rPr lang="en-US" altLang="ko-KR" dirty="0" smtClean="0"/>
+              <a:t> </a:t>
+            </a:r>
+            <a:r>
+              <a:rPr lang="ko-KR" altLang="en-US" dirty="0"/>
+              <a:t> 유효성 검사</a:t>
+            </a:r>
+            <a:r>
+              <a:rPr lang="en-US" altLang="ko-KR" dirty="0"/>
+              <a:t>(validation)</a:t>
+            </a:r>
+            <a:endParaRPr lang="ko-KR" altLang="en-US" dirty="0"/>
+          </a:p>
+        </p:txBody>
+      </p:sp>
+      <p:pic>
+        <p:nvPicPr>
+          <p:cNvPr id="4" name="그림 3"/>
+          <p:cNvPicPr>
+            <a:picLocks noChangeAspect="1"/>
+          </p:cNvPicPr>
+          <p:nvPr/>
+        </p:nvPicPr>
+        <p:blipFill>
+          <a:blip r:embed="rId2">
+            <a:extLst>
+              <a:ext uri="{28A0092B-C50C-407E-A947-70E740481C1C}">
+                <a14:useLocalDpi xmlns:a14="http://schemas.microsoft.com/office/drawing/2010/main" val="0"/>
+              </a:ext>
+            </a:extLst>
+          </a:blip>
+          <a:stretch>
+            <a:fillRect/>
+          </a:stretch>
+        </p:blipFill>
+        <p:spPr>
+          <a:xfrm>
+            <a:off x="1064568" y="1412776"/>
+            <a:ext cx="7956748" cy="4154276"/>
+          </a:xfrm>
+          <a:prstGeom prst="rect">
+            <a:avLst/>
+          </a:prstGeom>
+          <a:ln>
+            <a:solidFill>
+              <a:schemeClr val="bg1">
+                <a:lumMod val="85000"/>
+              </a:schemeClr>
+            </a:solidFill>
+          </a:ln>
+        </p:spPr>
+      </p:pic>
+      <p:sp>
+        <p:nvSpPr>
+          <p:cNvPr id="9" name="모서리가 둥근 직사각형 8">
+            <a:extLst>
+              <a:ext uri="{FF2B5EF4-FFF2-40B4-BE49-F238E27FC236}">
+                <a16:creationId xmlns:a16="http://schemas.microsoft.com/office/drawing/2014/main" id="{792DA8B4-17B2-454B-97AC-17311A4832C5}"/>
+              </a:ext>
+            </a:extLst>
+          </p:cNvPr>
+          <p:cNvSpPr/>
+          <p:nvPr/>
+        </p:nvSpPr>
+        <p:spPr>
+          <a:xfrm>
+            <a:off x="7185248" y="1687119"/>
+            <a:ext cx="1944216" cy="317650"/>
+          </a:xfrm>
+          <a:prstGeom prst="roundRect">
+            <a:avLst/>
+          </a:prstGeom>
+          <a:noFill/>
+          <a:ln w="12700">
+            <a:solidFill>
+              <a:schemeClr val="tx1"/>
+            </a:solidFill>
+          </a:ln>
+        </p:spPr>
+        <p:style>
+          <a:lnRef idx="2">
+            <a:schemeClr val="accent2"/>
+          </a:lnRef>
+          <a:fillRef idx="1">
+            <a:schemeClr val="lt1"/>
+          </a:fillRef>
+          <a:effectRef idx="0">
+            <a:schemeClr val="accent2"/>
+          </a:effectRef>
+          <a:fontRef idx="minor">
+            <a:schemeClr val="dk1"/>
+          </a:fontRef>
+        </p:style>
+        <p:txBody>
+          <a:bodyPr rtlCol="0" anchor="ctr"/>
+          <a:lstStyle/>
+          <a:p>
+            <a:pPr algn="ctr"/>
+            <a:r>
+              <a:rPr lang="en-US" altLang="ko-KR" sz="1600" b="1" dirty="0" smtClean="0">
+                <a:solidFill>
+                  <a:sysClr val="windowText" lastClr="000000"/>
+                </a:solidFill>
+              </a:rPr>
+              <a:t>checklogin.js</a:t>
+            </a:r>
+          </a:p>
+        </p:txBody>
+      </p:sp>
+    </p:spTree>
+    <p:extLst>
+      <p:ext uri="{BB962C8B-B14F-4D97-AF65-F5344CB8AC3E}">
+        <p14:creationId xmlns:p14="http://schemas.microsoft.com/office/powerpoint/2010/main" val="708062030"/>
+      </p:ext>
+    </p:extLst>
+  </p:cSld>
+  <p:clrMapOvr>
+    <a:masterClrMapping/>
+  </p:clrMapOvr>
+  <p:timing>
+    <p:tnLst>
+      <p:par>
+        <p:cTn id="1" dur="indefinite" restart="never" nodeType="tmRoot"/>
+      </p:par>
+    </p:tnLst>
+  </p:timing>
+</p:sld>
+</file>
+
+<file path=ppt/slides/slide21.xml><?xml version="1.0" encoding="utf-8"?>
+<p:sld xmlns:a="http://schemas.openxmlformats.org/drawingml/2006/main" xmlns:r="http://schemas.openxmlformats.org/officeDocument/2006/relationships" xmlns:p="http://schemas.openxmlformats.org/presentationml/2006/main">
+  <p:cSld>
+    <p:spTree>
+      <p:nvGrpSpPr>
+        <p:cNvPr id="1" name=""/>
+        <p:cNvGrpSpPr/>
+        <p:nvPr/>
+      </p:nvGrpSpPr>
+      <p:grpSpPr>
+        <a:xfrm>
+          <a:off x="0" y="0"/>
+          <a:ext cx="0" cy="0"/>
+          <a:chOff x="0" y="0"/>
+          <a:chExt cx="0" cy="0"/>
+        </a:xfrm>
+      </p:grpSpPr>
+      <p:sp>
+        <p:nvSpPr>
+          <p:cNvPr id="15" name="제목 5"/>
+          <p:cNvSpPr txBox="1">
+            <a:spLocks/>
+          </p:cNvSpPr>
+          <p:nvPr/>
+        </p:nvSpPr>
+        <p:spPr>
+          <a:xfrm>
+            <a:off x="0" y="-27384"/>
+            <a:ext cx="7995338" cy="854968"/>
+          </a:xfrm>
+          <a:prstGeom prst="rect">
+            <a:avLst/>
+          </a:prstGeom>
+        </p:spPr>
+        <p:txBody>
+          <a:bodyPr anchor="ctr" anchorCtr="0"/>
+          <a:lstStyle>
+            <a:lvl1pPr algn="l" defTabSz="914400" rtl="0" eaLnBrk="1" latinLnBrk="1" hangingPunct="1">
+              <a:spcBef>
+                <a:spcPct val="0"/>
+              </a:spcBef>
+              <a:buNone/>
+              <a:defRPr sz="3200" kern="1200">
+                <a:solidFill>
+                  <a:schemeClr val="bg1"/>
+                </a:solidFill>
+                <a:latin typeface="HY헤드라인M" panose="02030600000101010101" pitchFamily="18" charset="-127"/>
+                <a:ea typeface="HY헤드라인M" panose="02030600000101010101" pitchFamily="18" charset="-127"/>
+                <a:cs typeface="+mj-cs"/>
+              </a:defRPr>
+            </a:lvl1pPr>
+          </a:lstStyle>
+          <a:p>
+            <a:r>
+              <a:rPr lang="en-US" altLang="ko-KR" dirty="0" smtClean="0"/>
+              <a:t> </a:t>
+            </a:r>
+            <a:r>
+              <a:rPr lang="ko-KR" altLang="en-US" dirty="0"/>
+              <a:t> 유효성 검사</a:t>
+            </a:r>
+            <a:r>
+              <a:rPr lang="en-US" altLang="ko-KR" dirty="0"/>
+              <a:t>(validation)</a:t>
+            </a:r>
+            <a:endParaRPr lang="ko-KR" altLang="en-US" dirty="0"/>
+          </a:p>
+        </p:txBody>
+      </p:sp>
+      <p:sp>
+        <p:nvSpPr>
+          <p:cNvPr id="9" name="모서리가 둥근 직사각형 8">
+            <a:extLst>
+              <a:ext uri="{FF2B5EF4-FFF2-40B4-BE49-F238E27FC236}">
+                <a16:creationId xmlns:a16="http://schemas.microsoft.com/office/drawing/2014/main" id="{792DA8B4-17B2-454B-97AC-17311A4832C5}"/>
+              </a:ext>
+            </a:extLst>
+          </p:cNvPr>
+          <p:cNvSpPr/>
+          <p:nvPr/>
+        </p:nvSpPr>
+        <p:spPr>
+          <a:xfrm>
+            <a:off x="5097016" y="1484784"/>
+            <a:ext cx="1944216" cy="317650"/>
+          </a:xfrm>
+          <a:prstGeom prst="roundRect">
+            <a:avLst/>
+          </a:prstGeom>
+          <a:noFill/>
+          <a:ln w="12700">
+            <a:solidFill>
+              <a:schemeClr val="tx1"/>
+            </a:solidFill>
+          </a:ln>
+        </p:spPr>
+        <p:style>
+          <a:lnRef idx="2">
+            <a:schemeClr val="accent2"/>
+          </a:lnRef>
+          <a:fillRef idx="1">
+            <a:schemeClr val="lt1"/>
+          </a:fillRef>
+          <a:effectRef idx="0">
+            <a:schemeClr val="accent2"/>
+          </a:effectRef>
+          <a:fontRef idx="minor">
+            <a:schemeClr val="dk1"/>
+          </a:fontRef>
+        </p:style>
+        <p:txBody>
+          <a:bodyPr rtlCol="0" anchor="ctr"/>
+          <a:lstStyle/>
+          <a:p>
+            <a:pPr algn="ctr"/>
+            <a:r>
+              <a:rPr lang="en-US" altLang="ko-KR" sz="1600" b="1" dirty="0" smtClean="0">
+                <a:solidFill>
+                  <a:sysClr val="windowText" lastClr="000000"/>
+                </a:solidFill>
+              </a:rPr>
+              <a:t>checklogin.js</a:t>
+            </a:r>
+          </a:p>
+        </p:txBody>
+      </p:sp>
+      <p:pic>
+        <p:nvPicPr>
+          <p:cNvPr id="3" name="그림 2"/>
+          <p:cNvPicPr>
+            <a:picLocks noChangeAspect="1"/>
+          </p:cNvPicPr>
+          <p:nvPr/>
+        </p:nvPicPr>
+        <p:blipFill>
+          <a:blip r:embed="rId2">
+            <a:extLst>
+              <a:ext uri="{28A0092B-C50C-407E-A947-70E740481C1C}">
+                <a14:useLocalDpi xmlns:a14="http://schemas.microsoft.com/office/drawing/2010/main" val="0"/>
+              </a:ext>
+            </a:extLst>
+          </a:blip>
+          <a:stretch>
+            <a:fillRect/>
+          </a:stretch>
+        </p:blipFill>
+        <p:spPr>
+          <a:xfrm>
+            <a:off x="1973493" y="2011355"/>
+            <a:ext cx="5067739" cy="2880610"/>
+          </a:xfrm>
+          <a:prstGeom prst="rect">
+            <a:avLst/>
+          </a:prstGeom>
+          <a:ln>
+            <a:solidFill>
+              <a:schemeClr val="bg1">
+                <a:lumMod val="85000"/>
+              </a:schemeClr>
+            </a:solidFill>
+          </a:ln>
+        </p:spPr>
+      </p:pic>
+    </p:spTree>
+    <p:extLst>
+      <p:ext uri="{BB962C8B-B14F-4D97-AF65-F5344CB8AC3E}">
+        <p14:creationId xmlns:p14="http://schemas.microsoft.com/office/powerpoint/2010/main" val="1452147318"/>
+      </p:ext>
+    </p:extLst>
+  </p:cSld>
+  <p:clrMapOvr>
+    <a:masterClrMapping/>
+  </p:clrMapOvr>
+  <p:timing>
+    <p:tnLst>
+      <p:par>
+        <p:cTn id="1" dur="indefinite" restart="never" nodeType="tmRoot"/>
+      </p:par>
+    </p:tnLst>
+  </p:timing>
+</p:sld>
+</file>
+
+<file path=ppt/slides/slide22.xml><?xml version="1.0" encoding="utf-8"?>
+<p:sld xmlns:a="http://schemas.openxmlformats.org/drawingml/2006/main" xmlns:r="http://schemas.openxmlformats.org/officeDocument/2006/relationships" xmlns:p="http://schemas.openxmlformats.org/presentationml/2006/main">
+  <p:cSld>
+    <p:spTree>
+      <p:nvGrpSpPr>
+        <p:cNvPr id="1" name=""/>
+        <p:cNvGrpSpPr/>
+        <p:nvPr/>
+      </p:nvGrpSpPr>
+      <p:grpSpPr>
+        <a:xfrm>
+          <a:off x="0" y="0"/>
+          <a:ext cx="0" cy="0"/>
+          <a:chOff x="0" y="0"/>
+          <a:chExt cx="0" cy="0"/>
+        </a:xfrm>
+      </p:grpSpPr>
+      <p:sp>
+        <p:nvSpPr>
+          <p:cNvPr id="15" name="제목 5"/>
+          <p:cNvSpPr txBox="1">
+            <a:spLocks/>
+          </p:cNvSpPr>
+          <p:nvPr/>
+        </p:nvSpPr>
+        <p:spPr>
+          <a:xfrm>
+            <a:off x="0" y="-27384"/>
+            <a:ext cx="7995338" cy="854968"/>
+          </a:xfrm>
+          <a:prstGeom prst="rect">
+            <a:avLst/>
+          </a:prstGeom>
+        </p:spPr>
+        <p:txBody>
+          <a:bodyPr anchor="ctr" anchorCtr="0"/>
+          <a:lstStyle>
+            <a:lvl1pPr algn="l" defTabSz="914400" rtl="0" eaLnBrk="1" latinLnBrk="1" hangingPunct="1">
+              <a:spcBef>
+                <a:spcPct val="0"/>
+              </a:spcBef>
+              <a:buNone/>
+              <a:defRPr sz="3200" kern="1200">
+                <a:solidFill>
+                  <a:schemeClr val="bg1"/>
+                </a:solidFill>
+                <a:latin typeface="HY헤드라인M" panose="02030600000101010101" pitchFamily="18" charset="-127"/>
+                <a:ea typeface="HY헤드라인M" panose="02030600000101010101" pitchFamily="18" charset="-127"/>
+                <a:cs typeface="+mj-cs"/>
+              </a:defRPr>
+            </a:lvl1pPr>
+          </a:lstStyle>
+          <a:p>
+            <a:r>
+              <a:rPr lang="en-US" altLang="ko-KR" dirty="0" smtClean="0"/>
+              <a:t> </a:t>
+            </a:r>
+            <a:r>
+              <a:rPr lang="ko-KR" altLang="en-US" dirty="0"/>
+              <a:t> </a:t>
+            </a:r>
+            <a:r>
               <a:rPr lang="ko-KR" altLang="en-US" dirty="0" smtClean="0"/>
               <a:t>정규 </a:t>
             </a:r>
@@ -6896,8 +8030,20 @@
                 <a:tableStyleId>{5940675A-B579-460E-94D1-54222C63F5DA}</a:tableStyleId>
               </a:tblPr>
               <a:tblGrid>
-                <a:gridCol w="1152128"/>
-                <a:gridCol w="6552728"/>
+                <a:gridCol w="1152128">
+                  <a:extLst>
+                    <a:ext uri="{9D8B030D-6E8A-4147-A177-3AD203B41FA5}">
+                      <a16:colId xmlns:a16="http://schemas.microsoft.com/office/drawing/2014/main" val="20000"/>
+                    </a:ext>
+                  </a:extLst>
+                </a:gridCol>
+                <a:gridCol w="6552728">
+                  <a:extLst>
+                    <a:ext uri="{9D8B030D-6E8A-4147-A177-3AD203B41FA5}">
+                      <a16:colId xmlns:a16="http://schemas.microsoft.com/office/drawing/2014/main" val="20001"/>
+                    </a:ext>
+                  </a:extLst>
+                </a:gridCol>
               </a:tblGrid>
               <a:tr h="374442">
                 <a:tc>
@@ -6950,6 +8096,11 @@
                     </a:solidFill>
                   </a:tcPr>
                 </a:tc>
+                <a:extLst>
+                  <a:ext uri="{0D108BD9-81ED-4DB2-BD59-A6C34878D82A}">
+                    <a16:rowId xmlns:a16="http://schemas.microsoft.com/office/drawing/2014/main" val="10000"/>
+                  </a:ext>
+                </a:extLst>
               </a:tr>
               <a:tr h="374442">
                 <a:tc>
@@ -7014,6 +8165,11 @@
                     </a:lnR>
                   </a:tcPr>
                 </a:tc>
+                <a:extLst>
+                  <a:ext uri="{0D108BD9-81ED-4DB2-BD59-A6C34878D82A}">
+                    <a16:rowId xmlns:a16="http://schemas.microsoft.com/office/drawing/2014/main" val="10001"/>
+                  </a:ext>
+                </a:extLst>
               </a:tr>
               <a:tr h="374442">
                 <a:tc>
@@ -7097,6 +8253,11 @@
                     </a:lnR>
                   </a:tcPr>
                 </a:tc>
+                <a:extLst>
+                  <a:ext uri="{0D108BD9-81ED-4DB2-BD59-A6C34878D82A}">
+                    <a16:rowId xmlns:a16="http://schemas.microsoft.com/office/drawing/2014/main" val="10002"/>
+                  </a:ext>
+                </a:extLst>
               </a:tr>
               <a:tr h="374442">
                 <a:tc>
@@ -7185,6 +8346,11 @@
                     </a:lnR>
                   </a:tcPr>
                 </a:tc>
+                <a:extLst>
+                  <a:ext uri="{0D108BD9-81ED-4DB2-BD59-A6C34878D82A}">
+                    <a16:rowId xmlns:a16="http://schemas.microsoft.com/office/drawing/2014/main" val="10003"/>
+                  </a:ext>
+                </a:extLst>
               </a:tr>
               <a:tr h="374442">
                 <a:tc>
@@ -7284,6 +8450,11 @@
                     </a:lnR>
                   </a:tcPr>
                 </a:tc>
+                <a:extLst>
+                  <a:ext uri="{0D108BD9-81ED-4DB2-BD59-A6C34878D82A}">
+                    <a16:rowId xmlns:a16="http://schemas.microsoft.com/office/drawing/2014/main" val="10004"/>
+                  </a:ext>
+                </a:extLst>
               </a:tr>
             </a:tbl>
           </a:graphicData>
@@ -7309,7 +8480,7 @@
 </p:sld>
 </file>
 
-<file path=ppt/slides/slide19.xml><?xml version="1.0" encoding="utf-8"?>
+<file path=ppt/slides/slide23.xml><?xml version="1.0" encoding="utf-8"?>
 <p:sld xmlns:a="http://schemas.openxmlformats.org/drawingml/2006/main" xmlns:r="http://schemas.openxmlformats.org/officeDocument/2006/relationships" xmlns:p="http://schemas.openxmlformats.org/presentationml/2006/main">
   <p:cSld>
     <p:spTree>
@@ -7448,8 +8619,20 @@
                 <a:tableStyleId>{5940675A-B579-460E-94D1-54222C63F5DA}</a:tableStyleId>
               </a:tblPr>
               <a:tblGrid>
-                <a:gridCol w="1728192"/>
-                <a:gridCol w="4626514"/>
+                <a:gridCol w="1728192">
+                  <a:extLst>
+                    <a:ext uri="{9D8B030D-6E8A-4147-A177-3AD203B41FA5}">
+                      <a16:colId xmlns:a16="http://schemas.microsoft.com/office/drawing/2014/main" val="20000"/>
+                    </a:ext>
+                  </a:extLst>
+                </a:gridCol>
+                <a:gridCol w="4626514">
+                  <a:extLst>
+                    <a:ext uri="{9D8B030D-6E8A-4147-A177-3AD203B41FA5}">
+                      <a16:colId xmlns:a16="http://schemas.microsoft.com/office/drawing/2014/main" val="20001"/>
+                    </a:ext>
+                  </a:extLst>
+                </a:gridCol>
               </a:tblGrid>
               <a:tr h="128014">
                 <a:tc>
@@ -7502,6 +8685,11 @@
                     </a:solidFill>
                   </a:tcPr>
                 </a:tc>
+                <a:extLst>
+                  <a:ext uri="{0D108BD9-81ED-4DB2-BD59-A6C34878D82A}">
+                    <a16:rowId xmlns:a16="http://schemas.microsoft.com/office/drawing/2014/main" val="10000"/>
+                  </a:ext>
+                </a:extLst>
               </a:tr>
               <a:tr h="416046">
                 <a:tc>
@@ -7579,6 +8767,11 @@
                     <a:noFill/>
                   </a:tcPr>
                 </a:tc>
+                <a:extLst>
+                  <a:ext uri="{0D108BD9-81ED-4DB2-BD59-A6C34878D82A}">
+                    <a16:rowId xmlns:a16="http://schemas.microsoft.com/office/drawing/2014/main" val="10001"/>
+                  </a:ext>
+                </a:extLst>
               </a:tr>
               <a:tr h="416046">
                 <a:tc>
@@ -7672,6 +8865,11 @@
                     <a:noFill/>
                   </a:tcPr>
                 </a:tc>
+                <a:extLst>
+                  <a:ext uri="{0D108BD9-81ED-4DB2-BD59-A6C34878D82A}">
+                    <a16:rowId xmlns:a16="http://schemas.microsoft.com/office/drawing/2014/main" val="10002"/>
+                  </a:ext>
+                </a:extLst>
               </a:tr>
               <a:tr h="416046">
                 <a:tc>
@@ -7744,6 +8942,11 @@
                     <a:noFill/>
                   </a:tcPr>
                 </a:tc>
+                <a:extLst>
+                  <a:ext uri="{0D108BD9-81ED-4DB2-BD59-A6C34878D82A}">
+                    <a16:rowId xmlns:a16="http://schemas.microsoft.com/office/drawing/2014/main" val="10003"/>
+                  </a:ext>
+                </a:extLst>
               </a:tr>
               <a:tr h="416046">
                 <a:tc>
@@ -7845,6 +9048,11 @@
                     <a:noFill/>
                   </a:tcPr>
                 </a:tc>
+                <a:extLst>
+                  <a:ext uri="{0D108BD9-81ED-4DB2-BD59-A6C34878D82A}">
+                    <a16:rowId xmlns:a16="http://schemas.microsoft.com/office/drawing/2014/main" val="10004"/>
+                  </a:ext>
+                </a:extLst>
               </a:tr>
               <a:tr h="416046">
                 <a:tc>
@@ -7949,6 +9157,11 @@
                     <a:noFill/>
                   </a:tcPr>
                 </a:tc>
+                <a:extLst>
+                  <a:ext uri="{0D108BD9-81ED-4DB2-BD59-A6C34878D82A}">
+                    <a16:rowId xmlns:a16="http://schemas.microsoft.com/office/drawing/2014/main" val="10005"/>
+                  </a:ext>
+                </a:extLst>
               </a:tr>
               <a:tr h="416046">
                 <a:tc>
@@ -8026,6 +9239,11 @@
                     <a:noFill/>
                   </a:tcPr>
                 </a:tc>
+                <a:extLst>
+                  <a:ext uri="{0D108BD9-81ED-4DB2-BD59-A6C34878D82A}">
+                    <a16:rowId xmlns:a16="http://schemas.microsoft.com/office/drawing/2014/main" val="10006"/>
+                  </a:ext>
+                </a:extLst>
               </a:tr>
               <a:tr h="416046">
                 <a:tc>
@@ -8106,6 +9324,11 @@
                     <a:noFill/>
                   </a:tcPr>
                 </a:tc>
+                <a:extLst>
+                  <a:ext uri="{0D108BD9-81ED-4DB2-BD59-A6C34878D82A}">
+                    <a16:rowId xmlns:a16="http://schemas.microsoft.com/office/drawing/2014/main" val="10007"/>
+                  </a:ext>
+                </a:extLst>
               </a:tr>
               <a:tr h="416046">
                 <a:tc>
@@ -8186,6 +9409,11 @@
                     <a:noFill/>
                   </a:tcPr>
                 </a:tc>
+                <a:extLst>
+                  <a:ext uri="{0D108BD9-81ED-4DB2-BD59-A6C34878D82A}">
+                    <a16:rowId xmlns:a16="http://schemas.microsoft.com/office/drawing/2014/main" val="10008"/>
+                  </a:ext>
+                </a:extLst>
               </a:tr>
               <a:tr h="416046">
                 <a:tc>
@@ -8282,6 +9510,11 @@
                     <a:noFill/>
                   </a:tcPr>
                 </a:tc>
+                <a:extLst>
+                  <a:ext uri="{0D108BD9-81ED-4DB2-BD59-A6C34878D82A}">
+                    <a16:rowId xmlns:a16="http://schemas.microsoft.com/office/drawing/2014/main" val="10009"/>
+                  </a:ext>
+                </a:extLst>
               </a:tr>
               <a:tr h="416046">
                 <a:tc>
@@ -8378,6 +9611,11 @@
                     <a:noFill/>
                   </a:tcPr>
                 </a:tc>
+                <a:extLst>
+                  <a:ext uri="{0D108BD9-81ED-4DB2-BD59-A6C34878D82A}">
+                    <a16:rowId xmlns:a16="http://schemas.microsoft.com/office/drawing/2014/main" val="10010"/>
+                  </a:ext>
+                </a:extLst>
               </a:tr>
             </a:tbl>
           </a:graphicData>
@@ -8403,674 +9641,7 @@
 </p:sld>
 </file>
 
-<file path=ppt/slides/slide2.xml><?xml version="1.0" encoding="utf-8"?>
-<p:sld xmlns:a="http://schemas.openxmlformats.org/drawingml/2006/main" xmlns:r="http://schemas.openxmlformats.org/officeDocument/2006/relationships" xmlns:p="http://schemas.openxmlformats.org/presentationml/2006/main">
-  <p:cSld>
-    <p:spTree>
-      <p:nvGrpSpPr>
-        <p:cNvPr id="1" name=""/>
-        <p:cNvGrpSpPr/>
-        <p:nvPr/>
-      </p:nvGrpSpPr>
-      <p:grpSpPr>
-        <a:xfrm>
-          <a:off x="0" y="0"/>
-          <a:ext cx="0" cy="0"/>
-          <a:chOff x="0" y="0"/>
-          <a:chExt cx="0" cy="0"/>
-        </a:xfrm>
-      </p:grpSpPr>
-      <p:sp>
-        <p:nvSpPr>
-          <p:cNvPr id="15" name="제목 5"/>
-          <p:cNvSpPr txBox="1">
-            <a:spLocks/>
-          </p:cNvSpPr>
-          <p:nvPr/>
-        </p:nvSpPr>
-        <p:spPr>
-          <a:xfrm>
-            <a:off x="0" y="-27384"/>
-            <a:ext cx="7995338" cy="854968"/>
-          </a:xfrm>
-          <a:prstGeom prst="rect">
-            <a:avLst/>
-          </a:prstGeom>
-        </p:spPr>
-        <p:txBody>
-          <a:bodyPr anchor="ctr" anchorCtr="0"/>
-          <a:lstStyle>
-            <a:lvl1pPr algn="l" defTabSz="914400" rtl="0" eaLnBrk="1" latinLnBrk="1" hangingPunct="1">
-              <a:spcBef>
-                <a:spcPct val="0"/>
-              </a:spcBef>
-              <a:buNone/>
-              <a:defRPr sz="3200" kern="1200">
-                <a:solidFill>
-                  <a:schemeClr val="bg1"/>
-                </a:solidFill>
-                <a:latin typeface="HY헤드라인M" panose="02030600000101010101" pitchFamily="18" charset="-127"/>
-                <a:ea typeface="HY헤드라인M" panose="02030600000101010101" pitchFamily="18" charset="-127"/>
-                <a:cs typeface="+mj-cs"/>
-              </a:defRPr>
-            </a:lvl1pPr>
-          </a:lstStyle>
-          <a:p>
-            <a:r>
-              <a:rPr lang="en-US" altLang="ko-KR" dirty="0" smtClean="0"/>
-              <a:t> </a:t>
-            </a:r>
-            <a:r>
-              <a:rPr lang="ko-KR" altLang="en-US" dirty="0"/>
-              <a:t> </a:t>
-            </a:r>
-            <a:r>
-              <a:rPr lang="ko-KR" altLang="en-US" dirty="0" smtClean="0"/>
-              <a:t>유효성 검사</a:t>
-            </a:r>
-            <a:r>
-              <a:rPr lang="en-US" altLang="ko-KR" dirty="0" smtClean="0"/>
-              <a:t>(validation)</a:t>
-            </a:r>
-            <a:endParaRPr lang="ko-KR" altLang="en-US" dirty="0"/>
-          </a:p>
-        </p:txBody>
-      </p:sp>
-      <p:sp>
-        <p:nvSpPr>
-          <p:cNvPr id="5" name="TextBox 4"/>
-          <p:cNvSpPr txBox="1"/>
-          <p:nvPr/>
-        </p:nvSpPr>
-        <p:spPr>
-          <a:xfrm>
-            <a:off x="776536" y="980728"/>
-            <a:ext cx="8928992" cy="1661993"/>
-          </a:xfrm>
-          <a:prstGeom prst="rect">
-            <a:avLst/>
-          </a:prstGeom>
-          <a:noFill/>
-        </p:spPr>
-        <p:txBody>
-          <a:bodyPr wrap="square" rtlCol="0">
-            <a:spAutoFit/>
-          </a:bodyPr>
-          <a:lstStyle/>
-          <a:p>
-            <a:pPr>
-              <a:lnSpc>
-                <a:spcPct val="150000"/>
-              </a:lnSpc>
-            </a:pPr>
-            <a:r>
-              <a:rPr lang="ko-KR" altLang="en-US" sz="2000" b="1" dirty="0" smtClean="0"/>
-              <a:t>유효성 검사</a:t>
-            </a:r>
-            <a:r>
-              <a:rPr lang="en-US" altLang="ko-KR" sz="2000" b="1" dirty="0" smtClean="0"/>
-              <a:t>(validation)</a:t>
-            </a:r>
-          </a:p>
-          <a:p>
-            <a:pPr>
-              <a:lnSpc>
-                <a:spcPct val="150000"/>
-              </a:lnSpc>
-            </a:pPr>
-            <a:r>
-              <a:rPr lang="en-US" altLang="ko-KR" sz="1600" dirty="0" smtClean="0"/>
-              <a:t>- </a:t>
-            </a:r>
-            <a:r>
-              <a:rPr lang="ko-KR" altLang="en-US" sz="1600" dirty="0" smtClean="0"/>
-              <a:t>사용자가 폼 페이지에서 입력한 데이터 값이 서버로 전송되기 전에 특정 규칙에 맞게 </a:t>
-            </a:r>
-            <a:r>
-              <a:rPr lang="ko-KR" altLang="en-US" sz="1600" dirty="0" err="1" smtClean="0"/>
-              <a:t>입력되었</a:t>
-            </a:r>
-            <a:r>
-              <a:rPr lang="ko-KR" altLang="en-US" sz="1600" dirty="0" smtClean="0"/>
-              <a:t> </a:t>
-            </a:r>
-            <a:endParaRPr lang="en-US" altLang="ko-KR" sz="1600" dirty="0" smtClean="0"/>
-          </a:p>
-          <a:p>
-            <a:pPr>
-              <a:lnSpc>
-                <a:spcPct val="150000"/>
-              </a:lnSpc>
-            </a:pPr>
-            <a:r>
-              <a:rPr lang="ko-KR" altLang="en-US" sz="1600" dirty="0" err="1" smtClean="0"/>
-              <a:t>는지</a:t>
-            </a:r>
-            <a:r>
-              <a:rPr lang="ko-KR" altLang="en-US" sz="1600" dirty="0" smtClean="0"/>
-              <a:t> 검증하는 것을 말한다</a:t>
-            </a:r>
-            <a:r>
-              <a:rPr lang="en-US" altLang="ko-KR" sz="1600" dirty="0" smtClean="0"/>
-              <a:t>.</a:t>
-            </a:r>
-            <a:r>
-              <a:rPr lang="en-US" altLang="ko-KR" sz="1600" dirty="0"/>
-              <a:t> </a:t>
-            </a:r>
-            <a:r>
-              <a:rPr lang="en-US" altLang="ko-KR" sz="1600" dirty="0" smtClean="0"/>
-              <a:t> </a:t>
-            </a:r>
-          </a:p>
-          <a:p>
-            <a:pPr>
-              <a:lnSpc>
-                <a:spcPct val="150000"/>
-              </a:lnSpc>
-            </a:pPr>
-            <a:r>
-              <a:rPr lang="en-US" altLang="ko-KR" sz="1600" dirty="0"/>
-              <a:t> </a:t>
-            </a:r>
-            <a:r>
-              <a:rPr lang="en-US" altLang="ko-KR" sz="1600" dirty="0" smtClean="0"/>
-              <a:t>  </a:t>
-            </a:r>
-            <a:r>
-              <a:rPr lang="ko-KR" altLang="en-US" sz="1600" dirty="0" smtClean="0"/>
-              <a:t>예를 들면</a:t>
-            </a:r>
-            <a:r>
-              <a:rPr lang="en-US" altLang="ko-KR" sz="1600" dirty="0" smtClean="0"/>
-              <a:t>, </a:t>
-            </a:r>
-            <a:r>
-              <a:rPr lang="ko-KR" altLang="en-US" sz="1600" dirty="0" smtClean="0"/>
-              <a:t>회원 </a:t>
-            </a:r>
-            <a:r>
-              <a:rPr lang="ko-KR" altLang="en-US" sz="1600" dirty="0" err="1" smtClean="0"/>
-              <a:t>가입시</a:t>
-            </a:r>
-            <a:r>
-              <a:rPr lang="ko-KR" altLang="en-US" sz="1600" dirty="0" smtClean="0"/>
-              <a:t> 아이디나 비밀번호</a:t>
-            </a:r>
-            <a:r>
-              <a:rPr lang="en-US" altLang="ko-KR" sz="1600" dirty="0" smtClean="0"/>
-              <a:t>, </a:t>
-            </a:r>
-            <a:r>
-              <a:rPr lang="ko-KR" altLang="en-US" sz="1600" dirty="0" err="1" smtClean="0"/>
-              <a:t>연락처등</a:t>
-            </a:r>
-            <a:r>
-              <a:rPr lang="ko-KR" altLang="en-US" sz="1600" dirty="0" smtClean="0"/>
-              <a:t> 검사</a:t>
-            </a:r>
-            <a:r>
-              <a:rPr lang="en-US" altLang="ko-KR" sz="1600" dirty="0" smtClean="0"/>
-              <a:t>, </a:t>
-            </a:r>
-            <a:r>
-              <a:rPr lang="ko-KR" altLang="en-US" sz="1600" dirty="0" smtClean="0"/>
-              <a:t>아이디 중복 </a:t>
-            </a:r>
-            <a:r>
-              <a:rPr lang="ko-KR" altLang="en-US" sz="1600" dirty="0" err="1" smtClean="0"/>
-              <a:t>검사등을</a:t>
-            </a:r>
-            <a:r>
-              <a:rPr lang="ko-KR" altLang="en-US" sz="1600" dirty="0" smtClean="0"/>
-              <a:t> 들 수 있다</a:t>
-            </a:r>
-            <a:r>
-              <a:rPr lang="en-US" altLang="ko-KR" sz="1600" dirty="0" smtClean="0"/>
-              <a:t>.</a:t>
-            </a:r>
-          </a:p>
-        </p:txBody>
-      </p:sp>
-      <p:sp>
-        <p:nvSpPr>
-          <p:cNvPr id="8" name="TextBox 7"/>
-          <p:cNvSpPr txBox="1"/>
-          <p:nvPr/>
-        </p:nvSpPr>
-        <p:spPr>
-          <a:xfrm>
-            <a:off x="776536" y="2636912"/>
-            <a:ext cx="8928992" cy="1246495"/>
-          </a:xfrm>
-          <a:prstGeom prst="rect">
-            <a:avLst/>
-          </a:prstGeom>
-          <a:noFill/>
-        </p:spPr>
-        <p:txBody>
-          <a:bodyPr wrap="square" rtlCol="0">
-            <a:spAutoFit/>
-          </a:bodyPr>
-          <a:lstStyle/>
-          <a:p>
-            <a:pPr>
-              <a:lnSpc>
-                <a:spcPct val="150000"/>
-              </a:lnSpc>
-            </a:pPr>
-            <a:r>
-              <a:rPr lang="ko-KR" altLang="en-US" sz="1600" b="1" dirty="0" smtClean="0"/>
-              <a:t>유효성 검사를 위한 </a:t>
-            </a:r>
-            <a:r>
-              <a:rPr lang="ko-KR" altLang="en-US" sz="1600" b="1" dirty="0" err="1" smtClean="0"/>
-              <a:t>핸들러</a:t>
-            </a:r>
-            <a:r>
-              <a:rPr lang="ko-KR" altLang="en-US" sz="1600" b="1" dirty="0" smtClean="0"/>
-              <a:t> 함수</a:t>
-            </a:r>
-            <a:endParaRPr lang="en-US" altLang="ko-KR" sz="1600" b="1" dirty="0" smtClean="0"/>
-          </a:p>
-          <a:p>
-            <a:pPr marL="285750" indent="-285750">
-              <a:lnSpc>
-                <a:spcPct val="150000"/>
-              </a:lnSpc>
-              <a:buFontTx/>
-              <a:buChar char="-"/>
-            </a:pPr>
-            <a:r>
-              <a:rPr lang="ko-KR" altLang="en-US" sz="1600" dirty="0" smtClean="0"/>
-              <a:t>폼 페이지에서 이벤트가 </a:t>
-            </a:r>
-            <a:r>
-              <a:rPr lang="ko-KR" altLang="en-US" sz="1600" dirty="0" err="1" smtClean="0"/>
-              <a:t>발생했을때</a:t>
-            </a:r>
-            <a:r>
-              <a:rPr lang="en-US" altLang="ko-KR" sz="1600" dirty="0" smtClean="0"/>
-              <a:t>(&lt;input </a:t>
-            </a:r>
-            <a:r>
-              <a:rPr lang="en-US" altLang="ko-KR" sz="1600" dirty="0" err="1" smtClean="0"/>
-              <a:t>onclick</a:t>
-            </a:r>
-            <a:r>
-              <a:rPr lang="en-US" altLang="ko-KR" sz="1600" dirty="0" smtClean="0"/>
-              <a:t>&gt;</a:t>
-            </a:r>
-            <a:r>
-              <a:rPr lang="ko-KR" altLang="en-US" sz="1600" dirty="0" smtClean="0"/>
-              <a:t>을 클릭한 경우</a:t>
-            </a:r>
-            <a:r>
-              <a:rPr lang="en-US" altLang="ko-KR" sz="1600" dirty="0" smtClean="0"/>
-              <a:t>)</a:t>
-            </a:r>
-            <a:r>
-              <a:rPr lang="ko-KR" altLang="en-US" sz="1600" dirty="0" smtClean="0"/>
-              <a:t>의 유효성 검사를 위한 </a:t>
-            </a:r>
-            <a:r>
-              <a:rPr lang="ko-KR" altLang="en-US" sz="1600" b="1" dirty="0" err="1" smtClean="0">
-                <a:solidFill>
-                  <a:srgbClr val="C00000"/>
-                </a:solidFill>
-              </a:rPr>
-              <a:t>매핑</a:t>
-            </a:r>
-            <a:r>
-              <a:rPr lang="ko-KR" altLang="en-US" sz="1600" b="1" dirty="0" smtClean="0">
-                <a:solidFill>
-                  <a:srgbClr val="C00000"/>
-                </a:solidFill>
-              </a:rPr>
-              <a:t> </a:t>
-            </a:r>
-            <a:r>
-              <a:rPr lang="ko-KR" altLang="en-US" sz="1600" b="1" dirty="0" err="1" smtClean="0">
-                <a:solidFill>
-                  <a:srgbClr val="C00000"/>
-                </a:solidFill>
-              </a:rPr>
-              <a:t>메서드로</a:t>
-            </a:r>
-            <a:r>
-              <a:rPr lang="ko-KR" altLang="en-US" sz="1600" b="1" dirty="0" smtClean="0">
-                <a:solidFill>
-                  <a:srgbClr val="C00000"/>
-                </a:solidFill>
-              </a:rPr>
-              <a:t> 자바스크립트</a:t>
-            </a:r>
-            <a:r>
-              <a:rPr lang="ko-KR" altLang="en-US" sz="1600" dirty="0" smtClean="0"/>
-              <a:t>를 이용하여 코드를 작성한다</a:t>
-            </a:r>
-            <a:r>
-              <a:rPr lang="en-US" altLang="ko-KR" sz="1600" dirty="0" smtClean="0"/>
-              <a:t>.</a:t>
-            </a:r>
-          </a:p>
-        </p:txBody>
-      </p:sp>
-      <p:sp>
-        <p:nvSpPr>
-          <p:cNvPr id="9" name="TextBox 8"/>
-          <p:cNvSpPr txBox="1"/>
-          <p:nvPr/>
-        </p:nvSpPr>
-        <p:spPr>
-          <a:xfrm>
-            <a:off x="1500893" y="3871440"/>
-            <a:ext cx="6480720" cy="2553891"/>
-          </a:xfrm>
-          <a:prstGeom prst="roundRect">
-            <a:avLst/>
-          </a:prstGeom>
-          <a:ln w="12700"/>
-        </p:spPr>
-        <p:style>
-          <a:lnRef idx="2">
-            <a:schemeClr val="dk1"/>
-          </a:lnRef>
-          <a:fillRef idx="1">
-            <a:schemeClr val="lt1"/>
-          </a:fillRef>
-          <a:effectRef idx="0">
-            <a:schemeClr val="dk1"/>
-          </a:effectRef>
-          <a:fontRef idx="minor">
-            <a:schemeClr val="dk1"/>
-          </a:fontRef>
-        </p:style>
-        <p:txBody>
-          <a:bodyPr wrap="square" rtlCol="0">
-            <a:spAutoFit/>
-          </a:bodyPr>
-          <a:lstStyle/>
-          <a:p>
-            <a:r>
-              <a:rPr lang="en-US" altLang="ko-KR" sz="1600" b="1" dirty="0" smtClean="0">
-                <a:solidFill>
-                  <a:srgbClr val="0070C0"/>
-                </a:solidFill>
-              </a:rPr>
-              <a:t>&lt;script type=“text/</a:t>
-            </a:r>
-            <a:r>
-              <a:rPr lang="en-US" altLang="ko-KR" sz="1600" b="1" dirty="0" err="1" smtClean="0">
-                <a:solidFill>
-                  <a:srgbClr val="0070C0"/>
-                </a:solidFill>
-              </a:rPr>
-              <a:t>javascript</a:t>
-            </a:r>
-            <a:r>
-              <a:rPr lang="en-US" altLang="ko-KR" sz="1600" b="1" dirty="0" smtClean="0">
-                <a:solidFill>
-                  <a:srgbClr val="0070C0"/>
-                </a:solidFill>
-              </a:rPr>
-              <a:t>”&gt;</a:t>
-            </a:r>
-          </a:p>
-          <a:p>
-            <a:r>
-              <a:rPr lang="en-US" altLang="ko-KR" sz="1600" b="1" dirty="0" smtClean="0">
-                <a:solidFill>
-                  <a:srgbClr val="0070C0"/>
-                </a:solidFill>
-              </a:rPr>
-              <a:t>    function </a:t>
-            </a:r>
-            <a:r>
-              <a:rPr lang="ko-KR" altLang="en-US" sz="1600" b="1" dirty="0" err="1" smtClean="0">
-                <a:solidFill>
-                  <a:srgbClr val="0070C0"/>
-                </a:solidFill>
-              </a:rPr>
-              <a:t>핸들러</a:t>
-            </a:r>
-            <a:r>
-              <a:rPr lang="ko-KR" altLang="en-US" sz="1600" b="1" dirty="0" smtClean="0">
-                <a:solidFill>
-                  <a:srgbClr val="0070C0"/>
-                </a:solidFill>
-              </a:rPr>
-              <a:t> 함수</a:t>
-            </a:r>
-            <a:r>
-              <a:rPr lang="en-US" altLang="ko-KR" sz="1600" b="1" dirty="0" smtClean="0">
-                <a:solidFill>
-                  <a:srgbClr val="0070C0"/>
-                </a:solidFill>
-              </a:rPr>
-              <a:t>(){</a:t>
-            </a:r>
-          </a:p>
-          <a:p>
-            <a:r>
-              <a:rPr lang="en-US" altLang="ko-KR" sz="1600" b="1" dirty="0" smtClean="0">
-                <a:solidFill>
-                  <a:srgbClr val="0070C0"/>
-                </a:solidFill>
-              </a:rPr>
-              <a:t>       </a:t>
-            </a:r>
-            <a:r>
-              <a:rPr lang="en-US" altLang="ko-KR" sz="1600" b="1" dirty="0" err="1" smtClean="0">
-                <a:solidFill>
-                  <a:srgbClr val="0070C0"/>
-                </a:solidFill>
-              </a:rPr>
-              <a:t>var</a:t>
-            </a:r>
-            <a:r>
-              <a:rPr lang="en-US" altLang="ko-KR" sz="1600" b="1" dirty="0" smtClean="0">
-                <a:solidFill>
-                  <a:srgbClr val="0070C0"/>
-                </a:solidFill>
-              </a:rPr>
-              <a:t> </a:t>
-            </a:r>
-            <a:r>
-              <a:rPr lang="en-US" altLang="ko-KR" sz="1600" b="1" dirty="0" err="1" smtClean="0">
-                <a:solidFill>
-                  <a:srgbClr val="0070C0"/>
-                </a:solidFill>
-              </a:rPr>
-              <a:t>str</a:t>
-            </a:r>
-            <a:r>
-              <a:rPr lang="en-US" altLang="ko-KR" sz="1600" b="1" dirty="0" smtClean="0">
-                <a:solidFill>
-                  <a:srgbClr val="0070C0"/>
-                </a:solidFill>
-              </a:rPr>
-              <a:t> = document.</a:t>
-            </a:r>
-            <a:r>
-              <a:rPr lang="ko-KR" altLang="en-US" sz="1600" b="1" dirty="0" smtClean="0">
-                <a:solidFill>
-                  <a:srgbClr val="0070C0"/>
-                </a:solidFill>
-              </a:rPr>
-              <a:t>폼 이름</a:t>
-            </a:r>
-            <a:r>
-              <a:rPr lang="en-US" altLang="ko-KR" sz="1600" b="1" dirty="0" smtClean="0">
-                <a:solidFill>
-                  <a:srgbClr val="0070C0"/>
-                </a:solidFill>
-              </a:rPr>
-              <a:t>.</a:t>
-            </a:r>
-            <a:r>
-              <a:rPr lang="ko-KR" altLang="en-US" sz="1600" b="1" dirty="0" smtClean="0">
-                <a:solidFill>
-                  <a:srgbClr val="0070C0"/>
-                </a:solidFill>
-              </a:rPr>
-              <a:t>입력항목 이름</a:t>
-            </a:r>
-            <a:r>
-              <a:rPr lang="en-US" altLang="ko-KR" sz="1600" b="1" dirty="0" smtClean="0">
-                <a:solidFill>
-                  <a:srgbClr val="0070C0"/>
-                </a:solidFill>
-              </a:rPr>
-              <a:t>.value;</a:t>
-            </a:r>
-            <a:endParaRPr lang="en-US" altLang="ko-KR" sz="1600" b="1" dirty="0">
-              <a:solidFill>
-                <a:srgbClr val="0070C0"/>
-              </a:solidFill>
-            </a:endParaRPr>
-          </a:p>
-          <a:p>
-            <a:r>
-              <a:rPr lang="en-US" altLang="ko-KR" sz="1600" b="1" dirty="0" smtClean="0">
-                <a:solidFill>
-                  <a:srgbClr val="0070C0"/>
-                </a:solidFill>
-              </a:rPr>
-              <a:t>    }</a:t>
-            </a:r>
-          </a:p>
-          <a:p>
-            <a:r>
-              <a:rPr lang="en-US" altLang="ko-KR" sz="1600" b="1" dirty="0" smtClean="0">
-                <a:solidFill>
-                  <a:srgbClr val="0070C0"/>
-                </a:solidFill>
-              </a:rPr>
-              <a:t>&lt;/script&gt;</a:t>
-            </a:r>
-          </a:p>
-          <a:p>
-            <a:endParaRPr lang="en-US" altLang="ko-KR" sz="1600" b="1" dirty="0">
-              <a:solidFill>
-                <a:srgbClr val="0070C0"/>
-              </a:solidFill>
-            </a:endParaRPr>
-          </a:p>
-          <a:p>
-            <a:r>
-              <a:rPr lang="en-US" altLang="ko-KR" sz="1600" b="1" dirty="0" smtClean="0">
-                <a:solidFill>
-                  <a:srgbClr val="0070C0"/>
-                </a:solidFill>
-              </a:rPr>
-              <a:t>&lt;form name=“</a:t>
-            </a:r>
-            <a:r>
-              <a:rPr lang="ko-KR" altLang="en-US" sz="1600" b="1" dirty="0" smtClean="0">
-                <a:solidFill>
-                  <a:srgbClr val="0070C0"/>
-                </a:solidFill>
-              </a:rPr>
-              <a:t>폼 이름</a:t>
-            </a:r>
-            <a:r>
-              <a:rPr lang="en-US" altLang="ko-KR" sz="1600" b="1" dirty="0" smtClean="0">
-                <a:solidFill>
-                  <a:srgbClr val="0070C0"/>
-                </a:solidFill>
-              </a:rPr>
-              <a:t>”&gt;</a:t>
-            </a:r>
-          </a:p>
-          <a:p>
-            <a:r>
-              <a:rPr lang="en-US" altLang="ko-KR" sz="1600" b="1" dirty="0" smtClean="0">
-                <a:solidFill>
-                  <a:srgbClr val="0070C0"/>
-                </a:solidFill>
-              </a:rPr>
-              <a:t>    &lt;input type=“button” </a:t>
-            </a:r>
-            <a:r>
-              <a:rPr lang="en-US" altLang="ko-KR" sz="1600" b="1" dirty="0" err="1" smtClean="0">
-                <a:solidFill>
-                  <a:srgbClr val="C00000"/>
-                </a:solidFill>
-              </a:rPr>
-              <a:t>onclick</a:t>
-            </a:r>
-            <a:r>
-              <a:rPr lang="en-US" altLang="ko-KR" sz="1600" b="1" dirty="0" smtClean="0">
-                <a:solidFill>
-                  <a:srgbClr val="C00000"/>
-                </a:solidFill>
-              </a:rPr>
-              <a:t>=“</a:t>
-            </a:r>
-            <a:r>
-              <a:rPr lang="ko-KR" altLang="en-US" sz="1600" b="1" dirty="0" err="1" smtClean="0">
-                <a:solidFill>
-                  <a:srgbClr val="C00000"/>
-                </a:solidFill>
-              </a:rPr>
-              <a:t>핸들러함수</a:t>
-            </a:r>
-            <a:r>
-              <a:rPr lang="en-US" altLang="ko-KR" sz="1600" b="1" dirty="0" smtClean="0">
-                <a:solidFill>
-                  <a:srgbClr val="C00000"/>
-                </a:solidFill>
-              </a:rPr>
-              <a:t>()”</a:t>
-            </a:r>
-            <a:r>
-              <a:rPr lang="en-US" altLang="ko-KR" sz="1600" b="1" dirty="0" smtClean="0">
-                <a:solidFill>
-                  <a:srgbClr val="0070C0"/>
-                </a:solidFill>
-              </a:rPr>
-              <a:t>&gt;</a:t>
-            </a:r>
-          </a:p>
-          <a:p>
-            <a:r>
-              <a:rPr lang="en-US" altLang="ko-KR" sz="1600" b="1" dirty="0" smtClean="0">
-                <a:solidFill>
-                  <a:srgbClr val="0070C0"/>
-                </a:solidFill>
-              </a:rPr>
-              <a:t>&lt;/form&gt;</a:t>
-            </a:r>
-            <a:endParaRPr lang="ko-KR" altLang="en-US" sz="1600" b="1" dirty="0">
-              <a:solidFill>
-                <a:srgbClr val="0070C0"/>
-              </a:solidFill>
-            </a:endParaRPr>
-          </a:p>
-        </p:txBody>
-      </p:sp>
-    </p:spTree>
-    <p:extLst>
-      <p:ext uri="{BB962C8B-B14F-4D97-AF65-F5344CB8AC3E}">
-        <p14:creationId xmlns:p14="http://schemas.microsoft.com/office/powerpoint/2010/main" val="2241920699"/>
-      </p:ext>
-    </p:extLst>
-  </p:cSld>
-  <p:clrMapOvr>
-    <a:masterClrMapping/>
-  </p:clrMapOvr>
-  <p:timing>
-    <p:tnLst>
-      <p:par>
-        <p:cTn id="1" dur="indefinite" restart="never" nodeType="tmRoot"/>
-      </p:par>
-    </p:tnLst>
-  </p:timing>
-</p:sld>
-</file>
-
-<file path=ppt/slides/slide20.xml><?xml version="1.0" encoding="utf-8"?>
+<file path=ppt/slides/slide24.xml><?xml version="1.0" encoding="utf-8"?>
 <p:sld xmlns:a="http://schemas.openxmlformats.org/drawingml/2006/main" xmlns:r="http://schemas.openxmlformats.org/officeDocument/2006/relationships" xmlns:p="http://schemas.openxmlformats.org/presentationml/2006/main">
   <p:cSld>
     <p:spTree>
@@ -9217,8 +9788,20 @@
                 <a:tableStyleId>{5940675A-B579-460E-94D1-54222C63F5DA}</a:tableStyleId>
               </a:tblPr>
               <a:tblGrid>
-                <a:gridCol w="4185081"/>
-                <a:gridCol w="3015719"/>
+                <a:gridCol w="4185081">
+                  <a:extLst>
+                    <a:ext uri="{9D8B030D-6E8A-4147-A177-3AD203B41FA5}">
+                      <a16:colId xmlns:a16="http://schemas.microsoft.com/office/drawing/2014/main" val="20000"/>
+                    </a:ext>
+                  </a:extLst>
+                </a:gridCol>
+                <a:gridCol w="3015719">
+                  <a:extLst>
+                    <a:ext uri="{9D8B030D-6E8A-4147-A177-3AD203B41FA5}">
+                      <a16:colId xmlns:a16="http://schemas.microsoft.com/office/drawing/2014/main" val="20001"/>
+                    </a:ext>
+                  </a:extLst>
+                </a:gridCol>
               </a:tblGrid>
               <a:tr h="432048">
                 <a:tc>
@@ -9271,6 +9854,11 @@
                     </a:solidFill>
                   </a:tcPr>
                 </a:tc>
+                <a:extLst>
+                  <a:ext uri="{0D108BD9-81ED-4DB2-BD59-A6C34878D82A}">
+                    <a16:rowId xmlns:a16="http://schemas.microsoft.com/office/drawing/2014/main" val="10000"/>
+                  </a:ext>
+                </a:extLst>
               </a:tr>
               <a:tr h="432048">
                 <a:tc>
@@ -9322,6 +9910,11 @@
                     </a:lnR>
                   </a:tcPr>
                 </a:tc>
+                <a:extLst>
+                  <a:ext uri="{0D108BD9-81ED-4DB2-BD59-A6C34878D82A}">
+                    <a16:rowId xmlns:a16="http://schemas.microsoft.com/office/drawing/2014/main" val="10001"/>
+                  </a:ext>
+                </a:extLst>
               </a:tr>
               <a:tr h="432048">
                 <a:tc>
@@ -9405,6 +9998,11 @@
                     </a:lnR>
                   </a:tcPr>
                 </a:tc>
+                <a:extLst>
+                  <a:ext uri="{0D108BD9-81ED-4DB2-BD59-A6C34878D82A}">
+                    <a16:rowId xmlns:a16="http://schemas.microsoft.com/office/drawing/2014/main" val="10002"/>
+                  </a:ext>
+                </a:extLst>
               </a:tr>
               <a:tr h="432048">
                 <a:tc>
@@ -9499,6 +10097,11 @@
                     </a:lnR>
                   </a:tcPr>
                 </a:tc>
+                <a:extLst>
+                  <a:ext uri="{0D108BD9-81ED-4DB2-BD59-A6C34878D82A}">
+                    <a16:rowId xmlns:a16="http://schemas.microsoft.com/office/drawing/2014/main" val="10003"/>
+                  </a:ext>
+                </a:extLst>
               </a:tr>
               <a:tr h="432048">
                 <a:tc>
@@ -9577,6 +10180,11 @@
                     </a:lnR>
                   </a:tcPr>
                 </a:tc>
+                <a:extLst>
+                  <a:ext uri="{0D108BD9-81ED-4DB2-BD59-A6C34878D82A}">
+                    <a16:rowId xmlns:a16="http://schemas.microsoft.com/office/drawing/2014/main" val="10004"/>
+                  </a:ext>
+                </a:extLst>
               </a:tr>
               <a:tr h="432048">
                 <a:tc>
@@ -9715,6 +10323,11 @@
                     </a:lnR>
                   </a:tcPr>
                 </a:tc>
+                <a:extLst>
+                  <a:ext uri="{0D108BD9-81ED-4DB2-BD59-A6C34878D82A}">
+                    <a16:rowId xmlns:a16="http://schemas.microsoft.com/office/drawing/2014/main" val="10005"/>
+                  </a:ext>
+                </a:extLst>
               </a:tr>
               <a:tr h="432048">
                 <a:tc>
@@ -9820,6 +10433,11 @@
                     </a:lnR>
                   </a:tcPr>
                 </a:tc>
+                <a:extLst>
+                  <a:ext uri="{0D108BD9-81ED-4DB2-BD59-A6C34878D82A}">
+                    <a16:rowId xmlns:a16="http://schemas.microsoft.com/office/drawing/2014/main" val="10006"/>
+                  </a:ext>
+                </a:extLst>
               </a:tr>
               <a:tr h="432048">
                 <a:tc>
@@ -9882,6 +10500,11 @@
                     </a:lnR>
                   </a:tcPr>
                 </a:tc>
+                <a:extLst>
+                  <a:ext uri="{0D108BD9-81ED-4DB2-BD59-A6C34878D82A}">
+                    <a16:rowId xmlns:a16="http://schemas.microsoft.com/office/drawing/2014/main" val="10007"/>
+                  </a:ext>
+                </a:extLst>
               </a:tr>
               <a:tr h="432048">
                 <a:tc>
@@ -9944,6 +10567,11 @@
                     </a:lnR>
                   </a:tcPr>
                 </a:tc>
+                <a:extLst>
+                  <a:ext uri="{0D108BD9-81ED-4DB2-BD59-A6C34878D82A}">
+                    <a16:rowId xmlns:a16="http://schemas.microsoft.com/office/drawing/2014/main" val="10008"/>
+                  </a:ext>
+                </a:extLst>
               </a:tr>
             </a:tbl>
           </a:graphicData>
@@ -9969,7 +10597,7 @@
 </p:sld>
 </file>
 
-<file path=ppt/slides/slide21.xml><?xml version="1.0" encoding="utf-8"?>
+<file path=ppt/slides/slide25.xml><?xml version="1.0" encoding="utf-8"?>
 <p:sld xmlns:a="http://schemas.openxmlformats.org/drawingml/2006/main" xmlns:r="http://schemas.openxmlformats.org/officeDocument/2006/relationships" xmlns:p="http://schemas.openxmlformats.org/presentationml/2006/main">
   <p:cSld>
     <p:spTree>
@@ -10116,8 +10744,20 @@
                 <a:tableStyleId>{5940675A-B579-460E-94D1-54222C63F5DA}</a:tableStyleId>
               </a:tblPr>
               <a:tblGrid>
-                <a:gridCol w="2232248"/>
-                <a:gridCol w="4968552"/>
+                <a:gridCol w="2232248">
+                  <a:extLst>
+                    <a:ext uri="{9D8B030D-6E8A-4147-A177-3AD203B41FA5}">
+                      <a16:colId xmlns:a16="http://schemas.microsoft.com/office/drawing/2014/main" val="20000"/>
+                    </a:ext>
+                  </a:extLst>
+                </a:gridCol>
+                <a:gridCol w="4968552">
+                  <a:extLst>
+                    <a:ext uri="{9D8B030D-6E8A-4147-A177-3AD203B41FA5}">
+                      <a16:colId xmlns:a16="http://schemas.microsoft.com/office/drawing/2014/main" val="20001"/>
+                    </a:ext>
+                  </a:extLst>
+                </a:gridCol>
               </a:tblGrid>
               <a:tr h="576064">
                 <a:tc>
@@ -10170,6 +10810,11 @@
                     </a:solidFill>
                   </a:tcPr>
                 </a:tc>
+                <a:extLst>
+                  <a:ext uri="{0D108BD9-81ED-4DB2-BD59-A6C34878D82A}">
+                    <a16:rowId xmlns:a16="http://schemas.microsoft.com/office/drawing/2014/main" val="10000"/>
+                  </a:ext>
+                </a:extLst>
               </a:tr>
               <a:tr h="751329">
                 <a:tc>
@@ -10309,6 +10954,11 @@
                     </a:lnR>
                   </a:tcPr>
                 </a:tc>
+                <a:extLst>
+                  <a:ext uri="{0D108BD9-81ED-4DB2-BD59-A6C34878D82A}">
+                    <a16:rowId xmlns:a16="http://schemas.microsoft.com/office/drawing/2014/main" val="10001"/>
+                  </a:ext>
+                </a:extLst>
               </a:tr>
               <a:tr h="751329">
                 <a:tc>
@@ -10424,6 +11074,11 @@
                     </a:lnR>
                   </a:tcPr>
                 </a:tc>
+                <a:extLst>
+                  <a:ext uri="{0D108BD9-81ED-4DB2-BD59-A6C34878D82A}">
+                    <a16:rowId xmlns:a16="http://schemas.microsoft.com/office/drawing/2014/main" val="10002"/>
+                  </a:ext>
+                </a:extLst>
               </a:tr>
               <a:tr h="751329">
                 <a:tc>
@@ -10503,6 +11158,11 @@
                     </a:lnR>
                   </a:tcPr>
                 </a:tc>
+                <a:extLst>
+                  <a:ext uri="{0D108BD9-81ED-4DB2-BD59-A6C34878D82A}">
+                    <a16:rowId xmlns:a16="http://schemas.microsoft.com/office/drawing/2014/main" val="10003"/>
+                  </a:ext>
+                </a:extLst>
               </a:tr>
               <a:tr h="751329">
                 <a:tc>
@@ -10582,6 +11242,11 @@
                     </a:lnR>
                   </a:tcPr>
                 </a:tc>
+                <a:extLst>
+                  <a:ext uri="{0D108BD9-81ED-4DB2-BD59-A6C34878D82A}">
+                    <a16:rowId xmlns:a16="http://schemas.microsoft.com/office/drawing/2014/main" val="10004"/>
+                  </a:ext>
+                </a:extLst>
               </a:tr>
             </a:tbl>
           </a:graphicData>
@@ -10607,7 +11272,7 @@
 </p:sld>
 </file>
 
-<file path=ppt/slides/slide22.xml><?xml version="1.0" encoding="utf-8"?>
+<file path=ppt/slides/slide26.xml><?xml version="1.0" encoding="utf-8"?>
 <p:sld xmlns:a="http://schemas.openxmlformats.org/drawingml/2006/main" xmlns:r="http://schemas.openxmlformats.org/officeDocument/2006/relationships" xmlns:p="http://schemas.openxmlformats.org/presentationml/2006/main">
   <p:cSld>
     <p:spTree>
@@ -10821,7 +11486,7 @@
 </p:sld>
 </file>
 
-<file path=ppt/slides/slide23.xml><?xml version="1.0" encoding="utf-8"?>
+<file path=ppt/slides/slide27.xml><?xml version="1.0" encoding="utf-8"?>
 <p:sld xmlns:a="http://schemas.openxmlformats.org/drawingml/2006/main" xmlns:r="http://schemas.openxmlformats.org/officeDocument/2006/relationships" xmlns:p="http://schemas.openxmlformats.org/presentationml/2006/main">
   <p:cSld>
     <p:spTree>
@@ -11031,7 +11696,7 @@
 </p:sld>
 </file>
 
-<file path=ppt/slides/slide24.xml><?xml version="1.0" encoding="utf-8"?>
+<file path=ppt/slides/slide28.xml><?xml version="1.0" encoding="utf-8"?>
 <p:sld xmlns:a="http://schemas.openxmlformats.org/drawingml/2006/main" xmlns:r="http://schemas.openxmlformats.org/officeDocument/2006/relationships" xmlns:p="http://schemas.openxmlformats.org/presentationml/2006/main">
   <p:cSld>
     <p:spTree>
@@ -11249,7 +11914,7 @@
 </p:sld>
 </file>
 
-<file path=ppt/slides/slide25.xml><?xml version="1.0" encoding="utf-8"?>
+<file path=ppt/slides/slide29.xml><?xml version="1.0" encoding="utf-8"?>
 <p:sld xmlns:a="http://schemas.openxmlformats.org/drawingml/2006/main" xmlns:r="http://schemas.openxmlformats.org/officeDocument/2006/relationships" xmlns:p="http://schemas.openxmlformats.org/presentationml/2006/main">
   <p:cSld>
     <p:spTree>
@@ -11533,7 +12198,7 @@
 </p:sld>
 </file>
 
-<file path=ppt/slides/slide26.xml><?xml version="1.0" encoding="utf-8"?>
+<file path=ppt/slides/slide3.xml><?xml version="1.0" encoding="utf-8"?>
 <p:sld xmlns:a="http://schemas.openxmlformats.org/drawingml/2006/main" xmlns:r="http://schemas.openxmlformats.org/officeDocument/2006/relationships" xmlns:p="http://schemas.openxmlformats.org/presentationml/2006/main">
   <p:cSld>
     <p:spTree>
@@ -11604,13 +12269,13 @@
       </p:sp>
       <p:sp>
         <p:nvSpPr>
-          <p:cNvPr id="6" name="TextBox 5"/>
+          <p:cNvPr id="5" name="TextBox 4"/>
           <p:cNvSpPr txBox="1"/>
           <p:nvPr/>
         </p:nvSpPr>
         <p:spPr>
           <a:xfrm>
-            <a:off x="776536" y="1206314"/>
+            <a:off x="776536" y="980728"/>
             <a:ext cx="8496944" cy="494494"/>
           </a:xfrm>
           <a:prstGeom prst="rect">
@@ -11624,34 +12289,16 @@
           </a:bodyPr>
           <a:lstStyle/>
           <a:p>
-            <a:pPr>
+            <a:pPr marL="342900" indent="-342900">
               <a:lnSpc>
                 <a:spcPct val="150000"/>
               </a:lnSpc>
+              <a:buFont typeface="Wingdings" panose="05000000000000000000" pitchFamily="2" charset="2"/>
+              <a:buChar char="§"/>
             </a:pPr>
             <a:r>
-              <a:rPr lang="ko-KR" altLang="en-US" sz="2000" b="1" dirty="0" smtClean="0">
-                <a:solidFill>
-                  <a:srgbClr val="C00000"/>
-                </a:solidFill>
-              </a:rPr>
-              <a:t> 정규 </a:t>
-            </a:r>
-            <a:r>
-              <a:rPr lang="ko-KR" altLang="en-US" sz="2000" b="1" dirty="0" err="1" smtClean="0">
-                <a:solidFill>
-                  <a:srgbClr val="C00000"/>
-                </a:solidFill>
-              </a:rPr>
-              <a:t>표현식</a:t>
-            </a:r>
-            <a:r>
-              <a:rPr lang="ko-KR" altLang="en-US" sz="2000" b="1" dirty="0" smtClean="0">
-                <a:solidFill>
-                  <a:srgbClr val="C00000"/>
-                </a:solidFill>
-              </a:rPr>
-              <a:t> 사용 예제</a:t>
+              <a:rPr lang="ko-KR" altLang="en-US" sz="2000" b="1" dirty="0" smtClean="0"/>
+              <a:t>폼 페이지에 입력한 아이디와 비밀번호 출력하기</a:t>
             </a:r>
             <a:endParaRPr lang="en-US" altLang="ko-KR" sz="2000" b="1" dirty="0" smtClean="0">
               <a:solidFill>
@@ -11663,7 +12310,7 @@
       </p:sp>
       <p:pic>
         <p:nvPicPr>
-          <p:cNvPr id="3" name="그림 2"/>
+          <p:cNvPr id="6" name="그림 5"/>
           <p:cNvPicPr>
             <a:picLocks noChangeAspect="1"/>
           </p:cNvPicPr>
@@ -11683,8 +12330,8 @@
         </p:blipFill>
         <p:spPr>
           <a:xfrm>
-            <a:off x="1064568" y="1998961"/>
-            <a:ext cx="7148180" cy="1646063"/>
+            <a:off x="1280592" y="3789040"/>
+            <a:ext cx="7163421" cy="2438611"/>
           </a:xfrm>
           <a:prstGeom prst="rect">
             <a:avLst/>
@@ -11698,138 +12345,12 @@
           </a:ln>
         </p:spPr>
       </p:pic>
-    </p:spTree>
-    <p:extLst>
-      <p:ext uri="{BB962C8B-B14F-4D97-AF65-F5344CB8AC3E}">
-        <p14:creationId xmlns:p14="http://schemas.microsoft.com/office/powerpoint/2010/main" val="1125028023"/>
-      </p:ext>
-    </p:extLst>
-  </p:cSld>
-  <p:clrMapOvr>
-    <a:masterClrMapping/>
-  </p:clrMapOvr>
-  <p:timing>
-    <p:tnLst>
-      <p:par>
-        <p:cTn id="1" dur="indefinite" restart="never" nodeType="tmRoot"/>
-      </p:par>
-    </p:tnLst>
-  </p:timing>
-</p:sld>
-</file>
-
-<file path=ppt/slides/slide27.xml><?xml version="1.0" encoding="utf-8"?>
-<p:sld xmlns:a="http://schemas.openxmlformats.org/drawingml/2006/main" xmlns:r="http://schemas.openxmlformats.org/officeDocument/2006/relationships" xmlns:p="http://schemas.openxmlformats.org/presentationml/2006/main">
-  <p:cSld>
-    <p:spTree>
-      <p:nvGrpSpPr>
-        <p:cNvPr id="1" name=""/>
-        <p:cNvGrpSpPr/>
-        <p:nvPr/>
-      </p:nvGrpSpPr>
-      <p:grpSpPr>
-        <a:xfrm>
-          <a:off x="0" y="0"/>
-          <a:ext cx="0" cy="0"/>
-          <a:chOff x="0" y="0"/>
-          <a:chExt cx="0" cy="0"/>
-        </a:xfrm>
-      </p:grpSpPr>
-      <p:sp>
-        <p:nvSpPr>
-          <p:cNvPr id="15" name="제목 5"/>
-          <p:cNvSpPr txBox="1">
-            <a:spLocks/>
-          </p:cNvSpPr>
-          <p:nvPr/>
-        </p:nvSpPr>
-        <p:spPr>
-          <a:xfrm>
-            <a:off x="0" y="-27384"/>
-            <a:ext cx="7995338" cy="854968"/>
-          </a:xfrm>
-          <a:prstGeom prst="rect">
-            <a:avLst/>
-          </a:prstGeom>
-        </p:spPr>
-        <p:txBody>
-          <a:bodyPr anchor="ctr" anchorCtr="0"/>
-          <a:lstStyle>
-            <a:lvl1pPr algn="l" defTabSz="914400" rtl="0" eaLnBrk="1" latinLnBrk="1" hangingPunct="1">
-              <a:spcBef>
-                <a:spcPct val="0"/>
-              </a:spcBef>
-              <a:buNone/>
-              <a:defRPr sz="3200" kern="1200">
-                <a:solidFill>
-                  <a:schemeClr val="bg1"/>
-                </a:solidFill>
-                <a:latin typeface="HY헤드라인M" panose="02030600000101010101" pitchFamily="18" charset="-127"/>
-                <a:ea typeface="HY헤드라인M" panose="02030600000101010101" pitchFamily="18" charset="-127"/>
-                <a:cs typeface="+mj-cs"/>
-              </a:defRPr>
-            </a:lvl1pPr>
-          </a:lstStyle>
-          <a:p>
-            <a:r>
-              <a:rPr lang="en-US" altLang="ko-KR" dirty="0" smtClean="0"/>
-              <a:t> </a:t>
-            </a:r>
-            <a:r>
-              <a:rPr lang="ko-KR" altLang="en-US" dirty="0"/>
-              <a:t> 유효성 검사</a:t>
-            </a:r>
-            <a:r>
-              <a:rPr lang="en-US" altLang="ko-KR" dirty="0"/>
-              <a:t>(validation)</a:t>
-            </a:r>
-            <a:endParaRPr lang="ko-KR" altLang="en-US" dirty="0"/>
-          </a:p>
-        </p:txBody>
-      </p:sp>
-      <p:pic>
-        <p:nvPicPr>
-          <p:cNvPr id="3" name="그림 2"/>
-          <p:cNvPicPr>
-            <a:picLocks noChangeAspect="1"/>
-          </p:cNvPicPr>
-          <p:nvPr/>
-        </p:nvPicPr>
-        <p:blipFill>
-          <a:blip r:embed="rId2">
-            <a:extLst>
-              <a:ext uri="{28A0092B-C50C-407E-A947-70E740481C1C}">
-                <a14:useLocalDpi xmlns:a14="http://schemas.microsoft.com/office/drawing/2010/main" val="0"/>
-              </a:ext>
-            </a:extLst>
-          </a:blip>
-          <a:stretch>
-            <a:fillRect/>
-          </a:stretch>
-        </p:blipFill>
-        <p:spPr>
-          <a:xfrm>
-            <a:off x="1352600" y="1340767"/>
-            <a:ext cx="6370872" cy="4320915"/>
-          </a:xfrm>
-          <a:prstGeom prst="rect">
-            <a:avLst/>
-          </a:prstGeom>
-          <a:ln>
-            <a:solidFill>
-              <a:schemeClr val="bg1">
-                <a:lumMod val="85000"/>
-              </a:schemeClr>
-            </a:solidFill>
-          </a:ln>
-        </p:spPr>
-      </p:pic>
-      <p:sp>
-        <p:nvSpPr>
-          <p:cNvPr id="5" name="모서리가 둥근 직사각형 4">
+      <p:sp>
+        <p:nvSpPr>
+          <p:cNvPr id="9" name="모서리가 둥근 직사각형 8">
             <a:extLst>
               <a:ext uri="{FF2B5EF4-FFF2-40B4-BE49-F238E27FC236}">
-                <a16:creationId xmlns:a16="http://schemas.microsoft.com/office/drawing/2014/main" xmlns="" id="{792DA8B4-17B2-454B-97AC-17311A4832C5}"/>
+                <a16:creationId xmlns:a16="http://schemas.microsoft.com/office/drawing/2014/main" id="{792DA8B4-17B2-454B-97AC-17311A4832C5}"/>
               </a:ext>
             </a:extLst>
           </p:cNvPr>
@@ -11838,8 +12359,8 @@
         </p:nvSpPr>
         <p:spPr>
           <a:xfrm>
-            <a:off x="6681192" y="1628800"/>
-            <a:ext cx="1854206" cy="317650"/>
+            <a:off x="7303977" y="4293096"/>
+            <a:ext cx="1944216" cy="317650"/>
           </a:xfrm>
           <a:prstGeom prst="roundRect">
             <a:avLst/>
@@ -11871,519 +12392,16 @@
           <a:p>
             <a:pPr algn="ctr"/>
             <a:r>
-              <a:rPr lang="en-US" altLang="ko-KR" sz="1600" dirty="0" err="1" smtClean="0">
+              <a:rPr lang="en-US" altLang="ko-KR" sz="1600" dirty="0" smtClean="0">
                 <a:solidFill>
                   <a:sysClr val="windowText" lastClr="000000"/>
                 </a:solidFill>
               </a:rPr>
-              <a:t>regexp.jsp</a:t>
-            </a:r>
-            <a:endParaRPr lang="en-US" altLang="ko-KR" sz="1600" dirty="0" smtClean="0">
-              <a:solidFill>
-                <a:sysClr val="windowText" lastClr="000000"/>
-              </a:solidFill>
-            </a:endParaRPr>
-          </a:p>
-        </p:txBody>
-      </p:sp>
-    </p:spTree>
-    <p:extLst>
-      <p:ext uri="{BB962C8B-B14F-4D97-AF65-F5344CB8AC3E}">
-        <p14:creationId xmlns:p14="http://schemas.microsoft.com/office/powerpoint/2010/main" val="2689998538"/>
-      </p:ext>
-    </p:extLst>
-  </p:cSld>
-  <p:clrMapOvr>
-    <a:masterClrMapping/>
-  </p:clrMapOvr>
-  <p:timing>
-    <p:tnLst>
-      <p:par>
-        <p:cTn id="1" dur="indefinite" restart="never" nodeType="tmRoot"/>
-      </p:par>
-    </p:tnLst>
-  </p:timing>
-</p:sld>
-</file>
-
-<file path=ppt/slides/slide28.xml><?xml version="1.0" encoding="utf-8"?>
-<p:sld xmlns:a="http://schemas.openxmlformats.org/drawingml/2006/main" xmlns:r="http://schemas.openxmlformats.org/officeDocument/2006/relationships" xmlns:p="http://schemas.openxmlformats.org/presentationml/2006/main">
-  <p:cSld>
-    <p:spTree>
-      <p:nvGrpSpPr>
-        <p:cNvPr id="1" name=""/>
-        <p:cNvGrpSpPr/>
-        <p:nvPr/>
-      </p:nvGrpSpPr>
-      <p:grpSpPr>
-        <a:xfrm>
-          <a:off x="0" y="0"/>
-          <a:ext cx="0" cy="0"/>
-          <a:chOff x="0" y="0"/>
-          <a:chExt cx="0" cy="0"/>
-        </a:xfrm>
-      </p:grpSpPr>
-      <p:sp>
-        <p:nvSpPr>
-          <p:cNvPr id="15" name="제목 5"/>
-          <p:cNvSpPr txBox="1">
-            <a:spLocks/>
-          </p:cNvSpPr>
-          <p:nvPr/>
-        </p:nvSpPr>
-        <p:spPr>
-          <a:xfrm>
-            <a:off x="0" y="-27384"/>
-            <a:ext cx="7995338" cy="854968"/>
-          </a:xfrm>
-          <a:prstGeom prst="rect">
-            <a:avLst/>
-          </a:prstGeom>
-        </p:spPr>
-        <p:txBody>
-          <a:bodyPr anchor="ctr" anchorCtr="0"/>
-          <a:lstStyle>
-            <a:lvl1pPr algn="l" defTabSz="914400" rtl="0" eaLnBrk="1" latinLnBrk="1" hangingPunct="1">
-              <a:spcBef>
-                <a:spcPct val="0"/>
-              </a:spcBef>
-              <a:buNone/>
-              <a:defRPr sz="3200" kern="1200">
-                <a:solidFill>
-                  <a:schemeClr val="bg1"/>
-                </a:solidFill>
-                <a:latin typeface="HY헤드라인M" panose="02030600000101010101" pitchFamily="18" charset="-127"/>
-                <a:ea typeface="HY헤드라인M" panose="02030600000101010101" pitchFamily="18" charset="-127"/>
-                <a:cs typeface="+mj-cs"/>
-              </a:defRPr>
-            </a:lvl1pPr>
-          </a:lstStyle>
-          <a:p>
-            <a:r>
-              <a:rPr lang="en-US" altLang="ko-KR" dirty="0" smtClean="0"/>
-              <a:t> </a:t>
-            </a:r>
-            <a:r>
-              <a:rPr lang="ko-KR" altLang="en-US" dirty="0"/>
-              <a:t> </a:t>
-            </a:r>
-            <a:r>
-              <a:rPr lang="en-US" altLang="ko-KR" dirty="0" smtClean="0"/>
-              <a:t>Session </a:t>
-            </a:r>
-            <a:r>
-              <a:rPr lang="ko-KR" altLang="en-US" dirty="0" smtClean="0"/>
-              <a:t>연습문제</a:t>
-            </a:r>
-            <a:endParaRPr lang="ko-KR" altLang="en-US" dirty="0"/>
-          </a:p>
-        </p:txBody>
-      </p:sp>
-      <p:sp>
-        <p:nvSpPr>
-          <p:cNvPr id="7" name="직사각형 6"/>
-          <p:cNvSpPr/>
-          <p:nvPr/>
-        </p:nvSpPr>
-        <p:spPr>
-          <a:xfrm>
-            <a:off x="858168" y="1569566"/>
-            <a:ext cx="8847360" cy="454292"/>
-          </a:xfrm>
-          <a:prstGeom prst="rect">
-            <a:avLst/>
-          </a:prstGeom>
-        </p:spPr>
-        <p:txBody>
-          <a:bodyPr wrap="square">
-            <a:spAutoFit/>
-          </a:bodyPr>
-          <a:lstStyle/>
-          <a:p>
-            <a:pPr>
-              <a:lnSpc>
-                <a:spcPct val="150000"/>
-              </a:lnSpc>
-            </a:pPr>
-            <a:r>
-              <a:rPr lang="en-US" altLang="ko-KR" dirty="0" smtClean="0"/>
-              <a:t> </a:t>
-            </a:r>
-            <a:endParaRPr lang="ko-KR" altLang="en-US" dirty="0"/>
-          </a:p>
-        </p:txBody>
-      </p:sp>
-      <p:sp>
-        <p:nvSpPr>
-          <p:cNvPr id="4" name="TextBox 3"/>
-          <p:cNvSpPr txBox="1"/>
-          <p:nvPr/>
-        </p:nvSpPr>
-        <p:spPr>
-          <a:xfrm>
-            <a:off x="1141388" y="3118316"/>
-            <a:ext cx="8280920" cy="3046988"/>
-          </a:xfrm>
-          <a:prstGeom prst="rect">
-            <a:avLst/>
-          </a:prstGeom>
-          <a:noFill/>
-        </p:spPr>
-        <p:txBody>
-          <a:bodyPr wrap="square" rtlCol="0">
-            <a:spAutoFit/>
-          </a:bodyPr>
-          <a:lstStyle/>
-          <a:p>
-            <a:pPr>
-              <a:lnSpc>
-                <a:spcPct val="150000"/>
-              </a:lnSpc>
-            </a:pPr>
-            <a:r>
-              <a:rPr lang="en-US" altLang="ko-KR" sz="1600" dirty="0" smtClean="0"/>
-              <a:t>1. </a:t>
-            </a:r>
-            <a:r>
-              <a:rPr lang="en-US" altLang="ko-KR" sz="1600" dirty="0" err="1" smtClean="0"/>
-              <a:t>validation_test.jsp</a:t>
-            </a:r>
-            <a:r>
-              <a:rPr lang="en-US" altLang="ko-KR" sz="1600" dirty="0" smtClean="0"/>
-              <a:t> </a:t>
-            </a:r>
-            <a:r>
-              <a:rPr lang="ko-KR" altLang="en-US" sz="1600" dirty="0" smtClean="0"/>
-              <a:t>파일 생성</a:t>
-            </a:r>
-            <a:endParaRPr lang="en-US" altLang="ko-KR" sz="1600" dirty="0" smtClean="0"/>
-          </a:p>
-          <a:p>
-            <a:pPr>
-              <a:lnSpc>
-                <a:spcPct val="150000"/>
-              </a:lnSpc>
-            </a:pPr>
-            <a:r>
-              <a:rPr lang="en-US" altLang="ko-KR" sz="1600" dirty="0"/>
-              <a:t> </a:t>
-            </a:r>
-            <a:r>
-              <a:rPr lang="en-US" altLang="ko-KR" sz="1600" dirty="0" smtClean="0"/>
-              <a:t>    1) </a:t>
-            </a:r>
-            <a:r>
-              <a:rPr lang="ko-KR" altLang="en-US" sz="1600" dirty="0" smtClean="0"/>
-              <a:t>아이디</a:t>
-            </a:r>
-            <a:r>
-              <a:rPr lang="en-US" altLang="ko-KR" sz="1600" dirty="0" smtClean="0"/>
-              <a:t>, </a:t>
-            </a:r>
-            <a:r>
-              <a:rPr lang="ko-KR" altLang="en-US" sz="1600" dirty="0" smtClean="0"/>
-              <a:t>비밀번호가 입력되지 않으면 </a:t>
-            </a:r>
-            <a:r>
-              <a:rPr lang="en-US" altLang="ko-KR" sz="1600" dirty="0" smtClean="0"/>
-              <a:t>“</a:t>
-            </a:r>
-            <a:r>
-              <a:rPr lang="ko-KR" altLang="en-US" sz="1600" dirty="0" smtClean="0"/>
-              <a:t>아이디</a:t>
-            </a:r>
-            <a:r>
-              <a:rPr lang="en-US" altLang="ko-KR" sz="1600" dirty="0" smtClean="0"/>
-              <a:t>(</a:t>
-            </a:r>
-            <a:r>
-              <a:rPr lang="ko-KR" altLang="en-US" sz="1600" dirty="0" smtClean="0"/>
-              <a:t>또는 비밀번호</a:t>
-            </a:r>
-            <a:r>
-              <a:rPr lang="en-US" altLang="ko-KR" sz="1600" dirty="0" smtClean="0"/>
-              <a:t>)</a:t>
-            </a:r>
-            <a:r>
-              <a:rPr lang="ko-KR" altLang="en-US" sz="1600" dirty="0" smtClean="0"/>
-              <a:t>가 </a:t>
-            </a:r>
-            <a:r>
-              <a:rPr lang="ko-KR" altLang="en-US" sz="1600" dirty="0" err="1" smtClean="0"/>
-              <a:t>입력를</a:t>
-            </a:r>
-            <a:r>
-              <a:rPr lang="ko-KR" altLang="en-US" sz="1600" dirty="0" smtClean="0"/>
-              <a:t> 입력해 </a:t>
-            </a:r>
-            <a:endParaRPr lang="en-US" altLang="ko-KR" sz="1600" dirty="0" smtClean="0"/>
-          </a:p>
-          <a:p>
-            <a:pPr>
-              <a:lnSpc>
-                <a:spcPct val="150000"/>
-              </a:lnSpc>
-            </a:pPr>
-            <a:r>
-              <a:rPr lang="en-US" altLang="ko-KR" sz="1600" dirty="0"/>
-              <a:t> </a:t>
-            </a:r>
-            <a:r>
-              <a:rPr lang="en-US" altLang="ko-KR" sz="1600" dirty="0" smtClean="0"/>
-              <a:t>       </a:t>
-            </a:r>
-            <a:r>
-              <a:rPr lang="ko-KR" altLang="en-US" sz="1600" dirty="0" smtClean="0"/>
-              <a:t>주세요</a:t>
-            </a:r>
-            <a:r>
-              <a:rPr lang="en-US" altLang="ko-KR" sz="1600" dirty="0" smtClean="0"/>
-              <a:t>’</a:t>
-            </a:r>
-            <a:r>
-              <a:rPr lang="ko-KR" altLang="en-US" sz="1600" dirty="0" smtClean="0"/>
-              <a:t>라는 메시지 창이 뜨도록 작성한다</a:t>
-            </a:r>
-            <a:r>
-              <a:rPr lang="en-US" altLang="ko-KR" sz="1600" dirty="0" smtClean="0"/>
-              <a:t>.</a:t>
-            </a:r>
-          </a:p>
-          <a:p>
-            <a:pPr>
-              <a:lnSpc>
-                <a:spcPct val="150000"/>
-              </a:lnSpc>
-            </a:pPr>
-            <a:r>
-              <a:rPr lang="en-US" altLang="ko-KR" sz="1600" dirty="0"/>
-              <a:t> </a:t>
-            </a:r>
-            <a:r>
-              <a:rPr lang="en-US" altLang="ko-KR" sz="1600" dirty="0" smtClean="0"/>
-              <a:t>    2) </a:t>
-            </a:r>
-            <a:r>
-              <a:rPr lang="ko-KR" altLang="en-US" sz="1600" dirty="0" smtClean="0"/>
-              <a:t>비밀번호에 아이디 값을 포함하면 </a:t>
-            </a:r>
-            <a:r>
-              <a:rPr lang="en-US" altLang="ko-KR" sz="1600" dirty="0" smtClean="0"/>
-              <a:t>“</a:t>
-            </a:r>
-            <a:r>
-              <a:rPr lang="ko-KR" altLang="en-US" sz="1600" dirty="0" smtClean="0"/>
-              <a:t>비밀번호는 아이디를 포함할 수 없습니다</a:t>
-            </a:r>
-            <a:r>
-              <a:rPr lang="en-US" altLang="ko-KR" sz="1600" dirty="0" smtClean="0"/>
-              <a:t>.”</a:t>
-            </a:r>
-          </a:p>
-          <a:p>
-            <a:pPr>
-              <a:lnSpc>
-                <a:spcPct val="150000"/>
-              </a:lnSpc>
-            </a:pPr>
-            <a:r>
-              <a:rPr lang="en-US" altLang="ko-KR" sz="1600" dirty="0"/>
-              <a:t> </a:t>
-            </a:r>
-            <a:r>
-              <a:rPr lang="en-US" altLang="ko-KR" sz="1600" dirty="0" smtClean="0"/>
-              <a:t>       </a:t>
-            </a:r>
-            <a:r>
-              <a:rPr lang="ko-KR" altLang="en-US" sz="1600" dirty="0" smtClean="0"/>
-              <a:t>라는 메시지 창이 </a:t>
-            </a:r>
-            <a:r>
-              <a:rPr lang="ko-KR" altLang="en-US" sz="1600" dirty="0" smtClean="0"/>
-              <a:t>뜨도록 </a:t>
-            </a:r>
-            <a:r>
-              <a:rPr lang="ko-KR" altLang="en-US" sz="1600" dirty="0" smtClean="0"/>
-              <a:t>작성한다</a:t>
-            </a:r>
-            <a:r>
-              <a:rPr lang="en-US" altLang="ko-KR" sz="1600" dirty="0" smtClean="0"/>
-              <a:t>.</a:t>
-            </a:r>
-          </a:p>
-          <a:p>
-            <a:pPr>
-              <a:lnSpc>
-                <a:spcPct val="150000"/>
-              </a:lnSpc>
-            </a:pPr>
-            <a:r>
-              <a:rPr lang="en-US" altLang="ko-KR" sz="1600" dirty="0"/>
-              <a:t> </a:t>
-            </a:r>
-            <a:r>
-              <a:rPr lang="en-US" altLang="ko-KR" sz="1600" dirty="0" smtClean="0"/>
-              <a:t>    3) </a:t>
-            </a:r>
-            <a:r>
-              <a:rPr lang="ko-KR" altLang="en-US" sz="1600" dirty="0" smtClean="0"/>
-              <a:t>이름</a:t>
-            </a:r>
-            <a:r>
-              <a:rPr lang="ko-KR" altLang="en-US" sz="1600" dirty="0"/>
-              <a:t>이</a:t>
-            </a:r>
-            <a:r>
-              <a:rPr lang="ko-KR" altLang="en-US" sz="1600" dirty="0" smtClean="0"/>
-              <a:t> </a:t>
-            </a:r>
-            <a:r>
-              <a:rPr lang="ko-KR" altLang="en-US" sz="1600" dirty="0"/>
-              <a:t>입력되지 않으면 </a:t>
-            </a:r>
-            <a:r>
-              <a:rPr lang="en-US" altLang="ko-KR" sz="1600" dirty="0" smtClean="0"/>
-              <a:t>“</a:t>
-            </a:r>
-            <a:r>
-              <a:rPr lang="ko-KR" altLang="en-US" sz="1600" dirty="0" smtClean="0"/>
-              <a:t>이름</a:t>
-            </a:r>
-            <a:r>
-              <a:rPr lang="ko-KR" altLang="en-US" sz="1600" dirty="0"/>
-              <a:t>을</a:t>
-            </a:r>
-            <a:r>
-              <a:rPr lang="ko-KR" altLang="en-US" sz="1600" dirty="0" smtClean="0"/>
-              <a:t> </a:t>
-            </a:r>
-            <a:r>
-              <a:rPr lang="ko-KR" altLang="en-US" sz="1600" dirty="0" err="1"/>
-              <a:t>입력를</a:t>
-            </a:r>
-            <a:r>
-              <a:rPr lang="ko-KR" altLang="en-US" sz="1600" dirty="0"/>
-              <a:t> 입력해 </a:t>
-            </a:r>
-            <a:r>
-              <a:rPr lang="ko-KR" altLang="en-US" sz="1600" dirty="0" smtClean="0"/>
-              <a:t>주세요</a:t>
-            </a:r>
-            <a:r>
-              <a:rPr lang="en-US" altLang="ko-KR" sz="1600" dirty="0"/>
-              <a:t>’</a:t>
-            </a:r>
-            <a:r>
-              <a:rPr lang="ko-KR" altLang="en-US" sz="1600" dirty="0"/>
-              <a:t>라는 메시지 창이 뜨도록 </a:t>
-            </a:r>
-            <a:endParaRPr lang="en-US" altLang="ko-KR" sz="1600" dirty="0" smtClean="0"/>
-          </a:p>
-          <a:p>
-            <a:pPr>
-              <a:lnSpc>
-                <a:spcPct val="150000"/>
-              </a:lnSpc>
-            </a:pPr>
-            <a:r>
-              <a:rPr lang="en-US" altLang="ko-KR" sz="1600" dirty="0"/>
-              <a:t> </a:t>
-            </a:r>
-            <a:r>
-              <a:rPr lang="en-US" altLang="ko-KR" sz="1600" dirty="0" smtClean="0"/>
-              <a:t>       </a:t>
-            </a:r>
-            <a:r>
-              <a:rPr lang="ko-KR" altLang="en-US" sz="1600" dirty="0" smtClean="0"/>
-              <a:t>작성한다</a:t>
-            </a:r>
-            <a:r>
-              <a:rPr lang="en-US" altLang="ko-KR" sz="1600" dirty="0"/>
-              <a:t>.</a:t>
-            </a:r>
-          </a:p>
-          <a:p>
-            <a:pPr>
-              <a:lnSpc>
-                <a:spcPct val="150000"/>
-              </a:lnSpc>
-            </a:pPr>
-            <a:r>
-              <a:rPr lang="en-US" altLang="ko-KR" sz="1600" dirty="0" smtClean="0"/>
-              <a:t>2</a:t>
-            </a:r>
-            <a:r>
-              <a:rPr lang="en-US" altLang="ko-KR" sz="1600" dirty="0" smtClean="0"/>
-              <a:t>. </a:t>
-            </a:r>
-            <a:r>
-              <a:rPr lang="en-US" altLang="ko-KR" sz="1600" dirty="0" err="1" smtClean="0"/>
-              <a:t>test</a:t>
-            </a:r>
-            <a:r>
-              <a:rPr lang="en-US" altLang="ko-KR" sz="1600" dirty="0" err="1" smtClean="0"/>
-              <a:t>_process.jsp</a:t>
-            </a:r>
-            <a:r>
-              <a:rPr lang="en-US" altLang="ko-KR" sz="1600" dirty="0" smtClean="0"/>
-              <a:t> </a:t>
-            </a:r>
-            <a:r>
-              <a:rPr lang="ko-KR" altLang="en-US" sz="1600" dirty="0" smtClean="0"/>
-              <a:t>파일 생성하여 요청 </a:t>
-            </a:r>
-            <a:r>
-              <a:rPr lang="ko-KR" altLang="en-US" sz="1600" dirty="0" err="1" smtClean="0"/>
-              <a:t>파라미터값을</a:t>
-            </a:r>
-            <a:r>
-              <a:rPr lang="ko-KR" altLang="en-US" sz="1600" dirty="0" smtClean="0"/>
-              <a:t> 출력한다</a:t>
-            </a:r>
-            <a:r>
-              <a:rPr lang="en-US" altLang="ko-KR" sz="1600" dirty="0" smtClean="0"/>
-              <a:t>.</a:t>
-            </a:r>
-          </a:p>
-        </p:txBody>
-      </p:sp>
-      <p:pic>
-        <p:nvPicPr>
-          <p:cNvPr id="2" name="그림 1"/>
-          <p:cNvPicPr>
-            <a:picLocks noChangeAspect="1"/>
-          </p:cNvPicPr>
-          <p:nvPr/>
-        </p:nvPicPr>
-        <p:blipFill>
-          <a:blip r:embed="rId2">
-            <a:extLst>
-              <a:ext uri="{28A0092B-C50C-407E-A947-70E740481C1C}">
-                <a14:useLocalDpi xmlns:a14="http://schemas.microsoft.com/office/drawing/2010/main" val="0"/>
-              </a:ext>
-            </a:extLst>
-          </a:blip>
-          <a:stretch>
-            <a:fillRect/>
-          </a:stretch>
-        </p:blipFill>
-        <p:spPr>
-          <a:xfrm>
-            <a:off x="1150583" y="1167429"/>
-            <a:ext cx="4824536" cy="1897540"/>
-          </a:xfrm>
-          <a:prstGeom prst="rect">
-            <a:avLst/>
-          </a:prstGeom>
-          <a:ln>
-            <a:solidFill>
-              <a:schemeClr val="bg1">
-                <a:lumMod val="85000"/>
-              </a:schemeClr>
-            </a:solidFill>
-          </a:ln>
-        </p:spPr>
-      </p:pic>
+              <a:t>validation01.jsp</a:t>
+            </a:r>
+          </a:p>
+        </p:txBody>
+      </p:sp>
       <p:pic>
         <p:nvPicPr>
           <p:cNvPr id="3" name="그림 2"/>
@@ -12406,8 +12424,8 @@
         </p:blipFill>
         <p:spPr>
           <a:xfrm>
-            <a:off x="6783694" y="1554473"/>
-            <a:ext cx="1926570" cy="1119775"/>
+            <a:off x="1496616" y="1654709"/>
+            <a:ext cx="6462320" cy="1882303"/>
           </a:xfrm>
           <a:prstGeom prst="rect">
             <a:avLst/>
@@ -12421,548 +12439,6 @@
           </a:ln>
         </p:spPr>
       </p:pic>
-      <p:sp>
-        <p:nvSpPr>
-          <p:cNvPr id="5" name="오른쪽 화살표 4"/>
-          <p:cNvSpPr/>
-          <p:nvPr/>
-        </p:nvSpPr>
-        <p:spPr>
-          <a:xfrm>
-            <a:off x="6177136" y="2023858"/>
-            <a:ext cx="360040" cy="181006"/>
-          </a:xfrm>
-          <a:prstGeom prst="rightArrow">
-            <a:avLst/>
-          </a:prstGeom>
-          <a:ln w="12700"/>
-        </p:spPr>
-        <p:style>
-          <a:lnRef idx="2">
-            <a:schemeClr val="accent1">
-              <a:shade val="50000"/>
-            </a:schemeClr>
-          </a:lnRef>
-          <a:fillRef idx="1">
-            <a:schemeClr val="accent1"/>
-          </a:fillRef>
-          <a:effectRef idx="0">
-            <a:schemeClr val="accent1"/>
-          </a:effectRef>
-          <a:fontRef idx="minor">
-            <a:schemeClr val="lt1"/>
-          </a:fontRef>
-        </p:style>
-        <p:txBody>
-          <a:bodyPr rtlCol="0" anchor="ctr"/>
-          <a:lstStyle/>
-          <a:p>
-            <a:pPr algn="ctr"/>
-            <a:endParaRPr lang="ko-KR" altLang="en-US"/>
-          </a:p>
-        </p:txBody>
-      </p:sp>
-    </p:spTree>
-    <p:extLst>
-      <p:ext uri="{BB962C8B-B14F-4D97-AF65-F5344CB8AC3E}">
-        <p14:creationId xmlns:p14="http://schemas.microsoft.com/office/powerpoint/2010/main" val="1006334476"/>
-      </p:ext>
-    </p:extLst>
-  </p:cSld>
-  <p:clrMapOvr>
-    <a:masterClrMapping/>
-  </p:clrMapOvr>
-  <p:timing>
-    <p:tnLst>
-      <p:par>
-        <p:cTn id="1" dur="indefinite" restart="never" nodeType="tmRoot"/>
-      </p:par>
-    </p:tnLst>
-  </p:timing>
-</p:sld>
-</file>
-
-<file path=ppt/slides/slide29.xml><?xml version="1.0" encoding="utf-8"?>
-<p:sld xmlns:a="http://schemas.openxmlformats.org/drawingml/2006/main" xmlns:r="http://schemas.openxmlformats.org/officeDocument/2006/relationships" xmlns:p="http://schemas.openxmlformats.org/presentationml/2006/main">
-  <p:cSld>
-    <p:spTree>
-      <p:nvGrpSpPr>
-        <p:cNvPr id="1" name=""/>
-        <p:cNvGrpSpPr/>
-        <p:nvPr/>
-      </p:nvGrpSpPr>
-      <p:grpSpPr>
-        <a:xfrm>
-          <a:off x="0" y="0"/>
-          <a:ext cx="0" cy="0"/>
-          <a:chOff x="0" y="0"/>
-          <a:chExt cx="0" cy="0"/>
-        </a:xfrm>
-      </p:grpSpPr>
-      <p:sp>
-        <p:nvSpPr>
-          <p:cNvPr id="15" name="제목 5"/>
-          <p:cNvSpPr txBox="1">
-            <a:spLocks/>
-          </p:cNvSpPr>
-          <p:nvPr/>
-        </p:nvSpPr>
-        <p:spPr>
-          <a:xfrm>
-            <a:off x="0" y="-27384"/>
-            <a:ext cx="7995338" cy="854968"/>
-          </a:xfrm>
-          <a:prstGeom prst="rect">
-            <a:avLst/>
-          </a:prstGeom>
-        </p:spPr>
-        <p:txBody>
-          <a:bodyPr anchor="ctr" anchorCtr="0"/>
-          <a:lstStyle>
-            <a:lvl1pPr algn="l" defTabSz="914400" rtl="0" eaLnBrk="1" latinLnBrk="1" hangingPunct="1">
-              <a:spcBef>
-                <a:spcPct val="0"/>
-              </a:spcBef>
-              <a:buNone/>
-              <a:defRPr sz="3200" kern="1200">
-                <a:solidFill>
-                  <a:schemeClr val="bg1"/>
-                </a:solidFill>
-                <a:latin typeface="HY헤드라인M" panose="02030600000101010101" pitchFamily="18" charset="-127"/>
-                <a:ea typeface="HY헤드라인M" panose="02030600000101010101" pitchFamily="18" charset="-127"/>
-                <a:cs typeface="+mj-cs"/>
-              </a:defRPr>
-            </a:lvl1pPr>
-          </a:lstStyle>
-          <a:p>
-            <a:r>
-              <a:rPr lang="en-US" altLang="ko-KR" dirty="0" smtClean="0"/>
-              <a:t> </a:t>
-            </a:r>
-            <a:r>
-              <a:rPr lang="ko-KR" altLang="en-US" dirty="0"/>
-              <a:t> </a:t>
-            </a:r>
-            <a:r>
-              <a:rPr lang="en-US" altLang="ko-KR" dirty="0" smtClean="0"/>
-              <a:t>Session </a:t>
-            </a:r>
-            <a:r>
-              <a:rPr lang="ko-KR" altLang="en-US" dirty="0" smtClean="0"/>
-              <a:t>연습문제</a:t>
-            </a:r>
-            <a:endParaRPr lang="ko-KR" altLang="en-US" dirty="0"/>
-          </a:p>
-        </p:txBody>
-      </p:sp>
-      <p:sp>
-        <p:nvSpPr>
-          <p:cNvPr id="7" name="직사각형 6"/>
-          <p:cNvSpPr/>
-          <p:nvPr/>
-        </p:nvSpPr>
-        <p:spPr>
-          <a:xfrm>
-            <a:off x="858168" y="1569566"/>
-            <a:ext cx="8847360" cy="454292"/>
-          </a:xfrm>
-          <a:prstGeom prst="rect">
-            <a:avLst/>
-          </a:prstGeom>
-        </p:spPr>
-        <p:txBody>
-          <a:bodyPr wrap="square">
-            <a:spAutoFit/>
-          </a:bodyPr>
-          <a:lstStyle/>
-          <a:p>
-            <a:pPr>
-              <a:lnSpc>
-                <a:spcPct val="150000"/>
-              </a:lnSpc>
-            </a:pPr>
-            <a:r>
-              <a:rPr lang="en-US" altLang="ko-KR" dirty="0" smtClean="0"/>
-              <a:t> </a:t>
-            </a:r>
-            <a:endParaRPr lang="ko-KR" altLang="en-US" dirty="0"/>
-          </a:p>
-        </p:txBody>
-      </p:sp>
-      <p:pic>
-        <p:nvPicPr>
-          <p:cNvPr id="3" name="그림 2"/>
-          <p:cNvPicPr>
-            <a:picLocks noChangeAspect="1"/>
-          </p:cNvPicPr>
-          <p:nvPr/>
-        </p:nvPicPr>
-        <p:blipFill>
-          <a:blip r:embed="rId2">
-            <a:extLst>
-              <a:ext uri="{28A0092B-C50C-407E-A947-70E740481C1C}">
-                <a14:useLocalDpi xmlns:a14="http://schemas.microsoft.com/office/drawing/2010/main" val="0"/>
-              </a:ext>
-            </a:extLst>
-          </a:blip>
-          <a:stretch>
-            <a:fillRect/>
-          </a:stretch>
-        </p:blipFill>
-        <p:spPr>
-          <a:xfrm>
-            <a:off x="1064568" y="2150098"/>
-            <a:ext cx="7632848" cy="1712954"/>
-          </a:xfrm>
-          <a:prstGeom prst="rect">
-            <a:avLst/>
-          </a:prstGeom>
-          <a:ln>
-            <a:solidFill>
-              <a:schemeClr val="bg1">
-                <a:lumMod val="85000"/>
-              </a:schemeClr>
-            </a:solidFill>
-          </a:ln>
-        </p:spPr>
-      </p:pic>
-      <p:sp>
-        <p:nvSpPr>
-          <p:cNvPr id="8" name="모서리가 둥근 직사각형 7">
-            <a:extLst>
-              <a:ext uri="{FF2B5EF4-FFF2-40B4-BE49-F238E27FC236}">
-                <a16:creationId xmlns:a16="http://schemas.microsoft.com/office/drawing/2014/main" xmlns="" id="{792DA8B4-17B2-454B-97AC-17311A4832C5}"/>
-              </a:ext>
-            </a:extLst>
-          </p:cNvPr>
-          <p:cNvSpPr/>
-          <p:nvPr/>
-        </p:nvSpPr>
-        <p:spPr>
-          <a:xfrm>
-            <a:off x="6681192" y="1628800"/>
-            <a:ext cx="1854206" cy="317650"/>
-          </a:xfrm>
-          <a:prstGeom prst="roundRect">
-            <a:avLst/>
-          </a:prstGeom>
-          <a:noFill/>
-          <a:ln w="12700">
-            <a:solidFill>
-              <a:schemeClr val="tx1"/>
-            </a:solidFill>
-          </a:ln>
-        </p:spPr>
-        <p:style>
-          <a:lnRef idx="2">
-            <a:schemeClr val="accent2"/>
-          </a:lnRef>
-          <a:fillRef idx="1">
-            <a:schemeClr val="lt1"/>
-          </a:fillRef>
-          <a:effectRef idx="0">
-            <a:schemeClr val="accent2"/>
-          </a:effectRef>
-          <a:fontRef idx="minor">
-            <a:schemeClr val="dk1"/>
-          </a:fontRef>
-        </p:style>
-        <p:txBody>
-          <a:bodyPr rtlCol="0" anchor="ctr"/>
-          <a:lstStyle/>
-          <a:p>
-            <a:pPr algn="ctr"/>
-            <a:r>
-              <a:rPr lang="en-US" altLang="ko-KR" sz="1600" dirty="0" err="1">
-                <a:solidFill>
-                  <a:sysClr val="windowText" lastClr="000000"/>
-                </a:solidFill>
-              </a:rPr>
-              <a:t>v</a:t>
-            </a:r>
-            <a:r>
-              <a:rPr lang="en-US" altLang="ko-KR" sz="1600" dirty="0" err="1" smtClean="0">
-                <a:solidFill>
-                  <a:sysClr val="windowText" lastClr="000000"/>
-                </a:solidFill>
-              </a:rPr>
-              <a:t>alidation_test</a:t>
-            </a:r>
-            <a:r>
-              <a:rPr lang="en-US" altLang="ko-KR" sz="1600" dirty="0" err="1" smtClean="0">
-                <a:solidFill>
-                  <a:sysClr val="windowText" lastClr="000000"/>
-                </a:solidFill>
-              </a:rPr>
-              <a:t>.jsp</a:t>
-            </a:r>
-            <a:endParaRPr lang="en-US" altLang="ko-KR" sz="1600" dirty="0" smtClean="0">
-              <a:solidFill>
-                <a:sysClr val="windowText" lastClr="000000"/>
-              </a:solidFill>
-            </a:endParaRPr>
-          </a:p>
-        </p:txBody>
-      </p:sp>
-    </p:spTree>
-    <p:extLst>
-      <p:ext uri="{BB962C8B-B14F-4D97-AF65-F5344CB8AC3E}">
-        <p14:creationId xmlns:p14="http://schemas.microsoft.com/office/powerpoint/2010/main" val="471754297"/>
-      </p:ext>
-    </p:extLst>
-  </p:cSld>
-  <p:clrMapOvr>
-    <a:masterClrMapping/>
-  </p:clrMapOvr>
-  <p:timing>
-    <p:tnLst>
-      <p:par>
-        <p:cTn id="1" dur="indefinite" restart="never" nodeType="tmRoot"/>
-      </p:par>
-    </p:tnLst>
-  </p:timing>
-</p:sld>
-</file>
-
-<file path=ppt/slides/slide3.xml><?xml version="1.0" encoding="utf-8"?>
-<p:sld xmlns:a="http://schemas.openxmlformats.org/drawingml/2006/main" xmlns:r="http://schemas.openxmlformats.org/officeDocument/2006/relationships" xmlns:p="http://schemas.openxmlformats.org/presentationml/2006/main">
-  <p:cSld>
-    <p:spTree>
-      <p:nvGrpSpPr>
-        <p:cNvPr id="1" name=""/>
-        <p:cNvGrpSpPr/>
-        <p:nvPr/>
-      </p:nvGrpSpPr>
-      <p:grpSpPr>
-        <a:xfrm>
-          <a:off x="0" y="0"/>
-          <a:ext cx="0" cy="0"/>
-          <a:chOff x="0" y="0"/>
-          <a:chExt cx="0" cy="0"/>
-        </a:xfrm>
-      </p:grpSpPr>
-      <p:sp>
-        <p:nvSpPr>
-          <p:cNvPr id="15" name="제목 5"/>
-          <p:cNvSpPr txBox="1">
-            <a:spLocks/>
-          </p:cNvSpPr>
-          <p:nvPr/>
-        </p:nvSpPr>
-        <p:spPr>
-          <a:xfrm>
-            <a:off x="0" y="-27384"/>
-            <a:ext cx="7995338" cy="854968"/>
-          </a:xfrm>
-          <a:prstGeom prst="rect">
-            <a:avLst/>
-          </a:prstGeom>
-        </p:spPr>
-        <p:txBody>
-          <a:bodyPr anchor="ctr" anchorCtr="0"/>
-          <a:lstStyle>
-            <a:lvl1pPr algn="l" defTabSz="914400" rtl="0" eaLnBrk="1" latinLnBrk="1" hangingPunct="1">
-              <a:spcBef>
-                <a:spcPct val="0"/>
-              </a:spcBef>
-              <a:buNone/>
-              <a:defRPr sz="3200" kern="1200">
-                <a:solidFill>
-                  <a:schemeClr val="bg1"/>
-                </a:solidFill>
-                <a:latin typeface="HY헤드라인M" panose="02030600000101010101" pitchFamily="18" charset="-127"/>
-                <a:ea typeface="HY헤드라인M" panose="02030600000101010101" pitchFamily="18" charset="-127"/>
-                <a:cs typeface="+mj-cs"/>
-              </a:defRPr>
-            </a:lvl1pPr>
-          </a:lstStyle>
-          <a:p>
-            <a:r>
-              <a:rPr lang="en-US" altLang="ko-KR" dirty="0" smtClean="0"/>
-              <a:t> </a:t>
-            </a:r>
-            <a:r>
-              <a:rPr lang="ko-KR" altLang="en-US" dirty="0"/>
-              <a:t> 유효성 검사</a:t>
-            </a:r>
-            <a:r>
-              <a:rPr lang="en-US" altLang="ko-KR" dirty="0"/>
-              <a:t>(validation)</a:t>
-            </a:r>
-            <a:endParaRPr lang="ko-KR" altLang="en-US" dirty="0"/>
-          </a:p>
-        </p:txBody>
-      </p:sp>
-      <p:sp>
-        <p:nvSpPr>
-          <p:cNvPr id="5" name="TextBox 4"/>
-          <p:cNvSpPr txBox="1"/>
-          <p:nvPr/>
-        </p:nvSpPr>
-        <p:spPr>
-          <a:xfrm>
-            <a:off x="776536" y="980728"/>
-            <a:ext cx="8496944" cy="553998"/>
-          </a:xfrm>
-          <a:prstGeom prst="rect">
-            <a:avLst/>
-          </a:prstGeom>
-          <a:noFill/>
-        </p:spPr>
-        <p:txBody>
-          <a:bodyPr wrap="square" rtlCol="0">
-            <a:spAutoFit/>
-          </a:bodyPr>
-          <a:lstStyle/>
-          <a:p>
-            <a:pPr>
-              <a:lnSpc>
-                <a:spcPct val="150000"/>
-              </a:lnSpc>
-            </a:pPr>
-            <a:r>
-              <a:rPr lang="ko-KR" altLang="en-US" sz="2000" b="1" dirty="0" smtClean="0"/>
-              <a:t>폼 페이지에 입력한 아이디와 비밀번호 출력하기</a:t>
-            </a:r>
-            <a:endParaRPr lang="en-US" altLang="ko-KR" sz="2000" b="1" dirty="0" smtClean="0">
-              <a:solidFill>
-                <a:srgbClr val="C00000"/>
-              </a:solidFill>
-            </a:endParaRPr>
-          </a:p>
-        </p:txBody>
-      </p:sp>
-      <p:pic>
-        <p:nvPicPr>
-          <p:cNvPr id="2" name="그림 1"/>
-          <p:cNvPicPr>
-            <a:picLocks noChangeAspect="1"/>
-          </p:cNvPicPr>
-          <p:nvPr/>
-        </p:nvPicPr>
-        <p:blipFill>
-          <a:blip r:embed="rId2">
-            <a:extLst>
-              <a:ext uri="{28A0092B-C50C-407E-A947-70E740481C1C}">
-                <a14:useLocalDpi xmlns:a14="http://schemas.microsoft.com/office/drawing/2010/main" val="0"/>
-              </a:ext>
-            </a:extLst>
-          </a:blip>
-          <a:stretch>
-            <a:fillRect/>
-          </a:stretch>
-        </p:blipFill>
-        <p:spPr>
-          <a:xfrm>
-            <a:off x="1208584" y="1616021"/>
-            <a:ext cx="7041843" cy="1928528"/>
-          </a:xfrm>
-          <a:prstGeom prst="rect">
-            <a:avLst/>
-          </a:prstGeom>
-          <a:ln>
-            <a:solidFill>
-              <a:schemeClr val="bg1">
-                <a:lumMod val="85000"/>
-              </a:schemeClr>
-            </a:solidFill>
-          </a:ln>
-        </p:spPr>
-      </p:pic>
-      <p:pic>
-        <p:nvPicPr>
-          <p:cNvPr id="6" name="그림 5"/>
-          <p:cNvPicPr>
-            <a:picLocks noChangeAspect="1"/>
-          </p:cNvPicPr>
-          <p:nvPr/>
-        </p:nvPicPr>
-        <p:blipFill>
-          <a:blip r:embed="rId3">
-            <a:extLst>
-              <a:ext uri="{28A0092B-C50C-407E-A947-70E740481C1C}">
-                <a14:useLocalDpi xmlns:a14="http://schemas.microsoft.com/office/drawing/2010/main" val="0"/>
-              </a:ext>
-            </a:extLst>
-          </a:blip>
-          <a:stretch>
-            <a:fillRect/>
-          </a:stretch>
-        </p:blipFill>
-        <p:spPr>
-          <a:xfrm>
-            <a:off x="1208584" y="3706978"/>
-            <a:ext cx="7163421" cy="2438611"/>
-          </a:xfrm>
-          <a:prstGeom prst="rect">
-            <a:avLst/>
-          </a:prstGeom>
-          <a:ln>
-            <a:solidFill>
-              <a:schemeClr val="bg1">
-                <a:lumMod val="85000"/>
-              </a:schemeClr>
-            </a:solidFill>
-          </a:ln>
-        </p:spPr>
-      </p:pic>
-      <p:sp>
-        <p:nvSpPr>
-          <p:cNvPr id="8" name="모서리가 둥근 직사각형 7">
-            <a:extLst>
-              <a:ext uri="{FF2B5EF4-FFF2-40B4-BE49-F238E27FC236}">
-                <a16:creationId xmlns:a16="http://schemas.microsoft.com/office/drawing/2014/main" xmlns="" id="{792DA8B4-17B2-454B-97AC-17311A4832C5}"/>
-              </a:ext>
-            </a:extLst>
-          </p:cNvPr>
-          <p:cNvSpPr/>
-          <p:nvPr/>
-        </p:nvSpPr>
-        <p:spPr>
-          <a:xfrm>
-            <a:off x="7185248" y="1844824"/>
-            <a:ext cx="1944216" cy="317650"/>
-          </a:xfrm>
-          <a:prstGeom prst="roundRect">
-            <a:avLst/>
-          </a:prstGeom>
-          <a:noFill/>
-          <a:ln w="12700">
-            <a:solidFill>
-              <a:schemeClr val="tx1"/>
-            </a:solidFill>
-          </a:ln>
-        </p:spPr>
-        <p:style>
-          <a:lnRef idx="2">
-            <a:schemeClr val="accent2"/>
-          </a:lnRef>
-          <a:fillRef idx="1">
-            <a:schemeClr val="lt1"/>
-          </a:fillRef>
-          <a:effectRef idx="0">
-            <a:schemeClr val="accent2"/>
-          </a:effectRef>
-          <a:fontRef idx="minor">
-            <a:schemeClr val="dk1"/>
-          </a:fontRef>
-        </p:style>
-        <p:txBody>
-          <a:bodyPr rtlCol="0" anchor="ctr"/>
-          <a:lstStyle/>
-          <a:p>
-            <a:pPr algn="ctr"/>
-            <a:r>
-              <a:rPr lang="en-US" altLang="ko-KR" sz="1600" dirty="0" smtClean="0">
-                <a:solidFill>
-                  <a:sysClr val="windowText" lastClr="000000"/>
-                </a:solidFill>
-              </a:rPr>
-              <a:t>validation01.jsp</a:t>
-            </a:r>
-          </a:p>
-        </p:txBody>
-      </p:sp>
     </p:spTree>
     <p:extLst>
       <p:ext uri="{BB962C8B-B14F-4D97-AF65-F5344CB8AC3E}">
@@ -13060,7 +12536,7 @@
         </p:nvSpPr>
         <p:spPr>
           <a:xfrm>
-            <a:off x="776536" y="1062298"/>
+            <a:off x="776536" y="1206314"/>
             <a:ext cx="8496944" cy="494494"/>
           </a:xfrm>
           <a:prstGeom prst="rect">
@@ -13080,20 +12556,12 @@
               </a:lnSpc>
             </a:pPr>
             <a:r>
-              <a:rPr lang="ko-KR" altLang="en-US" sz="2000" b="1" dirty="0" smtClean="0"/>
-              <a:t>회원 가입 폼에 입력한 데이터 형식 유효성 검사 </a:t>
-            </a:r>
-            <a:r>
-              <a:rPr lang="en-US" altLang="ko-KR" sz="2000" b="1" dirty="0" smtClean="0"/>
-              <a:t>– </a:t>
-            </a:r>
-            <a:r>
               <a:rPr lang="ko-KR" altLang="en-US" sz="2000" b="1" dirty="0" smtClean="0">
                 <a:solidFill>
                   <a:srgbClr val="C00000"/>
                 </a:solidFill>
               </a:rPr>
-              <a:t>정규 </a:t>
+              <a:t> 정규 </a:t>
             </a:r>
             <a:r>
               <a:rPr lang="ko-KR" altLang="en-US" sz="2000" b="1" dirty="0" err="1" smtClean="0">
@@ -13103,6 +12571,14 @@
               </a:rPr>
               <a:t>표현식</a:t>
             </a:r>
+            <a:r>
+              <a:rPr lang="ko-KR" altLang="en-US" sz="2000" b="1" dirty="0" smtClean="0">
+                <a:solidFill>
+                  <a:srgbClr val="C00000"/>
+                </a:solidFill>
+              </a:rPr>
+              <a:t> 사용 예제</a:t>
+            </a:r>
             <a:endParaRPr lang="en-US" altLang="ko-KR" sz="2000" b="1" dirty="0" smtClean="0">
               <a:solidFill>
                 <a:srgbClr val="C00000"/>
@@ -13113,7 +12589,7 @@
       </p:sp>
       <p:pic>
         <p:nvPicPr>
-          <p:cNvPr id="4" name="그림 3"/>
+          <p:cNvPr id="3" name="그림 2"/>
           <p:cNvPicPr>
             <a:picLocks noChangeAspect="1"/>
           </p:cNvPicPr>
@@ -13133,8 +12609,8 @@
         </p:blipFill>
         <p:spPr>
           <a:xfrm>
-            <a:off x="1280592" y="1772816"/>
-            <a:ext cx="4727496" cy="2448272"/>
+            <a:off x="1064568" y="1998961"/>
+            <a:ext cx="7148180" cy="1646063"/>
           </a:xfrm>
           <a:prstGeom prst="rect">
             <a:avLst/>
@@ -13148,47 +12624,10 @@
           </a:ln>
         </p:spPr>
       </p:pic>
-      <p:pic>
-        <p:nvPicPr>
-          <p:cNvPr id="5" name="그림 4"/>
-          <p:cNvPicPr>
-            <a:picLocks noChangeAspect="1"/>
-          </p:cNvPicPr>
-          <p:nvPr/>
-        </p:nvPicPr>
-        <p:blipFill>
-          <a:blip r:embed="rId3">
-            <a:extLst>
-              <a:ext uri="{28A0092B-C50C-407E-A947-70E740481C1C}">
-                <a14:useLocalDpi xmlns:a14="http://schemas.microsoft.com/office/drawing/2010/main" val="0"/>
-              </a:ext>
-            </a:extLst>
-          </a:blip>
-          <a:stretch>
-            <a:fillRect/>
-          </a:stretch>
-        </p:blipFill>
-        <p:spPr>
-          <a:xfrm>
-            <a:off x="3800871" y="3356992"/>
-            <a:ext cx="4890559" cy="2448272"/>
-          </a:xfrm>
-          <a:prstGeom prst="rect">
-            <a:avLst/>
-          </a:prstGeom>
-          <a:ln>
-            <a:solidFill>
-              <a:schemeClr val="bg1">
-                <a:lumMod val="85000"/>
-              </a:schemeClr>
-            </a:solidFill>
-          </a:ln>
-        </p:spPr>
-      </p:pic>
     </p:spTree>
     <p:extLst>
       <p:ext uri="{BB962C8B-B14F-4D97-AF65-F5344CB8AC3E}">
-        <p14:creationId xmlns:p14="http://schemas.microsoft.com/office/powerpoint/2010/main" val="3233146781"/>
+        <p14:creationId xmlns:p14="http://schemas.microsoft.com/office/powerpoint/2010/main" val="1125028023"/>
       </p:ext>
     </p:extLst>
   </p:cSld>
@@ -13274,65 +12713,6 @@
           </a:p>
         </p:txBody>
       </p:sp>
-      <p:sp>
-        <p:nvSpPr>
-          <p:cNvPr id="6" name="TextBox 5"/>
-          <p:cNvSpPr txBox="1"/>
-          <p:nvPr/>
-        </p:nvSpPr>
-        <p:spPr>
-          <a:xfrm>
-            <a:off x="776536" y="1062298"/>
-            <a:ext cx="8496944" cy="454292"/>
-          </a:xfrm>
-          <a:prstGeom prst="rect">
-            <a:avLst/>
-          </a:prstGeom>
-          <a:noFill/>
-        </p:spPr>
-        <p:txBody>
-          <a:bodyPr wrap="square" rtlCol="0">
-            <a:spAutoFit/>
-          </a:bodyPr>
-          <a:lstStyle/>
-          <a:p>
-            <a:pPr>
-              <a:lnSpc>
-                <a:spcPct val="150000"/>
-              </a:lnSpc>
-            </a:pPr>
-            <a:r>
-              <a:rPr lang="ko-KR" altLang="en-US" b="1" dirty="0" smtClean="0"/>
-              <a:t>회원 가입 폼에 입력한 데이터 형식 유효성 검사 </a:t>
-            </a:r>
-            <a:r>
-              <a:rPr lang="en-US" altLang="ko-KR" b="1" dirty="0" smtClean="0"/>
-              <a:t>– </a:t>
-            </a:r>
-            <a:r>
-              <a:rPr lang="ko-KR" altLang="en-US" b="1" dirty="0" smtClean="0">
-                <a:solidFill>
-                  <a:srgbClr val="C00000"/>
-                </a:solidFill>
-              </a:rPr>
-              <a:t>정규 </a:t>
-            </a:r>
-            <a:r>
-              <a:rPr lang="ko-KR" altLang="en-US" b="1" dirty="0" err="1" smtClean="0">
-                <a:solidFill>
-                  <a:srgbClr val="C00000"/>
-                </a:solidFill>
-              </a:rPr>
-              <a:t>표현식</a:t>
-            </a:r>
-            <a:endParaRPr lang="en-US" altLang="ko-KR" b="1" dirty="0" smtClean="0">
-              <a:solidFill>
-                <a:srgbClr val="C00000"/>
-              </a:solidFill>
-            </a:endParaRPr>
-          </a:p>
-        </p:txBody>
-      </p:sp>
       <p:pic>
         <p:nvPicPr>
           <p:cNvPr id="3" name="그림 2"/>
@@ -13355,8 +12735,8 @@
         </p:blipFill>
         <p:spPr>
           <a:xfrm>
-            <a:off x="848544" y="2060848"/>
-            <a:ext cx="8507418" cy="3456384"/>
+            <a:off x="1352600" y="1340767"/>
+            <a:ext cx="6370872" cy="4320915"/>
           </a:xfrm>
           <a:prstGeom prst="rect">
             <a:avLst/>
@@ -13375,7 +12755,7 @@
           <p:cNvPr id="5" name="모서리가 둥근 직사각형 4">
             <a:extLst>
               <a:ext uri="{FF2B5EF4-FFF2-40B4-BE49-F238E27FC236}">
-                <a16:creationId xmlns:a16="http://schemas.microsoft.com/office/drawing/2014/main" xmlns="" id="{792DA8B4-17B2-454B-97AC-17311A4832C5}"/>
+                <a16:creationId xmlns:a16="http://schemas.microsoft.com/office/drawing/2014/main" id="{792DA8B4-17B2-454B-97AC-17311A4832C5}"/>
               </a:ext>
             </a:extLst>
           </p:cNvPr>
@@ -13384,8 +12764,8 @@
         </p:nvSpPr>
         <p:spPr>
           <a:xfrm>
-            <a:off x="7473280" y="1666736"/>
-            <a:ext cx="1800200" cy="317650"/>
+            <a:off x="6681192" y="1628800"/>
+            <a:ext cx="1854206" cy="317650"/>
           </a:xfrm>
           <a:prstGeom prst="roundRect">
             <a:avLst/>
@@ -13422,7 +12802,7 @@
                   <a:sysClr val="windowText" lastClr="000000"/>
                 </a:solidFill>
               </a:rPr>
-              <a:t>regexp_join.jsp</a:t>
+              <a:t>regexp.jsp</a:t>
             </a:r>
             <a:endParaRPr lang="en-US" altLang="ko-KR" sz="1600" dirty="0" smtClean="0">
               <a:solidFill>
@@ -13435,7 +12815,7 @@
     </p:spTree>
     <p:extLst>
       <p:ext uri="{BB962C8B-B14F-4D97-AF65-F5344CB8AC3E}">
-        <p14:creationId xmlns:p14="http://schemas.microsoft.com/office/powerpoint/2010/main" val="2403727953"/>
+        <p14:creationId xmlns:p14="http://schemas.microsoft.com/office/powerpoint/2010/main" val="2689998538"/>
       </p:ext>
     </p:extLst>
   </p:cSld>
@@ -13511,19 +12891,375 @@
             </a:r>
             <a:r>
               <a:rPr lang="ko-KR" altLang="en-US" dirty="0"/>
-              <a:t> 유효성 검사</a:t>
-            </a:r>
-            <a:r>
-              <a:rPr lang="en-US" altLang="ko-KR" dirty="0"/>
-              <a:t>(validation)</a:t>
+              <a:t> </a:t>
+            </a:r>
+            <a:r>
+              <a:rPr lang="en-US" altLang="ko-KR" dirty="0" smtClean="0"/>
+              <a:t>Session </a:t>
+            </a:r>
+            <a:r>
+              <a:rPr lang="ko-KR" altLang="en-US" dirty="0" smtClean="0"/>
+              <a:t>연습문제</a:t>
             </a:r>
             <a:endParaRPr lang="ko-KR" altLang="en-US" dirty="0"/>
+          </a:p>
+        </p:txBody>
+      </p:sp>
+      <p:sp>
+        <p:nvSpPr>
+          <p:cNvPr id="7" name="직사각형 6"/>
+          <p:cNvSpPr/>
+          <p:nvPr/>
+        </p:nvSpPr>
+        <p:spPr>
+          <a:xfrm>
+            <a:off x="858168" y="1569566"/>
+            <a:ext cx="8847360" cy="454292"/>
+          </a:xfrm>
+          <a:prstGeom prst="rect">
+            <a:avLst/>
+          </a:prstGeom>
+        </p:spPr>
+        <p:txBody>
+          <a:bodyPr wrap="square">
+            <a:spAutoFit/>
+          </a:bodyPr>
+          <a:lstStyle/>
+          <a:p>
+            <a:pPr>
+              <a:lnSpc>
+                <a:spcPct val="150000"/>
+              </a:lnSpc>
+            </a:pPr>
+            <a:r>
+              <a:rPr lang="en-US" altLang="ko-KR" dirty="0" smtClean="0"/>
+              <a:t> </a:t>
+            </a:r>
+            <a:endParaRPr lang="ko-KR" altLang="en-US" dirty="0"/>
+          </a:p>
+        </p:txBody>
+      </p:sp>
+      <p:sp>
+        <p:nvSpPr>
+          <p:cNvPr id="4" name="TextBox 3"/>
+          <p:cNvSpPr txBox="1"/>
+          <p:nvPr/>
+        </p:nvSpPr>
+        <p:spPr>
+          <a:xfrm>
+            <a:off x="1141388" y="3118316"/>
+            <a:ext cx="8280920" cy="3046988"/>
+          </a:xfrm>
+          <a:prstGeom prst="rect">
+            <a:avLst/>
+          </a:prstGeom>
+          <a:noFill/>
+        </p:spPr>
+        <p:txBody>
+          <a:bodyPr wrap="square" rtlCol="0">
+            <a:spAutoFit/>
+          </a:bodyPr>
+          <a:lstStyle/>
+          <a:p>
+            <a:pPr>
+              <a:lnSpc>
+                <a:spcPct val="150000"/>
+              </a:lnSpc>
+            </a:pPr>
+            <a:r>
+              <a:rPr lang="en-US" altLang="ko-KR" sz="1600" dirty="0" smtClean="0"/>
+              <a:t>1. </a:t>
+            </a:r>
+            <a:r>
+              <a:rPr lang="en-US" altLang="ko-KR" sz="1600" dirty="0" err="1" smtClean="0"/>
+              <a:t>validation_test.jsp</a:t>
+            </a:r>
+            <a:r>
+              <a:rPr lang="en-US" altLang="ko-KR" sz="1600" dirty="0" smtClean="0"/>
+              <a:t> </a:t>
+            </a:r>
+            <a:r>
+              <a:rPr lang="ko-KR" altLang="en-US" sz="1600" dirty="0" smtClean="0"/>
+              <a:t>파일 생성</a:t>
+            </a:r>
+            <a:endParaRPr lang="en-US" altLang="ko-KR" sz="1600" dirty="0" smtClean="0"/>
+          </a:p>
+          <a:p>
+            <a:pPr>
+              <a:lnSpc>
+                <a:spcPct val="150000"/>
+              </a:lnSpc>
+            </a:pPr>
+            <a:r>
+              <a:rPr lang="en-US" altLang="ko-KR" sz="1600" dirty="0"/>
+              <a:t> </a:t>
+            </a:r>
+            <a:r>
+              <a:rPr lang="en-US" altLang="ko-KR" sz="1600" dirty="0" smtClean="0"/>
+              <a:t>    1) </a:t>
+            </a:r>
+            <a:r>
+              <a:rPr lang="ko-KR" altLang="en-US" sz="1600" dirty="0" smtClean="0"/>
+              <a:t>아이디</a:t>
+            </a:r>
+            <a:r>
+              <a:rPr lang="en-US" altLang="ko-KR" sz="1600" dirty="0" smtClean="0"/>
+              <a:t>, </a:t>
+            </a:r>
+            <a:r>
+              <a:rPr lang="ko-KR" altLang="en-US" sz="1600" dirty="0" smtClean="0"/>
+              <a:t>비밀번호가 입력되지 않으면 </a:t>
+            </a:r>
+            <a:r>
+              <a:rPr lang="en-US" altLang="ko-KR" sz="1600" dirty="0" smtClean="0"/>
+              <a:t>“</a:t>
+            </a:r>
+            <a:r>
+              <a:rPr lang="ko-KR" altLang="en-US" sz="1600" dirty="0" smtClean="0"/>
+              <a:t>아이디</a:t>
+            </a:r>
+            <a:r>
+              <a:rPr lang="en-US" altLang="ko-KR" sz="1600" dirty="0" smtClean="0"/>
+              <a:t>(</a:t>
+            </a:r>
+            <a:r>
+              <a:rPr lang="ko-KR" altLang="en-US" sz="1600" dirty="0" smtClean="0"/>
+              <a:t>또는 비밀번호</a:t>
+            </a:r>
+            <a:r>
+              <a:rPr lang="en-US" altLang="ko-KR" sz="1600" dirty="0" smtClean="0"/>
+              <a:t>)</a:t>
+            </a:r>
+            <a:r>
+              <a:rPr lang="ko-KR" altLang="en-US" sz="1600" dirty="0" smtClean="0"/>
+              <a:t>가 </a:t>
+            </a:r>
+            <a:r>
+              <a:rPr lang="ko-KR" altLang="en-US" sz="1600" dirty="0" err="1" smtClean="0"/>
+              <a:t>입력를</a:t>
+            </a:r>
+            <a:r>
+              <a:rPr lang="ko-KR" altLang="en-US" sz="1600" dirty="0" smtClean="0"/>
+              <a:t> 입력해 </a:t>
+            </a:r>
+            <a:endParaRPr lang="en-US" altLang="ko-KR" sz="1600" dirty="0" smtClean="0"/>
+          </a:p>
+          <a:p>
+            <a:pPr>
+              <a:lnSpc>
+                <a:spcPct val="150000"/>
+              </a:lnSpc>
+            </a:pPr>
+            <a:r>
+              <a:rPr lang="en-US" altLang="ko-KR" sz="1600" dirty="0"/>
+              <a:t> </a:t>
+            </a:r>
+            <a:r>
+              <a:rPr lang="en-US" altLang="ko-KR" sz="1600" dirty="0" smtClean="0"/>
+              <a:t>       </a:t>
+            </a:r>
+            <a:r>
+              <a:rPr lang="ko-KR" altLang="en-US" sz="1600" dirty="0" smtClean="0"/>
+              <a:t>주세요</a:t>
+            </a:r>
+            <a:r>
+              <a:rPr lang="en-US" altLang="ko-KR" sz="1600" dirty="0" smtClean="0"/>
+              <a:t>’</a:t>
+            </a:r>
+            <a:r>
+              <a:rPr lang="ko-KR" altLang="en-US" sz="1600" dirty="0" smtClean="0"/>
+              <a:t>라는 메시지 창이 뜨도록 작성한다</a:t>
+            </a:r>
+            <a:r>
+              <a:rPr lang="en-US" altLang="ko-KR" sz="1600" dirty="0" smtClean="0"/>
+              <a:t>.</a:t>
+            </a:r>
+          </a:p>
+          <a:p>
+            <a:pPr>
+              <a:lnSpc>
+                <a:spcPct val="150000"/>
+              </a:lnSpc>
+            </a:pPr>
+            <a:r>
+              <a:rPr lang="en-US" altLang="ko-KR" sz="1600" dirty="0"/>
+              <a:t> </a:t>
+            </a:r>
+            <a:r>
+              <a:rPr lang="en-US" altLang="ko-KR" sz="1600" dirty="0" smtClean="0"/>
+              <a:t>    2) </a:t>
+            </a:r>
+            <a:r>
+              <a:rPr lang="ko-KR" altLang="en-US" sz="1600" dirty="0" smtClean="0"/>
+              <a:t>비밀번호에 아이디 값을 포함하면 </a:t>
+            </a:r>
+            <a:r>
+              <a:rPr lang="en-US" altLang="ko-KR" sz="1600" dirty="0" smtClean="0"/>
+              <a:t>“</a:t>
+            </a:r>
+            <a:r>
+              <a:rPr lang="ko-KR" altLang="en-US" sz="1600" dirty="0" smtClean="0"/>
+              <a:t>비밀번호는 아이디를 포함할 수 없습니다</a:t>
+            </a:r>
+            <a:r>
+              <a:rPr lang="en-US" altLang="ko-KR" sz="1600" dirty="0" smtClean="0"/>
+              <a:t>.”</a:t>
+            </a:r>
+          </a:p>
+          <a:p>
+            <a:pPr>
+              <a:lnSpc>
+                <a:spcPct val="150000"/>
+              </a:lnSpc>
+            </a:pPr>
+            <a:r>
+              <a:rPr lang="en-US" altLang="ko-KR" sz="1600" dirty="0"/>
+              <a:t> </a:t>
+            </a:r>
+            <a:r>
+              <a:rPr lang="en-US" altLang="ko-KR" sz="1600" dirty="0" smtClean="0"/>
+              <a:t>       </a:t>
+            </a:r>
+            <a:r>
+              <a:rPr lang="ko-KR" altLang="en-US" sz="1600" dirty="0" smtClean="0"/>
+              <a:t>라는 메시지 창이 뜨도록 작성한다</a:t>
+            </a:r>
+            <a:r>
+              <a:rPr lang="en-US" altLang="ko-KR" sz="1600" dirty="0" smtClean="0"/>
+              <a:t>.</a:t>
+            </a:r>
+          </a:p>
+          <a:p>
+            <a:pPr>
+              <a:lnSpc>
+                <a:spcPct val="150000"/>
+              </a:lnSpc>
+            </a:pPr>
+            <a:r>
+              <a:rPr lang="en-US" altLang="ko-KR" sz="1600" dirty="0"/>
+              <a:t> </a:t>
+            </a:r>
+            <a:r>
+              <a:rPr lang="en-US" altLang="ko-KR" sz="1600" dirty="0" smtClean="0"/>
+              <a:t>    3) </a:t>
+            </a:r>
+            <a:r>
+              <a:rPr lang="ko-KR" altLang="en-US" sz="1600" dirty="0" smtClean="0"/>
+              <a:t>이름</a:t>
+            </a:r>
+            <a:r>
+              <a:rPr lang="ko-KR" altLang="en-US" sz="1600" dirty="0"/>
+              <a:t>이</a:t>
+            </a:r>
+            <a:r>
+              <a:rPr lang="ko-KR" altLang="en-US" sz="1600" dirty="0" smtClean="0"/>
+              <a:t> </a:t>
+            </a:r>
+            <a:r>
+              <a:rPr lang="ko-KR" altLang="en-US" sz="1600" dirty="0"/>
+              <a:t>입력되지 않으면 </a:t>
+            </a:r>
+            <a:r>
+              <a:rPr lang="en-US" altLang="ko-KR" sz="1600" dirty="0" smtClean="0"/>
+              <a:t>“</a:t>
+            </a:r>
+            <a:r>
+              <a:rPr lang="ko-KR" altLang="en-US" sz="1600" dirty="0" smtClean="0"/>
+              <a:t>이름</a:t>
+            </a:r>
+            <a:r>
+              <a:rPr lang="ko-KR" altLang="en-US" sz="1600" dirty="0"/>
+              <a:t>을</a:t>
+            </a:r>
+            <a:r>
+              <a:rPr lang="ko-KR" altLang="en-US" sz="1600" dirty="0" smtClean="0"/>
+              <a:t> </a:t>
+            </a:r>
+            <a:r>
+              <a:rPr lang="ko-KR" altLang="en-US" sz="1600" dirty="0" err="1"/>
+              <a:t>입력를</a:t>
+            </a:r>
+            <a:r>
+              <a:rPr lang="ko-KR" altLang="en-US" sz="1600" dirty="0"/>
+              <a:t> 입력해 </a:t>
+            </a:r>
+            <a:r>
+              <a:rPr lang="ko-KR" altLang="en-US" sz="1600" dirty="0" smtClean="0"/>
+              <a:t>주세요</a:t>
+            </a:r>
+            <a:r>
+              <a:rPr lang="en-US" altLang="ko-KR" sz="1600" dirty="0"/>
+              <a:t>’</a:t>
+            </a:r>
+            <a:r>
+              <a:rPr lang="ko-KR" altLang="en-US" sz="1600" dirty="0"/>
+              <a:t>라는 메시지 창이 뜨도록 </a:t>
+            </a:r>
+            <a:endParaRPr lang="en-US" altLang="ko-KR" sz="1600" dirty="0" smtClean="0"/>
+          </a:p>
+          <a:p>
+            <a:pPr>
+              <a:lnSpc>
+                <a:spcPct val="150000"/>
+              </a:lnSpc>
+            </a:pPr>
+            <a:r>
+              <a:rPr lang="en-US" altLang="ko-KR" sz="1600" dirty="0"/>
+              <a:t> </a:t>
+            </a:r>
+            <a:r>
+              <a:rPr lang="en-US" altLang="ko-KR" sz="1600" dirty="0" smtClean="0"/>
+              <a:t>       </a:t>
+            </a:r>
+            <a:r>
+              <a:rPr lang="ko-KR" altLang="en-US" sz="1600" dirty="0" smtClean="0"/>
+              <a:t>작성한다</a:t>
+            </a:r>
+            <a:r>
+              <a:rPr lang="en-US" altLang="ko-KR" sz="1600" dirty="0"/>
+              <a:t>.</a:t>
+            </a:r>
+          </a:p>
+          <a:p>
+            <a:pPr>
+              <a:lnSpc>
+                <a:spcPct val="150000"/>
+              </a:lnSpc>
+            </a:pPr>
+            <a:r>
+              <a:rPr lang="en-US" altLang="ko-KR" sz="1600" dirty="0" smtClean="0"/>
+              <a:t>2. </a:t>
+            </a:r>
+            <a:r>
+              <a:rPr lang="en-US" altLang="ko-KR" sz="1600" dirty="0" err="1" smtClean="0"/>
+              <a:t>test_process.jsp</a:t>
+            </a:r>
+            <a:r>
+              <a:rPr lang="en-US" altLang="ko-KR" sz="1600" dirty="0" smtClean="0"/>
+              <a:t> </a:t>
+            </a:r>
+            <a:r>
+              <a:rPr lang="ko-KR" altLang="en-US" sz="1600" dirty="0" smtClean="0"/>
+              <a:t>파일 생성하여 요청 </a:t>
+            </a:r>
+            <a:r>
+              <a:rPr lang="ko-KR" altLang="en-US" sz="1600" dirty="0" err="1" smtClean="0"/>
+              <a:t>파라미터값을</a:t>
+            </a:r>
+            <a:r>
+              <a:rPr lang="ko-KR" altLang="en-US" sz="1600" dirty="0" smtClean="0"/>
+              <a:t> 출력한다</a:t>
+            </a:r>
+            <a:r>
+              <a:rPr lang="en-US" altLang="ko-KR" sz="1600" dirty="0" smtClean="0"/>
+              <a:t>.</a:t>
+            </a:r>
           </a:p>
         </p:txBody>
       </p:sp>
       <p:pic>
         <p:nvPicPr>
-          <p:cNvPr id="5" name="그림 4"/>
+          <p:cNvPr id="2" name="그림 1"/>
           <p:cNvPicPr>
             <a:picLocks noChangeAspect="1"/>
           </p:cNvPicPr>
@@ -13543,8 +13279,8 @@
         </p:blipFill>
         <p:spPr>
           <a:xfrm>
-            <a:off x="200472" y="1124744"/>
-            <a:ext cx="9511230" cy="4657822"/>
+            <a:off x="1150583" y="1167429"/>
+            <a:ext cx="4824536" cy="1897540"/>
           </a:xfrm>
           <a:prstGeom prst="rect">
             <a:avLst/>
@@ -13558,45 +13294,73 @@
           </a:ln>
         </p:spPr>
       </p:pic>
-      <p:sp>
-        <p:nvSpPr>
-          <p:cNvPr id="9" name="모서리가 둥근 직사각형 8">
+      <p:pic>
+        <p:nvPicPr>
+          <p:cNvPr id="3" name="그림 2"/>
+          <p:cNvPicPr>
+            <a:picLocks noChangeAspect="1"/>
+          </p:cNvPicPr>
+          <p:nvPr/>
+        </p:nvPicPr>
+        <p:blipFill>
+          <a:blip r:embed="rId3">
             <a:extLst>
-              <a:ext uri="{FF2B5EF4-FFF2-40B4-BE49-F238E27FC236}">
-                <a16:creationId xmlns:a16="http://schemas.microsoft.com/office/drawing/2014/main" xmlns="" id="{792DA8B4-17B2-454B-97AC-17311A4832C5}"/>
+              <a:ext uri="{28A0092B-C50C-407E-A947-70E740481C1C}">
+                <a14:useLocalDpi xmlns:a14="http://schemas.microsoft.com/office/drawing/2010/main" val="0"/>
               </a:ext>
             </a:extLst>
-          </p:cNvPr>
+          </a:blip>
+          <a:stretch>
+            <a:fillRect/>
+          </a:stretch>
+        </p:blipFill>
+        <p:spPr>
+          <a:xfrm>
+            <a:off x="6783694" y="1554473"/>
+            <a:ext cx="1926570" cy="1119775"/>
+          </a:xfrm>
+          <a:prstGeom prst="rect">
+            <a:avLst/>
+          </a:prstGeom>
+          <a:ln>
+            <a:solidFill>
+              <a:schemeClr val="bg1">
+                <a:lumMod val="85000"/>
+              </a:schemeClr>
+            </a:solidFill>
+          </a:ln>
+        </p:spPr>
+      </p:pic>
+      <p:sp>
+        <p:nvSpPr>
+          <p:cNvPr id="5" name="오른쪽 화살표 4"/>
           <p:cNvSpPr/>
           <p:nvPr/>
         </p:nvSpPr>
         <p:spPr>
           <a:xfrm>
-            <a:off x="7473280" y="1666736"/>
-            <a:ext cx="1800200" cy="317650"/>
-          </a:xfrm>
-          <a:prstGeom prst="roundRect">
+            <a:off x="6177136" y="2023858"/>
+            <a:ext cx="360040" cy="181006"/>
+          </a:xfrm>
+          <a:prstGeom prst="rightArrow">
             <a:avLst/>
           </a:prstGeom>
-          <a:noFill/>
-          <a:ln w="12700">
-            <a:solidFill>
-              <a:schemeClr val="tx1"/>
-            </a:solidFill>
-          </a:ln>
+          <a:ln w="12700"/>
         </p:spPr>
         <p:style>
           <a:lnRef idx="2">
-            <a:schemeClr val="accent2"/>
+            <a:schemeClr val="accent1">
+              <a:shade val="50000"/>
+            </a:schemeClr>
           </a:lnRef>
           <a:fillRef idx="1">
-            <a:schemeClr val="lt1"/>
+            <a:schemeClr val="accent1"/>
           </a:fillRef>
           <a:effectRef idx="0">
-            <a:schemeClr val="accent2"/>
+            <a:schemeClr val="accent1"/>
           </a:effectRef>
           <a:fontRef idx="minor">
-            <a:schemeClr val="dk1"/>
+            <a:schemeClr val="lt1"/>
           </a:fontRef>
         </p:style>
         <p:txBody>
@@ -13604,26 +13368,14 @@
           <a:lstStyle/>
           <a:p>
             <a:pPr algn="ctr"/>
-            <a:r>
-              <a:rPr lang="en-US" altLang="ko-KR" sz="1600" dirty="0" err="1" smtClean="0">
-                <a:solidFill>
-                  <a:sysClr val="windowText" lastClr="000000"/>
-                </a:solidFill>
-              </a:rPr>
-              <a:t>regexp_join.jsp</a:t>
-            </a:r>
-            <a:endParaRPr lang="en-US" altLang="ko-KR" sz="1600" dirty="0" smtClean="0">
-              <a:solidFill>
-                <a:sysClr val="windowText" lastClr="000000"/>
-              </a:solidFill>
-            </a:endParaRPr>
+            <a:endParaRPr lang="ko-KR" altLang="en-US"/>
           </a:p>
         </p:txBody>
       </p:sp>
     </p:spTree>
     <p:extLst>
       <p:ext uri="{BB962C8B-B14F-4D97-AF65-F5344CB8AC3E}">
-        <p14:creationId xmlns:p14="http://schemas.microsoft.com/office/powerpoint/2010/main" val="2983076249"/>
+        <p14:creationId xmlns:p14="http://schemas.microsoft.com/office/powerpoint/2010/main" val="1006334476"/>
       </p:ext>
     </p:extLst>
   </p:cSld>
@@ -13699,11 +13451,49 @@
             </a:r>
             <a:r>
               <a:rPr lang="ko-KR" altLang="en-US" dirty="0"/>
-              <a:t> 유효성 검사</a:t>
-            </a:r>
-            <a:r>
-              <a:rPr lang="en-US" altLang="ko-KR" dirty="0"/>
-              <a:t>(validation)</a:t>
+              <a:t> </a:t>
+            </a:r>
+            <a:r>
+              <a:rPr lang="en-US" altLang="ko-KR" dirty="0" smtClean="0"/>
+              <a:t>Session </a:t>
+            </a:r>
+            <a:r>
+              <a:rPr lang="ko-KR" altLang="en-US" dirty="0" smtClean="0"/>
+              <a:t>연습문제</a:t>
+            </a:r>
+            <a:endParaRPr lang="ko-KR" altLang="en-US" dirty="0"/>
+          </a:p>
+        </p:txBody>
+      </p:sp>
+      <p:sp>
+        <p:nvSpPr>
+          <p:cNvPr id="7" name="직사각형 6"/>
+          <p:cNvSpPr/>
+          <p:nvPr/>
+        </p:nvSpPr>
+        <p:spPr>
+          <a:xfrm>
+            <a:off x="858168" y="1569566"/>
+            <a:ext cx="8847360" cy="454292"/>
+          </a:xfrm>
+          <a:prstGeom prst="rect">
+            <a:avLst/>
+          </a:prstGeom>
+        </p:spPr>
+        <p:txBody>
+          <a:bodyPr wrap="square">
+            <a:spAutoFit/>
+          </a:bodyPr>
+          <a:lstStyle/>
+          <a:p>
+            <a:pPr>
+              <a:lnSpc>
+                <a:spcPct val="150000"/>
+              </a:lnSpc>
+            </a:pPr>
+            <a:r>
+              <a:rPr lang="en-US" altLang="ko-KR" dirty="0" smtClean="0"/>
+              <a:t> </a:t>
             </a:r>
             <a:endParaRPr lang="ko-KR" altLang="en-US" dirty="0"/>
           </a:p>
@@ -13731,8 +13521,8 @@
         </p:blipFill>
         <p:spPr>
           <a:xfrm>
-            <a:off x="1982343" y="1196751"/>
-            <a:ext cx="5514524" cy="4982919"/>
+            <a:off x="1064568" y="2150098"/>
+            <a:ext cx="7632848" cy="1712954"/>
           </a:xfrm>
           <a:prstGeom prst="rect">
             <a:avLst/>
@@ -13748,10 +13538,10 @@
       </p:pic>
       <p:sp>
         <p:nvSpPr>
-          <p:cNvPr id="6" name="모서리가 둥근 직사각형 5">
+          <p:cNvPr id="8" name="모서리가 둥근 직사각형 7">
             <a:extLst>
               <a:ext uri="{FF2B5EF4-FFF2-40B4-BE49-F238E27FC236}">
-                <a16:creationId xmlns:a16="http://schemas.microsoft.com/office/drawing/2014/main" xmlns="" id="{792DA8B4-17B2-454B-97AC-17311A4832C5}"/>
+                <a16:creationId xmlns:a16="http://schemas.microsoft.com/office/drawing/2014/main" id="{792DA8B4-17B2-454B-97AC-17311A4832C5}"/>
               </a:ext>
             </a:extLst>
           </p:cNvPr>
@@ -13760,8 +13550,8 @@
         </p:nvSpPr>
         <p:spPr>
           <a:xfrm>
-            <a:off x="6753200" y="1556792"/>
-            <a:ext cx="1800200" cy="317650"/>
+            <a:off x="6681192" y="1628800"/>
+            <a:ext cx="1854206" cy="317650"/>
           </a:xfrm>
           <a:prstGeom prst="roundRect">
             <a:avLst/>
@@ -13793,12 +13583,20 @@
           <a:p>
             <a:pPr algn="ctr"/>
             <a:r>
+              <a:rPr lang="en-US" altLang="ko-KR" sz="1600" dirty="0" err="1">
+                <a:solidFill>
+                  <a:sysClr val="windowText" lastClr="000000"/>
+                </a:solidFill>
+              </a:rPr>
+              <a:t>v</a:t>
+            </a:r>
+            <a:r>
               <a:rPr lang="en-US" altLang="ko-KR" sz="1600" dirty="0" err="1" smtClean="0">
                 <a:solidFill>
                   <a:sysClr val="windowText" lastClr="000000"/>
                 </a:solidFill>
               </a:rPr>
-              <a:t>regexp_join.jsp</a:t>
+              <a:t>alidation_test.jsp</a:t>
             </a:r>
             <a:endParaRPr lang="en-US" altLang="ko-KR" sz="1600" dirty="0" smtClean="0">
               <a:solidFill>
@@ -13811,7 +13609,7 @@
     </p:spTree>
     <p:extLst>
       <p:ext uri="{BB962C8B-B14F-4D97-AF65-F5344CB8AC3E}">
-        <p14:creationId xmlns:p14="http://schemas.microsoft.com/office/powerpoint/2010/main" val="2900452528"/>
+        <p14:creationId xmlns:p14="http://schemas.microsoft.com/office/powerpoint/2010/main" val="471754297"/>
       </p:ext>
     </p:extLst>
   </p:cSld>
@@ -13897,9 +13695,68 @@
           </a:p>
         </p:txBody>
       </p:sp>
+      <p:sp>
+        <p:nvSpPr>
+          <p:cNvPr id="6" name="TextBox 5"/>
+          <p:cNvSpPr txBox="1"/>
+          <p:nvPr/>
+        </p:nvSpPr>
+        <p:spPr>
+          <a:xfrm>
+            <a:off x="776536" y="1062298"/>
+            <a:ext cx="8496944" cy="494494"/>
+          </a:xfrm>
+          <a:prstGeom prst="rect">
+            <a:avLst/>
+          </a:prstGeom>
+          <a:noFill/>
+        </p:spPr>
+        <p:txBody>
+          <a:bodyPr wrap="square" rtlCol="0">
+            <a:spAutoFit/>
+          </a:bodyPr>
+          <a:lstStyle/>
+          <a:p>
+            <a:pPr>
+              <a:lnSpc>
+                <a:spcPct val="150000"/>
+              </a:lnSpc>
+            </a:pPr>
+            <a:r>
+              <a:rPr lang="ko-KR" altLang="en-US" sz="2000" b="1" dirty="0" smtClean="0"/>
+              <a:t>회원 가입 폼에 입력한 데이터 형식 유효성 검사 </a:t>
+            </a:r>
+            <a:r>
+              <a:rPr lang="en-US" altLang="ko-KR" sz="2000" b="1" dirty="0" smtClean="0"/>
+              <a:t>– </a:t>
+            </a:r>
+            <a:r>
+              <a:rPr lang="ko-KR" altLang="en-US" sz="2000" b="1" dirty="0" smtClean="0">
+                <a:solidFill>
+                  <a:srgbClr val="C00000"/>
+                </a:solidFill>
+              </a:rPr>
+              <a:t>정규 </a:t>
+            </a:r>
+            <a:r>
+              <a:rPr lang="ko-KR" altLang="en-US" sz="2000" b="1" dirty="0" err="1" smtClean="0">
+                <a:solidFill>
+                  <a:srgbClr val="C00000"/>
+                </a:solidFill>
+              </a:rPr>
+              <a:t>표현식</a:t>
+            </a:r>
+            <a:endParaRPr lang="en-US" altLang="ko-KR" sz="2000" b="1" dirty="0" smtClean="0">
+              <a:solidFill>
+                <a:srgbClr val="C00000"/>
+              </a:solidFill>
+            </a:endParaRPr>
+          </a:p>
+        </p:txBody>
+      </p:sp>
       <p:pic>
         <p:nvPicPr>
-          <p:cNvPr id="2" name="그림 1"/>
+          <p:cNvPr id="4" name="그림 3"/>
           <p:cNvPicPr>
             <a:picLocks noChangeAspect="1"/>
           </p:cNvPicPr>
@@ -13919,8 +13776,8 @@
         </p:blipFill>
         <p:spPr>
           <a:xfrm>
-            <a:off x="1280592" y="1916832"/>
-            <a:ext cx="7267620" cy="2808312"/>
+            <a:off x="1280592" y="1772816"/>
+            <a:ext cx="4727496" cy="2448272"/>
           </a:xfrm>
           <a:prstGeom prst="rect">
             <a:avLst/>
@@ -13934,75 +13791,47 @@
           </a:ln>
         </p:spPr>
       </p:pic>
-      <p:sp>
-        <p:nvSpPr>
-          <p:cNvPr id="5" name="모서리가 둥근 직사각형 4">
+      <p:pic>
+        <p:nvPicPr>
+          <p:cNvPr id="5" name="그림 4"/>
+          <p:cNvPicPr>
+            <a:picLocks noChangeAspect="1"/>
+          </p:cNvPicPr>
+          <p:nvPr/>
+        </p:nvPicPr>
+        <p:blipFill>
+          <a:blip r:embed="rId3">
             <a:extLst>
-              <a:ext uri="{FF2B5EF4-FFF2-40B4-BE49-F238E27FC236}">
-                <a16:creationId xmlns:a16="http://schemas.microsoft.com/office/drawing/2014/main" xmlns="" id="{792DA8B4-17B2-454B-97AC-17311A4832C5}"/>
+              <a:ext uri="{28A0092B-C50C-407E-A947-70E740481C1C}">
+                <a14:useLocalDpi xmlns:a14="http://schemas.microsoft.com/office/drawing/2010/main" val="0"/>
               </a:ext>
             </a:extLst>
-          </p:cNvPr>
-          <p:cNvSpPr/>
-          <p:nvPr/>
-        </p:nvSpPr>
-        <p:spPr>
-          <a:xfrm>
-            <a:off x="5951612" y="1507911"/>
-            <a:ext cx="2601788" cy="317650"/>
-          </a:xfrm>
-          <a:prstGeom prst="roundRect">
+          </a:blip>
+          <a:stretch>
+            <a:fillRect/>
+          </a:stretch>
+        </p:blipFill>
+        <p:spPr>
+          <a:xfrm>
+            <a:off x="3800871" y="3356992"/>
+            <a:ext cx="4890559" cy="2448272"/>
+          </a:xfrm>
+          <a:prstGeom prst="rect">
             <a:avLst/>
           </a:prstGeom>
-          <a:noFill/>
-          <a:ln w="12700">
+          <a:ln>
             <a:solidFill>
-              <a:schemeClr val="tx1"/>
+              <a:schemeClr val="bg1">
+                <a:lumMod val="85000"/>
+              </a:schemeClr>
             </a:solidFill>
           </a:ln>
         </p:spPr>
-        <p:style>
-          <a:lnRef idx="2">
-            <a:schemeClr val="accent2"/>
-          </a:lnRef>
-          <a:fillRef idx="1">
-            <a:schemeClr val="lt1"/>
-          </a:fillRef>
-          <a:effectRef idx="0">
-            <a:schemeClr val="accent2"/>
-          </a:effectRef>
-          <a:fontRef idx="minor">
-            <a:schemeClr val="dk1"/>
-          </a:fontRef>
-        </p:style>
-        <p:txBody>
-          <a:bodyPr rtlCol="0" anchor="ctr"/>
-          <a:lstStyle/>
-          <a:p>
-            <a:pPr algn="ctr"/>
-            <a:r>
-              <a:rPr lang="en-US" altLang="ko-KR" sz="1600" dirty="0">
-                <a:solidFill>
-                  <a:sysClr val="windowText" lastClr="000000"/>
-                </a:solidFill>
-              </a:rPr>
-              <a:t>v</a:t>
-            </a:r>
-            <a:r>
-              <a:rPr lang="en-US" altLang="ko-KR" sz="1600" dirty="0" smtClean="0">
-                <a:solidFill>
-                  <a:sysClr val="windowText" lastClr="000000"/>
-                </a:solidFill>
-              </a:rPr>
-              <a:t>alidation01_process.jsp</a:t>
-            </a:r>
-          </a:p>
-        </p:txBody>
-      </p:sp>
+      </p:pic>
     </p:spTree>
     <p:extLst>
       <p:ext uri="{BB962C8B-B14F-4D97-AF65-F5344CB8AC3E}">
-        <p14:creationId xmlns:p14="http://schemas.microsoft.com/office/powerpoint/2010/main" val="392243362"/>
+        <p14:creationId xmlns:p14="http://schemas.microsoft.com/office/powerpoint/2010/main" val="3233146781"/>
       </p:ext>
     </p:extLst>
   </p:cSld>
@@ -14090,13 +13919,13 @@
       </p:sp>
       <p:sp>
         <p:nvSpPr>
-          <p:cNvPr id="5" name="TextBox 4"/>
+          <p:cNvPr id="6" name="TextBox 5"/>
           <p:cNvSpPr txBox="1"/>
           <p:nvPr/>
         </p:nvSpPr>
         <p:spPr>
           <a:xfrm>
-            <a:off x="848544" y="1134306"/>
+            <a:off x="776536" y="1062298"/>
             <a:ext cx="8496944" cy="454292"/>
           </a:xfrm>
           <a:prstGeom prst="rect">
@@ -14117,7 +13946,27 @@
             </a:pPr>
             <a:r>
               <a:rPr lang="ko-KR" altLang="en-US" b="1" dirty="0" smtClean="0"/>
-              <a:t>비밀번호 숫자와 영문자의 조합으로 입력하기</a:t>
+              <a:t>회원 가입 폼에 입력한 데이터 형식 유효성 검사 </a:t>
+            </a:r>
+            <a:r>
+              <a:rPr lang="en-US" altLang="ko-KR" b="1" dirty="0" smtClean="0"/>
+              <a:t>– </a:t>
+            </a:r>
+            <a:r>
+              <a:rPr lang="ko-KR" altLang="en-US" b="1" dirty="0" smtClean="0">
+                <a:solidFill>
+                  <a:srgbClr val="C00000"/>
+                </a:solidFill>
+              </a:rPr>
+              <a:t>정규 </a:t>
+            </a:r>
+            <a:r>
+              <a:rPr lang="ko-KR" altLang="en-US" b="1" dirty="0" err="1" smtClean="0">
+                <a:solidFill>
+                  <a:srgbClr val="C00000"/>
+                </a:solidFill>
+              </a:rPr>
+              <a:t>표현식</a:t>
             </a:r>
             <a:endParaRPr lang="en-US" altLang="ko-KR" b="1" dirty="0" smtClean="0">
               <a:solidFill>
@@ -14129,7 +13978,7 @@
       </p:sp>
       <p:pic>
         <p:nvPicPr>
-          <p:cNvPr id="2" name="그림 1"/>
+          <p:cNvPr id="3" name="그림 2"/>
           <p:cNvPicPr>
             <a:picLocks noChangeAspect="1"/>
           </p:cNvPicPr>
@@ -14149,8 +13998,8 @@
         </p:blipFill>
         <p:spPr>
           <a:xfrm>
-            <a:off x="1202634" y="1772816"/>
-            <a:ext cx="7186283" cy="2629128"/>
+            <a:off x="848544" y="2060848"/>
+            <a:ext cx="8507418" cy="3456384"/>
           </a:xfrm>
           <a:prstGeom prst="rect">
             <a:avLst/>
@@ -14164,10 +14013,72 @@
           </a:ln>
         </p:spPr>
       </p:pic>
+      <p:sp>
+        <p:nvSpPr>
+          <p:cNvPr id="5" name="모서리가 둥근 직사각형 4">
+            <a:extLst>
+              <a:ext uri="{FF2B5EF4-FFF2-40B4-BE49-F238E27FC236}">
+                <a16:creationId xmlns:a16="http://schemas.microsoft.com/office/drawing/2014/main" id="{792DA8B4-17B2-454B-97AC-17311A4832C5}"/>
+              </a:ext>
+            </a:extLst>
+          </p:cNvPr>
+          <p:cNvSpPr/>
+          <p:nvPr/>
+        </p:nvSpPr>
+        <p:spPr>
+          <a:xfrm>
+            <a:off x="7473280" y="1666736"/>
+            <a:ext cx="1800200" cy="317650"/>
+          </a:xfrm>
+          <a:prstGeom prst="roundRect">
+            <a:avLst/>
+          </a:prstGeom>
+          <a:noFill/>
+          <a:ln w="12700">
+            <a:solidFill>
+              <a:schemeClr val="tx1"/>
+            </a:solidFill>
+          </a:ln>
+        </p:spPr>
+        <p:style>
+          <a:lnRef idx="2">
+            <a:schemeClr val="accent2"/>
+          </a:lnRef>
+          <a:fillRef idx="1">
+            <a:schemeClr val="lt1"/>
+          </a:fillRef>
+          <a:effectRef idx="0">
+            <a:schemeClr val="accent2"/>
+          </a:effectRef>
+          <a:fontRef idx="minor">
+            <a:schemeClr val="dk1"/>
+          </a:fontRef>
+        </p:style>
+        <p:txBody>
+          <a:bodyPr rtlCol="0" anchor="ctr"/>
+          <a:lstStyle/>
+          <a:p>
+            <a:pPr algn="ctr"/>
+            <a:r>
+              <a:rPr lang="en-US" altLang="ko-KR" sz="1600" dirty="0" err="1" smtClean="0">
+                <a:solidFill>
+                  <a:sysClr val="windowText" lastClr="000000"/>
+                </a:solidFill>
+              </a:rPr>
+              <a:t>regexp_join.jsp</a:t>
+            </a:r>
+            <a:endParaRPr lang="en-US" altLang="ko-KR" sz="1600" dirty="0" smtClean="0">
+              <a:solidFill>
+                <a:sysClr val="windowText" lastClr="000000"/>
+              </a:solidFill>
+            </a:endParaRPr>
+          </a:p>
+        </p:txBody>
+      </p:sp>
     </p:spTree>
     <p:extLst>
       <p:ext uri="{BB962C8B-B14F-4D97-AF65-F5344CB8AC3E}">
-        <p14:creationId xmlns:p14="http://schemas.microsoft.com/office/powerpoint/2010/main" val="2287158929"/>
+        <p14:creationId xmlns:p14="http://schemas.microsoft.com/office/powerpoint/2010/main" val="2403727953"/>
       </p:ext>
     </p:extLst>
   </p:cSld>
@@ -14255,6 +14166,194 @@
       </p:sp>
       <p:pic>
         <p:nvPicPr>
+          <p:cNvPr id="5" name="그림 4"/>
+          <p:cNvPicPr>
+            <a:picLocks noChangeAspect="1"/>
+          </p:cNvPicPr>
+          <p:nvPr/>
+        </p:nvPicPr>
+        <p:blipFill>
+          <a:blip r:embed="rId2">
+            <a:extLst>
+              <a:ext uri="{28A0092B-C50C-407E-A947-70E740481C1C}">
+                <a14:useLocalDpi xmlns:a14="http://schemas.microsoft.com/office/drawing/2010/main" val="0"/>
+              </a:ext>
+            </a:extLst>
+          </a:blip>
+          <a:stretch>
+            <a:fillRect/>
+          </a:stretch>
+        </p:blipFill>
+        <p:spPr>
+          <a:xfrm>
+            <a:off x="200472" y="1124744"/>
+            <a:ext cx="9511230" cy="4657822"/>
+          </a:xfrm>
+          <a:prstGeom prst="rect">
+            <a:avLst/>
+          </a:prstGeom>
+          <a:ln>
+            <a:solidFill>
+              <a:schemeClr val="bg1">
+                <a:lumMod val="85000"/>
+              </a:schemeClr>
+            </a:solidFill>
+          </a:ln>
+        </p:spPr>
+      </p:pic>
+      <p:sp>
+        <p:nvSpPr>
+          <p:cNvPr id="9" name="모서리가 둥근 직사각형 8">
+            <a:extLst>
+              <a:ext uri="{FF2B5EF4-FFF2-40B4-BE49-F238E27FC236}">
+                <a16:creationId xmlns:a16="http://schemas.microsoft.com/office/drawing/2014/main" id="{792DA8B4-17B2-454B-97AC-17311A4832C5}"/>
+              </a:ext>
+            </a:extLst>
+          </p:cNvPr>
+          <p:cNvSpPr/>
+          <p:nvPr/>
+        </p:nvSpPr>
+        <p:spPr>
+          <a:xfrm>
+            <a:off x="7473280" y="1666736"/>
+            <a:ext cx="1800200" cy="317650"/>
+          </a:xfrm>
+          <a:prstGeom prst="roundRect">
+            <a:avLst/>
+          </a:prstGeom>
+          <a:noFill/>
+          <a:ln w="12700">
+            <a:solidFill>
+              <a:schemeClr val="tx1"/>
+            </a:solidFill>
+          </a:ln>
+        </p:spPr>
+        <p:style>
+          <a:lnRef idx="2">
+            <a:schemeClr val="accent2"/>
+          </a:lnRef>
+          <a:fillRef idx="1">
+            <a:schemeClr val="lt1"/>
+          </a:fillRef>
+          <a:effectRef idx="0">
+            <a:schemeClr val="accent2"/>
+          </a:effectRef>
+          <a:fontRef idx="minor">
+            <a:schemeClr val="dk1"/>
+          </a:fontRef>
+        </p:style>
+        <p:txBody>
+          <a:bodyPr rtlCol="0" anchor="ctr"/>
+          <a:lstStyle/>
+          <a:p>
+            <a:pPr algn="ctr"/>
+            <a:r>
+              <a:rPr lang="en-US" altLang="ko-KR" sz="1600" dirty="0" err="1" smtClean="0">
+                <a:solidFill>
+                  <a:sysClr val="windowText" lastClr="000000"/>
+                </a:solidFill>
+              </a:rPr>
+              <a:t>regexp_join.jsp</a:t>
+            </a:r>
+            <a:endParaRPr lang="en-US" altLang="ko-KR" sz="1600" dirty="0" smtClean="0">
+              <a:solidFill>
+                <a:sysClr val="windowText" lastClr="000000"/>
+              </a:solidFill>
+            </a:endParaRPr>
+          </a:p>
+        </p:txBody>
+      </p:sp>
+    </p:spTree>
+    <p:extLst>
+      <p:ext uri="{BB962C8B-B14F-4D97-AF65-F5344CB8AC3E}">
+        <p14:creationId xmlns:p14="http://schemas.microsoft.com/office/powerpoint/2010/main" val="2983076249"/>
+      </p:ext>
+    </p:extLst>
+  </p:cSld>
+  <p:clrMapOvr>
+    <a:masterClrMapping/>
+  </p:clrMapOvr>
+  <p:timing>
+    <p:tnLst>
+      <p:par>
+        <p:cTn id="1" dur="indefinite" restart="never" nodeType="tmRoot"/>
+      </p:par>
+    </p:tnLst>
+  </p:timing>
+</p:sld>
+</file>
+
+<file path=ppt/slides/slide37.xml><?xml version="1.0" encoding="utf-8"?>
+<p:sld xmlns:a="http://schemas.openxmlformats.org/drawingml/2006/main" xmlns:r="http://schemas.openxmlformats.org/officeDocument/2006/relationships" xmlns:p="http://schemas.openxmlformats.org/presentationml/2006/main">
+  <p:cSld>
+    <p:spTree>
+      <p:nvGrpSpPr>
+        <p:cNvPr id="1" name=""/>
+        <p:cNvGrpSpPr/>
+        <p:nvPr/>
+      </p:nvGrpSpPr>
+      <p:grpSpPr>
+        <a:xfrm>
+          <a:off x="0" y="0"/>
+          <a:ext cx="0" cy="0"/>
+          <a:chOff x="0" y="0"/>
+          <a:chExt cx="0" cy="0"/>
+        </a:xfrm>
+      </p:grpSpPr>
+      <p:sp>
+        <p:nvSpPr>
+          <p:cNvPr id="15" name="제목 5"/>
+          <p:cNvSpPr txBox="1">
+            <a:spLocks/>
+          </p:cNvSpPr>
+          <p:nvPr/>
+        </p:nvSpPr>
+        <p:spPr>
+          <a:xfrm>
+            <a:off x="0" y="-27384"/>
+            <a:ext cx="7995338" cy="854968"/>
+          </a:xfrm>
+          <a:prstGeom prst="rect">
+            <a:avLst/>
+          </a:prstGeom>
+        </p:spPr>
+        <p:txBody>
+          <a:bodyPr anchor="ctr" anchorCtr="0"/>
+          <a:lstStyle>
+            <a:lvl1pPr algn="l" defTabSz="914400" rtl="0" eaLnBrk="1" latinLnBrk="1" hangingPunct="1">
+              <a:spcBef>
+                <a:spcPct val="0"/>
+              </a:spcBef>
+              <a:buNone/>
+              <a:defRPr sz="3200" kern="1200">
+                <a:solidFill>
+                  <a:schemeClr val="bg1"/>
+                </a:solidFill>
+                <a:latin typeface="HY헤드라인M" panose="02030600000101010101" pitchFamily="18" charset="-127"/>
+                <a:ea typeface="HY헤드라인M" panose="02030600000101010101" pitchFamily="18" charset="-127"/>
+                <a:cs typeface="+mj-cs"/>
+              </a:defRPr>
+            </a:lvl1pPr>
+          </a:lstStyle>
+          <a:p>
+            <a:r>
+              <a:rPr lang="en-US" altLang="ko-KR" dirty="0" smtClean="0"/>
+              <a:t> </a:t>
+            </a:r>
+            <a:r>
+              <a:rPr lang="ko-KR" altLang="en-US" dirty="0"/>
+              <a:t> 유효성 검사</a:t>
+            </a:r>
+            <a:r>
+              <a:rPr lang="en-US" altLang="ko-KR" dirty="0"/>
+              <a:t>(validation)</a:t>
+            </a:r>
+            <a:endParaRPr lang="ko-KR" altLang="en-US" dirty="0"/>
+          </a:p>
+        </p:txBody>
+      </p:sp>
+      <p:pic>
+        <p:nvPicPr>
           <p:cNvPr id="3" name="그림 2"/>
           <p:cNvPicPr>
             <a:picLocks noChangeAspect="1"/>
@@ -14275,8 +14374,8 @@
         </p:blipFill>
         <p:spPr>
           <a:xfrm>
-            <a:off x="1712640" y="1052736"/>
-            <a:ext cx="5797393" cy="5397080"/>
+            <a:off x="1982343" y="1196751"/>
+            <a:ext cx="5514524" cy="4982919"/>
           </a:xfrm>
           <a:prstGeom prst="rect">
             <a:avLst/>
@@ -14290,10 +14389,428 @@
           </a:ln>
         </p:spPr>
       </p:pic>
+      <p:sp>
+        <p:nvSpPr>
+          <p:cNvPr id="6" name="모서리가 둥근 직사각형 5">
+            <a:extLst>
+              <a:ext uri="{FF2B5EF4-FFF2-40B4-BE49-F238E27FC236}">
+                <a16:creationId xmlns:a16="http://schemas.microsoft.com/office/drawing/2014/main" id="{792DA8B4-17B2-454B-97AC-17311A4832C5}"/>
+              </a:ext>
+            </a:extLst>
+          </p:cNvPr>
+          <p:cNvSpPr/>
+          <p:nvPr/>
+        </p:nvSpPr>
+        <p:spPr>
+          <a:xfrm>
+            <a:off x="6753200" y="1556792"/>
+            <a:ext cx="1800200" cy="317650"/>
+          </a:xfrm>
+          <a:prstGeom prst="roundRect">
+            <a:avLst/>
+          </a:prstGeom>
+          <a:noFill/>
+          <a:ln w="12700">
+            <a:solidFill>
+              <a:schemeClr val="tx1"/>
+            </a:solidFill>
+          </a:ln>
+        </p:spPr>
+        <p:style>
+          <a:lnRef idx="2">
+            <a:schemeClr val="accent2"/>
+          </a:lnRef>
+          <a:fillRef idx="1">
+            <a:schemeClr val="lt1"/>
+          </a:fillRef>
+          <a:effectRef idx="0">
+            <a:schemeClr val="accent2"/>
+          </a:effectRef>
+          <a:fontRef idx="minor">
+            <a:schemeClr val="dk1"/>
+          </a:fontRef>
+        </p:style>
+        <p:txBody>
+          <a:bodyPr rtlCol="0" anchor="ctr"/>
+          <a:lstStyle/>
+          <a:p>
+            <a:pPr algn="ctr"/>
+            <a:r>
+              <a:rPr lang="en-US" altLang="ko-KR" sz="1600" dirty="0" err="1" smtClean="0">
+                <a:solidFill>
+                  <a:sysClr val="windowText" lastClr="000000"/>
+                </a:solidFill>
+              </a:rPr>
+              <a:t>regexp_join.jsp</a:t>
+            </a:r>
+            <a:endParaRPr lang="en-US" altLang="ko-KR" sz="1600" dirty="0" smtClean="0">
+              <a:solidFill>
+                <a:sysClr val="windowText" lastClr="000000"/>
+              </a:solidFill>
+            </a:endParaRPr>
+          </a:p>
+        </p:txBody>
+      </p:sp>
     </p:spTree>
     <p:extLst>
       <p:ext uri="{BB962C8B-B14F-4D97-AF65-F5344CB8AC3E}">
-        <p14:creationId xmlns:p14="http://schemas.microsoft.com/office/powerpoint/2010/main" val="2288174332"/>
+        <p14:creationId xmlns:p14="http://schemas.microsoft.com/office/powerpoint/2010/main" val="2900452528"/>
+      </p:ext>
+    </p:extLst>
+  </p:cSld>
+  <p:clrMapOvr>
+    <a:masterClrMapping/>
+  </p:clrMapOvr>
+  <p:timing>
+    <p:tnLst>
+      <p:par>
+        <p:cTn id="1" dur="indefinite" restart="never" nodeType="tmRoot"/>
+      </p:par>
+    </p:tnLst>
+  </p:timing>
+</p:sld>
+</file>
+
+<file path=ppt/slides/slide38.xml><?xml version="1.0" encoding="utf-8"?>
+<p:sld xmlns:a="http://schemas.openxmlformats.org/drawingml/2006/main" xmlns:r="http://schemas.openxmlformats.org/officeDocument/2006/relationships" xmlns:p="http://schemas.openxmlformats.org/presentationml/2006/main">
+  <p:cSld>
+    <p:spTree>
+      <p:nvGrpSpPr>
+        <p:cNvPr id="1" name=""/>
+        <p:cNvGrpSpPr/>
+        <p:nvPr/>
+      </p:nvGrpSpPr>
+      <p:grpSpPr>
+        <a:xfrm>
+          <a:off x="0" y="0"/>
+          <a:ext cx="0" cy="0"/>
+          <a:chOff x="0" y="0"/>
+          <a:chExt cx="0" cy="0"/>
+        </a:xfrm>
+      </p:grpSpPr>
+      <p:sp>
+        <p:nvSpPr>
+          <p:cNvPr id="15" name="제목 5"/>
+          <p:cNvSpPr txBox="1">
+            <a:spLocks/>
+          </p:cNvSpPr>
+          <p:nvPr/>
+        </p:nvSpPr>
+        <p:spPr>
+          <a:xfrm>
+            <a:off x="0" y="-27384"/>
+            <a:ext cx="7995338" cy="854968"/>
+          </a:xfrm>
+          <a:prstGeom prst="rect">
+            <a:avLst/>
+          </a:prstGeom>
+        </p:spPr>
+        <p:txBody>
+          <a:bodyPr anchor="ctr" anchorCtr="0"/>
+          <a:lstStyle>
+            <a:lvl1pPr algn="l" defTabSz="914400" rtl="0" eaLnBrk="1" latinLnBrk="1" hangingPunct="1">
+              <a:spcBef>
+                <a:spcPct val="0"/>
+              </a:spcBef>
+              <a:buNone/>
+              <a:defRPr sz="3200" kern="1200">
+                <a:solidFill>
+                  <a:schemeClr val="bg1"/>
+                </a:solidFill>
+                <a:latin typeface="HY헤드라인M" panose="02030600000101010101" pitchFamily="18" charset="-127"/>
+                <a:ea typeface="HY헤드라인M" panose="02030600000101010101" pitchFamily="18" charset="-127"/>
+                <a:cs typeface="+mj-cs"/>
+              </a:defRPr>
+            </a:lvl1pPr>
+          </a:lstStyle>
+          <a:p>
+            <a:r>
+              <a:rPr lang="en-US" altLang="ko-KR" dirty="0" smtClean="0"/>
+              <a:t> </a:t>
+            </a:r>
+            <a:r>
+              <a:rPr lang="ko-KR" altLang="en-US" dirty="0"/>
+              <a:t> 유효성 검사</a:t>
+            </a:r>
+            <a:r>
+              <a:rPr lang="en-US" altLang="ko-KR" dirty="0"/>
+              <a:t>(validation)</a:t>
+            </a:r>
+            <a:endParaRPr lang="ko-KR" altLang="en-US" dirty="0"/>
+          </a:p>
+        </p:txBody>
+      </p:sp>
+      <p:pic>
+        <p:nvPicPr>
+          <p:cNvPr id="2" name="그림 1"/>
+          <p:cNvPicPr>
+            <a:picLocks noChangeAspect="1"/>
+          </p:cNvPicPr>
+          <p:nvPr/>
+        </p:nvPicPr>
+        <p:blipFill>
+          <a:blip r:embed="rId2">
+            <a:extLst>
+              <a:ext uri="{28A0092B-C50C-407E-A947-70E740481C1C}">
+                <a14:useLocalDpi xmlns:a14="http://schemas.microsoft.com/office/drawing/2010/main" val="0"/>
+              </a:ext>
+            </a:extLst>
+          </a:blip>
+          <a:stretch>
+            <a:fillRect/>
+          </a:stretch>
+        </p:blipFill>
+        <p:spPr>
+          <a:xfrm>
+            <a:off x="1280592" y="1916832"/>
+            <a:ext cx="7267620" cy="2808312"/>
+          </a:xfrm>
+          <a:prstGeom prst="rect">
+            <a:avLst/>
+          </a:prstGeom>
+          <a:ln>
+            <a:solidFill>
+              <a:schemeClr val="bg1">
+                <a:lumMod val="85000"/>
+              </a:schemeClr>
+            </a:solidFill>
+          </a:ln>
+        </p:spPr>
+      </p:pic>
+      <p:sp>
+        <p:nvSpPr>
+          <p:cNvPr id="5" name="모서리가 둥근 직사각형 4">
+            <a:extLst>
+              <a:ext uri="{FF2B5EF4-FFF2-40B4-BE49-F238E27FC236}">
+                <a16:creationId xmlns:a16="http://schemas.microsoft.com/office/drawing/2014/main" id="{792DA8B4-17B2-454B-97AC-17311A4832C5}"/>
+              </a:ext>
+            </a:extLst>
+          </p:cNvPr>
+          <p:cNvSpPr/>
+          <p:nvPr/>
+        </p:nvSpPr>
+        <p:spPr>
+          <a:xfrm>
+            <a:off x="5951612" y="1507911"/>
+            <a:ext cx="2601788" cy="317650"/>
+          </a:xfrm>
+          <a:prstGeom prst="roundRect">
+            <a:avLst/>
+          </a:prstGeom>
+          <a:noFill/>
+          <a:ln w="12700">
+            <a:solidFill>
+              <a:schemeClr val="tx1"/>
+            </a:solidFill>
+          </a:ln>
+        </p:spPr>
+        <p:style>
+          <a:lnRef idx="2">
+            <a:schemeClr val="accent2"/>
+          </a:lnRef>
+          <a:fillRef idx="1">
+            <a:schemeClr val="lt1"/>
+          </a:fillRef>
+          <a:effectRef idx="0">
+            <a:schemeClr val="accent2"/>
+          </a:effectRef>
+          <a:fontRef idx="minor">
+            <a:schemeClr val="dk1"/>
+          </a:fontRef>
+        </p:style>
+        <p:txBody>
+          <a:bodyPr rtlCol="0" anchor="ctr"/>
+          <a:lstStyle/>
+          <a:p>
+            <a:pPr algn="ctr"/>
+            <a:r>
+              <a:rPr lang="en-US" altLang="ko-KR" sz="1600" dirty="0">
+                <a:solidFill>
+                  <a:sysClr val="windowText" lastClr="000000"/>
+                </a:solidFill>
+              </a:rPr>
+              <a:t>v</a:t>
+            </a:r>
+            <a:r>
+              <a:rPr lang="en-US" altLang="ko-KR" sz="1600" dirty="0" smtClean="0">
+                <a:solidFill>
+                  <a:sysClr val="windowText" lastClr="000000"/>
+                </a:solidFill>
+              </a:rPr>
+              <a:t>alidation01_process.jsp</a:t>
+            </a:r>
+          </a:p>
+        </p:txBody>
+      </p:sp>
+    </p:spTree>
+    <p:extLst>
+      <p:ext uri="{BB962C8B-B14F-4D97-AF65-F5344CB8AC3E}">
+        <p14:creationId xmlns:p14="http://schemas.microsoft.com/office/powerpoint/2010/main" val="392243362"/>
+      </p:ext>
+    </p:extLst>
+  </p:cSld>
+  <p:clrMapOvr>
+    <a:masterClrMapping/>
+  </p:clrMapOvr>
+  <p:timing>
+    <p:tnLst>
+      <p:par>
+        <p:cTn id="1" dur="indefinite" restart="never" nodeType="tmRoot"/>
+      </p:par>
+    </p:tnLst>
+  </p:timing>
+</p:sld>
+</file>
+
+<file path=ppt/slides/slide39.xml><?xml version="1.0" encoding="utf-8"?>
+<p:sld xmlns:a="http://schemas.openxmlformats.org/drawingml/2006/main" xmlns:r="http://schemas.openxmlformats.org/officeDocument/2006/relationships" xmlns:p="http://schemas.openxmlformats.org/presentationml/2006/main">
+  <p:cSld>
+    <p:spTree>
+      <p:nvGrpSpPr>
+        <p:cNvPr id="1" name=""/>
+        <p:cNvGrpSpPr/>
+        <p:nvPr/>
+      </p:nvGrpSpPr>
+      <p:grpSpPr>
+        <a:xfrm>
+          <a:off x="0" y="0"/>
+          <a:ext cx="0" cy="0"/>
+          <a:chOff x="0" y="0"/>
+          <a:chExt cx="0" cy="0"/>
+        </a:xfrm>
+      </p:grpSpPr>
+      <p:sp>
+        <p:nvSpPr>
+          <p:cNvPr id="15" name="제목 5"/>
+          <p:cNvSpPr txBox="1">
+            <a:spLocks/>
+          </p:cNvSpPr>
+          <p:nvPr/>
+        </p:nvSpPr>
+        <p:spPr>
+          <a:xfrm>
+            <a:off x="0" y="-27384"/>
+            <a:ext cx="7995338" cy="854968"/>
+          </a:xfrm>
+          <a:prstGeom prst="rect">
+            <a:avLst/>
+          </a:prstGeom>
+        </p:spPr>
+        <p:txBody>
+          <a:bodyPr anchor="ctr" anchorCtr="0"/>
+          <a:lstStyle>
+            <a:lvl1pPr algn="l" defTabSz="914400" rtl="0" eaLnBrk="1" latinLnBrk="1" hangingPunct="1">
+              <a:spcBef>
+                <a:spcPct val="0"/>
+              </a:spcBef>
+              <a:buNone/>
+              <a:defRPr sz="3200" kern="1200">
+                <a:solidFill>
+                  <a:schemeClr val="bg1"/>
+                </a:solidFill>
+                <a:latin typeface="HY헤드라인M" panose="02030600000101010101" pitchFamily="18" charset="-127"/>
+                <a:ea typeface="HY헤드라인M" panose="02030600000101010101" pitchFamily="18" charset="-127"/>
+                <a:cs typeface="+mj-cs"/>
+              </a:defRPr>
+            </a:lvl1pPr>
+          </a:lstStyle>
+          <a:p>
+            <a:r>
+              <a:rPr lang="en-US" altLang="ko-KR" dirty="0" smtClean="0"/>
+              <a:t> </a:t>
+            </a:r>
+            <a:r>
+              <a:rPr lang="ko-KR" altLang="en-US" dirty="0"/>
+              <a:t> 유효성 검사</a:t>
+            </a:r>
+            <a:r>
+              <a:rPr lang="en-US" altLang="ko-KR" dirty="0"/>
+              <a:t>(validation)</a:t>
+            </a:r>
+            <a:endParaRPr lang="ko-KR" altLang="en-US" dirty="0"/>
+          </a:p>
+        </p:txBody>
+      </p:sp>
+      <p:sp>
+        <p:nvSpPr>
+          <p:cNvPr id="5" name="TextBox 4"/>
+          <p:cNvSpPr txBox="1"/>
+          <p:nvPr/>
+        </p:nvSpPr>
+        <p:spPr>
+          <a:xfrm>
+            <a:off x="848544" y="1134306"/>
+            <a:ext cx="8496944" cy="454292"/>
+          </a:xfrm>
+          <a:prstGeom prst="rect">
+            <a:avLst/>
+          </a:prstGeom>
+          <a:noFill/>
+        </p:spPr>
+        <p:txBody>
+          <a:bodyPr wrap="square" rtlCol="0">
+            <a:spAutoFit/>
+          </a:bodyPr>
+          <a:lstStyle/>
+          <a:p>
+            <a:pPr>
+              <a:lnSpc>
+                <a:spcPct val="150000"/>
+              </a:lnSpc>
+            </a:pPr>
+            <a:r>
+              <a:rPr lang="ko-KR" altLang="en-US" b="1" dirty="0" smtClean="0"/>
+              <a:t>비밀번호 숫자와 영문자의 조합으로 입력하기</a:t>
+            </a:r>
+            <a:endParaRPr lang="en-US" altLang="ko-KR" b="1" dirty="0" smtClean="0">
+              <a:solidFill>
+                <a:srgbClr val="C00000"/>
+              </a:solidFill>
+            </a:endParaRPr>
+          </a:p>
+        </p:txBody>
+      </p:sp>
+      <p:pic>
+        <p:nvPicPr>
+          <p:cNvPr id="2" name="그림 1"/>
+          <p:cNvPicPr>
+            <a:picLocks noChangeAspect="1"/>
+          </p:cNvPicPr>
+          <p:nvPr/>
+        </p:nvPicPr>
+        <p:blipFill>
+          <a:blip r:embed="rId2">
+            <a:extLst>
+              <a:ext uri="{28A0092B-C50C-407E-A947-70E740481C1C}">
+                <a14:useLocalDpi xmlns:a14="http://schemas.microsoft.com/office/drawing/2010/main" val="0"/>
+              </a:ext>
+            </a:extLst>
+          </a:blip>
+          <a:stretch>
+            <a:fillRect/>
+          </a:stretch>
+        </p:blipFill>
+        <p:spPr>
+          <a:xfrm>
+            <a:off x="1202634" y="1772816"/>
+            <a:ext cx="7186283" cy="2629128"/>
+          </a:xfrm>
+          <a:prstGeom prst="rect">
+            <a:avLst/>
+          </a:prstGeom>
+          <a:ln>
+            <a:solidFill>
+              <a:schemeClr val="bg1">
+                <a:lumMod val="85000"/>
+              </a:schemeClr>
+            </a:solidFill>
+          </a:ln>
+        </p:spPr>
+      </p:pic>
+    </p:spTree>
+    <p:extLst>
+      <p:ext uri="{BB962C8B-B14F-4D97-AF65-F5344CB8AC3E}">
+        <p14:creationId xmlns:p14="http://schemas.microsoft.com/office/powerpoint/2010/main" val="2287158929"/>
       </p:ext>
     </p:extLst>
   </p:cSld>
@@ -14388,7 +14905,7 @@
         <p:spPr>
           <a:xfrm>
             <a:off x="776536" y="980728"/>
-            <a:ext cx="8496944" cy="553998"/>
+            <a:ext cx="8496944" cy="494494"/>
           </a:xfrm>
           <a:prstGeom prst="rect">
             <a:avLst/>
@@ -14401,10 +14918,12 @@
           </a:bodyPr>
           <a:lstStyle/>
           <a:p>
-            <a:pPr>
+            <a:pPr marL="342900" indent="-342900">
               <a:lnSpc>
                 <a:spcPct val="150000"/>
               </a:lnSpc>
+              <a:buFont typeface="Wingdings" panose="05000000000000000000" pitchFamily="2" charset="2"/>
+              <a:buChar char="§"/>
             </a:pPr>
             <a:r>
               <a:rPr lang="ko-KR" altLang="en-US" sz="2000" b="1" dirty="0" smtClean="0"/>
@@ -14423,7 +14942,7 @@
           <p:cNvPr id="8" name="모서리가 둥근 직사각형 7">
             <a:extLst>
               <a:ext uri="{FF2B5EF4-FFF2-40B4-BE49-F238E27FC236}">
-                <a16:creationId xmlns:a16="http://schemas.microsoft.com/office/drawing/2014/main" xmlns="" id="{792DA8B4-17B2-454B-97AC-17311A4832C5}"/>
+                <a16:creationId xmlns:a16="http://schemas.microsoft.com/office/drawing/2014/main" id="{792DA8B4-17B2-454B-97AC-17311A4832C5}"/>
               </a:ext>
             </a:extLst>
           </p:cNvPr>
@@ -14432,7 +14951,7 @@
         </p:nvSpPr>
         <p:spPr>
           <a:xfrm>
-            <a:off x="6049770" y="2420888"/>
+            <a:off x="5311080" y="4131565"/>
             <a:ext cx="1944216" cy="317650"/>
           </a:xfrm>
           <a:prstGeom prst="roundRect">
@@ -14482,7 +15001,7 @@
       </p:sp>
       <p:pic>
         <p:nvPicPr>
-          <p:cNvPr id="9" name="그림 8"/>
+          <p:cNvPr id="3" name="그림 2"/>
           <p:cNvPicPr>
             <a:picLocks noChangeAspect="1"/>
           </p:cNvPicPr>
@@ -14502,8 +15021,681 @@
         </p:blipFill>
         <p:spPr>
           <a:xfrm>
-            <a:off x="1424608" y="1852912"/>
-            <a:ext cx="3012202" cy="2008136"/>
+            <a:off x="3800872" y="4653136"/>
+            <a:ext cx="3456384" cy="1591872"/>
+          </a:xfrm>
+          <a:prstGeom prst="rect">
+            <a:avLst/>
+          </a:prstGeom>
+          <a:ln>
+            <a:solidFill>
+              <a:schemeClr val="bg1">
+                <a:lumMod val="85000"/>
+              </a:schemeClr>
+            </a:solidFill>
+          </a:ln>
+        </p:spPr>
+      </p:pic>
+      <p:pic>
+        <p:nvPicPr>
+          <p:cNvPr id="10" name="그림 9"/>
+          <p:cNvPicPr>
+            <a:picLocks noChangeAspect="1"/>
+          </p:cNvPicPr>
+          <p:nvPr/>
+        </p:nvPicPr>
+        <p:blipFill>
+          <a:blip r:embed="rId3">
+            <a:extLst>
+              <a:ext uri="{28A0092B-C50C-407E-A947-70E740481C1C}">
+                <a14:useLocalDpi xmlns:a14="http://schemas.microsoft.com/office/drawing/2010/main" val="0"/>
+              </a:ext>
+            </a:extLst>
+          </a:blip>
+          <a:stretch>
+            <a:fillRect/>
+          </a:stretch>
+        </p:blipFill>
+        <p:spPr>
+          <a:xfrm>
+            <a:off x="1136576" y="1868881"/>
+            <a:ext cx="7041843" cy="1928528"/>
+          </a:xfrm>
+          <a:prstGeom prst="rect">
+            <a:avLst/>
+          </a:prstGeom>
+          <a:ln>
+            <a:solidFill>
+              <a:schemeClr val="bg1">
+                <a:lumMod val="85000"/>
+              </a:schemeClr>
+            </a:solidFill>
+          </a:ln>
+        </p:spPr>
+      </p:pic>
+    </p:spTree>
+    <p:extLst>
+      <p:ext uri="{BB962C8B-B14F-4D97-AF65-F5344CB8AC3E}">
+        <p14:creationId xmlns:p14="http://schemas.microsoft.com/office/powerpoint/2010/main" val="689978449"/>
+      </p:ext>
+    </p:extLst>
+  </p:cSld>
+  <p:clrMapOvr>
+    <a:masterClrMapping/>
+  </p:clrMapOvr>
+  <p:timing>
+    <p:tnLst>
+      <p:par>
+        <p:cTn id="1" dur="indefinite" restart="never" nodeType="tmRoot"/>
+      </p:par>
+    </p:tnLst>
+  </p:timing>
+</p:sld>
+</file>
+
+<file path=ppt/slides/slide40.xml><?xml version="1.0" encoding="utf-8"?>
+<p:sld xmlns:a="http://schemas.openxmlformats.org/drawingml/2006/main" xmlns:r="http://schemas.openxmlformats.org/officeDocument/2006/relationships" xmlns:p="http://schemas.openxmlformats.org/presentationml/2006/main">
+  <p:cSld>
+    <p:spTree>
+      <p:nvGrpSpPr>
+        <p:cNvPr id="1" name=""/>
+        <p:cNvGrpSpPr/>
+        <p:nvPr/>
+      </p:nvGrpSpPr>
+      <p:grpSpPr>
+        <a:xfrm>
+          <a:off x="0" y="0"/>
+          <a:ext cx="0" cy="0"/>
+          <a:chOff x="0" y="0"/>
+          <a:chExt cx="0" cy="0"/>
+        </a:xfrm>
+      </p:grpSpPr>
+      <p:sp>
+        <p:nvSpPr>
+          <p:cNvPr id="15" name="제목 5"/>
+          <p:cNvSpPr txBox="1">
+            <a:spLocks/>
+          </p:cNvSpPr>
+          <p:nvPr/>
+        </p:nvSpPr>
+        <p:spPr>
+          <a:xfrm>
+            <a:off x="0" y="-27384"/>
+            <a:ext cx="7995338" cy="854968"/>
+          </a:xfrm>
+          <a:prstGeom prst="rect">
+            <a:avLst/>
+          </a:prstGeom>
+        </p:spPr>
+        <p:txBody>
+          <a:bodyPr anchor="ctr" anchorCtr="0"/>
+          <a:lstStyle>
+            <a:lvl1pPr algn="l" defTabSz="914400" rtl="0" eaLnBrk="1" latinLnBrk="1" hangingPunct="1">
+              <a:spcBef>
+                <a:spcPct val="0"/>
+              </a:spcBef>
+              <a:buNone/>
+              <a:defRPr sz="3200" kern="1200">
+                <a:solidFill>
+                  <a:schemeClr val="bg1"/>
+                </a:solidFill>
+                <a:latin typeface="HY헤드라인M" panose="02030600000101010101" pitchFamily="18" charset="-127"/>
+                <a:ea typeface="HY헤드라인M" panose="02030600000101010101" pitchFamily="18" charset="-127"/>
+                <a:cs typeface="+mj-cs"/>
+              </a:defRPr>
+            </a:lvl1pPr>
+          </a:lstStyle>
+          <a:p>
+            <a:r>
+              <a:rPr lang="en-US" altLang="ko-KR" dirty="0" smtClean="0"/>
+              <a:t> </a:t>
+            </a:r>
+            <a:r>
+              <a:rPr lang="ko-KR" altLang="en-US" dirty="0"/>
+              <a:t> 유효성 검사</a:t>
+            </a:r>
+            <a:r>
+              <a:rPr lang="en-US" altLang="ko-KR" dirty="0"/>
+              <a:t>(validation)</a:t>
+            </a:r>
+            <a:endParaRPr lang="ko-KR" altLang="en-US" dirty="0"/>
+          </a:p>
+        </p:txBody>
+      </p:sp>
+      <p:pic>
+        <p:nvPicPr>
+          <p:cNvPr id="3" name="그림 2"/>
+          <p:cNvPicPr>
+            <a:picLocks noChangeAspect="1"/>
+          </p:cNvPicPr>
+          <p:nvPr/>
+        </p:nvPicPr>
+        <p:blipFill>
+          <a:blip r:embed="rId2">
+            <a:extLst>
+              <a:ext uri="{28A0092B-C50C-407E-A947-70E740481C1C}">
+                <a14:useLocalDpi xmlns:a14="http://schemas.microsoft.com/office/drawing/2010/main" val="0"/>
+              </a:ext>
+            </a:extLst>
+          </a:blip>
+          <a:stretch>
+            <a:fillRect/>
+          </a:stretch>
+        </p:blipFill>
+        <p:spPr>
+          <a:xfrm>
+            <a:off x="1712640" y="1052736"/>
+            <a:ext cx="5797393" cy="5397080"/>
+          </a:xfrm>
+          <a:prstGeom prst="rect">
+            <a:avLst/>
+          </a:prstGeom>
+          <a:ln>
+            <a:solidFill>
+              <a:schemeClr val="bg1">
+                <a:lumMod val="85000"/>
+              </a:schemeClr>
+            </a:solidFill>
+          </a:ln>
+        </p:spPr>
+      </p:pic>
+    </p:spTree>
+    <p:extLst>
+      <p:ext uri="{BB962C8B-B14F-4D97-AF65-F5344CB8AC3E}">
+        <p14:creationId xmlns:p14="http://schemas.microsoft.com/office/powerpoint/2010/main" val="2288174332"/>
+      </p:ext>
+    </p:extLst>
+  </p:cSld>
+  <p:clrMapOvr>
+    <a:masterClrMapping/>
+  </p:clrMapOvr>
+  <p:timing>
+    <p:tnLst>
+      <p:par>
+        <p:cTn id="1" dur="indefinite" restart="never" nodeType="tmRoot"/>
+      </p:par>
+    </p:tnLst>
+  </p:timing>
+</p:sld>
+</file>
+
+<file path=ppt/slides/slide5.xml><?xml version="1.0" encoding="utf-8"?>
+<p:sld xmlns:a="http://schemas.openxmlformats.org/drawingml/2006/main" xmlns:r="http://schemas.openxmlformats.org/officeDocument/2006/relationships" xmlns:p="http://schemas.openxmlformats.org/presentationml/2006/main">
+  <p:cSld>
+    <p:spTree>
+      <p:nvGrpSpPr>
+        <p:cNvPr id="1" name=""/>
+        <p:cNvGrpSpPr/>
+        <p:nvPr/>
+      </p:nvGrpSpPr>
+      <p:grpSpPr>
+        <a:xfrm>
+          <a:off x="0" y="0"/>
+          <a:ext cx="0" cy="0"/>
+          <a:chOff x="0" y="0"/>
+          <a:chExt cx="0" cy="0"/>
+        </a:xfrm>
+      </p:grpSpPr>
+      <p:sp>
+        <p:nvSpPr>
+          <p:cNvPr id="15" name="제목 5"/>
+          <p:cNvSpPr txBox="1">
+            <a:spLocks/>
+          </p:cNvSpPr>
+          <p:nvPr/>
+        </p:nvSpPr>
+        <p:spPr>
+          <a:xfrm>
+            <a:off x="0" y="-27384"/>
+            <a:ext cx="7995338" cy="854968"/>
+          </a:xfrm>
+          <a:prstGeom prst="rect">
+            <a:avLst/>
+          </a:prstGeom>
+        </p:spPr>
+        <p:txBody>
+          <a:bodyPr anchor="ctr" anchorCtr="0"/>
+          <a:lstStyle>
+            <a:lvl1pPr algn="l" defTabSz="914400" rtl="0" eaLnBrk="1" latinLnBrk="1" hangingPunct="1">
+              <a:spcBef>
+                <a:spcPct val="0"/>
+              </a:spcBef>
+              <a:buNone/>
+              <a:defRPr sz="3200" kern="1200">
+                <a:solidFill>
+                  <a:schemeClr val="bg1"/>
+                </a:solidFill>
+                <a:latin typeface="HY헤드라인M" panose="02030600000101010101" pitchFamily="18" charset="-127"/>
+                <a:ea typeface="HY헤드라인M" panose="02030600000101010101" pitchFamily="18" charset="-127"/>
+                <a:cs typeface="+mj-cs"/>
+              </a:defRPr>
+            </a:lvl1pPr>
+          </a:lstStyle>
+          <a:p>
+            <a:r>
+              <a:rPr lang="en-US" altLang="ko-KR" dirty="0" smtClean="0"/>
+              <a:t> </a:t>
+            </a:r>
+            <a:r>
+              <a:rPr lang="ko-KR" altLang="en-US" dirty="0"/>
+              <a:t> 유효성 검사</a:t>
+            </a:r>
+            <a:r>
+              <a:rPr lang="en-US" altLang="ko-KR" dirty="0"/>
+              <a:t>(validation)</a:t>
+            </a:r>
+            <a:endParaRPr lang="ko-KR" altLang="en-US" dirty="0"/>
+          </a:p>
+        </p:txBody>
+      </p:sp>
+      <p:pic>
+        <p:nvPicPr>
+          <p:cNvPr id="2" name="그림 1"/>
+          <p:cNvPicPr>
+            <a:picLocks noChangeAspect="1"/>
+          </p:cNvPicPr>
+          <p:nvPr/>
+        </p:nvPicPr>
+        <p:blipFill>
+          <a:blip r:embed="rId2">
+            <a:extLst>
+              <a:ext uri="{28A0092B-C50C-407E-A947-70E740481C1C}">
+                <a14:useLocalDpi xmlns:a14="http://schemas.microsoft.com/office/drawing/2010/main" val="0"/>
+              </a:ext>
+            </a:extLst>
+          </a:blip>
+          <a:stretch>
+            <a:fillRect/>
+          </a:stretch>
+        </p:blipFill>
+        <p:spPr>
+          <a:xfrm>
+            <a:off x="1424608" y="1713795"/>
+            <a:ext cx="6873836" cy="2636749"/>
+          </a:xfrm>
+          <a:prstGeom prst="rect">
+            <a:avLst/>
+          </a:prstGeom>
+          <a:ln>
+            <a:solidFill>
+              <a:schemeClr val="bg1">
+                <a:lumMod val="85000"/>
+              </a:schemeClr>
+            </a:solidFill>
+          </a:ln>
+        </p:spPr>
+      </p:pic>
+      <p:sp>
+        <p:nvSpPr>
+          <p:cNvPr id="8" name="모서리가 둥근 직사각형 7">
+            <a:extLst>
+              <a:ext uri="{FF2B5EF4-FFF2-40B4-BE49-F238E27FC236}">
+                <a16:creationId xmlns:a16="http://schemas.microsoft.com/office/drawing/2014/main" id="{792DA8B4-17B2-454B-97AC-17311A4832C5}"/>
+              </a:ext>
+            </a:extLst>
+          </p:cNvPr>
+          <p:cNvSpPr/>
+          <p:nvPr/>
+        </p:nvSpPr>
+        <p:spPr>
+          <a:xfrm>
+            <a:off x="6314121" y="1268760"/>
+            <a:ext cx="1944216" cy="317650"/>
+          </a:xfrm>
+          <a:prstGeom prst="roundRect">
+            <a:avLst/>
+          </a:prstGeom>
+          <a:noFill/>
+          <a:ln w="12700">
+            <a:solidFill>
+              <a:schemeClr val="tx1"/>
+            </a:solidFill>
+          </a:ln>
+        </p:spPr>
+        <p:style>
+          <a:lnRef idx="2">
+            <a:schemeClr val="accent2"/>
+          </a:lnRef>
+          <a:fillRef idx="1">
+            <a:schemeClr val="lt1"/>
+          </a:fillRef>
+          <a:effectRef idx="0">
+            <a:schemeClr val="accent2"/>
+          </a:effectRef>
+          <a:fontRef idx="minor">
+            <a:schemeClr val="dk1"/>
+          </a:fontRef>
+        </p:style>
+        <p:txBody>
+          <a:bodyPr rtlCol="0" anchor="ctr"/>
+          <a:lstStyle/>
+          <a:p>
+            <a:pPr algn="ctr"/>
+            <a:r>
+              <a:rPr lang="en-US" altLang="ko-KR" sz="1600" dirty="0" smtClean="0">
+                <a:solidFill>
+                  <a:sysClr val="windowText" lastClr="000000"/>
+                </a:solidFill>
+              </a:rPr>
+              <a:t>loginProcess2.jsp</a:t>
+            </a:r>
+          </a:p>
+        </p:txBody>
+      </p:sp>
+    </p:spTree>
+    <p:extLst>
+      <p:ext uri="{BB962C8B-B14F-4D97-AF65-F5344CB8AC3E}">
+        <p14:creationId xmlns:p14="http://schemas.microsoft.com/office/powerpoint/2010/main" val="980626861"/>
+      </p:ext>
+    </p:extLst>
+  </p:cSld>
+  <p:clrMapOvr>
+    <a:masterClrMapping/>
+  </p:clrMapOvr>
+  <p:timing>
+    <p:tnLst>
+      <p:par>
+        <p:cTn id="1" dur="indefinite" restart="never" nodeType="tmRoot"/>
+      </p:par>
+    </p:tnLst>
+  </p:timing>
+</p:sld>
+</file>
+
+<file path=ppt/slides/slide6.xml><?xml version="1.0" encoding="utf-8"?>
+<p:sld xmlns:a="http://schemas.openxmlformats.org/drawingml/2006/main" xmlns:r="http://schemas.openxmlformats.org/officeDocument/2006/relationships" xmlns:p="http://schemas.openxmlformats.org/presentationml/2006/main">
+  <p:cSld>
+    <p:spTree>
+      <p:nvGrpSpPr>
+        <p:cNvPr id="1" name=""/>
+        <p:cNvGrpSpPr/>
+        <p:nvPr/>
+      </p:nvGrpSpPr>
+      <p:grpSpPr>
+        <a:xfrm>
+          <a:off x="0" y="0"/>
+          <a:ext cx="0" cy="0"/>
+          <a:chOff x="0" y="0"/>
+          <a:chExt cx="0" cy="0"/>
+        </a:xfrm>
+      </p:grpSpPr>
+      <p:sp>
+        <p:nvSpPr>
+          <p:cNvPr id="15" name="제목 5"/>
+          <p:cNvSpPr txBox="1">
+            <a:spLocks/>
+          </p:cNvSpPr>
+          <p:nvPr/>
+        </p:nvSpPr>
+        <p:spPr>
+          <a:xfrm>
+            <a:off x="0" y="-27384"/>
+            <a:ext cx="7995338" cy="854968"/>
+          </a:xfrm>
+          <a:prstGeom prst="rect">
+            <a:avLst/>
+          </a:prstGeom>
+        </p:spPr>
+        <p:txBody>
+          <a:bodyPr anchor="ctr" anchorCtr="0"/>
+          <a:lstStyle>
+            <a:lvl1pPr algn="l" defTabSz="914400" rtl="0" eaLnBrk="1" latinLnBrk="1" hangingPunct="1">
+              <a:spcBef>
+                <a:spcPct val="0"/>
+              </a:spcBef>
+              <a:buNone/>
+              <a:defRPr sz="3200" kern="1200">
+                <a:solidFill>
+                  <a:schemeClr val="bg1"/>
+                </a:solidFill>
+                <a:latin typeface="HY헤드라인M" panose="02030600000101010101" pitchFamily="18" charset="-127"/>
+                <a:ea typeface="HY헤드라인M" panose="02030600000101010101" pitchFamily="18" charset="-127"/>
+                <a:cs typeface="+mj-cs"/>
+              </a:defRPr>
+            </a:lvl1pPr>
+          </a:lstStyle>
+          <a:p>
+            <a:r>
+              <a:rPr lang="en-US" altLang="ko-KR" dirty="0" smtClean="0"/>
+              <a:t> </a:t>
+            </a:r>
+            <a:r>
+              <a:rPr lang="ko-KR" altLang="en-US" dirty="0"/>
+              <a:t> 유효성 검사</a:t>
+            </a:r>
+            <a:r>
+              <a:rPr lang="en-US" altLang="ko-KR" dirty="0"/>
+              <a:t>(validation)</a:t>
+            </a:r>
+            <a:endParaRPr lang="ko-KR" altLang="en-US" dirty="0"/>
+          </a:p>
+        </p:txBody>
+      </p:sp>
+      <p:sp>
+        <p:nvSpPr>
+          <p:cNvPr id="5" name="TextBox 4"/>
+          <p:cNvSpPr txBox="1"/>
+          <p:nvPr/>
+        </p:nvSpPr>
+        <p:spPr>
+          <a:xfrm>
+            <a:off x="776536" y="1113219"/>
+            <a:ext cx="8496944" cy="494494"/>
+          </a:xfrm>
+          <a:prstGeom prst="rect">
+            <a:avLst/>
+          </a:prstGeom>
+          <a:noFill/>
+        </p:spPr>
+        <p:txBody>
+          <a:bodyPr wrap="square" rtlCol="0">
+            <a:spAutoFit/>
+          </a:bodyPr>
+          <a:lstStyle/>
+          <a:p>
+            <a:pPr marL="342900" indent="-342900">
+              <a:lnSpc>
+                <a:spcPct val="150000"/>
+              </a:lnSpc>
+              <a:buFont typeface="Wingdings" panose="05000000000000000000" pitchFamily="2" charset="2"/>
+              <a:buChar char="§"/>
+            </a:pPr>
+            <a:r>
+              <a:rPr lang="ko-KR" altLang="en-US" sz="2000" b="1" dirty="0" smtClean="0"/>
+              <a:t>폼 페이지에 입력한 데이터 값의 유</a:t>
+            </a:r>
+            <a:r>
+              <a:rPr lang="en-US" altLang="ko-KR" sz="2000" b="1" dirty="0" smtClean="0"/>
+              <a:t>/</a:t>
+            </a:r>
+            <a:r>
+              <a:rPr lang="ko-KR" altLang="en-US" sz="2000" b="1" dirty="0" smtClean="0"/>
+              <a:t>무 검사하기 </a:t>
+            </a:r>
+            <a:r>
+              <a:rPr lang="en-US" altLang="ko-KR" sz="2000" b="1" dirty="0" smtClean="0"/>
+              <a:t>– </a:t>
+            </a:r>
+            <a:r>
+              <a:rPr lang="en-US" altLang="ko-KR" sz="2000" b="1" dirty="0" smtClean="0">
+                <a:solidFill>
+                  <a:srgbClr val="C00000"/>
+                </a:solidFill>
+              </a:rPr>
+              <a:t>[</a:t>
+            </a:r>
+            <a:r>
+              <a:rPr lang="ko-KR" altLang="en-US" sz="2000" b="1" dirty="0" smtClean="0">
+                <a:solidFill>
+                  <a:srgbClr val="C00000"/>
+                </a:solidFill>
+              </a:rPr>
+              <a:t>기본 유효성 검사</a:t>
+            </a:r>
+            <a:r>
+              <a:rPr lang="en-US" altLang="ko-KR" sz="2000" b="1" dirty="0" smtClean="0">
+                <a:solidFill>
+                  <a:srgbClr val="C00000"/>
+                </a:solidFill>
+              </a:rPr>
+              <a:t>]</a:t>
+            </a:r>
+          </a:p>
+        </p:txBody>
+      </p:sp>
+      <p:sp>
+        <p:nvSpPr>
+          <p:cNvPr id="8" name="TextBox 7"/>
+          <p:cNvSpPr txBox="1"/>
+          <p:nvPr/>
+        </p:nvSpPr>
+        <p:spPr>
+          <a:xfrm>
+            <a:off x="799525" y="1735579"/>
+            <a:ext cx="5616624" cy="494494"/>
+          </a:xfrm>
+          <a:prstGeom prst="rect">
+            <a:avLst/>
+          </a:prstGeom>
+          <a:noFill/>
+        </p:spPr>
+        <p:txBody>
+          <a:bodyPr wrap="square" rtlCol="0">
+            <a:spAutoFit/>
+          </a:bodyPr>
+          <a:lstStyle/>
+          <a:p>
+            <a:pPr marL="342900" indent="-342900">
+              <a:lnSpc>
+                <a:spcPct val="150000"/>
+              </a:lnSpc>
+              <a:buFont typeface="Wingdings" panose="05000000000000000000" pitchFamily="2" charset="2"/>
+              <a:buChar char="§"/>
+            </a:pPr>
+            <a:r>
+              <a:rPr lang="ko-KR" altLang="en-US" sz="2000" b="1" dirty="0" smtClean="0"/>
+              <a:t>폼 페이지에 입력한 데이터 길이 확인하기</a:t>
+            </a:r>
+            <a:endParaRPr lang="en-US" altLang="ko-KR" sz="2000" b="1" dirty="0" smtClean="0"/>
+          </a:p>
+        </p:txBody>
+      </p:sp>
+      <p:sp>
+        <p:nvSpPr>
+          <p:cNvPr id="10" name="TextBox 9"/>
+          <p:cNvSpPr txBox="1"/>
+          <p:nvPr/>
+        </p:nvSpPr>
+        <p:spPr>
+          <a:xfrm>
+            <a:off x="1280592" y="2348880"/>
+            <a:ext cx="5587324" cy="408623"/>
+          </a:xfrm>
+          <a:prstGeom prst="roundRect">
+            <a:avLst/>
+          </a:prstGeom>
+          <a:ln w="12700"/>
+        </p:spPr>
+        <p:style>
+          <a:lnRef idx="2">
+            <a:schemeClr val="dk1"/>
+          </a:lnRef>
+          <a:fillRef idx="1">
+            <a:schemeClr val="lt1"/>
+          </a:fillRef>
+          <a:effectRef idx="0">
+            <a:schemeClr val="dk1"/>
+          </a:effectRef>
+          <a:fontRef idx="minor">
+            <a:schemeClr val="dk1"/>
+          </a:fontRef>
+        </p:style>
+        <p:txBody>
+          <a:bodyPr wrap="square" rtlCol="0">
+            <a:spAutoFit/>
+          </a:bodyPr>
+          <a:lstStyle/>
+          <a:p>
+            <a:r>
+              <a:rPr lang="en-US" altLang="ko-KR" b="1" dirty="0" smtClean="0">
+                <a:solidFill>
+                  <a:srgbClr val="C00000"/>
+                </a:solidFill>
+              </a:rPr>
+              <a:t>document.</a:t>
+            </a:r>
+            <a:r>
+              <a:rPr lang="ko-KR" altLang="en-US" b="1" dirty="0" smtClean="0">
+                <a:solidFill>
+                  <a:srgbClr val="C00000"/>
+                </a:solidFill>
+              </a:rPr>
+              <a:t>폼 이름</a:t>
+            </a:r>
+            <a:r>
+              <a:rPr lang="en-US" altLang="ko-KR" b="1" dirty="0" smtClean="0">
+                <a:solidFill>
+                  <a:srgbClr val="C00000"/>
+                </a:solidFill>
+              </a:rPr>
+              <a:t>.</a:t>
+            </a:r>
+            <a:r>
+              <a:rPr lang="ko-KR" altLang="en-US" b="1" dirty="0" smtClean="0">
+                <a:solidFill>
+                  <a:srgbClr val="C00000"/>
+                </a:solidFill>
+              </a:rPr>
+              <a:t>입력양식 이름</a:t>
+            </a:r>
+            <a:r>
+              <a:rPr lang="en-US" altLang="ko-KR" b="1" dirty="0" smtClean="0">
+                <a:solidFill>
+                  <a:srgbClr val="C00000"/>
+                </a:solidFill>
+              </a:rPr>
+              <a:t>.</a:t>
+            </a:r>
+            <a:r>
+              <a:rPr lang="en-US" altLang="ko-KR" b="1" dirty="0" err="1" smtClean="0">
+                <a:solidFill>
+                  <a:srgbClr val="C00000"/>
+                </a:solidFill>
+              </a:rPr>
+              <a:t>value.length</a:t>
+            </a:r>
+            <a:endParaRPr lang="en-US" altLang="ko-KR" b="1" dirty="0">
+              <a:solidFill>
+                <a:srgbClr val="C00000"/>
+              </a:solidFill>
+            </a:endParaRPr>
+          </a:p>
+        </p:txBody>
+      </p:sp>
+      <p:pic>
+        <p:nvPicPr>
+          <p:cNvPr id="2" name="그림 1"/>
+          <p:cNvPicPr>
+            <a:picLocks noChangeAspect="1"/>
+          </p:cNvPicPr>
+          <p:nvPr/>
+        </p:nvPicPr>
+        <p:blipFill>
+          <a:blip r:embed="rId2">
+            <a:extLst>
+              <a:ext uri="{28A0092B-C50C-407E-A947-70E740481C1C}">
+                <a14:useLocalDpi xmlns:a14="http://schemas.microsoft.com/office/drawing/2010/main" val="0"/>
+              </a:ext>
+            </a:extLst>
+          </a:blip>
+          <a:stretch>
+            <a:fillRect/>
+          </a:stretch>
+        </p:blipFill>
+        <p:spPr>
+          <a:xfrm>
+            <a:off x="1784648" y="3044604"/>
+            <a:ext cx="5083268" cy="1392508"/>
           </a:xfrm>
           <a:prstGeom prst="rect">
             <a:avLst/>
@@ -14539,8 +15731,8 @@
         </p:blipFill>
         <p:spPr>
           <a:xfrm>
-            <a:off x="5025008" y="3020642"/>
-            <a:ext cx="2994920" cy="1379340"/>
+            <a:off x="1775589" y="4680849"/>
+            <a:ext cx="5841708" cy="1628471"/>
           </a:xfrm>
           <a:prstGeom prst="rect">
             <a:avLst/>
@@ -14557,7 +15749,7 @@
     </p:spTree>
     <p:extLst>
       <p:ext uri="{BB962C8B-B14F-4D97-AF65-F5344CB8AC3E}">
-        <p14:creationId xmlns:p14="http://schemas.microsoft.com/office/powerpoint/2010/main" val="689978449"/>
+        <p14:creationId xmlns:p14="http://schemas.microsoft.com/office/powerpoint/2010/main" val="4138455006"/>
       </p:ext>
     </p:extLst>
   </p:cSld>
@@ -14574,7 +15766,190 @@
 </p:sld>
 </file>
 
-<file path=ppt/slides/slide5.xml><?xml version="1.0" encoding="utf-8"?>
+<file path=ppt/slides/slide7.xml><?xml version="1.0" encoding="utf-8"?>
+<p:sld xmlns:a="http://schemas.openxmlformats.org/drawingml/2006/main" xmlns:r="http://schemas.openxmlformats.org/officeDocument/2006/relationships" xmlns:p="http://schemas.openxmlformats.org/presentationml/2006/main">
+  <p:cSld>
+    <p:spTree>
+      <p:nvGrpSpPr>
+        <p:cNvPr id="1" name=""/>
+        <p:cNvGrpSpPr/>
+        <p:nvPr/>
+      </p:nvGrpSpPr>
+      <p:grpSpPr>
+        <a:xfrm>
+          <a:off x="0" y="0"/>
+          <a:ext cx="0" cy="0"/>
+          <a:chOff x="0" y="0"/>
+          <a:chExt cx="0" cy="0"/>
+        </a:xfrm>
+      </p:grpSpPr>
+      <p:sp>
+        <p:nvSpPr>
+          <p:cNvPr id="15" name="제목 5"/>
+          <p:cNvSpPr txBox="1">
+            <a:spLocks/>
+          </p:cNvSpPr>
+          <p:nvPr/>
+        </p:nvSpPr>
+        <p:spPr>
+          <a:xfrm>
+            <a:off x="0" y="-27384"/>
+            <a:ext cx="7995338" cy="854968"/>
+          </a:xfrm>
+          <a:prstGeom prst="rect">
+            <a:avLst/>
+          </a:prstGeom>
+        </p:spPr>
+        <p:txBody>
+          <a:bodyPr anchor="ctr" anchorCtr="0"/>
+          <a:lstStyle>
+            <a:lvl1pPr algn="l" defTabSz="914400" rtl="0" eaLnBrk="1" latinLnBrk="1" hangingPunct="1">
+              <a:spcBef>
+                <a:spcPct val="0"/>
+              </a:spcBef>
+              <a:buNone/>
+              <a:defRPr sz="3200" kern="1200">
+                <a:solidFill>
+                  <a:schemeClr val="bg1"/>
+                </a:solidFill>
+                <a:latin typeface="HY헤드라인M" panose="02030600000101010101" pitchFamily="18" charset="-127"/>
+                <a:ea typeface="HY헤드라인M" panose="02030600000101010101" pitchFamily="18" charset="-127"/>
+                <a:cs typeface="+mj-cs"/>
+              </a:defRPr>
+            </a:lvl1pPr>
+          </a:lstStyle>
+          <a:p>
+            <a:r>
+              <a:rPr lang="en-US" altLang="ko-KR" dirty="0" smtClean="0"/>
+              <a:t> </a:t>
+            </a:r>
+            <a:r>
+              <a:rPr lang="ko-KR" altLang="en-US" dirty="0"/>
+              <a:t> 유효성 검사</a:t>
+            </a:r>
+            <a:r>
+              <a:rPr lang="en-US" altLang="ko-KR" dirty="0"/>
+              <a:t>(validation)</a:t>
+            </a:r>
+            <a:endParaRPr lang="ko-KR" altLang="en-US" dirty="0"/>
+          </a:p>
+        </p:txBody>
+      </p:sp>
+      <p:pic>
+        <p:nvPicPr>
+          <p:cNvPr id="6" name="그림 5"/>
+          <p:cNvPicPr>
+            <a:picLocks noChangeAspect="1"/>
+          </p:cNvPicPr>
+          <p:nvPr/>
+        </p:nvPicPr>
+        <p:blipFill>
+          <a:blip r:embed="rId2">
+            <a:extLst>
+              <a:ext uri="{28A0092B-C50C-407E-A947-70E740481C1C}">
+                <a14:useLocalDpi xmlns:a14="http://schemas.microsoft.com/office/drawing/2010/main" val="0"/>
+              </a:ext>
+            </a:extLst>
+          </a:blip>
+          <a:stretch>
+            <a:fillRect/>
+          </a:stretch>
+        </p:blipFill>
+        <p:spPr>
+          <a:xfrm>
+            <a:off x="1064568" y="2204864"/>
+            <a:ext cx="7969721" cy="2664296"/>
+          </a:xfrm>
+          <a:prstGeom prst="rect">
+            <a:avLst/>
+          </a:prstGeom>
+          <a:ln>
+            <a:solidFill>
+              <a:schemeClr val="bg1">
+                <a:lumMod val="85000"/>
+              </a:schemeClr>
+            </a:solidFill>
+          </a:ln>
+        </p:spPr>
+      </p:pic>
+      <p:sp>
+        <p:nvSpPr>
+          <p:cNvPr id="9" name="모서리가 둥근 직사각형 8">
+            <a:extLst>
+              <a:ext uri="{FF2B5EF4-FFF2-40B4-BE49-F238E27FC236}">
+                <a16:creationId xmlns:a16="http://schemas.microsoft.com/office/drawing/2014/main" id="{792DA8B4-17B2-454B-97AC-17311A4832C5}"/>
+              </a:ext>
+            </a:extLst>
+          </p:cNvPr>
+          <p:cNvSpPr/>
+          <p:nvPr/>
+        </p:nvSpPr>
+        <p:spPr>
+          <a:xfrm>
+            <a:off x="7023230" y="1556792"/>
+            <a:ext cx="1944216" cy="317650"/>
+          </a:xfrm>
+          <a:prstGeom prst="roundRect">
+            <a:avLst/>
+          </a:prstGeom>
+          <a:noFill/>
+          <a:ln w="12700">
+            <a:solidFill>
+              <a:schemeClr val="tx1"/>
+            </a:solidFill>
+          </a:ln>
+        </p:spPr>
+        <p:style>
+          <a:lnRef idx="2">
+            <a:schemeClr val="accent2"/>
+          </a:lnRef>
+          <a:fillRef idx="1">
+            <a:schemeClr val="lt1"/>
+          </a:fillRef>
+          <a:effectRef idx="0">
+            <a:schemeClr val="accent2"/>
+          </a:effectRef>
+          <a:fontRef idx="minor">
+            <a:schemeClr val="dk1"/>
+          </a:fontRef>
+        </p:style>
+        <p:txBody>
+          <a:bodyPr rtlCol="0" anchor="ctr"/>
+          <a:lstStyle/>
+          <a:p>
+            <a:pPr algn="ctr"/>
+            <a:r>
+              <a:rPr lang="en-US" altLang="ko-KR" sz="1600" dirty="0" smtClean="0">
+                <a:solidFill>
+                  <a:sysClr val="windowText" lastClr="000000"/>
+                </a:solidFill>
+              </a:rPr>
+              <a:t>validation02.jsp</a:t>
+            </a:r>
+          </a:p>
+        </p:txBody>
+      </p:sp>
+    </p:spTree>
+    <p:extLst>
+      <p:ext uri="{BB962C8B-B14F-4D97-AF65-F5344CB8AC3E}">
+        <p14:creationId xmlns:p14="http://schemas.microsoft.com/office/powerpoint/2010/main" val="2985357974"/>
+      </p:ext>
+    </p:extLst>
+  </p:cSld>
+  <p:clrMapOvr>
+    <a:masterClrMapping/>
+  </p:clrMapOvr>
+  <p:timing>
+    <p:tnLst>
+      <p:par>
+        <p:cTn id="1" dur="indefinite" restart="never" nodeType="tmRoot"/>
+      </p:par>
+    </p:tnLst>
+  </p:timing>
+</p:sld>
+</file>
+
+<file path=ppt/slides/slide8.xml><?xml version="1.0" encoding="utf-8"?>
 <p:sld xmlns:a="http://schemas.openxmlformats.org/drawingml/2006/main" xmlns:r="http://schemas.openxmlformats.org/officeDocument/2006/relationships" xmlns:p="http://schemas.openxmlformats.org/presentationml/2006/main">
   <p:cSld>
     <p:spTree>
@@ -14613,8 +15988,8 @@
         </p:blipFill>
         <p:spPr>
           <a:xfrm>
-            <a:off x="4215592" y="2333668"/>
-            <a:ext cx="5428339" cy="3381700"/>
+            <a:off x="1856656" y="1404161"/>
+            <a:ext cx="5791702" cy="4625741"/>
           </a:xfrm>
           <a:prstGeom prst="rect">
             <a:avLst/>
@@ -14682,116 +16057,10 @@
       </p:sp>
       <p:sp>
         <p:nvSpPr>
-          <p:cNvPr id="5" name="TextBox 4"/>
-          <p:cNvSpPr txBox="1"/>
-          <p:nvPr/>
-        </p:nvSpPr>
-        <p:spPr>
-          <a:xfrm>
-            <a:off x="776536" y="980728"/>
-            <a:ext cx="8496944" cy="494494"/>
-          </a:xfrm>
-          <a:prstGeom prst="rect">
-            <a:avLst/>
-          </a:prstGeom>
-          <a:noFill/>
-        </p:spPr>
-        <p:txBody>
-          <a:bodyPr wrap="square" rtlCol="0">
-            <a:spAutoFit/>
-          </a:bodyPr>
-          <a:lstStyle/>
-          <a:p>
-            <a:pPr>
-              <a:lnSpc>
-                <a:spcPct val="150000"/>
-              </a:lnSpc>
-            </a:pPr>
-            <a:r>
-              <a:rPr lang="ko-KR" altLang="en-US" sz="2000" b="1" dirty="0" smtClean="0"/>
-              <a:t>폼 페이지에 입력한 데이터 값의 유</a:t>
-            </a:r>
-            <a:r>
-              <a:rPr lang="en-US" altLang="ko-KR" sz="2000" b="1" dirty="0" smtClean="0"/>
-              <a:t>/</a:t>
-            </a:r>
-            <a:r>
-              <a:rPr lang="ko-KR" altLang="en-US" sz="2000" b="1" dirty="0" smtClean="0"/>
-              <a:t>무 검사하기 </a:t>
-            </a:r>
-            <a:r>
-              <a:rPr lang="en-US" altLang="ko-KR" sz="2000" b="1" dirty="0" smtClean="0"/>
-              <a:t>– </a:t>
-            </a:r>
-            <a:r>
-              <a:rPr lang="en-US" altLang="ko-KR" sz="2000" b="1" dirty="0" smtClean="0">
-                <a:solidFill>
-                  <a:srgbClr val="C00000"/>
-                </a:solidFill>
-              </a:rPr>
-              <a:t>[</a:t>
-            </a:r>
-            <a:r>
-              <a:rPr lang="ko-KR" altLang="en-US" sz="2000" b="1" dirty="0" smtClean="0">
-                <a:solidFill>
-                  <a:srgbClr val="C00000"/>
-                </a:solidFill>
-              </a:rPr>
-              <a:t>기본 유효성 검사</a:t>
-            </a:r>
-            <a:r>
-              <a:rPr lang="en-US" altLang="ko-KR" sz="2000" b="1" dirty="0" smtClean="0">
-                <a:solidFill>
-                  <a:srgbClr val="C00000"/>
-                </a:solidFill>
-              </a:rPr>
-              <a:t>]</a:t>
-            </a:r>
-          </a:p>
-        </p:txBody>
-      </p:sp>
-      <p:pic>
-        <p:nvPicPr>
-          <p:cNvPr id="4" name="그림 3"/>
-          <p:cNvPicPr>
-            <a:picLocks noChangeAspect="1"/>
-          </p:cNvPicPr>
-          <p:nvPr/>
-        </p:nvPicPr>
-        <p:blipFill rotWithShape="1">
-          <a:blip r:embed="rId3">
-            <a:extLst>
-              <a:ext uri="{28A0092B-C50C-407E-A947-70E740481C1C}">
-                <a14:useLocalDpi xmlns:a14="http://schemas.microsoft.com/office/drawing/2010/main" val="0"/>
-              </a:ext>
-            </a:extLst>
-          </a:blip>
-          <a:srcRect t="9230"/>
-          <a:stretch/>
-        </p:blipFill>
-        <p:spPr>
-          <a:xfrm>
-            <a:off x="922294" y="1844824"/>
-            <a:ext cx="3075375" cy="1713990"/>
-          </a:xfrm>
-          <a:prstGeom prst="rect">
-            <a:avLst/>
-          </a:prstGeom>
-          <a:ln>
-            <a:solidFill>
-              <a:schemeClr val="bg1">
-                <a:lumMod val="85000"/>
-              </a:schemeClr>
-            </a:solidFill>
-          </a:ln>
-        </p:spPr>
-      </p:pic>
-      <p:sp>
-        <p:nvSpPr>
           <p:cNvPr id="12" name="모서리가 둥근 직사각형 11">
             <a:extLst>
               <a:ext uri="{FF2B5EF4-FFF2-40B4-BE49-F238E27FC236}">
-                <a16:creationId xmlns:a16="http://schemas.microsoft.com/office/drawing/2014/main" xmlns="" id="{792DA8B4-17B2-454B-97AC-17311A4832C5}"/>
+                <a16:creationId xmlns:a16="http://schemas.microsoft.com/office/drawing/2014/main" id="{792DA8B4-17B2-454B-97AC-17311A4832C5}"/>
               </a:ext>
             </a:extLst>
           </p:cNvPr>
@@ -14800,8 +16069,8 @@
         </p:nvSpPr>
         <p:spPr>
           <a:xfrm>
-            <a:off x="5201568" y="4869160"/>
-            <a:ext cx="2793769" cy="284380"/>
+            <a:off x="3080793" y="3573016"/>
+            <a:ext cx="2160240" cy="324442"/>
           </a:xfrm>
           <a:prstGeom prst="roundRect">
             <a:avLst/>
@@ -14849,7 +16118,7 @@
         </p:nvSpPr>
         <p:spPr>
           <a:xfrm>
-            <a:off x="1784648" y="4293096"/>
+            <a:off x="6662871" y="3165006"/>
             <a:ext cx="2592288" cy="683671"/>
           </a:xfrm>
           <a:prstGeom prst="roundRect">
@@ -14932,13 +16201,15 @@
       <p:cxnSp>
         <p:nvCxnSpPr>
           <p:cNvPr id="14" name="직선 화살표 연결선 13"/>
-          <p:cNvCxnSpPr/>
+          <p:cNvCxnSpPr>
+            <a:stCxn id="13" idx="1"/>
+          </p:cNvCxnSpPr>
           <p:nvPr/>
         </p:nvCxnSpPr>
         <p:spPr>
-          <a:xfrm>
-            <a:off x="4376936" y="4634931"/>
-            <a:ext cx="1049344" cy="0"/>
+          <a:xfrm flipH="1">
+            <a:off x="5241033" y="3506842"/>
+            <a:ext cx="1421838" cy="210190"/>
           </a:xfrm>
           <a:prstGeom prst="straightConnector1">
             <a:avLst/>
@@ -14971,7 +16242,7 @@
           <p:cNvPr id="9" name="모서리가 둥근 직사각형 8">
             <a:extLst>
               <a:ext uri="{FF2B5EF4-FFF2-40B4-BE49-F238E27FC236}">
-                <a16:creationId xmlns:a16="http://schemas.microsoft.com/office/drawing/2014/main" xmlns="" id="{792DA8B4-17B2-454B-97AC-17311A4832C5}"/>
+                <a16:creationId xmlns:a16="http://schemas.microsoft.com/office/drawing/2014/main" id="{792DA8B4-17B2-454B-97AC-17311A4832C5}"/>
               </a:ext>
             </a:extLst>
           </p:cNvPr>
@@ -14980,7 +16251,7 @@
         </p:nvSpPr>
         <p:spPr>
           <a:xfrm>
-            <a:off x="6929762" y="1916832"/>
+            <a:off x="6825208" y="2048078"/>
             <a:ext cx="1944216" cy="317650"/>
           </a:xfrm>
           <a:prstGeom prst="roundRect">
@@ -15026,712 +16297,7 @@
     </p:spTree>
     <p:extLst>
       <p:ext uri="{BB962C8B-B14F-4D97-AF65-F5344CB8AC3E}">
-        <p14:creationId xmlns:p14="http://schemas.microsoft.com/office/powerpoint/2010/main" val="4138455006"/>
-      </p:ext>
-    </p:extLst>
-  </p:cSld>
-  <p:clrMapOvr>
-    <a:masterClrMapping/>
-  </p:clrMapOvr>
-  <p:timing>
-    <p:tnLst>
-      <p:par>
-        <p:cTn id="1" dur="indefinite" restart="never" nodeType="tmRoot"/>
-      </p:par>
-    </p:tnLst>
-  </p:timing>
-</p:sld>
-</file>
-
-<file path=ppt/slides/slide6.xml><?xml version="1.0" encoding="utf-8"?>
-<p:sld xmlns:a="http://schemas.openxmlformats.org/drawingml/2006/main" xmlns:r="http://schemas.openxmlformats.org/officeDocument/2006/relationships" xmlns:p="http://schemas.openxmlformats.org/presentationml/2006/main">
-  <p:cSld>
-    <p:spTree>
-      <p:nvGrpSpPr>
-        <p:cNvPr id="1" name=""/>
-        <p:cNvGrpSpPr/>
-        <p:nvPr/>
-      </p:nvGrpSpPr>
-      <p:grpSpPr>
-        <a:xfrm>
-          <a:off x="0" y="0"/>
-          <a:ext cx="0" cy="0"/>
-          <a:chOff x="0" y="0"/>
-          <a:chExt cx="0" cy="0"/>
-        </a:xfrm>
-      </p:grpSpPr>
-      <p:sp>
-        <p:nvSpPr>
-          <p:cNvPr id="15" name="제목 5"/>
-          <p:cNvSpPr txBox="1">
-            <a:spLocks/>
-          </p:cNvSpPr>
-          <p:nvPr/>
-        </p:nvSpPr>
-        <p:spPr>
-          <a:xfrm>
-            <a:off x="0" y="-27384"/>
-            <a:ext cx="7995338" cy="854968"/>
-          </a:xfrm>
-          <a:prstGeom prst="rect">
-            <a:avLst/>
-          </a:prstGeom>
-        </p:spPr>
-        <p:txBody>
-          <a:bodyPr anchor="ctr" anchorCtr="0"/>
-          <a:lstStyle>
-            <a:lvl1pPr algn="l" defTabSz="914400" rtl="0" eaLnBrk="1" latinLnBrk="1" hangingPunct="1">
-              <a:spcBef>
-                <a:spcPct val="0"/>
-              </a:spcBef>
-              <a:buNone/>
-              <a:defRPr sz="3200" kern="1200">
-                <a:solidFill>
-                  <a:schemeClr val="bg1"/>
-                </a:solidFill>
-                <a:latin typeface="HY헤드라인M" panose="02030600000101010101" pitchFamily="18" charset="-127"/>
-                <a:ea typeface="HY헤드라인M" panose="02030600000101010101" pitchFamily="18" charset="-127"/>
-                <a:cs typeface="+mj-cs"/>
-              </a:defRPr>
-            </a:lvl1pPr>
-          </a:lstStyle>
-          <a:p>
-            <a:r>
-              <a:rPr lang="en-US" altLang="ko-KR" dirty="0" smtClean="0"/>
-              <a:t> </a:t>
-            </a:r>
-            <a:r>
-              <a:rPr lang="ko-KR" altLang="en-US" dirty="0"/>
-              <a:t> 유효성 검사</a:t>
-            </a:r>
-            <a:r>
-              <a:rPr lang="en-US" altLang="ko-KR" dirty="0"/>
-              <a:t>(validation)</a:t>
-            </a:r>
-            <a:endParaRPr lang="ko-KR" altLang="en-US" dirty="0"/>
-          </a:p>
-        </p:txBody>
-      </p:sp>
-      <p:pic>
-        <p:nvPicPr>
-          <p:cNvPr id="2" name="그림 1"/>
-          <p:cNvPicPr>
-            <a:picLocks noChangeAspect="1"/>
-          </p:cNvPicPr>
-          <p:nvPr/>
-        </p:nvPicPr>
-        <p:blipFill>
-          <a:blip r:embed="rId2">
-            <a:extLst>
-              <a:ext uri="{28A0092B-C50C-407E-A947-70E740481C1C}">
-                <a14:useLocalDpi xmlns:a14="http://schemas.microsoft.com/office/drawing/2010/main" val="0"/>
-              </a:ext>
-            </a:extLst>
-          </a:blip>
-          <a:stretch>
-            <a:fillRect/>
-          </a:stretch>
-        </p:blipFill>
-        <p:spPr>
-          <a:xfrm>
-            <a:off x="1424608" y="1713795"/>
-            <a:ext cx="6873836" cy="2636749"/>
-          </a:xfrm>
-          <a:prstGeom prst="rect">
-            <a:avLst/>
-          </a:prstGeom>
-          <a:ln>
-            <a:solidFill>
-              <a:schemeClr val="bg1">
-                <a:lumMod val="85000"/>
-              </a:schemeClr>
-            </a:solidFill>
-          </a:ln>
-        </p:spPr>
-      </p:pic>
-      <p:sp>
-        <p:nvSpPr>
-          <p:cNvPr id="8" name="모서리가 둥근 직사각형 7">
-            <a:extLst>
-              <a:ext uri="{FF2B5EF4-FFF2-40B4-BE49-F238E27FC236}">
-                <a16:creationId xmlns:a16="http://schemas.microsoft.com/office/drawing/2014/main" xmlns="" id="{792DA8B4-17B2-454B-97AC-17311A4832C5}"/>
-              </a:ext>
-            </a:extLst>
-          </p:cNvPr>
-          <p:cNvSpPr/>
-          <p:nvPr/>
-        </p:nvSpPr>
-        <p:spPr>
-          <a:xfrm>
-            <a:off x="6314121" y="1268760"/>
-            <a:ext cx="1944216" cy="317650"/>
-          </a:xfrm>
-          <a:prstGeom prst="roundRect">
-            <a:avLst/>
-          </a:prstGeom>
-          <a:noFill/>
-          <a:ln w="12700">
-            <a:solidFill>
-              <a:schemeClr val="tx1"/>
-            </a:solidFill>
-          </a:ln>
-        </p:spPr>
-        <p:style>
-          <a:lnRef idx="2">
-            <a:schemeClr val="accent2"/>
-          </a:lnRef>
-          <a:fillRef idx="1">
-            <a:schemeClr val="lt1"/>
-          </a:fillRef>
-          <a:effectRef idx="0">
-            <a:schemeClr val="accent2"/>
-          </a:effectRef>
-          <a:fontRef idx="minor">
-            <a:schemeClr val="dk1"/>
-          </a:fontRef>
-        </p:style>
-        <p:txBody>
-          <a:bodyPr rtlCol="0" anchor="ctr"/>
-          <a:lstStyle/>
-          <a:p>
-            <a:pPr algn="ctr"/>
-            <a:r>
-              <a:rPr lang="en-US" altLang="ko-KR" sz="1600" dirty="0" smtClean="0">
-                <a:solidFill>
-                  <a:sysClr val="windowText" lastClr="000000"/>
-                </a:solidFill>
-              </a:rPr>
-              <a:t>loginProcess2.jsp</a:t>
-            </a:r>
-          </a:p>
-        </p:txBody>
-      </p:sp>
-      <p:pic>
-        <p:nvPicPr>
-          <p:cNvPr id="4" name="그림 3"/>
-          <p:cNvPicPr>
-            <a:picLocks noChangeAspect="1"/>
-          </p:cNvPicPr>
-          <p:nvPr/>
-        </p:nvPicPr>
-        <p:blipFill>
-          <a:blip r:embed="rId3">
-            <a:extLst>
-              <a:ext uri="{28A0092B-C50C-407E-A947-70E740481C1C}">
-                <a14:useLocalDpi xmlns:a14="http://schemas.microsoft.com/office/drawing/2010/main" val="0"/>
-              </a:ext>
-            </a:extLst>
-          </a:blip>
-          <a:stretch>
-            <a:fillRect/>
-          </a:stretch>
-        </p:blipFill>
-        <p:spPr>
-          <a:xfrm>
-            <a:off x="4736976" y="3861048"/>
-            <a:ext cx="4884844" cy="1455546"/>
-          </a:xfrm>
-          <a:prstGeom prst="rect">
-            <a:avLst/>
-          </a:prstGeom>
-          <a:ln>
-            <a:solidFill>
-              <a:schemeClr val="bg1">
-                <a:lumMod val="85000"/>
-              </a:schemeClr>
-            </a:solidFill>
-          </a:ln>
-        </p:spPr>
-      </p:pic>
-    </p:spTree>
-    <p:extLst>
-      <p:ext uri="{BB962C8B-B14F-4D97-AF65-F5344CB8AC3E}">
-        <p14:creationId xmlns:p14="http://schemas.microsoft.com/office/powerpoint/2010/main" val="2120452564"/>
-      </p:ext>
-    </p:extLst>
-  </p:cSld>
-  <p:clrMapOvr>
-    <a:masterClrMapping/>
-  </p:clrMapOvr>
-  <p:timing>
-    <p:tnLst>
-      <p:par>
-        <p:cTn id="1" dur="indefinite" restart="never" nodeType="tmRoot"/>
-      </p:par>
-    </p:tnLst>
-  </p:timing>
-</p:sld>
-</file>
-
-<file path=ppt/slides/slide7.xml><?xml version="1.0" encoding="utf-8"?>
-<p:sld xmlns:a="http://schemas.openxmlformats.org/drawingml/2006/main" xmlns:r="http://schemas.openxmlformats.org/officeDocument/2006/relationships" xmlns:p="http://schemas.openxmlformats.org/presentationml/2006/main">
-  <p:cSld>
-    <p:spTree>
-      <p:nvGrpSpPr>
-        <p:cNvPr id="1" name=""/>
-        <p:cNvGrpSpPr/>
-        <p:nvPr/>
-      </p:nvGrpSpPr>
-      <p:grpSpPr>
-        <a:xfrm>
-          <a:off x="0" y="0"/>
-          <a:ext cx="0" cy="0"/>
-          <a:chOff x="0" y="0"/>
-          <a:chExt cx="0" cy="0"/>
-        </a:xfrm>
-      </p:grpSpPr>
-      <p:sp>
-        <p:nvSpPr>
-          <p:cNvPr id="15" name="제목 5"/>
-          <p:cNvSpPr txBox="1">
-            <a:spLocks/>
-          </p:cNvSpPr>
-          <p:nvPr/>
-        </p:nvSpPr>
-        <p:spPr>
-          <a:xfrm>
-            <a:off x="0" y="-27384"/>
-            <a:ext cx="7995338" cy="854968"/>
-          </a:xfrm>
-          <a:prstGeom prst="rect">
-            <a:avLst/>
-          </a:prstGeom>
-        </p:spPr>
-        <p:txBody>
-          <a:bodyPr anchor="ctr" anchorCtr="0"/>
-          <a:lstStyle>
-            <a:lvl1pPr algn="l" defTabSz="914400" rtl="0" eaLnBrk="1" latinLnBrk="1" hangingPunct="1">
-              <a:spcBef>
-                <a:spcPct val="0"/>
-              </a:spcBef>
-              <a:buNone/>
-              <a:defRPr sz="3200" kern="1200">
-                <a:solidFill>
-                  <a:schemeClr val="bg1"/>
-                </a:solidFill>
-                <a:latin typeface="HY헤드라인M" panose="02030600000101010101" pitchFamily="18" charset="-127"/>
-                <a:ea typeface="HY헤드라인M" panose="02030600000101010101" pitchFamily="18" charset="-127"/>
-                <a:cs typeface="+mj-cs"/>
-              </a:defRPr>
-            </a:lvl1pPr>
-          </a:lstStyle>
-          <a:p>
-            <a:r>
-              <a:rPr lang="en-US" altLang="ko-KR" dirty="0" smtClean="0"/>
-              <a:t> </a:t>
-            </a:r>
-            <a:r>
-              <a:rPr lang="ko-KR" altLang="en-US" dirty="0"/>
-              <a:t> 유효성 검사</a:t>
-            </a:r>
-            <a:r>
-              <a:rPr lang="en-US" altLang="ko-KR" dirty="0"/>
-              <a:t>(validation)</a:t>
-            </a:r>
-            <a:endParaRPr lang="ko-KR" altLang="en-US" dirty="0"/>
-          </a:p>
-        </p:txBody>
-      </p:sp>
-      <p:sp>
-        <p:nvSpPr>
-          <p:cNvPr id="5" name="TextBox 4"/>
-          <p:cNvSpPr txBox="1"/>
-          <p:nvPr/>
-        </p:nvSpPr>
-        <p:spPr>
-          <a:xfrm>
-            <a:off x="776536" y="980728"/>
-            <a:ext cx="8496944" cy="494494"/>
-          </a:xfrm>
-          <a:prstGeom prst="rect">
-            <a:avLst/>
-          </a:prstGeom>
-          <a:noFill/>
-        </p:spPr>
-        <p:txBody>
-          <a:bodyPr wrap="square" rtlCol="0">
-            <a:spAutoFit/>
-          </a:bodyPr>
-          <a:lstStyle/>
-          <a:p>
-            <a:pPr>
-              <a:lnSpc>
-                <a:spcPct val="150000"/>
-              </a:lnSpc>
-            </a:pPr>
-            <a:r>
-              <a:rPr lang="ko-KR" altLang="en-US" sz="2000" b="1" dirty="0" smtClean="0"/>
-              <a:t>폼 페이지에 입력한 데이터 값의 유</a:t>
-            </a:r>
-            <a:r>
-              <a:rPr lang="en-US" altLang="ko-KR" sz="2000" b="1" dirty="0" smtClean="0"/>
-              <a:t>/</a:t>
-            </a:r>
-            <a:r>
-              <a:rPr lang="ko-KR" altLang="en-US" sz="2000" b="1" dirty="0" smtClean="0"/>
-              <a:t>무 검사하기</a:t>
-            </a:r>
-            <a:endParaRPr lang="en-US" altLang="ko-KR" sz="2000" b="1" dirty="0" smtClean="0"/>
-          </a:p>
-        </p:txBody>
-      </p:sp>
-      <p:pic>
-        <p:nvPicPr>
-          <p:cNvPr id="4" name="그림 3"/>
-          <p:cNvPicPr>
-            <a:picLocks noChangeAspect="1"/>
-          </p:cNvPicPr>
-          <p:nvPr/>
-        </p:nvPicPr>
-        <p:blipFill>
-          <a:blip r:embed="rId2">
-            <a:extLst>
-              <a:ext uri="{28A0092B-C50C-407E-A947-70E740481C1C}">
-                <a14:useLocalDpi xmlns:a14="http://schemas.microsoft.com/office/drawing/2010/main" val="0"/>
-              </a:ext>
-            </a:extLst>
-          </a:blip>
-          <a:stretch>
-            <a:fillRect/>
-          </a:stretch>
-        </p:blipFill>
-        <p:spPr>
-          <a:xfrm>
-            <a:off x="1208583" y="1885965"/>
-            <a:ext cx="5142569" cy="2623155"/>
-          </a:xfrm>
-          <a:prstGeom prst="rect">
-            <a:avLst/>
-          </a:prstGeom>
-          <a:ln>
-            <a:solidFill>
-              <a:schemeClr val="accent4">
-                <a:lumMod val="20000"/>
-                <a:lumOff val="80000"/>
-              </a:schemeClr>
-            </a:solidFill>
-          </a:ln>
-        </p:spPr>
-      </p:pic>
-      <p:sp>
-        <p:nvSpPr>
-          <p:cNvPr id="8" name="모서리가 둥근 직사각형 7"/>
-          <p:cNvSpPr/>
-          <p:nvPr/>
-        </p:nvSpPr>
-        <p:spPr>
-          <a:xfrm>
-            <a:off x="6177136" y="3674661"/>
-            <a:ext cx="2016224" cy="834459"/>
-          </a:xfrm>
-          <a:prstGeom prst="roundRect">
-            <a:avLst/>
-          </a:prstGeom>
-          <a:noFill/>
-          <a:ln w="19050">
-            <a:solidFill>
-              <a:srgbClr val="C00000"/>
-            </a:solidFill>
-          </a:ln>
-        </p:spPr>
-        <p:style>
-          <a:lnRef idx="2">
-            <a:schemeClr val="accent1">
-              <a:shade val="50000"/>
-            </a:schemeClr>
-          </a:lnRef>
-          <a:fillRef idx="1">
-            <a:schemeClr val="accent1"/>
-          </a:fillRef>
-          <a:effectRef idx="0">
-            <a:schemeClr val="accent1"/>
-          </a:effectRef>
-          <a:fontRef idx="minor">
-            <a:schemeClr val="lt1"/>
-          </a:fontRef>
-        </p:style>
-        <p:txBody>
-          <a:bodyPr rtlCol="0" anchor="ctr"/>
-          <a:lstStyle/>
-          <a:p>
-            <a:r>
-              <a:rPr lang="ko-KR" altLang="en-US" sz="1600" dirty="0" smtClean="0">
-                <a:solidFill>
-                  <a:sysClr val="windowText" lastClr="000000"/>
-                </a:solidFill>
-              </a:rPr>
-              <a:t>브라우저에서 오류 확인</a:t>
-            </a:r>
-            <a:endParaRPr lang="ko-KR" altLang="en-US" sz="1600" dirty="0">
-              <a:solidFill>
-                <a:sysClr val="windowText" lastClr="000000"/>
-              </a:solidFill>
-            </a:endParaRPr>
-          </a:p>
-        </p:txBody>
-      </p:sp>
-      <p:cxnSp>
-        <p:nvCxnSpPr>
-          <p:cNvPr id="9" name="직선 화살표 연결선 8"/>
-          <p:cNvCxnSpPr/>
-          <p:nvPr/>
-        </p:nvCxnSpPr>
-        <p:spPr>
-          <a:xfrm flipH="1" flipV="1">
-            <a:off x="5725861" y="3766437"/>
-            <a:ext cx="451275" cy="145568"/>
-          </a:xfrm>
-          <a:prstGeom prst="straightConnector1">
-            <a:avLst/>
-          </a:prstGeom>
-          <a:ln w="12700">
-            <a:solidFill>
-              <a:srgbClr val="C00000"/>
-            </a:solidFill>
-            <a:headEnd type="none" w="med" len="med"/>
-            <a:tailEnd type="triangle" w="med" len="med"/>
-          </a:ln>
-        </p:spPr>
-        <p:style>
-          <a:lnRef idx="2">
-            <a:schemeClr val="dk1"/>
-          </a:lnRef>
-          <a:fillRef idx="1">
-            <a:schemeClr val="lt1"/>
-          </a:fillRef>
-          <a:effectRef idx="0">
-            <a:schemeClr val="dk1"/>
-          </a:effectRef>
-          <a:fontRef idx="minor">
-            <a:schemeClr val="dk1"/>
-          </a:fontRef>
-        </p:style>
-      </p:cxnSp>
-    </p:spTree>
-    <p:extLst>
-      <p:ext uri="{BB962C8B-B14F-4D97-AF65-F5344CB8AC3E}">
-        <p14:creationId xmlns:p14="http://schemas.microsoft.com/office/powerpoint/2010/main" val="1982525986"/>
-      </p:ext>
-    </p:extLst>
-  </p:cSld>
-  <p:clrMapOvr>
-    <a:masterClrMapping/>
-  </p:clrMapOvr>
-  <p:timing>
-    <p:tnLst>
-      <p:par>
-        <p:cTn id="1" dur="indefinite" restart="never" nodeType="tmRoot"/>
-      </p:par>
-    </p:tnLst>
-  </p:timing>
-</p:sld>
-</file>
-
-<file path=ppt/slides/slide8.xml><?xml version="1.0" encoding="utf-8"?>
-<p:sld xmlns:a="http://schemas.openxmlformats.org/drawingml/2006/main" xmlns:r="http://schemas.openxmlformats.org/officeDocument/2006/relationships" xmlns:p="http://schemas.openxmlformats.org/presentationml/2006/main">
-  <p:cSld>
-    <p:spTree>
-      <p:nvGrpSpPr>
-        <p:cNvPr id="1" name=""/>
-        <p:cNvGrpSpPr/>
-        <p:nvPr/>
-      </p:nvGrpSpPr>
-      <p:grpSpPr>
-        <a:xfrm>
-          <a:off x="0" y="0"/>
-          <a:ext cx="0" cy="0"/>
-          <a:chOff x="0" y="0"/>
-          <a:chExt cx="0" cy="0"/>
-        </a:xfrm>
-      </p:grpSpPr>
-      <p:sp>
-        <p:nvSpPr>
-          <p:cNvPr id="15" name="제목 5"/>
-          <p:cNvSpPr txBox="1">
-            <a:spLocks/>
-          </p:cNvSpPr>
-          <p:nvPr/>
-        </p:nvSpPr>
-        <p:spPr>
-          <a:xfrm>
-            <a:off x="0" y="-27384"/>
-            <a:ext cx="7995338" cy="854968"/>
-          </a:xfrm>
-          <a:prstGeom prst="rect">
-            <a:avLst/>
-          </a:prstGeom>
-        </p:spPr>
-        <p:txBody>
-          <a:bodyPr anchor="ctr" anchorCtr="0"/>
-          <a:lstStyle>
-            <a:lvl1pPr algn="l" defTabSz="914400" rtl="0" eaLnBrk="1" latinLnBrk="1" hangingPunct="1">
-              <a:spcBef>
-                <a:spcPct val="0"/>
-              </a:spcBef>
-              <a:buNone/>
-              <a:defRPr sz="3200" kern="1200">
-                <a:solidFill>
-                  <a:schemeClr val="bg1"/>
-                </a:solidFill>
-                <a:latin typeface="HY헤드라인M" panose="02030600000101010101" pitchFamily="18" charset="-127"/>
-                <a:ea typeface="HY헤드라인M" panose="02030600000101010101" pitchFamily="18" charset="-127"/>
-                <a:cs typeface="+mj-cs"/>
-              </a:defRPr>
-            </a:lvl1pPr>
-          </a:lstStyle>
-          <a:p>
-            <a:r>
-              <a:rPr lang="en-US" altLang="ko-KR" dirty="0" smtClean="0"/>
-              <a:t> </a:t>
-            </a:r>
-            <a:r>
-              <a:rPr lang="ko-KR" altLang="en-US" dirty="0"/>
-              <a:t> </a:t>
-            </a:r>
-            <a:r>
-              <a:rPr lang="ko-KR" altLang="en-US" dirty="0" smtClean="0"/>
-              <a:t>자바스크립트 활용</a:t>
-            </a:r>
-            <a:endParaRPr lang="ko-KR" altLang="en-US" dirty="0"/>
-          </a:p>
-        </p:txBody>
-      </p:sp>
-      <p:sp>
-        <p:nvSpPr>
-          <p:cNvPr id="5" name="TextBox 4"/>
-          <p:cNvSpPr txBox="1"/>
-          <p:nvPr/>
-        </p:nvSpPr>
-        <p:spPr>
-          <a:xfrm>
-            <a:off x="776536" y="980728"/>
-            <a:ext cx="8496944" cy="494494"/>
-          </a:xfrm>
-          <a:prstGeom prst="rect">
-            <a:avLst/>
-          </a:prstGeom>
-          <a:noFill/>
-        </p:spPr>
-        <p:txBody>
-          <a:bodyPr wrap="square" rtlCol="0">
-            <a:spAutoFit/>
-          </a:bodyPr>
-          <a:lstStyle/>
-          <a:p>
-            <a:pPr>
-              <a:lnSpc>
-                <a:spcPct val="150000"/>
-              </a:lnSpc>
-            </a:pPr>
-            <a:r>
-              <a:rPr lang="ko-KR" altLang="en-US" sz="2000" b="1" dirty="0" smtClean="0"/>
-              <a:t>회원 가입 폼 만들기</a:t>
-            </a:r>
-            <a:endParaRPr lang="en-US" altLang="ko-KR" sz="2000" b="1" dirty="0" smtClean="0"/>
-          </a:p>
-        </p:txBody>
-      </p:sp>
-      <p:pic>
-        <p:nvPicPr>
-          <p:cNvPr id="3" name="그림 2"/>
-          <p:cNvPicPr>
-            <a:picLocks noChangeAspect="1"/>
-          </p:cNvPicPr>
-          <p:nvPr/>
-        </p:nvPicPr>
-        <p:blipFill>
-          <a:blip r:embed="rId2">
-            <a:extLst>
-              <a:ext uri="{28A0092B-C50C-407E-A947-70E740481C1C}">
-                <a14:useLocalDpi xmlns:a14="http://schemas.microsoft.com/office/drawing/2010/main" val="0"/>
-              </a:ext>
-            </a:extLst>
-          </a:blip>
-          <a:stretch>
-            <a:fillRect/>
-          </a:stretch>
-        </p:blipFill>
-        <p:spPr>
-          <a:xfrm>
-            <a:off x="1064568" y="1772816"/>
-            <a:ext cx="4367372" cy="1944215"/>
-          </a:xfrm>
-          <a:prstGeom prst="rect">
-            <a:avLst/>
-          </a:prstGeom>
-          <a:ln>
-            <a:solidFill>
-              <a:schemeClr val="bg1">
-                <a:lumMod val="85000"/>
-              </a:schemeClr>
-            </a:solidFill>
-          </a:ln>
-        </p:spPr>
-      </p:pic>
-      <p:pic>
-        <p:nvPicPr>
-          <p:cNvPr id="7" name="그림 6"/>
-          <p:cNvPicPr>
-            <a:picLocks noChangeAspect="1"/>
-          </p:cNvPicPr>
-          <p:nvPr/>
-        </p:nvPicPr>
-        <p:blipFill>
-          <a:blip r:embed="rId3">
-            <a:extLst>
-              <a:ext uri="{28A0092B-C50C-407E-A947-70E740481C1C}">
-                <a14:useLocalDpi xmlns:a14="http://schemas.microsoft.com/office/drawing/2010/main" val="0"/>
-              </a:ext>
-            </a:extLst>
-          </a:blip>
-          <a:stretch>
-            <a:fillRect/>
-          </a:stretch>
-        </p:blipFill>
-        <p:spPr>
-          <a:xfrm>
-            <a:off x="3584847" y="2636912"/>
-            <a:ext cx="4143639" cy="1872208"/>
-          </a:xfrm>
-          <a:prstGeom prst="rect">
-            <a:avLst/>
-          </a:prstGeom>
-        </p:spPr>
-      </p:pic>
-      <p:pic>
-        <p:nvPicPr>
-          <p:cNvPr id="8" name="그림 7"/>
-          <p:cNvPicPr>
-            <a:picLocks noChangeAspect="1"/>
-          </p:cNvPicPr>
-          <p:nvPr/>
-        </p:nvPicPr>
-        <p:blipFill>
-          <a:blip r:embed="rId4">
-            <a:extLst>
-              <a:ext uri="{28A0092B-C50C-407E-A947-70E740481C1C}">
-                <a14:useLocalDpi xmlns:a14="http://schemas.microsoft.com/office/drawing/2010/main" val="0"/>
-              </a:ext>
-            </a:extLst>
-          </a:blip>
-          <a:stretch>
-            <a:fillRect/>
-          </a:stretch>
-        </p:blipFill>
-        <p:spPr>
-          <a:xfrm>
-            <a:off x="2600198" y="4669770"/>
-            <a:ext cx="4566916" cy="1656184"/>
-          </a:xfrm>
-          <a:prstGeom prst="rect">
-            <a:avLst/>
-          </a:prstGeom>
-        </p:spPr>
-      </p:pic>
-    </p:spTree>
-    <p:extLst>
-      <p:ext uri="{BB962C8B-B14F-4D97-AF65-F5344CB8AC3E}">
-        <p14:creationId xmlns:p14="http://schemas.microsoft.com/office/powerpoint/2010/main" val="1336430194"/>
+        <p14:creationId xmlns:p14="http://schemas.microsoft.com/office/powerpoint/2010/main" val="2920585339"/>
       </p:ext>
     </p:extLst>
   </p:cSld>
@@ -15807,13 +16373,50 @@
             </a:r>
             <a:r>
               <a:rPr lang="ko-KR" altLang="en-US" dirty="0"/>
-              <a:t> </a:t>
-            </a:r>
-            <a:r>
-              <a:rPr lang="ko-KR" altLang="en-US" dirty="0" smtClean="0"/>
-              <a:t>자바스크립트 활용</a:t>
+              <a:t> 유효성 검사</a:t>
+            </a:r>
+            <a:r>
+              <a:rPr lang="en-US" altLang="ko-KR" dirty="0"/>
+              <a:t>(validation)</a:t>
             </a:r>
             <a:endParaRPr lang="ko-KR" altLang="en-US" dirty="0"/>
+          </a:p>
+        </p:txBody>
+      </p:sp>
+      <p:sp>
+        <p:nvSpPr>
+          <p:cNvPr id="5" name="TextBox 4"/>
+          <p:cNvSpPr txBox="1"/>
+          <p:nvPr/>
+        </p:nvSpPr>
+        <p:spPr>
+          <a:xfrm>
+            <a:off x="776536" y="980728"/>
+            <a:ext cx="8496944" cy="494494"/>
+          </a:xfrm>
+          <a:prstGeom prst="rect">
+            <a:avLst/>
+          </a:prstGeom>
+          <a:noFill/>
+        </p:spPr>
+        <p:txBody>
+          <a:bodyPr wrap="square" rtlCol="0">
+            <a:spAutoFit/>
+          </a:bodyPr>
+          <a:lstStyle/>
+          <a:p>
+            <a:pPr marL="342900" indent="-342900">
+              <a:lnSpc>
+                <a:spcPct val="150000"/>
+              </a:lnSpc>
+              <a:buFont typeface="Wingdings" panose="05000000000000000000" pitchFamily="2" charset="2"/>
+              <a:buChar char="§"/>
+            </a:pPr>
+            <a:r>
+              <a:rPr lang="ko-KR" altLang="en-US" sz="2000" b="1" dirty="0" smtClean="0"/>
+              <a:t>브라우저 개발자 도구에서 오류 검증</a:t>
+            </a:r>
+            <a:endParaRPr lang="en-US" altLang="ko-KR" sz="2000" b="1" dirty="0" smtClean="0"/>
           </a:p>
         </p:txBody>
       </p:sp>
@@ -15839,16 +16442,17 @@
         </p:blipFill>
         <p:spPr>
           <a:xfrm>
-            <a:off x="1208584" y="1700807"/>
-            <a:ext cx="7468248" cy="4259949"/>
+            <a:off x="1208583" y="1885965"/>
+            <a:ext cx="5142569" cy="2623155"/>
           </a:xfrm>
           <a:prstGeom prst="rect">
             <a:avLst/>
           </a:prstGeom>
           <a:ln>
             <a:solidFill>
-              <a:schemeClr val="bg1">
-                <a:lumMod val="85000"/>
+              <a:schemeClr val="accent4">
+                <a:lumMod val="20000"/>
+                <a:lumOff val="80000"/>
               </a:schemeClr>
             </a:solidFill>
           </a:ln>
@@ -15856,86 +16460,102 @@
       </p:pic>
       <p:sp>
         <p:nvSpPr>
-          <p:cNvPr id="9" name="모서리가 둥근 직사각형 8">
-            <a:extLst>
-              <a:ext uri="{FF2B5EF4-FFF2-40B4-BE49-F238E27FC236}">
-                <a16:creationId xmlns:a16="http://schemas.microsoft.com/office/drawing/2014/main" xmlns="" id="{792DA8B4-17B2-454B-97AC-17311A4832C5}"/>
-              </a:ext>
-            </a:extLst>
-          </p:cNvPr>
+          <p:cNvPr id="8" name="모서리가 둥근 직사각형 7"/>
           <p:cNvSpPr/>
           <p:nvPr/>
         </p:nvSpPr>
         <p:spPr>
           <a:xfrm>
-            <a:off x="6609184" y="1287423"/>
-            <a:ext cx="1944216" cy="317650"/>
+            <a:off x="6177136" y="3674661"/>
+            <a:ext cx="2016224" cy="834459"/>
           </a:xfrm>
           <a:prstGeom prst="roundRect">
             <a:avLst/>
           </a:prstGeom>
           <a:noFill/>
+          <a:ln w="19050">
+            <a:solidFill>
+              <a:srgbClr val="C00000"/>
+            </a:solidFill>
+          </a:ln>
+        </p:spPr>
+        <p:style>
+          <a:lnRef idx="2">
+            <a:schemeClr val="accent1">
+              <a:shade val="50000"/>
+            </a:schemeClr>
+          </a:lnRef>
+          <a:fillRef idx="1">
+            <a:schemeClr val="accent1"/>
+          </a:fillRef>
+          <a:effectRef idx="0">
+            <a:schemeClr val="accent1"/>
+          </a:effectRef>
+          <a:fontRef idx="minor">
+            <a:schemeClr val="lt1"/>
+          </a:fontRef>
+        </p:style>
+        <p:txBody>
+          <a:bodyPr rtlCol="0" anchor="ctr"/>
+          <a:lstStyle/>
+          <a:p>
+            <a:r>
+              <a:rPr lang="ko-KR" altLang="en-US" sz="1600" dirty="0" smtClean="0">
+                <a:solidFill>
+                  <a:sysClr val="windowText" lastClr="000000"/>
+                </a:solidFill>
+              </a:rPr>
+              <a:t>브라우저에서 오류 확인</a:t>
+            </a:r>
+            <a:endParaRPr lang="ko-KR" altLang="en-US" sz="1600" dirty="0">
+              <a:solidFill>
+                <a:sysClr val="windowText" lastClr="000000"/>
+              </a:solidFill>
+            </a:endParaRPr>
+          </a:p>
+        </p:txBody>
+      </p:sp>
+      <p:cxnSp>
+        <p:nvCxnSpPr>
+          <p:cNvPr id="9" name="직선 화살표 연결선 8"/>
+          <p:cNvCxnSpPr/>
+          <p:nvPr/>
+        </p:nvCxnSpPr>
+        <p:spPr>
+          <a:xfrm flipH="1" flipV="1">
+            <a:off x="5725861" y="3766437"/>
+            <a:ext cx="451275" cy="145568"/>
+          </a:xfrm>
+          <a:prstGeom prst="straightConnector1">
+            <a:avLst/>
+          </a:prstGeom>
           <a:ln w="12700">
             <a:solidFill>
-              <a:schemeClr val="tx1"/>
+              <a:srgbClr val="C00000"/>
             </a:solidFill>
+            <a:headEnd type="none" w="med" len="med"/>
+            <a:tailEnd type="triangle" w="med" len="med"/>
           </a:ln>
         </p:spPr>
         <p:style>
           <a:lnRef idx="2">
-            <a:schemeClr val="accent2"/>
+            <a:schemeClr val="dk1"/>
           </a:lnRef>
           <a:fillRef idx="1">
             <a:schemeClr val="lt1"/>
           </a:fillRef>
           <a:effectRef idx="0">
-            <a:schemeClr val="accent2"/>
+            <a:schemeClr val="dk1"/>
           </a:effectRef>
           <a:fontRef idx="minor">
             <a:schemeClr val="dk1"/>
           </a:fontRef>
         </p:style>
-        <p:txBody>
-          <a:bodyPr rtlCol="0" anchor="ctr"/>
-          <a:lstStyle/>
-          <a:p>
-            <a:pPr algn="ctr"/>
-            <a:r>
-              <a:rPr lang="en-US" altLang="ko-KR" sz="1600" dirty="0">
-                <a:solidFill>
-                  <a:sysClr val="windowText" lastClr="000000"/>
-                </a:solidFill>
-              </a:rPr>
-              <a:t>f</a:t>
-            </a:r>
-            <a:r>
-              <a:rPr lang="en-US" altLang="ko-KR" sz="1600" dirty="0" smtClean="0">
-                <a:solidFill>
-                  <a:sysClr val="windowText" lastClr="000000"/>
-                </a:solidFill>
-              </a:rPr>
-              <a:t>orm/</a:t>
-            </a:r>
-            <a:r>
-              <a:rPr lang="en-US" altLang="ko-KR" sz="1600" dirty="0" err="1" smtClean="0">
-                <a:solidFill>
-                  <a:sysClr val="windowText" lastClr="000000"/>
-                </a:solidFill>
-              </a:rPr>
-              <a:t>regForm.jsp</a:t>
-            </a:r>
-            <a:endParaRPr lang="en-US" altLang="ko-KR" sz="1600" dirty="0" smtClean="0">
-              <a:solidFill>
-                <a:sysClr val="windowText" lastClr="000000"/>
-              </a:solidFill>
-            </a:endParaRPr>
-          </a:p>
-        </p:txBody>
-      </p:sp>
+      </p:cxnSp>
     </p:spTree>
     <p:extLst>
       <p:ext uri="{BB962C8B-B14F-4D97-AF65-F5344CB8AC3E}">
-        <p14:creationId xmlns:p14="http://schemas.microsoft.com/office/powerpoint/2010/main" val="1316165441"/>
+        <p14:creationId xmlns:p14="http://schemas.microsoft.com/office/powerpoint/2010/main" val="1982525986"/>
       </p:ext>
     </p:extLst>
   </p:cSld>

--- a/ppt/jsp_ppt/6장. jsp 유효성검사와 정규표현식.pptx
+++ b/ppt/jsp_ppt/6장. jsp 유효성검사와 정규표현식.pptx
@@ -5,7 +5,7 @@
     <p:sldMasterId id="2147483648" r:id="rId1"/>
   </p:sldMasterIdLst>
   <p:notesMasterIdLst>
-    <p:notesMasterId r:id="rId42"/>
+    <p:notesMasterId r:id="rId40"/>
   </p:notesMasterIdLst>
   <p:sldIdLst>
     <p:sldId id="256" r:id="rId2"/>
@@ -35,19 +35,17 @@
     <p:sldId id="404" r:id="rId26"/>
     <p:sldId id="385" r:id="rId27"/>
     <p:sldId id="382" r:id="rId28"/>
-    <p:sldId id="402" r:id="rId29"/>
-    <p:sldId id="365" r:id="rId30"/>
-    <p:sldId id="378" r:id="rId31"/>
-    <p:sldId id="397" r:id="rId32"/>
-    <p:sldId id="407" r:id="rId33"/>
-    <p:sldId id="406" r:id="rId34"/>
-    <p:sldId id="376" r:id="rId35"/>
+    <p:sldId id="421" r:id="rId29"/>
+    <p:sldId id="418" r:id="rId30"/>
+    <p:sldId id="419" r:id="rId31"/>
+    <p:sldId id="365" r:id="rId32"/>
+    <p:sldId id="378" r:id="rId33"/>
+    <p:sldId id="397" r:id="rId34"/>
+    <p:sldId id="420" r:id="rId35"/>
     <p:sldId id="398" r:id="rId36"/>
     <p:sldId id="399" r:id="rId37"/>
     <p:sldId id="400" r:id="rId38"/>
     <p:sldId id="401" r:id="rId39"/>
-    <p:sldId id="386" r:id="rId40"/>
-    <p:sldId id="387" r:id="rId41"/>
   </p:sldIdLst>
   <p:sldSz cx="9906000" cy="6858000" type="A4"/>
   <p:notesSz cx="6858000" cy="9144000"/>
@@ -247,7 +245,7 @@
           <a:p>
             <a:fld id="{7665CDAC-D627-4E87-877A-1B781DD4CADC}" type="datetimeFigureOut">
               <a:rPr lang="ko-KR" altLang="en-US" smtClean="0"/>
-              <a:t>2023-06-07</a:t>
+              <a:t>2023-06-12</a:t>
             </a:fld>
             <a:endParaRPr lang="ko-KR" altLang="en-US"/>
           </a:p>
@@ -841,7 +839,7 @@
     </p:spTree>
     <p:extLst>
       <p:ext uri="{BB962C8B-B14F-4D97-AF65-F5344CB8AC3E}">
-        <p14:creationId xmlns:p14="http://schemas.microsoft.com/office/powerpoint/2010/main" val="1690775859"/>
+        <p14:creationId xmlns:p14="http://schemas.microsoft.com/office/powerpoint/2010/main" val="3900852525"/>
       </p:ext>
     </p:extLst>
   </p:cSld>
@@ -916,7 +914,7 @@
           <a:p>
             <a:fld id="{0FADDD8A-FD4C-4C63-90D4-202AFE8080B2}" type="slidenum">
               <a:rPr lang="ko-KR" altLang="en-US" smtClean="0"/>
-              <a:t>29</a:t>
+              <a:t>31</a:t>
             </a:fld>
             <a:endParaRPr lang="ko-KR" altLang="en-US"/>
           </a:p>
@@ -1121,7 +1119,7 @@
           <a:p>
             <a:fld id="{F4AC81B4-D91A-4578-85B3-829E63FCFE17}" type="datetime1">
               <a:rPr lang="ko-KR" altLang="en-US" smtClean="0"/>
-              <a:t>2023-06-07</a:t>
+              <a:t>2023-06-12</a:t>
             </a:fld>
             <a:endParaRPr lang="ko-KR" altLang="en-US"/>
           </a:p>
@@ -1496,7 +1494,7 @@
           <a:p>
             <a:fld id="{F5B77542-37E5-48F2-BAE7-80CC6B0EB6A3}" type="datetime1">
               <a:rPr lang="ko-KR" altLang="en-US" smtClean="0"/>
-              <a:t>2023-06-07</a:t>
+              <a:t>2023-06-12</a:t>
             </a:fld>
             <a:endParaRPr lang="ko-KR" altLang="en-US"/>
           </a:p>
@@ -1676,7 +1674,7 @@
           <a:p>
             <a:fld id="{227CF174-B5AC-4A98-B673-0BE8126D3F27}" type="datetime1">
               <a:rPr lang="ko-KR" altLang="en-US" smtClean="0"/>
-              <a:t>2023-06-07</a:t>
+              <a:t>2023-06-12</a:t>
             </a:fld>
             <a:endParaRPr lang="ko-KR" altLang="en-US"/>
           </a:p>
@@ -1850,7 +1848,7 @@
           <a:p>
             <a:fld id="{E20FDEC8-1339-42E8-9704-2977280C2FD3}" type="datetime1">
               <a:rPr lang="ko-KR" altLang="en-US" smtClean="0"/>
-              <a:t>2023-06-07</a:t>
+              <a:t>2023-06-12</a:t>
             </a:fld>
             <a:endParaRPr lang="ko-KR" altLang="en-US"/>
           </a:p>
@@ -2096,7 +2094,7 @@
           <a:p>
             <a:fld id="{4D18DC76-A282-4817-B790-197F054E1215}" type="datetime1">
               <a:rPr lang="ko-KR" altLang="en-US" smtClean="0"/>
-              <a:t>2023-06-07</a:t>
+              <a:t>2023-06-12</a:t>
             </a:fld>
             <a:endParaRPr lang="ko-KR" altLang="en-US"/>
           </a:p>
@@ -2384,7 +2382,7 @@
           <a:p>
             <a:fld id="{6680AA6C-13D8-43E4-90F0-E6C88A2B9F16}" type="datetime1">
               <a:rPr lang="ko-KR" altLang="en-US" smtClean="0"/>
-              <a:t>2023-06-07</a:t>
+              <a:t>2023-06-12</a:t>
             </a:fld>
             <a:endParaRPr lang="ko-KR" altLang="en-US"/>
           </a:p>
@@ -2806,7 +2804,7 @@
           <a:p>
             <a:fld id="{3EF5B03B-20CC-436E-8601-C933C6C1F4A6}" type="datetime1">
               <a:rPr lang="ko-KR" altLang="en-US" smtClean="0"/>
-              <a:t>2023-06-07</a:t>
+              <a:t>2023-06-12</a:t>
             </a:fld>
             <a:endParaRPr lang="ko-KR" altLang="en-US"/>
           </a:p>
@@ -2924,7 +2922,7 @@
           <a:p>
             <a:fld id="{87B5A15D-8B08-482F-AB47-E416EC355EB6}" type="datetime1">
               <a:rPr lang="ko-KR" altLang="en-US" smtClean="0"/>
-              <a:t>2023-06-07</a:t>
+              <a:t>2023-06-12</a:t>
             </a:fld>
             <a:endParaRPr lang="ko-KR" altLang="en-US"/>
           </a:p>
@@ -3019,7 +3017,7 @@
           <a:p>
             <a:fld id="{A877D7F8-7B64-44F8-A411-CBD22F28CBFF}" type="datetime1">
               <a:rPr lang="ko-KR" altLang="en-US" smtClean="0"/>
-              <a:t>2023-06-07</a:t>
+              <a:t>2023-06-12</a:t>
             </a:fld>
             <a:endParaRPr lang="ko-KR" altLang="en-US"/>
           </a:p>
@@ -3296,7 +3294,7 @@
           <a:p>
             <a:fld id="{E12DBD9B-2BB6-4D1F-BCB4-1E48829C93C3}" type="datetime1">
               <a:rPr lang="ko-KR" altLang="en-US" smtClean="0"/>
-              <a:t>2023-06-07</a:t>
+              <a:t>2023-06-12</a:t>
             </a:fld>
             <a:endParaRPr lang="ko-KR" altLang="en-US"/>
           </a:p>
@@ -3549,7 +3547,7 @@
           <a:p>
             <a:fld id="{17564C48-0CD7-40EB-BE64-BBF4DB8C56AF}" type="datetime1">
               <a:rPr lang="ko-KR" altLang="en-US" smtClean="0"/>
-              <a:t>2023-06-07</a:t>
+              <a:t>2023-06-12</a:t>
             </a:fld>
             <a:endParaRPr lang="ko-KR" altLang="en-US"/>
           </a:p>
@@ -3729,7 +3727,7 @@
           <a:p>
             <a:fld id="{C116BCB4-B68B-4638-8167-F4BDC0A30DA1}" type="datetime1">
               <a:rPr lang="ko-KR" altLang="en-US" smtClean="0"/>
-              <a:t>2023-06-07</a:t>
+              <a:t>2023-06-12</a:t>
             </a:fld>
             <a:endParaRPr lang="ko-KR" altLang="en-US"/>
           </a:p>
@@ -4340,7 +4338,37 @@
                 <a:latin typeface="휴먼엑스포" panose="02030504000101010101" pitchFamily="18" charset="-127"/>
                 <a:ea typeface="휴먼엑스포" panose="02030504000101010101" pitchFamily="18" charset="-127"/>
               </a:rPr>
-              <a:t>유효성 검사 </a:t>
+              <a:t>유효성 </a:t>
+            </a:r>
+            <a:r>
+              <a:rPr lang="ko-KR" altLang="en-US" b="1" dirty="0" smtClean="0">
+                <a:solidFill>
+                  <a:schemeClr val="tx1"/>
+                </a:solidFill>
+                <a:latin typeface="휴먼엑스포" panose="02030504000101010101" pitchFamily="18" charset="-127"/>
+                <a:ea typeface="휴먼엑스포" panose="02030504000101010101" pitchFamily="18" charset="-127"/>
+              </a:rPr>
+              <a:t>검사 </a:t>
+            </a:r>
+            <a:r>
+              <a:rPr lang="ko-KR" altLang="en-US" b="1" dirty="0" smtClean="0">
+                <a:solidFill>
+                  <a:schemeClr val="tx1"/>
+                </a:solidFill>
+                <a:latin typeface="휴먼엑스포" panose="02030504000101010101" pitchFamily="18" charset="-127"/>
+                <a:ea typeface="휴먼엑스포" panose="02030504000101010101" pitchFamily="18" charset="-127"/>
+              </a:rPr>
+              <a:t>및 정규 표현식</a:t>
+            </a:r>
+            <a:r>
+              <a:rPr lang="ko-KR" altLang="en-US" b="1" dirty="0" smtClean="0">
+                <a:solidFill>
+                  <a:schemeClr val="tx1"/>
+                </a:solidFill>
+                <a:latin typeface="휴먼엑스포" panose="02030504000101010101" pitchFamily="18" charset="-127"/>
+                <a:ea typeface="휴먼엑스포" panose="02030504000101010101" pitchFamily="18" charset="-127"/>
+              </a:rPr>
+              <a:t> </a:t>
             </a:r>
             <a:endParaRPr lang="ko-KR" altLang="en-US" b="1" dirty="0">
               <a:solidFill>
@@ -5604,11 +5632,7 @@
             </a:r>
             <a:r>
               <a:rPr lang="ko-KR" altLang="en-US" dirty="0"/>
-              <a:t> </a:t>
-            </a:r>
-            <a:r>
-              <a:rPr lang="ko-KR" altLang="en-US" dirty="0"/>
-              <a:t>유효성 검사</a:t>
+              <a:t> 유효성 검사</a:t>
             </a:r>
             <a:r>
               <a:rPr lang="en-US" altLang="ko-KR" dirty="0"/>
@@ -5868,11 +5892,7 @@
             </a:r>
             <a:r>
               <a:rPr lang="ko-KR" altLang="en-US" dirty="0"/>
-              <a:t> </a:t>
-            </a:r>
-            <a:r>
-              <a:rPr lang="ko-KR" altLang="en-US" dirty="0"/>
-              <a:t>유효성 검사</a:t>
+              <a:t> 유효성 검사</a:t>
             </a:r>
             <a:r>
               <a:rPr lang="en-US" altLang="ko-KR" dirty="0"/>
@@ -6059,11 +6079,7 @@
             </a:r>
             <a:r>
               <a:rPr lang="ko-KR" altLang="en-US" dirty="0"/>
-              <a:t> </a:t>
-            </a:r>
-            <a:r>
-              <a:rPr lang="ko-KR" altLang="en-US" dirty="0"/>
-              <a:t>유효성 검사</a:t>
+              <a:t> 유효성 검사</a:t>
             </a:r>
             <a:r>
               <a:rPr lang="en-US" altLang="ko-KR" dirty="0"/>
@@ -6255,11 +6271,7 @@
             </a:r>
             <a:r>
               <a:rPr lang="ko-KR" altLang="en-US" dirty="0"/>
-              <a:t> </a:t>
-            </a:r>
-            <a:r>
-              <a:rPr lang="ko-KR" altLang="en-US" dirty="0"/>
-              <a:t>유효성 검사</a:t>
+              <a:t> 유효성 검사</a:t>
             </a:r>
             <a:r>
               <a:rPr lang="en-US" altLang="ko-KR" dirty="0"/>
@@ -8603,7 +8615,7 @@
           <p:nvPr>
             <p:extLst>
               <p:ext uri="{D42A27DB-BD31-4B8C-83A1-F6EECF244321}">
-                <p14:modId xmlns:p14="http://schemas.microsoft.com/office/powerpoint/2010/main" val="3702635276"/>
+                <p14:modId xmlns:p14="http://schemas.microsoft.com/office/powerpoint/2010/main" val="1491344532"/>
               </p:ext>
             </p:extLst>
           </p:nvPr>
@@ -8977,8 +8989,13 @@
                           <a:ea typeface="Arial Unicode MS" panose="020B0604020202020204" pitchFamily="50" charset="-127"/>
                           <a:cs typeface="Arial Unicode MS" panose="020B0604020202020204" pitchFamily="50" charset="-127"/>
                         </a:rPr>
-                        <a:t>x*</a:t>
+                        <a:t>X+</a:t>
                       </a:r>
+                      <a:endParaRPr lang="en-US" altLang="ko-KR" sz="1600" dirty="0" smtClean="0">
+                        <a:latin typeface="Arial Unicode MS" panose="020B0604020202020204" pitchFamily="50" charset="-127"/>
+                        <a:ea typeface="Arial Unicode MS" panose="020B0604020202020204" pitchFamily="50" charset="-127"/>
+                        <a:cs typeface="Arial Unicode MS" panose="020B0604020202020204" pitchFamily="50" charset="-127"/>
+                      </a:endParaRPr>
                     </a:p>
                   </a:txBody>
                   <a:tcPr anchor="ctr">
@@ -9772,14 +9789,14 @@
           <p:nvPr>
             <p:extLst>
               <p:ext uri="{D42A27DB-BD31-4B8C-83A1-F6EECF244321}">
-                <p14:modId xmlns:p14="http://schemas.microsoft.com/office/powerpoint/2010/main" val="3367125466"/>
+                <p14:modId xmlns:p14="http://schemas.microsoft.com/office/powerpoint/2010/main" val="3658704480"/>
               </p:ext>
             </p:extLst>
           </p:nvPr>
         </p:nvGraphicFramePr>
         <p:xfrm>
           <a:off x="1208584" y="1772816"/>
-          <a:ext cx="7200800" cy="3888432"/>
+          <a:ext cx="7200800" cy="4176468"/>
         </p:xfrm>
         <a:graphic>
           <a:graphicData uri="http://schemas.openxmlformats.org/drawingml/2006/table">
@@ -9803,7 +9820,7 @@
                   </a:extLst>
                 </a:gridCol>
               </a:tblGrid>
-              <a:tr h="432048">
+              <a:tr h="464052">
                 <a:tc>
                   <a:txBody>
                     <a:bodyPr/>
@@ -9860,7 +9877,7 @@
                   </a:ext>
                 </a:extLst>
               </a:tr>
-              <a:tr h="432048">
+              <a:tr h="464052">
                 <a:tc>
                   <a:txBody>
                     <a:bodyPr/>
@@ -9873,8 +9890,21 @@
                           <a:ea typeface="Arial Unicode MS" panose="020B0604020202020204" pitchFamily="50" charset="-127"/>
                           <a:cs typeface="Arial Unicode MS" panose="020B0604020202020204" pitchFamily="50" charset="-127"/>
                         </a:rPr>
-                        <a:t> /^[0-9]*$/</a:t>
+                        <a:t> /^[0-9</a:t>
                       </a:r>
+                      <a:r>
+                        <a:rPr lang="en-US" altLang="ko-KR" sz="1600" dirty="0" smtClean="0">
+                          <a:latin typeface="Arial Unicode MS" panose="020B0604020202020204" pitchFamily="50" charset="-127"/>
+                          <a:ea typeface="Arial Unicode MS" panose="020B0604020202020204" pitchFamily="50" charset="-127"/>
+                          <a:cs typeface="Arial Unicode MS" panose="020B0604020202020204" pitchFamily="50" charset="-127"/>
+                        </a:rPr>
+                        <a:t>]+$/</a:t>
+                      </a:r>
+                      <a:endParaRPr lang="en-US" altLang="ko-KR" sz="1600" dirty="0" smtClean="0">
+                        <a:latin typeface="Arial Unicode MS" panose="020B0604020202020204" pitchFamily="50" charset="-127"/>
+                        <a:ea typeface="Arial Unicode MS" panose="020B0604020202020204" pitchFamily="50" charset="-127"/>
+                        <a:cs typeface="Arial Unicode MS" panose="020B0604020202020204" pitchFamily="50" charset="-127"/>
+                      </a:endParaRPr>
                     </a:p>
                   </a:txBody>
                   <a:tcPr anchor="ctr">
@@ -9916,7 +9946,7 @@
                   </a:ext>
                 </a:extLst>
               </a:tr>
-              <a:tr h="432048">
+              <a:tr h="464052">
                 <a:tc>
                   <a:txBody>
                     <a:bodyPr/>
@@ -9961,8 +9991,21 @@
                           <a:ea typeface="Arial Unicode MS" panose="020B0604020202020204" pitchFamily="50" charset="-127"/>
                           <a:cs typeface="Arial Unicode MS" panose="020B0604020202020204" pitchFamily="50" charset="-127"/>
                         </a:rPr>
-                        <a:t>-Z]*$/</a:t>
+                        <a:t>-Z</a:t>
                       </a:r>
+                      <a:r>
+                        <a:rPr lang="en-US" altLang="ko-KR" sz="1600" dirty="0" smtClean="0">
+                          <a:latin typeface="Arial Unicode MS" panose="020B0604020202020204" pitchFamily="50" charset="-127"/>
+                          <a:ea typeface="Arial Unicode MS" panose="020B0604020202020204" pitchFamily="50" charset="-127"/>
+                          <a:cs typeface="Arial Unicode MS" panose="020B0604020202020204" pitchFamily="50" charset="-127"/>
+                        </a:rPr>
+                        <a:t>]+$/</a:t>
+                      </a:r>
+                      <a:endParaRPr lang="en-US" altLang="ko-KR" sz="1600" dirty="0" smtClean="0">
+                        <a:latin typeface="Arial Unicode MS" panose="020B0604020202020204" pitchFamily="50" charset="-127"/>
+                        <a:ea typeface="Arial Unicode MS" panose="020B0604020202020204" pitchFamily="50" charset="-127"/>
+                        <a:cs typeface="Arial Unicode MS" panose="020B0604020202020204" pitchFamily="50" charset="-127"/>
+                      </a:endParaRPr>
                     </a:p>
                   </a:txBody>
                   <a:tcPr anchor="ctr">
@@ -10004,7 +10047,7 @@
                   </a:ext>
                 </a:extLst>
               </a:tr>
-              <a:tr h="432048">
+              <a:tr h="464052">
                 <a:tc>
                   <a:txBody>
                     <a:bodyPr/>
@@ -10049,8 +10092,13 @@
                           <a:ea typeface="Arial Unicode MS" panose="020B0604020202020204" pitchFamily="50" charset="-127"/>
                           <a:cs typeface="Arial Unicode MS" panose="020B0604020202020204" pitchFamily="50" charset="-127"/>
                         </a:rPr>
-                        <a:t>]*$/</a:t>
+                        <a:t>]+$/</a:t>
                       </a:r>
+                      <a:endParaRPr lang="en-US" altLang="ko-KR" sz="1600" dirty="0" smtClean="0">
+                        <a:latin typeface="Arial Unicode MS" panose="020B0604020202020204" pitchFamily="50" charset="-127"/>
+                        <a:ea typeface="Arial Unicode MS" panose="020B0604020202020204" pitchFamily="50" charset="-127"/>
+                        <a:cs typeface="Arial Unicode MS" panose="020B0604020202020204" pitchFamily="50" charset="-127"/>
+                      </a:endParaRPr>
                     </a:p>
                   </a:txBody>
                   <a:tcPr anchor="ctr">
@@ -10103,7 +10151,7 @@
                   </a:ext>
                 </a:extLst>
               </a:tr>
-              <a:tr h="432048">
+              <a:tr h="464052">
                 <a:tc>
                   <a:txBody>
                     <a:bodyPr/>
@@ -10132,8 +10180,21 @@
                           <a:ea typeface="Arial Unicode MS" panose="020B0604020202020204" pitchFamily="50" charset="-127"/>
                           <a:cs typeface="Arial Unicode MS" panose="020B0604020202020204" pitchFamily="50" charset="-127"/>
                         </a:rPr>
-                        <a:t>  /^[a-zA-Z0-9]*$/</a:t>
+                        <a:t>  /^[a-zA-Z0-9</a:t>
                       </a:r>
+                      <a:r>
+                        <a:rPr lang="en-US" altLang="ko-KR" sz="1600" dirty="0" smtClean="0">
+                          <a:latin typeface="Arial Unicode MS" panose="020B0604020202020204" pitchFamily="50" charset="-127"/>
+                          <a:ea typeface="Arial Unicode MS" panose="020B0604020202020204" pitchFamily="50" charset="-127"/>
+                          <a:cs typeface="Arial Unicode MS" panose="020B0604020202020204" pitchFamily="50" charset="-127"/>
+                        </a:rPr>
+                        <a:t>]+$/</a:t>
+                      </a:r>
+                      <a:endParaRPr lang="en-US" altLang="ko-KR" sz="1600" dirty="0" smtClean="0">
+                        <a:latin typeface="Arial Unicode MS" panose="020B0604020202020204" pitchFamily="50" charset="-127"/>
+                        <a:ea typeface="Arial Unicode MS" panose="020B0604020202020204" pitchFamily="50" charset="-127"/>
+                        <a:cs typeface="Arial Unicode MS" panose="020B0604020202020204" pitchFamily="50" charset="-127"/>
+                      </a:endParaRPr>
                     </a:p>
                   </a:txBody>
                   <a:tcPr anchor="ctr">
@@ -10186,7 +10247,7 @@
                   </a:ext>
                 </a:extLst>
               </a:tr>
-              <a:tr h="432048">
+              <a:tr h="464052">
                 <a:tc>
                   <a:txBody>
                     <a:bodyPr/>
@@ -10329,7 +10390,7 @@
                   </a:ext>
                 </a:extLst>
               </a:tr>
-              <a:tr h="432048">
+              <a:tr h="464052">
                 <a:tc>
                   <a:txBody>
                     <a:bodyPr/>
@@ -10439,7 +10500,7 @@
                   </a:ext>
                 </a:extLst>
               </a:tr>
-              <a:tr h="432048">
+              <a:tr h="464052">
                 <a:tc>
                   <a:txBody>
                     <a:bodyPr/>
@@ -10506,7 +10567,7 @@
                   </a:ext>
                 </a:extLst>
               </a:tr>
-              <a:tr h="432048">
+              <a:tr h="464052">
                 <a:tc>
                   <a:txBody>
                     <a:bodyPr/>
@@ -11624,7 +11685,7 @@
         </p:blipFill>
         <p:spPr>
           <a:xfrm>
-            <a:off x="1096008" y="1815615"/>
+            <a:off x="1053547" y="1700808"/>
             <a:ext cx="5253656" cy="2016224"/>
           </a:xfrm>
           <a:prstGeom prst="rect">
@@ -11661,8 +11722,82 @@
         </p:blipFill>
         <p:spPr>
           <a:xfrm>
-            <a:off x="3276600" y="3661049"/>
+            <a:off x="3800872" y="3918684"/>
             <a:ext cx="5418290" cy="2240474"/>
+          </a:xfrm>
+          <a:prstGeom prst="rect">
+            <a:avLst/>
+          </a:prstGeom>
+          <a:ln>
+            <a:solidFill>
+              <a:schemeClr val="bg1">
+                <a:lumMod val="85000"/>
+              </a:schemeClr>
+            </a:solidFill>
+          </a:ln>
+        </p:spPr>
+      </p:pic>
+      <p:pic>
+        <p:nvPicPr>
+          <p:cNvPr id="2" name="그림 1"/>
+          <p:cNvPicPr>
+            <a:picLocks noChangeAspect="1"/>
+          </p:cNvPicPr>
+          <p:nvPr/>
+        </p:nvPicPr>
+        <p:blipFill>
+          <a:blip r:embed="rId5">
+            <a:extLst>
+              <a:ext uri="{28A0092B-C50C-407E-A947-70E740481C1C}">
+                <a14:useLocalDpi xmlns:a14="http://schemas.microsoft.com/office/drawing/2010/main" val="0"/>
+              </a:ext>
+            </a:extLst>
+          </a:blip>
+          <a:stretch>
+            <a:fillRect/>
+          </a:stretch>
+        </p:blipFill>
+        <p:spPr>
+          <a:xfrm>
+            <a:off x="6033120" y="2617605"/>
+            <a:ext cx="1882303" cy="800169"/>
+          </a:xfrm>
+          <a:prstGeom prst="rect">
+            <a:avLst/>
+          </a:prstGeom>
+          <a:ln>
+            <a:solidFill>
+              <a:schemeClr val="bg1">
+                <a:lumMod val="85000"/>
+              </a:schemeClr>
+            </a:solidFill>
+          </a:ln>
+        </p:spPr>
+      </p:pic>
+      <p:pic>
+        <p:nvPicPr>
+          <p:cNvPr id="3" name="그림 2"/>
+          <p:cNvPicPr>
+            <a:picLocks noChangeAspect="1"/>
+          </p:cNvPicPr>
+          <p:nvPr/>
+        </p:nvPicPr>
+        <p:blipFill>
+          <a:blip r:embed="rId6">
+            <a:extLst>
+              <a:ext uri="{28A0092B-C50C-407E-A947-70E740481C1C}">
+                <a14:useLocalDpi xmlns:a14="http://schemas.microsoft.com/office/drawing/2010/main" val="0"/>
+              </a:ext>
+            </a:extLst>
+          </a:blip>
+          <a:stretch>
+            <a:fillRect/>
+          </a:stretch>
+        </p:blipFill>
+        <p:spPr>
+          <a:xfrm>
+            <a:off x="1493245" y="5038921"/>
+            <a:ext cx="2187130" cy="807790"/>
           </a:xfrm>
           <a:prstGeom prst="rect">
             <a:avLst/>
@@ -11771,7 +11906,7 @@
       </p:sp>
       <p:pic>
         <p:nvPicPr>
-          <p:cNvPr id="5" name="그림 4"/>
+          <p:cNvPr id="3" name="그림 2"/>
           <p:cNvPicPr>
             <a:picLocks noChangeAspect="1"/>
           </p:cNvPicPr>
@@ -11791,8 +11926,8 @@
         </p:blipFill>
         <p:spPr>
           <a:xfrm>
-            <a:off x="1165852" y="1479809"/>
-            <a:ext cx="6008418" cy="2921604"/>
+            <a:off x="848544" y="1988840"/>
+            <a:ext cx="8344623" cy="2918713"/>
           </a:xfrm>
           <a:prstGeom prst="rect">
             <a:avLst/>
@@ -11808,14 +11943,14 @@
       </p:pic>
       <p:sp>
         <p:nvSpPr>
-          <p:cNvPr id="4" name="TextBox 3"/>
+          <p:cNvPr id="7" name="TextBox 6"/>
           <p:cNvSpPr txBox="1"/>
           <p:nvPr/>
         </p:nvSpPr>
         <p:spPr>
           <a:xfrm>
-            <a:off x="4997174" y="1269846"/>
-            <a:ext cx="3672408" cy="646986"/>
+            <a:off x="848544" y="1322990"/>
+            <a:ext cx="5544616" cy="374571"/>
           </a:xfrm>
           <a:prstGeom prst="roundRect">
             <a:avLst/>
@@ -11857,47 +11992,67 @@
           </a:p>
         </p:txBody>
       </p:sp>
-      <p:pic>
-        <p:nvPicPr>
-          <p:cNvPr id="6" name="그림 5"/>
-          <p:cNvPicPr>
-            <a:picLocks noChangeAspect="1"/>
-          </p:cNvPicPr>
-          <p:nvPr/>
-        </p:nvPicPr>
-        <p:blipFill>
-          <a:blip r:embed="rId4">
+      <p:sp>
+        <p:nvSpPr>
+          <p:cNvPr id="8" name="모서리가 둥근 직사각형 7">
             <a:extLst>
-              <a:ext uri="{28A0092B-C50C-407E-A947-70E740481C1C}">
-                <a14:useLocalDpi xmlns:a14="http://schemas.microsoft.com/office/drawing/2010/main" val="0"/>
+              <a:ext uri="{FF2B5EF4-FFF2-40B4-BE49-F238E27FC236}">
+                <a16:creationId xmlns:a16="http://schemas.microsoft.com/office/drawing/2014/main" id="{792DA8B4-17B2-454B-97AC-17311A4832C5}"/>
               </a:ext>
             </a:extLst>
-          </a:blip>
-          <a:stretch>
-            <a:fillRect/>
-          </a:stretch>
-        </p:blipFill>
-        <p:spPr>
-          <a:xfrm>
-            <a:off x="3440832" y="4221088"/>
-            <a:ext cx="5211440" cy="1632917"/>
-          </a:xfrm>
-          <a:prstGeom prst="rect">
+          </p:cNvPr>
+          <p:cNvSpPr/>
+          <p:nvPr/>
+        </p:nvSpPr>
+        <p:spPr>
+          <a:xfrm>
+            <a:off x="7689304" y="2636912"/>
+            <a:ext cx="1854206" cy="317650"/>
+          </a:xfrm>
+          <a:prstGeom prst="roundRect">
             <a:avLst/>
           </a:prstGeom>
-          <a:ln>
+          <a:noFill/>
+          <a:ln w="12700">
             <a:solidFill>
-              <a:schemeClr val="bg1">
-                <a:lumMod val="85000"/>
-              </a:schemeClr>
+              <a:schemeClr val="tx1"/>
             </a:solidFill>
           </a:ln>
         </p:spPr>
-      </p:pic>
+        <p:style>
+          <a:lnRef idx="2">
+            <a:schemeClr val="accent2"/>
+          </a:lnRef>
+          <a:fillRef idx="1">
+            <a:schemeClr val="lt1"/>
+          </a:fillRef>
+          <a:effectRef idx="0">
+            <a:schemeClr val="accent2"/>
+          </a:effectRef>
+          <a:fontRef idx="minor">
+            <a:schemeClr val="dk1"/>
+          </a:fontRef>
+        </p:style>
+        <p:txBody>
+          <a:bodyPr rtlCol="0" anchor="ctr"/>
+          <a:lstStyle/>
+          <a:p>
+            <a:pPr algn="ctr"/>
+            <a:r>
+              <a:rPr lang="en-US" altLang="ko-KR" sz="1600" dirty="0" smtClean="0">
+                <a:solidFill>
+                  <a:sysClr val="windowText" lastClr="000000"/>
+                </a:solidFill>
+              </a:rPr>
+              <a:t>search01.jsp</a:t>
+            </a:r>
+          </a:p>
+        </p:txBody>
+      </p:sp>
     </p:spTree>
     <p:extLst>
       <p:ext uri="{BB962C8B-B14F-4D97-AF65-F5344CB8AC3E}">
-        <p14:creationId xmlns:p14="http://schemas.microsoft.com/office/powerpoint/2010/main" val="2640666992"/>
+        <p14:creationId xmlns:p14="http://schemas.microsoft.com/office/powerpoint/2010/main" val="3882904912"/>
       </p:ext>
     </p:extLst>
   </p:cSld>
@@ -11976,21 +12131,406 @@
               <a:t> </a:t>
             </a:r>
             <a:r>
+              <a:rPr lang="en-US" altLang="ko-KR" dirty="0" smtClean="0"/>
+              <a:t>validation </a:t>
+            </a:r>
+            <a:r>
               <a:rPr lang="ko-KR" altLang="en-US" dirty="0" smtClean="0"/>
-              <a:t>정규 </a:t>
-            </a:r>
-            <a:r>
-              <a:rPr lang="ko-KR" altLang="en-US" dirty="0" err="1" smtClean="0"/>
-              <a:t>표현식</a:t>
-            </a:r>
+              <a:t>연습문제</a:t>
+            </a:r>
+            <a:endParaRPr lang="ko-KR" altLang="en-US" dirty="0"/>
+          </a:p>
+        </p:txBody>
+      </p:sp>
+      <p:sp>
+        <p:nvSpPr>
+          <p:cNvPr id="7" name="직사각형 6"/>
+          <p:cNvSpPr/>
+          <p:nvPr/>
+        </p:nvSpPr>
+        <p:spPr>
+          <a:xfrm>
+            <a:off x="858168" y="1569566"/>
+            <a:ext cx="8847360" cy="454292"/>
+          </a:xfrm>
+          <a:prstGeom prst="rect">
+            <a:avLst/>
+          </a:prstGeom>
+        </p:spPr>
+        <p:txBody>
+          <a:bodyPr wrap="square">
+            <a:spAutoFit/>
+          </a:bodyPr>
+          <a:lstStyle/>
+          <a:p>
+            <a:pPr>
+              <a:lnSpc>
+                <a:spcPct val="150000"/>
+              </a:lnSpc>
+            </a:pPr>
             <a:r>
               <a:rPr lang="en-US" altLang="ko-KR" dirty="0" smtClean="0"/>
-              <a:t>(Regular Expression)</a:t>
+              <a:t> </a:t>
             </a:r>
             <a:endParaRPr lang="ko-KR" altLang="en-US" dirty="0"/>
           </a:p>
         </p:txBody>
       </p:sp>
+      <p:sp>
+        <p:nvSpPr>
+          <p:cNvPr id="4" name="TextBox 3"/>
+          <p:cNvSpPr txBox="1"/>
+          <p:nvPr/>
+        </p:nvSpPr>
+        <p:spPr>
+          <a:xfrm>
+            <a:off x="1141388" y="3118316"/>
+            <a:ext cx="8280920" cy="3046988"/>
+          </a:xfrm>
+          <a:prstGeom prst="rect">
+            <a:avLst/>
+          </a:prstGeom>
+          <a:noFill/>
+        </p:spPr>
+        <p:txBody>
+          <a:bodyPr wrap="square" rtlCol="0">
+            <a:spAutoFit/>
+          </a:bodyPr>
+          <a:lstStyle/>
+          <a:p>
+            <a:pPr>
+              <a:lnSpc>
+                <a:spcPct val="150000"/>
+              </a:lnSpc>
+            </a:pPr>
+            <a:r>
+              <a:rPr lang="en-US" altLang="ko-KR" sz="1600" dirty="0" smtClean="0"/>
+              <a:t>1. </a:t>
+            </a:r>
+            <a:r>
+              <a:rPr lang="en-US" altLang="ko-KR" sz="1600" dirty="0" err="1" smtClean="0"/>
+              <a:t>validation_test.jsp</a:t>
+            </a:r>
+            <a:r>
+              <a:rPr lang="en-US" altLang="ko-KR" sz="1600" dirty="0" smtClean="0"/>
+              <a:t> </a:t>
+            </a:r>
+            <a:r>
+              <a:rPr lang="ko-KR" altLang="en-US" sz="1600" dirty="0" smtClean="0"/>
+              <a:t>파일 생성</a:t>
+            </a:r>
+            <a:endParaRPr lang="en-US" altLang="ko-KR" sz="1600" dirty="0" smtClean="0"/>
+          </a:p>
+          <a:p>
+            <a:pPr>
+              <a:lnSpc>
+                <a:spcPct val="150000"/>
+              </a:lnSpc>
+            </a:pPr>
+            <a:r>
+              <a:rPr lang="en-US" altLang="ko-KR" sz="1600" dirty="0"/>
+              <a:t> </a:t>
+            </a:r>
+            <a:r>
+              <a:rPr lang="en-US" altLang="ko-KR" sz="1600" dirty="0" smtClean="0"/>
+              <a:t>    1) </a:t>
+            </a:r>
+            <a:r>
+              <a:rPr lang="ko-KR" altLang="en-US" sz="1600" dirty="0" smtClean="0"/>
+              <a:t>아이디</a:t>
+            </a:r>
+            <a:r>
+              <a:rPr lang="en-US" altLang="ko-KR" sz="1600" dirty="0" smtClean="0"/>
+              <a:t>, </a:t>
+            </a:r>
+            <a:r>
+              <a:rPr lang="ko-KR" altLang="en-US" sz="1600" dirty="0" smtClean="0"/>
+              <a:t>비밀번호가 입력되지 않으면 </a:t>
+            </a:r>
+            <a:r>
+              <a:rPr lang="en-US" altLang="ko-KR" sz="1600" dirty="0" smtClean="0"/>
+              <a:t>“</a:t>
+            </a:r>
+            <a:r>
+              <a:rPr lang="ko-KR" altLang="en-US" sz="1600" dirty="0" smtClean="0"/>
+              <a:t>아이디</a:t>
+            </a:r>
+            <a:r>
+              <a:rPr lang="en-US" altLang="ko-KR" sz="1600" dirty="0" smtClean="0"/>
+              <a:t>(</a:t>
+            </a:r>
+            <a:r>
+              <a:rPr lang="ko-KR" altLang="en-US" sz="1600" dirty="0" smtClean="0"/>
+              <a:t>또는 비밀번호</a:t>
+            </a:r>
+            <a:r>
+              <a:rPr lang="en-US" altLang="ko-KR" sz="1600" dirty="0" smtClean="0"/>
+              <a:t>)</a:t>
+            </a:r>
+            <a:r>
+              <a:rPr lang="ko-KR" altLang="en-US" sz="1600" dirty="0" smtClean="0"/>
+              <a:t>가 </a:t>
+            </a:r>
+            <a:r>
+              <a:rPr lang="ko-KR" altLang="en-US" sz="1600" dirty="0" err="1" smtClean="0"/>
+              <a:t>입력를</a:t>
+            </a:r>
+            <a:r>
+              <a:rPr lang="ko-KR" altLang="en-US" sz="1600" dirty="0" smtClean="0"/>
+              <a:t> 입력해 </a:t>
+            </a:r>
+            <a:endParaRPr lang="en-US" altLang="ko-KR" sz="1600" dirty="0" smtClean="0"/>
+          </a:p>
+          <a:p>
+            <a:pPr>
+              <a:lnSpc>
+                <a:spcPct val="150000"/>
+              </a:lnSpc>
+            </a:pPr>
+            <a:r>
+              <a:rPr lang="en-US" altLang="ko-KR" sz="1600" dirty="0"/>
+              <a:t> </a:t>
+            </a:r>
+            <a:r>
+              <a:rPr lang="en-US" altLang="ko-KR" sz="1600" dirty="0" smtClean="0"/>
+              <a:t>       </a:t>
+            </a:r>
+            <a:r>
+              <a:rPr lang="ko-KR" altLang="en-US" sz="1600" dirty="0" smtClean="0"/>
+              <a:t>주세요</a:t>
+            </a:r>
+            <a:r>
+              <a:rPr lang="en-US" altLang="ko-KR" sz="1600" dirty="0" smtClean="0"/>
+              <a:t>’</a:t>
+            </a:r>
+            <a:r>
+              <a:rPr lang="ko-KR" altLang="en-US" sz="1600" dirty="0" smtClean="0"/>
+              <a:t>라는 메시지 창이 뜨도록 작성한다</a:t>
+            </a:r>
+            <a:r>
+              <a:rPr lang="en-US" altLang="ko-KR" sz="1600" dirty="0" smtClean="0"/>
+              <a:t>.</a:t>
+            </a:r>
+          </a:p>
+          <a:p>
+            <a:pPr>
+              <a:lnSpc>
+                <a:spcPct val="150000"/>
+              </a:lnSpc>
+            </a:pPr>
+            <a:r>
+              <a:rPr lang="en-US" altLang="ko-KR" sz="1600" dirty="0"/>
+              <a:t> </a:t>
+            </a:r>
+            <a:r>
+              <a:rPr lang="en-US" altLang="ko-KR" sz="1600" dirty="0" smtClean="0"/>
+              <a:t>    2) </a:t>
+            </a:r>
+            <a:r>
+              <a:rPr lang="ko-KR" altLang="en-US" sz="1600" dirty="0" smtClean="0"/>
+              <a:t>비밀번호에 아이디 값을 포함하면 </a:t>
+            </a:r>
+            <a:r>
+              <a:rPr lang="en-US" altLang="ko-KR" sz="1600" dirty="0" smtClean="0"/>
+              <a:t>“</a:t>
+            </a:r>
+            <a:r>
+              <a:rPr lang="ko-KR" altLang="en-US" sz="1600" dirty="0" smtClean="0"/>
+              <a:t>비밀번호는 아이디를 포함할 수 없습니다</a:t>
+            </a:r>
+            <a:r>
+              <a:rPr lang="en-US" altLang="ko-KR" sz="1600" dirty="0" smtClean="0"/>
+              <a:t>.”</a:t>
+            </a:r>
+          </a:p>
+          <a:p>
+            <a:pPr>
+              <a:lnSpc>
+                <a:spcPct val="150000"/>
+              </a:lnSpc>
+            </a:pPr>
+            <a:r>
+              <a:rPr lang="en-US" altLang="ko-KR" sz="1600" dirty="0"/>
+              <a:t> </a:t>
+            </a:r>
+            <a:r>
+              <a:rPr lang="en-US" altLang="ko-KR" sz="1600" dirty="0" smtClean="0"/>
+              <a:t>       </a:t>
+            </a:r>
+            <a:r>
+              <a:rPr lang="ko-KR" altLang="en-US" sz="1600" dirty="0" smtClean="0"/>
+              <a:t>라는 메시지 창이 뜨도록 작성한다</a:t>
+            </a:r>
+            <a:r>
+              <a:rPr lang="en-US" altLang="ko-KR" sz="1600" dirty="0" smtClean="0"/>
+              <a:t>.</a:t>
+            </a:r>
+          </a:p>
+          <a:p>
+            <a:pPr>
+              <a:lnSpc>
+                <a:spcPct val="150000"/>
+              </a:lnSpc>
+            </a:pPr>
+            <a:r>
+              <a:rPr lang="en-US" altLang="ko-KR" sz="1600" dirty="0"/>
+              <a:t> </a:t>
+            </a:r>
+            <a:r>
+              <a:rPr lang="en-US" altLang="ko-KR" sz="1600" dirty="0" smtClean="0"/>
+              <a:t>    3) </a:t>
+            </a:r>
+            <a:r>
+              <a:rPr lang="ko-KR" altLang="en-US" sz="1600" dirty="0" smtClean="0"/>
+              <a:t>이름</a:t>
+            </a:r>
+            <a:r>
+              <a:rPr lang="ko-KR" altLang="en-US" sz="1600" dirty="0"/>
+              <a:t>이</a:t>
+            </a:r>
+            <a:r>
+              <a:rPr lang="ko-KR" altLang="en-US" sz="1600" dirty="0" smtClean="0"/>
+              <a:t> </a:t>
+            </a:r>
+            <a:r>
+              <a:rPr lang="ko-KR" altLang="en-US" sz="1600" dirty="0"/>
+              <a:t>입력되지 않으면 </a:t>
+            </a:r>
+            <a:r>
+              <a:rPr lang="en-US" altLang="ko-KR" sz="1600" dirty="0" smtClean="0"/>
+              <a:t>“</a:t>
+            </a:r>
+            <a:r>
+              <a:rPr lang="ko-KR" altLang="en-US" sz="1600" dirty="0" smtClean="0"/>
+              <a:t>이름</a:t>
+            </a:r>
+            <a:r>
+              <a:rPr lang="ko-KR" altLang="en-US" sz="1600" dirty="0"/>
+              <a:t>을</a:t>
+            </a:r>
+            <a:r>
+              <a:rPr lang="ko-KR" altLang="en-US" sz="1600" dirty="0" smtClean="0"/>
+              <a:t> </a:t>
+            </a:r>
+            <a:r>
+              <a:rPr lang="ko-KR" altLang="en-US" sz="1600" dirty="0" err="1"/>
+              <a:t>입력를</a:t>
+            </a:r>
+            <a:r>
+              <a:rPr lang="ko-KR" altLang="en-US" sz="1600" dirty="0"/>
+              <a:t> 입력해 </a:t>
+            </a:r>
+            <a:r>
+              <a:rPr lang="ko-KR" altLang="en-US" sz="1600" dirty="0" smtClean="0"/>
+              <a:t>주세요</a:t>
+            </a:r>
+            <a:r>
+              <a:rPr lang="en-US" altLang="ko-KR" sz="1600" dirty="0"/>
+              <a:t>’</a:t>
+            </a:r>
+            <a:r>
+              <a:rPr lang="ko-KR" altLang="en-US" sz="1600" dirty="0"/>
+              <a:t>라는 메시지 창이 뜨도록 </a:t>
+            </a:r>
+            <a:endParaRPr lang="en-US" altLang="ko-KR" sz="1600" dirty="0" smtClean="0"/>
+          </a:p>
+          <a:p>
+            <a:pPr>
+              <a:lnSpc>
+                <a:spcPct val="150000"/>
+              </a:lnSpc>
+            </a:pPr>
+            <a:r>
+              <a:rPr lang="en-US" altLang="ko-KR" sz="1600" dirty="0"/>
+              <a:t> </a:t>
+            </a:r>
+            <a:r>
+              <a:rPr lang="en-US" altLang="ko-KR" sz="1600" dirty="0" smtClean="0"/>
+              <a:t>       </a:t>
+            </a:r>
+            <a:r>
+              <a:rPr lang="ko-KR" altLang="en-US" sz="1600" dirty="0" smtClean="0"/>
+              <a:t>작성한다</a:t>
+            </a:r>
+            <a:r>
+              <a:rPr lang="en-US" altLang="ko-KR" sz="1600" dirty="0"/>
+              <a:t>.</a:t>
+            </a:r>
+          </a:p>
+          <a:p>
+            <a:pPr>
+              <a:lnSpc>
+                <a:spcPct val="150000"/>
+              </a:lnSpc>
+            </a:pPr>
+            <a:r>
+              <a:rPr lang="en-US" altLang="ko-KR" sz="1600" dirty="0" smtClean="0"/>
+              <a:t>2. </a:t>
+            </a:r>
+            <a:r>
+              <a:rPr lang="en-US" altLang="ko-KR" sz="1600" dirty="0" err="1" smtClean="0"/>
+              <a:t>test_process.jsp</a:t>
+            </a:r>
+            <a:r>
+              <a:rPr lang="en-US" altLang="ko-KR" sz="1600" dirty="0" smtClean="0"/>
+              <a:t> </a:t>
+            </a:r>
+            <a:r>
+              <a:rPr lang="ko-KR" altLang="en-US" sz="1600" dirty="0" smtClean="0"/>
+              <a:t>파일 생성하여 요청 </a:t>
+            </a:r>
+            <a:r>
+              <a:rPr lang="ko-KR" altLang="en-US" sz="1600" dirty="0" err="1" smtClean="0"/>
+              <a:t>파라미터값을</a:t>
+            </a:r>
+            <a:r>
+              <a:rPr lang="ko-KR" altLang="en-US" sz="1600" dirty="0" smtClean="0"/>
+              <a:t> 출력한다</a:t>
+            </a:r>
+            <a:r>
+              <a:rPr lang="en-US" altLang="ko-KR" sz="1600" dirty="0" smtClean="0"/>
+              <a:t>.</a:t>
+            </a:r>
+          </a:p>
+        </p:txBody>
+      </p:sp>
+      <p:pic>
+        <p:nvPicPr>
+          <p:cNvPr id="2" name="그림 1"/>
+          <p:cNvPicPr>
+            <a:picLocks noChangeAspect="1"/>
+          </p:cNvPicPr>
+          <p:nvPr/>
+        </p:nvPicPr>
+        <p:blipFill>
+          <a:blip r:embed="rId2">
+            <a:extLst>
+              <a:ext uri="{28A0092B-C50C-407E-A947-70E740481C1C}">
+                <a14:useLocalDpi xmlns:a14="http://schemas.microsoft.com/office/drawing/2010/main" val="0"/>
+              </a:ext>
+            </a:extLst>
+          </a:blip>
+          <a:stretch>
+            <a:fillRect/>
+          </a:stretch>
+        </p:blipFill>
+        <p:spPr>
+          <a:xfrm>
+            <a:off x="1150583" y="1167429"/>
+            <a:ext cx="4824536" cy="1897540"/>
+          </a:xfrm>
+          <a:prstGeom prst="rect">
+            <a:avLst/>
+          </a:prstGeom>
+          <a:ln>
+            <a:solidFill>
+              <a:schemeClr val="bg1">
+                <a:lumMod val="85000"/>
+              </a:schemeClr>
+            </a:solidFill>
+          </a:ln>
+        </p:spPr>
+      </p:pic>
       <p:pic>
         <p:nvPicPr>
           <p:cNvPr id="3" name="그림 2"/>
@@ -12013,8 +12553,8 @@
         </p:blipFill>
         <p:spPr>
           <a:xfrm>
-            <a:off x="2288703" y="2420888"/>
-            <a:ext cx="6020799" cy="3888432"/>
+            <a:off x="6783694" y="1554473"/>
+            <a:ext cx="1926570" cy="1119775"/>
           </a:xfrm>
           <a:prstGeom prst="rect">
             <a:avLst/>
@@ -12028,160 +12568,51 @@
           </a:ln>
         </p:spPr>
       </p:pic>
-      <p:pic>
-        <p:nvPicPr>
-          <p:cNvPr id="4" name="그림 3"/>
-          <p:cNvPicPr>
-            <a:picLocks noChangeAspect="1"/>
-          </p:cNvPicPr>
+      <p:sp>
+        <p:nvSpPr>
+          <p:cNvPr id="5" name="오른쪽 화살표 4"/>
+          <p:cNvSpPr/>
           <p:nvPr/>
-        </p:nvPicPr>
-        <p:blipFill>
-          <a:blip r:embed="rId4">
-            <a:extLst>
-              <a:ext uri="{28A0092B-C50C-407E-A947-70E740481C1C}">
-                <a14:useLocalDpi xmlns:a14="http://schemas.microsoft.com/office/drawing/2010/main" val="0"/>
-              </a:ext>
-            </a:extLst>
-          </a:blip>
-          <a:stretch>
-            <a:fillRect/>
-          </a:stretch>
-        </p:blipFill>
-        <p:spPr>
-          <a:xfrm>
-            <a:off x="920553" y="1052737"/>
-            <a:ext cx="3456384" cy="398992"/>
-          </a:xfrm>
-          <a:prstGeom prst="rect">
+        </p:nvSpPr>
+        <p:spPr>
+          <a:xfrm>
+            <a:off x="6177136" y="2023858"/>
+            <a:ext cx="360040" cy="181006"/>
+          </a:xfrm>
+          <a:prstGeom prst="rightArrow">
             <a:avLst/>
           </a:prstGeom>
-        </p:spPr>
-      </p:pic>
-      <p:pic>
-        <p:nvPicPr>
-          <p:cNvPr id="7" name="그림 6"/>
-          <p:cNvPicPr>
-            <a:picLocks noChangeAspect="1"/>
-          </p:cNvPicPr>
-          <p:nvPr/>
-        </p:nvPicPr>
-        <p:blipFill rotWithShape="1">
-          <a:blip r:embed="rId5">
-            <a:extLst>
-              <a:ext uri="{28A0092B-C50C-407E-A947-70E740481C1C}">
-                <a14:useLocalDpi xmlns:a14="http://schemas.microsoft.com/office/drawing/2010/main" val="0"/>
-              </a:ext>
-            </a:extLst>
-          </a:blip>
-          <a:srcRect t="42333"/>
-          <a:stretch/>
-        </p:blipFill>
-        <p:spPr>
-          <a:xfrm>
-            <a:off x="992560" y="1556792"/>
-            <a:ext cx="5921744" cy="792088"/>
-          </a:xfrm>
-          <a:prstGeom prst="rect">
-            <a:avLst/>
-          </a:prstGeom>
-        </p:spPr>
-      </p:pic>
-      <p:sp>
-        <p:nvSpPr>
-          <p:cNvPr id="8" name="TextBox 7"/>
-          <p:cNvSpPr txBox="1"/>
-          <p:nvPr/>
-        </p:nvSpPr>
-        <p:spPr>
-          <a:xfrm>
-            <a:off x="5529064" y="1484784"/>
-            <a:ext cx="3600400" cy="584775"/>
-          </a:xfrm>
-          <a:prstGeom prst="rect">
-            <a:avLst/>
-          </a:prstGeom>
-          <a:noFill/>
-        </p:spPr>
-        <p:txBody>
-          <a:bodyPr wrap="square" rtlCol="0">
-            <a:spAutoFit/>
-          </a:bodyPr>
-          <a:lstStyle/>
-          <a:p>
-            <a:r>
-              <a:rPr lang="en-US" altLang="ko-KR" sz="1600" b="1" dirty="0" smtClean="0"/>
-              <a:t>test()</a:t>
-            </a:r>
-            <a:r>
-              <a:rPr lang="ko-KR" altLang="en-US" sz="1600" b="1" dirty="0" smtClean="0"/>
-              <a:t>는</a:t>
-            </a:r>
-            <a:r>
-              <a:rPr lang="en-US" altLang="ko-KR" sz="1600" b="1" dirty="0"/>
-              <a:t> </a:t>
-            </a:r>
-            <a:r>
-              <a:rPr lang="ko-KR" altLang="en-US" sz="1600" b="1" dirty="0" smtClean="0"/>
-              <a:t>문자열이 일치하는지 여부를  </a:t>
-            </a:r>
-            <a:r>
-              <a:rPr lang="en-US" altLang="ko-KR" sz="1600" b="1" dirty="0" smtClean="0"/>
-              <a:t>true/false</a:t>
-            </a:r>
-            <a:r>
-              <a:rPr lang="ko-KR" altLang="en-US" sz="1600" b="1" dirty="0" smtClean="0"/>
-              <a:t>로 반환</a:t>
-            </a:r>
-            <a:r>
-              <a:rPr lang="en-US" altLang="ko-KR" sz="1600" b="1" dirty="0" smtClean="0"/>
-              <a:t>.</a:t>
-            </a:r>
-            <a:endParaRPr lang="ko-KR" altLang="en-US" sz="1600" b="1" dirty="0"/>
-          </a:p>
-        </p:txBody>
-      </p:sp>
-      <p:cxnSp>
-        <p:nvCxnSpPr>
-          <p:cNvPr id="12" name="직선 화살표 연결선 11"/>
-          <p:cNvCxnSpPr/>
-          <p:nvPr/>
-        </p:nvCxnSpPr>
-        <p:spPr>
-          <a:xfrm>
-            <a:off x="5034009" y="1726069"/>
-            <a:ext cx="495055" cy="0"/>
-          </a:xfrm>
-          <a:prstGeom prst="straightConnector1">
-            <a:avLst/>
-          </a:prstGeom>
-          <a:ln w="12700">
-            <a:solidFill>
-              <a:srgbClr val="C00000"/>
-            </a:solidFill>
-            <a:headEnd type="none" w="med" len="med"/>
-            <a:tailEnd type="triangle" w="med" len="med"/>
-          </a:ln>
+          <a:ln w="12700"/>
         </p:spPr>
         <p:style>
           <a:lnRef idx="2">
-            <a:schemeClr val="dk1"/>
+            <a:schemeClr val="accent1">
+              <a:shade val="50000"/>
+            </a:schemeClr>
           </a:lnRef>
           <a:fillRef idx="1">
-            <a:schemeClr val="lt1"/>
+            <a:schemeClr val="accent1"/>
           </a:fillRef>
           <a:effectRef idx="0">
-            <a:schemeClr val="dk1"/>
+            <a:schemeClr val="accent1"/>
           </a:effectRef>
           <a:fontRef idx="minor">
-            <a:schemeClr val="dk1"/>
+            <a:schemeClr val="lt1"/>
           </a:fontRef>
         </p:style>
-      </p:cxnSp>
+        <p:txBody>
+          <a:bodyPr rtlCol="0" anchor="ctr"/>
+          <a:lstStyle/>
+          <a:p>
+            <a:pPr algn="ctr"/>
+            <a:endParaRPr lang="ko-KR" altLang="en-US"/>
+          </a:p>
+        </p:txBody>
+      </p:sp>
     </p:spTree>
     <p:extLst>
       <p:ext uri="{BB962C8B-B14F-4D97-AF65-F5344CB8AC3E}">
-        <p14:creationId xmlns:p14="http://schemas.microsoft.com/office/powerpoint/2010/main" val="324882621"/>
+        <p14:creationId xmlns:p14="http://schemas.microsoft.com/office/powerpoint/2010/main" val="8410978"/>
       </p:ext>
     </p:extLst>
   </p:cSld>
@@ -12517,12 +12948,12 @@
               <a:t> </a:t>
             </a:r>
             <a:r>
-              <a:rPr lang="ko-KR" altLang="en-US" dirty="0"/>
-              <a:t> 유효성 검사</a:t>
-            </a:r>
-            <a:r>
               <a:rPr lang="en-US" altLang="ko-KR" dirty="0"/>
-              <a:t>(validation)</a:t>
+              <a:t>validation </a:t>
+            </a:r>
+            <a:r>
+              <a:rPr lang="ko-KR" altLang="en-US" dirty="0" smtClean="0"/>
+              <a:t>연습문제</a:t>
             </a:r>
             <a:endParaRPr lang="ko-KR" altLang="en-US" dirty="0"/>
           </a:p>
@@ -12530,22 +12961,21 @@
       </p:sp>
       <p:sp>
         <p:nvSpPr>
-          <p:cNvPr id="6" name="TextBox 5"/>
-          <p:cNvSpPr txBox="1"/>
+          <p:cNvPr id="7" name="직사각형 6"/>
+          <p:cNvSpPr/>
           <p:nvPr/>
         </p:nvSpPr>
         <p:spPr>
           <a:xfrm>
-            <a:off x="776536" y="1206314"/>
-            <a:ext cx="8496944" cy="494494"/>
+            <a:off x="858168" y="1569566"/>
+            <a:ext cx="8847360" cy="454292"/>
           </a:xfrm>
           <a:prstGeom prst="rect">
             <a:avLst/>
           </a:prstGeom>
-          <a:noFill/>
-        </p:spPr>
-        <p:txBody>
-          <a:bodyPr wrap="square" rtlCol="0">
+        </p:spPr>
+        <p:txBody>
+          <a:bodyPr wrap="square">
             <a:spAutoFit/>
           </a:bodyPr>
           <a:lstStyle/>
@@ -12556,34 +12986,10 @@
               </a:lnSpc>
             </a:pPr>
             <a:r>
-              <a:rPr lang="ko-KR" altLang="en-US" sz="2000" b="1" dirty="0" smtClean="0">
-                <a:solidFill>
-                  <a:srgbClr val="C00000"/>
-                </a:solidFill>
-              </a:rPr>
-              <a:t> 정규 </a:t>
-            </a:r>
-            <a:r>
-              <a:rPr lang="ko-KR" altLang="en-US" sz="2000" b="1" dirty="0" err="1" smtClean="0">
-                <a:solidFill>
-                  <a:srgbClr val="C00000"/>
-                </a:solidFill>
-              </a:rPr>
-              <a:t>표현식</a:t>
-            </a:r>
-            <a:r>
-              <a:rPr lang="ko-KR" altLang="en-US" sz="2000" b="1" dirty="0" smtClean="0">
-                <a:solidFill>
-                  <a:srgbClr val="C00000"/>
-                </a:solidFill>
-              </a:rPr>
-              <a:t> 사용 예제</a:t>
-            </a:r>
-            <a:endParaRPr lang="en-US" altLang="ko-KR" sz="2000" b="1" dirty="0" smtClean="0">
-              <a:solidFill>
-                <a:srgbClr val="C00000"/>
-              </a:solidFill>
-            </a:endParaRPr>
+              <a:rPr lang="en-US" altLang="ko-KR" dirty="0" smtClean="0"/>
+              <a:t> </a:t>
+            </a:r>
+            <a:endParaRPr lang="ko-KR" altLang="en-US" dirty="0"/>
           </a:p>
         </p:txBody>
       </p:sp>
@@ -12609,8 +13015,8 @@
         </p:blipFill>
         <p:spPr>
           <a:xfrm>
-            <a:off x="1064568" y="1998961"/>
-            <a:ext cx="7148180" cy="1646063"/>
+            <a:off x="704528" y="2204864"/>
+            <a:ext cx="8424936" cy="1890713"/>
           </a:xfrm>
           <a:prstGeom prst="rect">
             <a:avLst/>
@@ -12624,10 +13030,80 @@
           </a:ln>
         </p:spPr>
       </p:pic>
+      <p:sp>
+        <p:nvSpPr>
+          <p:cNvPr id="8" name="모서리가 둥근 직사각형 7">
+            <a:extLst>
+              <a:ext uri="{FF2B5EF4-FFF2-40B4-BE49-F238E27FC236}">
+                <a16:creationId xmlns:a16="http://schemas.microsoft.com/office/drawing/2014/main" id="{792DA8B4-17B2-454B-97AC-17311A4832C5}"/>
+              </a:ext>
+            </a:extLst>
+          </p:cNvPr>
+          <p:cNvSpPr/>
+          <p:nvPr/>
+        </p:nvSpPr>
+        <p:spPr>
+          <a:xfrm>
+            <a:off x="6681192" y="1628800"/>
+            <a:ext cx="1854206" cy="317650"/>
+          </a:xfrm>
+          <a:prstGeom prst="roundRect">
+            <a:avLst/>
+          </a:prstGeom>
+          <a:noFill/>
+          <a:ln w="12700">
+            <a:solidFill>
+              <a:schemeClr val="tx1"/>
+            </a:solidFill>
+          </a:ln>
+        </p:spPr>
+        <p:style>
+          <a:lnRef idx="2">
+            <a:schemeClr val="accent2"/>
+          </a:lnRef>
+          <a:fillRef idx="1">
+            <a:schemeClr val="lt1"/>
+          </a:fillRef>
+          <a:effectRef idx="0">
+            <a:schemeClr val="accent2"/>
+          </a:effectRef>
+          <a:fontRef idx="minor">
+            <a:schemeClr val="dk1"/>
+          </a:fontRef>
+        </p:style>
+        <p:txBody>
+          <a:bodyPr rtlCol="0" anchor="ctr"/>
+          <a:lstStyle/>
+          <a:p>
+            <a:pPr algn="ctr"/>
+            <a:r>
+              <a:rPr lang="en-US" altLang="ko-KR" sz="1600" dirty="0" err="1">
+                <a:solidFill>
+                  <a:sysClr val="windowText" lastClr="000000"/>
+                </a:solidFill>
+              </a:rPr>
+              <a:t>v</a:t>
+            </a:r>
+            <a:r>
+              <a:rPr lang="en-US" altLang="ko-KR" sz="1600" dirty="0" err="1" smtClean="0">
+                <a:solidFill>
+                  <a:sysClr val="windowText" lastClr="000000"/>
+                </a:solidFill>
+              </a:rPr>
+              <a:t>alidation_test.jsp</a:t>
+            </a:r>
+            <a:endParaRPr lang="en-US" altLang="ko-KR" sz="1600" dirty="0" smtClean="0">
+              <a:solidFill>
+                <a:sysClr val="windowText" lastClr="000000"/>
+              </a:solidFill>
+            </a:endParaRPr>
+          </a:p>
+        </p:txBody>
+      </p:sp>
     </p:spTree>
     <p:extLst>
       <p:ext uri="{BB962C8B-B14F-4D97-AF65-F5344CB8AC3E}">
-        <p14:creationId xmlns:p14="http://schemas.microsoft.com/office/powerpoint/2010/main" val="1125028023"/>
+        <p14:creationId xmlns:p14="http://schemas.microsoft.com/office/powerpoint/2010/main" val="3413477716"/>
       </p:ext>
     </p:extLst>
   </p:cSld>
@@ -12703,11 +13179,19 @@
             </a:r>
             <a:r>
               <a:rPr lang="ko-KR" altLang="en-US" dirty="0"/>
-              <a:t> 유효성 검사</a:t>
-            </a:r>
-            <a:r>
-              <a:rPr lang="en-US" altLang="ko-KR" dirty="0"/>
-              <a:t>(validation)</a:t>
+              <a:t> </a:t>
+            </a:r>
+            <a:r>
+              <a:rPr lang="ko-KR" altLang="en-US" dirty="0" smtClean="0"/>
+              <a:t>정규 </a:t>
+            </a:r>
+            <a:r>
+              <a:rPr lang="ko-KR" altLang="en-US" dirty="0" err="1" smtClean="0"/>
+              <a:t>표현식</a:t>
+            </a:r>
+            <a:r>
+              <a:rPr lang="en-US" altLang="ko-KR" dirty="0" smtClean="0"/>
+              <a:t>(Regular Expression)</a:t>
             </a:r>
             <a:endParaRPr lang="ko-KR" altLang="en-US" dirty="0"/>
           </a:p>
@@ -12722,7 +13206,7 @@
           <p:nvPr/>
         </p:nvPicPr>
         <p:blipFill>
-          <a:blip r:embed="rId2">
+          <a:blip r:embed="rId3">
             <a:extLst>
               <a:ext uri="{28A0092B-C50C-407E-A947-70E740481C1C}">
                 <a14:useLocalDpi xmlns:a14="http://schemas.microsoft.com/office/drawing/2010/main" val="0"/>
@@ -12735,8 +13219,8 @@
         </p:blipFill>
         <p:spPr>
           <a:xfrm>
-            <a:off x="1352600" y="1340767"/>
-            <a:ext cx="6370872" cy="4320915"/>
+            <a:off x="2288703" y="2420888"/>
+            <a:ext cx="6020799" cy="3888432"/>
           </a:xfrm>
           <a:prstGeom prst="rect">
             <a:avLst/>
@@ -12750,72 +13234,160 @@
           </a:ln>
         </p:spPr>
       </p:pic>
-      <p:sp>
-        <p:nvSpPr>
-          <p:cNvPr id="5" name="모서리가 둥근 직사각형 4">
+      <p:pic>
+        <p:nvPicPr>
+          <p:cNvPr id="4" name="그림 3"/>
+          <p:cNvPicPr>
+            <a:picLocks noChangeAspect="1"/>
+          </p:cNvPicPr>
+          <p:nvPr/>
+        </p:nvPicPr>
+        <p:blipFill>
+          <a:blip r:embed="rId4">
             <a:extLst>
-              <a:ext uri="{FF2B5EF4-FFF2-40B4-BE49-F238E27FC236}">
-                <a16:creationId xmlns:a16="http://schemas.microsoft.com/office/drawing/2014/main" id="{792DA8B4-17B2-454B-97AC-17311A4832C5}"/>
+              <a:ext uri="{28A0092B-C50C-407E-A947-70E740481C1C}">
+                <a14:useLocalDpi xmlns:a14="http://schemas.microsoft.com/office/drawing/2010/main" val="0"/>
               </a:ext>
             </a:extLst>
-          </p:cNvPr>
-          <p:cNvSpPr/>
+          </a:blip>
+          <a:stretch>
+            <a:fillRect/>
+          </a:stretch>
+        </p:blipFill>
+        <p:spPr>
+          <a:xfrm>
+            <a:off x="920553" y="1052737"/>
+            <a:ext cx="3456384" cy="398992"/>
+          </a:xfrm>
+          <a:prstGeom prst="rect">
+            <a:avLst/>
+          </a:prstGeom>
+        </p:spPr>
+      </p:pic>
+      <p:pic>
+        <p:nvPicPr>
+          <p:cNvPr id="7" name="그림 6"/>
+          <p:cNvPicPr>
+            <a:picLocks noChangeAspect="1"/>
+          </p:cNvPicPr>
           <p:nvPr/>
-        </p:nvSpPr>
-        <p:spPr>
-          <a:xfrm>
-            <a:off x="6681192" y="1628800"/>
-            <a:ext cx="1854206" cy="317650"/>
-          </a:xfrm>
-          <a:prstGeom prst="roundRect">
+        </p:nvPicPr>
+        <p:blipFill rotWithShape="1">
+          <a:blip r:embed="rId5">
+            <a:extLst>
+              <a:ext uri="{28A0092B-C50C-407E-A947-70E740481C1C}">
+                <a14:useLocalDpi xmlns:a14="http://schemas.microsoft.com/office/drawing/2010/main" val="0"/>
+              </a:ext>
+            </a:extLst>
+          </a:blip>
+          <a:srcRect t="42333"/>
+          <a:stretch/>
+        </p:blipFill>
+        <p:spPr>
+          <a:xfrm>
+            <a:off x="992560" y="1556792"/>
+            <a:ext cx="5921744" cy="792088"/>
+          </a:xfrm>
+          <a:prstGeom prst="rect">
+            <a:avLst/>
+          </a:prstGeom>
+        </p:spPr>
+      </p:pic>
+      <p:sp>
+        <p:nvSpPr>
+          <p:cNvPr id="8" name="TextBox 7"/>
+          <p:cNvSpPr txBox="1"/>
+          <p:nvPr/>
+        </p:nvSpPr>
+        <p:spPr>
+          <a:xfrm>
+            <a:off x="5529064" y="1484784"/>
+            <a:ext cx="3600400" cy="584775"/>
+          </a:xfrm>
+          <a:prstGeom prst="rect">
             <a:avLst/>
           </a:prstGeom>
           <a:noFill/>
+        </p:spPr>
+        <p:txBody>
+          <a:bodyPr wrap="square" rtlCol="0">
+            <a:spAutoFit/>
+          </a:bodyPr>
+          <a:lstStyle/>
+          <a:p>
+            <a:r>
+              <a:rPr lang="en-US" altLang="ko-KR" sz="1600" b="1" dirty="0" smtClean="0"/>
+              <a:t>test()</a:t>
+            </a:r>
+            <a:r>
+              <a:rPr lang="ko-KR" altLang="en-US" sz="1600" b="1" dirty="0" smtClean="0"/>
+              <a:t>는</a:t>
+            </a:r>
+            <a:r>
+              <a:rPr lang="en-US" altLang="ko-KR" sz="1600" b="1" dirty="0"/>
+              <a:t> </a:t>
+            </a:r>
+            <a:r>
+              <a:rPr lang="ko-KR" altLang="en-US" sz="1600" b="1" dirty="0" smtClean="0"/>
+              <a:t>문자열이 일치하는지 여부를  </a:t>
+            </a:r>
+            <a:r>
+              <a:rPr lang="en-US" altLang="ko-KR" sz="1600" b="1" dirty="0" smtClean="0"/>
+              <a:t>true/false</a:t>
+            </a:r>
+            <a:r>
+              <a:rPr lang="ko-KR" altLang="en-US" sz="1600" b="1" dirty="0" smtClean="0"/>
+              <a:t>로 반환</a:t>
+            </a:r>
+            <a:r>
+              <a:rPr lang="en-US" altLang="ko-KR" sz="1600" b="1" dirty="0" smtClean="0"/>
+              <a:t>.</a:t>
+            </a:r>
+            <a:endParaRPr lang="ko-KR" altLang="en-US" sz="1600" b="1" dirty="0"/>
+          </a:p>
+        </p:txBody>
+      </p:sp>
+      <p:cxnSp>
+        <p:nvCxnSpPr>
+          <p:cNvPr id="12" name="직선 화살표 연결선 11"/>
+          <p:cNvCxnSpPr/>
+          <p:nvPr/>
+        </p:nvCxnSpPr>
+        <p:spPr>
+          <a:xfrm>
+            <a:off x="5034009" y="1726069"/>
+            <a:ext cx="495055" cy="0"/>
+          </a:xfrm>
+          <a:prstGeom prst="straightConnector1">
+            <a:avLst/>
+          </a:prstGeom>
           <a:ln w="12700">
             <a:solidFill>
-              <a:schemeClr val="tx1"/>
+              <a:srgbClr val="C00000"/>
             </a:solidFill>
+            <a:headEnd type="none" w="med" len="med"/>
+            <a:tailEnd type="triangle" w="med" len="med"/>
           </a:ln>
         </p:spPr>
         <p:style>
           <a:lnRef idx="2">
-            <a:schemeClr val="accent2"/>
+            <a:schemeClr val="dk1"/>
           </a:lnRef>
           <a:fillRef idx="1">
             <a:schemeClr val="lt1"/>
           </a:fillRef>
           <a:effectRef idx="0">
-            <a:schemeClr val="accent2"/>
+            <a:schemeClr val="dk1"/>
           </a:effectRef>
           <a:fontRef idx="minor">
             <a:schemeClr val="dk1"/>
           </a:fontRef>
         </p:style>
-        <p:txBody>
-          <a:bodyPr rtlCol="0" anchor="ctr"/>
-          <a:lstStyle/>
-          <a:p>
-            <a:pPr algn="ctr"/>
-            <a:r>
-              <a:rPr lang="en-US" altLang="ko-KR" sz="1600" dirty="0" err="1" smtClean="0">
-                <a:solidFill>
-                  <a:sysClr val="windowText" lastClr="000000"/>
-                </a:solidFill>
-              </a:rPr>
-              <a:t>regexp.jsp</a:t>
-            </a:r>
-            <a:endParaRPr lang="en-US" altLang="ko-KR" sz="1600" dirty="0" smtClean="0">
-              <a:solidFill>
-                <a:sysClr val="windowText" lastClr="000000"/>
-              </a:solidFill>
-            </a:endParaRPr>
-          </a:p>
-        </p:txBody>
-      </p:sp>
+      </p:cxnSp>
     </p:spTree>
     <p:extLst>
       <p:ext uri="{BB962C8B-B14F-4D97-AF65-F5344CB8AC3E}">
-        <p14:creationId xmlns:p14="http://schemas.microsoft.com/office/powerpoint/2010/main" val="2689998538"/>
+        <p14:creationId xmlns:p14="http://schemas.microsoft.com/office/powerpoint/2010/main" val="324882621"/>
       </p:ext>
     </p:extLst>
   </p:cSld>
@@ -12891,15 +13463,11 @@
             </a:r>
             <a:r>
               <a:rPr lang="ko-KR" altLang="en-US" dirty="0"/>
-              <a:t> </a:t>
-            </a:r>
-            <a:r>
-              <a:rPr lang="en-US" altLang="ko-KR" dirty="0" smtClean="0"/>
-              <a:t>Session </a:t>
-            </a:r>
-            <a:r>
-              <a:rPr lang="ko-KR" altLang="en-US" dirty="0" smtClean="0"/>
-              <a:t>연습문제</a:t>
+              <a:t> 유효성 검사</a:t>
+            </a:r>
+            <a:r>
+              <a:rPr lang="en-US" altLang="ko-KR" dirty="0"/>
+              <a:t>(validation)</a:t>
             </a:r>
             <a:endParaRPr lang="ko-KR" altLang="en-US" dirty="0"/>
           </a:p>
@@ -12907,21 +13475,22 @@
       </p:sp>
       <p:sp>
         <p:nvSpPr>
-          <p:cNvPr id="7" name="직사각형 6"/>
-          <p:cNvSpPr/>
+          <p:cNvPr id="6" name="TextBox 5"/>
+          <p:cNvSpPr txBox="1"/>
           <p:nvPr/>
         </p:nvSpPr>
         <p:spPr>
           <a:xfrm>
-            <a:off x="858168" y="1569566"/>
-            <a:ext cx="8847360" cy="454292"/>
+            <a:off x="776536" y="1206314"/>
+            <a:ext cx="8496944" cy="494494"/>
           </a:xfrm>
           <a:prstGeom prst="rect">
             <a:avLst/>
           </a:prstGeom>
-        </p:spPr>
-        <p:txBody>
-          <a:bodyPr wrap="square">
+          <a:noFill/>
+        </p:spPr>
+        <p:txBody>
+          <a:bodyPr wrap="square" rtlCol="0">
             <a:spAutoFit/>
           </a:bodyPr>
           <a:lstStyle/>
@@ -12932,334 +13501,40 @@
               </a:lnSpc>
             </a:pPr>
             <a:r>
-              <a:rPr lang="en-US" altLang="ko-KR" dirty="0" smtClean="0"/>
-              <a:t> </a:t>
-            </a:r>
-            <a:endParaRPr lang="ko-KR" altLang="en-US" dirty="0"/>
-          </a:p>
-        </p:txBody>
-      </p:sp>
-      <p:sp>
-        <p:nvSpPr>
-          <p:cNvPr id="4" name="TextBox 3"/>
-          <p:cNvSpPr txBox="1"/>
-          <p:nvPr/>
-        </p:nvSpPr>
-        <p:spPr>
-          <a:xfrm>
-            <a:off x="1141388" y="3118316"/>
-            <a:ext cx="8280920" cy="3046988"/>
-          </a:xfrm>
-          <a:prstGeom prst="rect">
-            <a:avLst/>
-          </a:prstGeom>
-          <a:noFill/>
-        </p:spPr>
-        <p:txBody>
-          <a:bodyPr wrap="square" rtlCol="0">
-            <a:spAutoFit/>
-          </a:bodyPr>
-          <a:lstStyle/>
-          <a:p>
-            <a:pPr>
-              <a:lnSpc>
-                <a:spcPct val="150000"/>
-              </a:lnSpc>
-            </a:pPr>
-            <a:r>
-              <a:rPr lang="en-US" altLang="ko-KR" sz="1600" dirty="0" smtClean="0"/>
-              <a:t>1. </a:t>
-            </a:r>
-            <a:r>
-              <a:rPr lang="en-US" altLang="ko-KR" sz="1600" dirty="0" err="1" smtClean="0"/>
-              <a:t>validation_test.jsp</a:t>
-            </a:r>
-            <a:r>
-              <a:rPr lang="en-US" altLang="ko-KR" sz="1600" dirty="0" smtClean="0"/>
-              <a:t> </a:t>
-            </a:r>
-            <a:r>
-              <a:rPr lang="ko-KR" altLang="en-US" sz="1600" dirty="0" smtClean="0"/>
-              <a:t>파일 생성</a:t>
-            </a:r>
-            <a:endParaRPr lang="en-US" altLang="ko-KR" sz="1600" dirty="0" smtClean="0"/>
-          </a:p>
-          <a:p>
-            <a:pPr>
-              <a:lnSpc>
-                <a:spcPct val="150000"/>
-              </a:lnSpc>
-            </a:pPr>
-            <a:r>
-              <a:rPr lang="en-US" altLang="ko-KR" sz="1600" dirty="0"/>
-              <a:t> </a:t>
-            </a:r>
-            <a:r>
-              <a:rPr lang="en-US" altLang="ko-KR" sz="1600" dirty="0" smtClean="0"/>
-              <a:t>    1) </a:t>
-            </a:r>
-            <a:r>
-              <a:rPr lang="ko-KR" altLang="en-US" sz="1600" dirty="0" smtClean="0"/>
-              <a:t>아이디</a:t>
-            </a:r>
-            <a:r>
-              <a:rPr lang="en-US" altLang="ko-KR" sz="1600" dirty="0" smtClean="0"/>
-              <a:t>, </a:t>
-            </a:r>
-            <a:r>
-              <a:rPr lang="ko-KR" altLang="en-US" sz="1600" dirty="0" smtClean="0"/>
-              <a:t>비밀번호가 입력되지 않으면 </a:t>
-            </a:r>
-            <a:r>
-              <a:rPr lang="en-US" altLang="ko-KR" sz="1600" dirty="0" smtClean="0"/>
-              <a:t>“</a:t>
-            </a:r>
-            <a:r>
-              <a:rPr lang="ko-KR" altLang="en-US" sz="1600" dirty="0" smtClean="0"/>
-              <a:t>아이디</a:t>
-            </a:r>
-            <a:r>
-              <a:rPr lang="en-US" altLang="ko-KR" sz="1600" dirty="0" smtClean="0"/>
-              <a:t>(</a:t>
-            </a:r>
-            <a:r>
-              <a:rPr lang="ko-KR" altLang="en-US" sz="1600" dirty="0" smtClean="0"/>
-              <a:t>또는 비밀번호</a:t>
-            </a:r>
-            <a:r>
-              <a:rPr lang="en-US" altLang="ko-KR" sz="1600" dirty="0" smtClean="0"/>
-              <a:t>)</a:t>
-            </a:r>
-            <a:r>
-              <a:rPr lang="ko-KR" altLang="en-US" sz="1600" dirty="0" smtClean="0"/>
-              <a:t>가 </a:t>
-            </a:r>
-            <a:r>
-              <a:rPr lang="ko-KR" altLang="en-US" sz="1600" dirty="0" err="1" smtClean="0"/>
-              <a:t>입력를</a:t>
-            </a:r>
-            <a:r>
-              <a:rPr lang="ko-KR" altLang="en-US" sz="1600" dirty="0" smtClean="0"/>
-              <a:t> 입력해 </a:t>
-            </a:r>
-            <a:endParaRPr lang="en-US" altLang="ko-KR" sz="1600" dirty="0" smtClean="0"/>
-          </a:p>
-          <a:p>
-            <a:pPr>
-              <a:lnSpc>
-                <a:spcPct val="150000"/>
-              </a:lnSpc>
-            </a:pPr>
-            <a:r>
-              <a:rPr lang="en-US" altLang="ko-KR" sz="1600" dirty="0"/>
-              <a:t> </a:t>
-            </a:r>
-            <a:r>
-              <a:rPr lang="en-US" altLang="ko-KR" sz="1600" dirty="0" smtClean="0"/>
-              <a:t>       </a:t>
-            </a:r>
-            <a:r>
-              <a:rPr lang="ko-KR" altLang="en-US" sz="1600" dirty="0" smtClean="0"/>
-              <a:t>주세요</a:t>
-            </a:r>
-            <a:r>
-              <a:rPr lang="en-US" altLang="ko-KR" sz="1600" dirty="0" smtClean="0"/>
-              <a:t>’</a:t>
-            </a:r>
-            <a:r>
-              <a:rPr lang="ko-KR" altLang="en-US" sz="1600" dirty="0" smtClean="0"/>
-              <a:t>라는 메시지 창이 뜨도록 작성한다</a:t>
-            </a:r>
-            <a:r>
-              <a:rPr lang="en-US" altLang="ko-KR" sz="1600" dirty="0" smtClean="0"/>
-              <a:t>.</a:t>
-            </a:r>
-          </a:p>
-          <a:p>
-            <a:pPr>
-              <a:lnSpc>
-                <a:spcPct val="150000"/>
-              </a:lnSpc>
-            </a:pPr>
-            <a:r>
-              <a:rPr lang="en-US" altLang="ko-KR" sz="1600" dirty="0"/>
-              <a:t> </a:t>
-            </a:r>
-            <a:r>
-              <a:rPr lang="en-US" altLang="ko-KR" sz="1600" dirty="0" smtClean="0"/>
-              <a:t>    2) </a:t>
-            </a:r>
-            <a:r>
-              <a:rPr lang="ko-KR" altLang="en-US" sz="1600" dirty="0" smtClean="0"/>
-              <a:t>비밀번호에 아이디 값을 포함하면 </a:t>
-            </a:r>
-            <a:r>
-              <a:rPr lang="en-US" altLang="ko-KR" sz="1600" dirty="0" smtClean="0"/>
-              <a:t>“</a:t>
-            </a:r>
-            <a:r>
-              <a:rPr lang="ko-KR" altLang="en-US" sz="1600" dirty="0" smtClean="0"/>
-              <a:t>비밀번호는 아이디를 포함할 수 없습니다</a:t>
-            </a:r>
-            <a:r>
-              <a:rPr lang="en-US" altLang="ko-KR" sz="1600" dirty="0" smtClean="0"/>
-              <a:t>.”</a:t>
-            </a:r>
-          </a:p>
-          <a:p>
-            <a:pPr>
-              <a:lnSpc>
-                <a:spcPct val="150000"/>
-              </a:lnSpc>
-            </a:pPr>
-            <a:r>
-              <a:rPr lang="en-US" altLang="ko-KR" sz="1600" dirty="0"/>
-              <a:t> </a:t>
-            </a:r>
-            <a:r>
-              <a:rPr lang="en-US" altLang="ko-KR" sz="1600" dirty="0" smtClean="0"/>
-              <a:t>       </a:t>
-            </a:r>
-            <a:r>
-              <a:rPr lang="ko-KR" altLang="en-US" sz="1600" dirty="0" smtClean="0"/>
-              <a:t>라는 메시지 창이 뜨도록 작성한다</a:t>
-            </a:r>
-            <a:r>
-              <a:rPr lang="en-US" altLang="ko-KR" sz="1600" dirty="0" smtClean="0"/>
-              <a:t>.</a:t>
-            </a:r>
-          </a:p>
-          <a:p>
-            <a:pPr>
-              <a:lnSpc>
-                <a:spcPct val="150000"/>
-              </a:lnSpc>
-            </a:pPr>
-            <a:r>
-              <a:rPr lang="en-US" altLang="ko-KR" sz="1600" dirty="0"/>
-              <a:t> </a:t>
-            </a:r>
-            <a:r>
-              <a:rPr lang="en-US" altLang="ko-KR" sz="1600" dirty="0" smtClean="0"/>
-              <a:t>    3) </a:t>
-            </a:r>
-            <a:r>
-              <a:rPr lang="ko-KR" altLang="en-US" sz="1600" dirty="0" smtClean="0"/>
-              <a:t>이름</a:t>
-            </a:r>
-            <a:r>
-              <a:rPr lang="ko-KR" altLang="en-US" sz="1600" dirty="0"/>
-              <a:t>이</a:t>
-            </a:r>
-            <a:r>
-              <a:rPr lang="ko-KR" altLang="en-US" sz="1600" dirty="0" smtClean="0"/>
-              <a:t> </a:t>
-            </a:r>
-            <a:r>
-              <a:rPr lang="ko-KR" altLang="en-US" sz="1600" dirty="0"/>
-              <a:t>입력되지 않으면 </a:t>
-            </a:r>
-            <a:r>
-              <a:rPr lang="en-US" altLang="ko-KR" sz="1600" dirty="0" smtClean="0"/>
-              <a:t>“</a:t>
-            </a:r>
-            <a:r>
-              <a:rPr lang="ko-KR" altLang="en-US" sz="1600" dirty="0" smtClean="0"/>
-              <a:t>이름</a:t>
-            </a:r>
-            <a:r>
-              <a:rPr lang="ko-KR" altLang="en-US" sz="1600" dirty="0"/>
-              <a:t>을</a:t>
-            </a:r>
-            <a:r>
-              <a:rPr lang="ko-KR" altLang="en-US" sz="1600" dirty="0" smtClean="0"/>
-              <a:t> </a:t>
-            </a:r>
-            <a:r>
-              <a:rPr lang="ko-KR" altLang="en-US" sz="1600" dirty="0" err="1"/>
-              <a:t>입력를</a:t>
-            </a:r>
-            <a:r>
-              <a:rPr lang="ko-KR" altLang="en-US" sz="1600" dirty="0"/>
-              <a:t> 입력해 </a:t>
-            </a:r>
-            <a:r>
-              <a:rPr lang="ko-KR" altLang="en-US" sz="1600" dirty="0" smtClean="0"/>
-              <a:t>주세요</a:t>
-            </a:r>
-            <a:r>
-              <a:rPr lang="en-US" altLang="ko-KR" sz="1600" dirty="0"/>
-              <a:t>’</a:t>
-            </a:r>
-            <a:r>
-              <a:rPr lang="ko-KR" altLang="en-US" sz="1600" dirty="0"/>
-              <a:t>라는 메시지 창이 뜨도록 </a:t>
-            </a:r>
-            <a:endParaRPr lang="en-US" altLang="ko-KR" sz="1600" dirty="0" smtClean="0"/>
-          </a:p>
-          <a:p>
-            <a:pPr>
-              <a:lnSpc>
-                <a:spcPct val="150000"/>
-              </a:lnSpc>
-            </a:pPr>
-            <a:r>
-              <a:rPr lang="en-US" altLang="ko-KR" sz="1600" dirty="0"/>
-              <a:t> </a:t>
-            </a:r>
-            <a:r>
-              <a:rPr lang="en-US" altLang="ko-KR" sz="1600" dirty="0" smtClean="0"/>
-              <a:t>       </a:t>
-            </a:r>
-            <a:r>
-              <a:rPr lang="ko-KR" altLang="en-US" sz="1600" dirty="0" smtClean="0"/>
-              <a:t>작성한다</a:t>
-            </a:r>
-            <a:r>
-              <a:rPr lang="en-US" altLang="ko-KR" sz="1600" dirty="0"/>
-              <a:t>.</a:t>
-            </a:r>
-          </a:p>
-          <a:p>
-            <a:pPr>
-              <a:lnSpc>
-                <a:spcPct val="150000"/>
-              </a:lnSpc>
-            </a:pPr>
-            <a:r>
-              <a:rPr lang="en-US" altLang="ko-KR" sz="1600" dirty="0" smtClean="0"/>
-              <a:t>2. </a:t>
-            </a:r>
-            <a:r>
-              <a:rPr lang="en-US" altLang="ko-KR" sz="1600" dirty="0" err="1" smtClean="0"/>
-              <a:t>test_process.jsp</a:t>
-            </a:r>
-            <a:r>
-              <a:rPr lang="en-US" altLang="ko-KR" sz="1600" dirty="0" smtClean="0"/>
-              <a:t> </a:t>
-            </a:r>
-            <a:r>
-              <a:rPr lang="ko-KR" altLang="en-US" sz="1600" dirty="0" smtClean="0"/>
-              <a:t>파일 생성하여 요청 </a:t>
-            </a:r>
-            <a:r>
-              <a:rPr lang="ko-KR" altLang="en-US" sz="1600" dirty="0" err="1" smtClean="0"/>
-              <a:t>파라미터값을</a:t>
-            </a:r>
-            <a:r>
-              <a:rPr lang="ko-KR" altLang="en-US" sz="1600" dirty="0" smtClean="0"/>
-              <a:t> 출력한다</a:t>
-            </a:r>
-            <a:r>
-              <a:rPr lang="en-US" altLang="ko-KR" sz="1600" dirty="0" smtClean="0"/>
-              <a:t>.</a:t>
-            </a:r>
+              <a:rPr lang="ko-KR" altLang="en-US" sz="2000" b="1" dirty="0" smtClean="0">
+                <a:solidFill>
+                  <a:srgbClr val="C00000"/>
+                </a:solidFill>
+              </a:rPr>
+              <a:t> 정규 </a:t>
+            </a:r>
+            <a:r>
+              <a:rPr lang="ko-KR" altLang="en-US" sz="2000" b="1" dirty="0" err="1" smtClean="0">
+                <a:solidFill>
+                  <a:srgbClr val="C00000"/>
+                </a:solidFill>
+              </a:rPr>
+              <a:t>표현식</a:t>
+            </a:r>
+            <a:r>
+              <a:rPr lang="ko-KR" altLang="en-US" sz="2000" b="1" dirty="0" smtClean="0">
+                <a:solidFill>
+                  <a:srgbClr val="C00000"/>
+                </a:solidFill>
+              </a:rPr>
+              <a:t> 사용 예제</a:t>
+            </a:r>
+            <a:endParaRPr lang="en-US" altLang="ko-KR" sz="2000" b="1" dirty="0" smtClean="0">
+              <a:solidFill>
+                <a:srgbClr val="C00000"/>
+              </a:solidFill>
+            </a:endParaRPr>
           </a:p>
         </p:txBody>
       </p:sp>
       <p:pic>
         <p:nvPicPr>
-          <p:cNvPr id="2" name="그림 1"/>
+          <p:cNvPr id="3" name="그림 2"/>
           <p:cNvPicPr>
             <a:picLocks noChangeAspect="1"/>
           </p:cNvPicPr>
@@ -13279,8 +13554,8 @@
         </p:blipFill>
         <p:spPr>
           <a:xfrm>
-            <a:off x="1150583" y="1167429"/>
-            <a:ext cx="4824536" cy="1897540"/>
+            <a:off x="1064568" y="1998961"/>
+            <a:ext cx="7148180" cy="1646063"/>
           </a:xfrm>
           <a:prstGeom prst="rect">
             <a:avLst/>
@@ -13294,88 +13569,10 @@
           </a:ln>
         </p:spPr>
       </p:pic>
-      <p:pic>
-        <p:nvPicPr>
-          <p:cNvPr id="3" name="그림 2"/>
-          <p:cNvPicPr>
-            <a:picLocks noChangeAspect="1"/>
-          </p:cNvPicPr>
-          <p:nvPr/>
-        </p:nvPicPr>
-        <p:blipFill>
-          <a:blip r:embed="rId3">
-            <a:extLst>
-              <a:ext uri="{28A0092B-C50C-407E-A947-70E740481C1C}">
-                <a14:useLocalDpi xmlns:a14="http://schemas.microsoft.com/office/drawing/2010/main" val="0"/>
-              </a:ext>
-            </a:extLst>
-          </a:blip>
-          <a:stretch>
-            <a:fillRect/>
-          </a:stretch>
-        </p:blipFill>
-        <p:spPr>
-          <a:xfrm>
-            <a:off x="6783694" y="1554473"/>
-            <a:ext cx="1926570" cy="1119775"/>
-          </a:xfrm>
-          <a:prstGeom prst="rect">
-            <a:avLst/>
-          </a:prstGeom>
-          <a:ln>
-            <a:solidFill>
-              <a:schemeClr val="bg1">
-                <a:lumMod val="85000"/>
-              </a:schemeClr>
-            </a:solidFill>
-          </a:ln>
-        </p:spPr>
-      </p:pic>
-      <p:sp>
-        <p:nvSpPr>
-          <p:cNvPr id="5" name="오른쪽 화살표 4"/>
-          <p:cNvSpPr/>
-          <p:nvPr/>
-        </p:nvSpPr>
-        <p:spPr>
-          <a:xfrm>
-            <a:off x="6177136" y="2023858"/>
-            <a:ext cx="360040" cy="181006"/>
-          </a:xfrm>
-          <a:prstGeom prst="rightArrow">
-            <a:avLst/>
-          </a:prstGeom>
-          <a:ln w="12700"/>
-        </p:spPr>
-        <p:style>
-          <a:lnRef idx="2">
-            <a:schemeClr val="accent1">
-              <a:shade val="50000"/>
-            </a:schemeClr>
-          </a:lnRef>
-          <a:fillRef idx="1">
-            <a:schemeClr val="accent1"/>
-          </a:fillRef>
-          <a:effectRef idx="0">
-            <a:schemeClr val="accent1"/>
-          </a:effectRef>
-          <a:fontRef idx="minor">
-            <a:schemeClr val="lt1"/>
-          </a:fontRef>
-        </p:style>
-        <p:txBody>
-          <a:bodyPr rtlCol="0" anchor="ctr"/>
-          <a:lstStyle/>
-          <a:p>
-            <a:pPr algn="ctr"/>
-            <a:endParaRPr lang="ko-KR" altLang="en-US"/>
-          </a:p>
-        </p:txBody>
-      </p:sp>
     </p:spTree>
     <p:extLst>
       <p:ext uri="{BB962C8B-B14F-4D97-AF65-F5344CB8AC3E}">
-        <p14:creationId xmlns:p14="http://schemas.microsoft.com/office/powerpoint/2010/main" val="1006334476"/>
+        <p14:creationId xmlns:p14="http://schemas.microsoft.com/office/powerpoint/2010/main" val="1125028023"/>
       </p:ext>
     </p:extLst>
   </p:cSld>
@@ -13451,49 +13648,11 @@
             </a:r>
             <a:r>
               <a:rPr lang="ko-KR" altLang="en-US" dirty="0"/>
-              <a:t> </a:t>
-            </a:r>
-            <a:r>
-              <a:rPr lang="en-US" altLang="ko-KR" dirty="0" smtClean="0"/>
-              <a:t>Session </a:t>
-            </a:r>
-            <a:r>
-              <a:rPr lang="ko-KR" altLang="en-US" dirty="0" smtClean="0"/>
-              <a:t>연습문제</a:t>
-            </a:r>
-            <a:endParaRPr lang="ko-KR" altLang="en-US" dirty="0"/>
-          </a:p>
-        </p:txBody>
-      </p:sp>
-      <p:sp>
-        <p:nvSpPr>
-          <p:cNvPr id="7" name="직사각형 6"/>
-          <p:cNvSpPr/>
-          <p:nvPr/>
-        </p:nvSpPr>
-        <p:spPr>
-          <a:xfrm>
-            <a:off x="858168" y="1569566"/>
-            <a:ext cx="8847360" cy="454292"/>
-          </a:xfrm>
-          <a:prstGeom prst="rect">
-            <a:avLst/>
-          </a:prstGeom>
-        </p:spPr>
-        <p:txBody>
-          <a:bodyPr wrap="square">
-            <a:spAutoFit/>
-          </a:bodyPr>
-          <a:lstStyle/>
-          <a:p>
-            <a:pPr>
-              <a:lnSpc>
-                <a:spcPct val="150000"/>
-              </a:lnSpc>
-            </a:pPr>
-            <a:r>
-              <a:rPr lang="en-US" altLang="ko-KR" dirty="0" smtClean="0"/>
-              <a:t> </a:t>
+              <a:t> 유효성 검사</a:t>
+            </a:r>
+            <a:r>
+              <a:rPr lang="en-US" altLang="ko-KR" dirty="0"/>
+              <a:t>(validation)</a:t>
             </a:r>
             <a:endParaRPr lang="ko-KR" altLang="en-US" dirty="0"/>
           </a:p>
@@ -13501,7 +13660,7 @@
       </p:sp>
       <p:pic>
         <p:nvPicPr>
-          <p:cNvPr id="3" name="그림 2"/>
+          <p:cNvPr id="2" name="그림 1"/>
           <p:cNvPicPr>
             <a:picLocks noChangeAspect="1"/>
           </p:cNvPicPr>
@@ -13521,8 +13680,8 @@
         </p:blipFill>
         <p:spPr>
           <a:xfrm>
-            <a:off x="1064568" y="2150098"/>
-            <a:ext cx="7632848" cy="1712954"/>
+            <a:off x="1177973" y="1196751"/>
+            <a:ext cx="7663459" cy="5250223"/>
           </a:xfrm>
           <a:prstGeom prst="rect">
             <a:avLst/>
@@ -13538,7 +13697,7 @@
       </p:pic>
       <p:sp>
         <p:nvSpPr>
-          <p:cNvPr id="8" name="모서리가 둥근 직사각형 7">
+          <p:cNvPr id="5" name="모서리가 둥근 직사각형 4">
             <a:extLst>
               <a:ext uri="{FF2B5EF4-FFF2-40B4-BE49-F238E27FC236}">
                 <a16:creationId xmlns:a16="http://schemas.microsoft.com/office/drawing/2014/main" id="{792DA8B4-17B2-454B-97AC-17311A4832C5}"/>
@@ -13550,7 +13709,7 @@
         </p:nvSpPr>
         <p:spPr>
           <a:xfrm>
-            <a:off x="6681192" y="1628800"/>
+            <a:off x="7185248" y="1556792"/>
             <a:ext cx="1854206" cy="317650"/>
           </a:xfrm>
           <a:prstGeom prst="roundRect">
@@ -13583,33 +13742,20 @@
           <a:p>
             <a:pPr algn="ctr"/>
             <a:r>
-              <a:rPr lang="en-US" altLang="ko-KR" sz="1600" dirty="0" err="1">
+              <a:rPr lang="en-US" altLang="ko-KR" sz="1600" dirty="0" smtClean="0">
                 <a:solidFill>
                   <a:sysClr val="windowText" lastClr="000000"/>
                 </a:solidFill>
               </a:rPr>
-              <a:t>v</a:t>
-            </a:r>
-            <a:r>
-              <a:rPr lang="en-US" altLang="ko-KR" sz="1600" dirty="0" err="1" smtClean="0">
-                <a:solidFill>
-                  <a:sysClr val="windowText" lastClr="000000"/>
-                </a:solidFill>
-              </a:rPr>
-              <a:t>alidation_test.jsp</a:t>
-            </a:r>
-            <a:endParaRPr lang="en-US" altLang="ko-KR" sz="1600" dirty="0" smtClean="0">
-              <a:solidFill>
-                <a:sysClr val="windowText" lastClr="000000"/>
-              </a:solidFill>
-            </a:endParaRPr>
+              <a:t>regexp01.jsp</a:t>
+            </a:r>
           </a:p>
         </p:txBody>
       </p:sp>
     </p:spTree>
     <p:extLst>
       <p:ext uri="{BB962C8B-B14F-4D97-AF65-F5344CB8AC3E}">
-        <p14:creationId xmlns:p14="http://schemas.microsoft.com/office/powerpoint/2010/main" val="471754297"/>
+        <p14:creationId xmlns:p14="http://schemas.microsoft.com/office/powerpoint/2010/main" val="2689998538"/>
       </p:ext>
     </p:extLst>
   </p:cSld>
@@ -13756,7 +13902,7 @@
       </p:sp>
       <p:pic>
         <p:nvPicPr>
-          <p:cNvPr id="4" name="그림 3"/>
+          <p:cNvPr id="2" name="그림 1"/>
           <p:cNvPicPr>
             <a:picLocks noChangeAspect="1"/>
           </p:cNvPicPr>
@@ -13776,8 +13922,8 @@
         </p:blipFill>
         <p:spPr>
           <a:xfrm>
-            <a:off x="1280592" y="1772816"/>
-            <a:ext cx="4727496" cy="2448272"/>
+            <a:off x="2576736" y="1825380"/>
+            <a:ext cx="4818370" cy="2002208"/>
           </a:xfrm>
           <a:prstGeom prst="rect">
             <a:avLst/>
@@ -13793,7 +13939,7 @@
       </p:pic>
       <p:pic>
         <p:nvPicPr>
-          <p:cNvPr id="5" name="그림 4"/>
+          <p:cNvPr id="3" name="그림 2"/>
           <p:cNvPicPr>
             <a:picLocks noChangeAspect="1"/>
           </p:cNvPicPr>
@@ -13813,8 +13959,8 @@
         </p:blipFill>
         <p:spPr>
           <a:xfrm>
-            <a:off x="3800871" y="3356992"/>
-            <a:ext cx="4890559" cy="2448272"/>
+            <a:off x="2432720" y="4096176"/>
+            <a:ext cx="5112568" cy="2059140"/>
           </a:xfrm>
           <a:prstGeom prst="rect">
             <a:avLst/>
@@ -13831,7 +13977,7 @@
     </p:spTree>
     <p:extLst>
       <p:ext uri="{BB962C8B-B14F-4D97-AF65-F5344CB8AC3E}">
-        <p14:creationId xmlns:p14="http://schemas.microsoft.com/office/powerpoint/2010/main" val="3233146781"/>
+        <p14:creationId xmlns:p14="http://schemas.microsoft.com/office/powerpoint/2010/main" val="2408106936"/>
       </p:ext>
     </p:extLst>
   </p:cSld>
@@ -13978,7 +14124,7 @@
       </p:sp>
       <p:pic>
         <p:nvPicPr>
-          <p:cNvPr id="3" name="그림 2"/>
+          <p:cNvPr id="2" name="그림 1"/>
           <p:cNvPicPr>
             <a:picLocks noChangeAspect="1"/>
           </p:cNvPicPr>
@@ -13998,8 +14144,8 @@
         </p:blipFill>
         <p:spPr>
           <a:xfrm>
-            <a:off x="848544" y="2060848"/>
-            <a:ext cx="8507418" cy="3456384"/>
+            <a:off x="906041" y="1993311"/>
+            <a:ext cx="8237934" cy="3680779"/>
           </a:xfrm>
           <a:prstGeom prst="rect">
             <a:avLst/>
@@ -14027,7 +14173,7 @@
         </p:nvSpPr>
         <p:spPr>
           <a:xfrm>
-            <a:off x="7473280" y="1666736"/>
+            <a:off x="7343775" y="1596125"/>
             <a:ext cx="1800200" cy="317650"/>
           </a:xfrm>
           <a:prstGeom prst="roundRect">
@@ -14060,18 +14206,13 @@
           <a:p>
             <a:pPr algn="ctr"/>
             <a:r>
-              <a:rPr lang="en-US" altLang="ko-KR" sz="1600" dirty="0" err="1" smtClean="0">
+              <a:rPr lang="en-US" altLang="ko-KR" sz="1600" dirty="0" smtClean="0">
                 <a:solidFill>
                   <a:sysClr val="windowText" lastClr="000000"/>
                 </a:solidFill>
               </a:rPr>
-              <a:t>regexp_join.jsp</a:t>
-            </a:r>
-            <a:endParaRPr lang="en-US" altLang="ko-KR" sz="1600" dirty="0" smtClean="0">
-              <a:solidFill>
-                <a:sysClr val="windowText" lastClr="000000"/>
-              </a:solidFill>
-            </a:endParaRPr>
+              <a:t>regexp02.jsp</a:t>
+            </a:r>
           </a:p>
         </p:txBody>
       </p:sp>
@@ -14166,7 +14307,7 @@
       </p:sp>
       <p:pic>
         <p:nvPicPr>
-          <p:cNvPr id="5" name="그림 4"/>
+          <p:cNvPr id="3" name="그림 2"/>
           <p:cNvPicPr>
             <a:picLocks noChangeAspect="1"/>
           </p:cNvPicPr>
@@ -14186,8 +14327,8 @@
         </p:blipFill>
         <p:spPr>
           <a:xfrm>
-            <a:off x="200472" y="1124744"/>
-            <a:ext cx="9511230" cy="4657822"/>
+            <a:off x="1136575" y="1484784"/>
+            <a:ext cx="7745313" cy="3888432"/>
           </a:xfrm>
           <a:prstGeom prst="rect">
             <a:avLst/>
@@ -14203,7 +14344,7 @@
       </p:pic>
       <p:sp>
         <p:nvSpPr>
-          <p:cNvPr id="9" name="모서리가 둥근 직사각형 8">
+          <p:cNvPr id="7" name="모서리가 둥근 직사각형 6">
             <a:extLst>
               <a:ext uri="{FF2B5EF4-FFF2-40B4-BE49-F238E27FC236}">
                 <a16:creationId xmlns:a16="http://schemas.microsoft.com/office/drawing/2014/main" id="{792DA8B4-17B2-454B-97AC-17311A4832C5}"/>
@@ -14215,7 +14356,7 @@
         </p:nvSpPr>
         <p:spPr>
           <a:xfrm>
-            <a:off x="7473280" y="1666736"/>
+            <a:off x="7401272" y="1700808"/>
             <a:ext cx="1800200" cy="317650"/>
           </a:xfrm>
           <a:prstGeom prst="roundRect">
@@ -14248,12 +14389,12 @@
           <a:p>
             <a:pPr algn="ctr"/>
             <a:r>
-              <a:rPr lang="en-US" altLang="ko-KR" sz="1600" dirty="0" err="1" smtClean="0">
+              <a:rPr lang="en-US" altLang="ko-KR" sz="1600" dirty="0" smtClean="0">
                 <a:solidFill>
                   <a:sysClr val="windowText" lastClr="000000"/>
                 </a:solidFill>
               </a:rPr>
-              <a:t>regexp_join.jsp</a:t>
+              <a:t>checkMember.js</a:t>
             </a:r>
             <a:endParaRPr lang="en-US" altLang="ko-KR" sz="1600" dirty="0" smtClean="0">
               <a:solidFill>
@@ -14354,7 +14495,7 @@
       </p:sp>
       <p:pic>
         <p:nvPicPr>
-          <p:cNvPr id="3" name="그림 2"/>
+          <p:cNvPr id="2" name="그림 1"/>
           <p:cNvPicPr>
             <a:picLocks noChangeAspect="1"/>
           </p:cNvPicPr>
@@ -14374,8 +14515,8 @@
         </p:blipFill>
         <p:spPr>
           <a:xfrm>
-            <a:off x="1982343" y="1196751"/>
-            <a:ext cx="5514524" cy="4982919"/>
+            <a:off x="2000671" y="1196752"/>
+            <a:ext cx="5263039" cy="5040560"/>
           </a:xfrm>
           <a:prstGeom prst="rect">
             <a:avLst/>
@@ -14389,68 +14530,6 @@
           </a:ln>
         </p:spPr>
       </p:pic>
-      <p:sp>
-        <p:nvSpPr>
-          <p:cNvPr id="6" name="모서리가 둥근 직사각형 5">
-            <a:extLst>
-              <a:ext uri="{FF2B5EF4-FFF2-40B4-BE49-F238E27FC236}">
-                <a16:creationId xmlns:a16="http://schemas.microsoft.com/office/drawing/2014/main" id="{792DA8B4-17B2-454B-97AC-17311A4832C5}"/>
-              </a:ext>
-            </a:extLst>
-          </p:cNvPr>
-          <p:cNvSpPr/>
-          <p:nvPr/>
-        </p:nvSpPr>
-        <p:spPr>
-          <a:xfrm>
-            <a:off x="6753200" y="1556792"/>
-            <a:ext cx="1800200" cy="317650"/>
-          </a:xfrm>
-          <a:prstGeom prst="roundRect">
-            <a:avLst/>
-          </a:prstGeom>
-          <a:noFill/>
-          <a:ln w="12700">
-            <a:solidFill>
-              <a:schemeClr val="tx1"/>
-            </a:solidFill>
-          </a:ln>
-        </p:spPr>
-        <p:style>
-          <a:lnRef idx="2">
-            <a:schemeClr val="accent2"/>
-          </a:lnRef>
-          <a:fillRef idx="1">
-            <a:schemeClr val="lt1"/>
-          </a:fillRef>
-          <a:effectRef idx="0">
-            <a:schemeClr val="accent2"/>
-          </a:effectRef>
-          <a:fontRef idx="minor">
-            <a:schemeClr val="dk1"/>
-          </a:fontRef>
-        </p:style>
-        <p:txBody>
-          <a:bodyPr rtlCol="0" anchor="ctr"/>
-          <a:lstStyle/>
-          <a:p>
-            <a:pPr algn="ctr"/>
-            <a:r>
-              <a:rPr lang="en-US" altLang="ko-KR" sz="1600" dirty="0" err="1" smtClean="0">
-                <a:solidFill>
-                  <a:sysClr val="windowText" lastClr="000000"/>
-                </a:solidFill>
-              </a:rPr>
-              <a:t>regexp_join.jsp</a:t>
-            </a:r>
-            <a:endParaRPr lang="en-US" altLang="ko-KR" sz="1600" dirty="0" smtClean="0">
-              <a:solidFill>
-                <a:sysClr val="windowText" lastClr="000000"/>
-              </a:solidFill>
-            </a:endParaRPr>
-          </a:p>
-        </p:txBody>
-      </p:sp>
     </p:spTree>
     <p:extLst>
       <p:ext uri="{BB962C8B-B14F-4D97-AF65-F5344CB8AC3E}">
@@ -14548,7 +14627,7 @@
           </p:cNvPicPr>
           <p:nvPr/>
         </p:nvPicPr>
-        <p:blipFill>
+        <p:blipFill rotWithShape="1">
           <a:blip r:embed="rId2">
             <a:extLst>
               <a:ext uri="{28A0092B-C50C-407E-A947-70E740481C1C}">
@@ -14556,14 +14635,13 @@
               </a:ext>
             </a:extLst>
           </a:blip>
-          <a:stretch>
-            <a:fillRect/>
-          </a:stretch>
+          <a:srcRect b="7692"/>
+          <a:stretch/>
         </p:blipFill>
         <p:spPr>
           <a:xfrm>
-            <a:off x="1280592" y="1916832"/>
-            <a:ext cx="7267620" cy="2808312"/>
+            <a:off x="1285780" y="2132856"/>
+            <a:ext cx="7267620" cy="3024336"/>
           </a:xfrm>
           <a:prstGeom prst="rect">
             <a:avLst/>
@@ -14646,171 +14724,6 @@
     <p:extLst>
       <p:ext uri="{BB962C8B-B14F-4D97-AF65-F5344CB8AC3E}">
         <p14:creationId xmlns:p14="http://schemas.microsoft.com/office/powerpoint/2010/main" val="392243362"/>
-      </p:ext>
-    </p:extLst>
-  </p:cSld>
-  <p:clrMapOvr>
-    <a:masterClrMapping/>
-  </p:clrMapOvr>
-  <p:timing>
-    <p:tnLst>
-      <p:par>
-        <p:cTn id="1" dur="indefinite" restart="never" nodeType="tmRoot"/>
-      </p:par>
-    </p:tnLst>
-  </p:timing>
-</p:sld>
-</file>
-
-<file path=ppt/slides/slide39.xml><?xml version="1.0" encoding="utf-8"?>
-<p:sld xmlns:a="http://schemas.openxmlformats.org/drawingml/2006/main" xmlns:r="http://schemas.openxmlformats.org/officeDocument/2006/relationships" xmlns:p="http://schemas.openxmlformats.org/presentationml/2006/main">
-  <p:cSld>
-    <p:spTree>
-      <p:nvGrpSpPr>
-        <p:cNvPr id="1" name=""/>
-        <p:cNvGrpSpPr/>
-        <p:nvPr/>
-      </p:nvGrpSpPr>
-      <p:grpSpPr>
-        <a:xfrm>
-          <a:off x="0" y="0"/>
-          <a:ext cx="0" cy="0"/>
-          <a:chOff x="0" y="0"/>
-          <a:chExt cx="0" cy="0"/>
-        </a:xfrm>
-      </p:grpSpPr>
-      <p:sp>
-        <p:nvSpPr>
-          <p:cNvPr id="15" name="제목 5"/>
-          <p:cNvSpPr txBox="1">
-            <a:spLocks/>
-          </p:cNvSpPr>
-          <p:nvPr/>
-        </p:nvSpPr>
-        <p:spPr>
-          <a:xfrm>
-            <a:off x="0" y="-27384"/>
-            <a:ext cx="7995338" cy="854968"/>
-          </a:xfrm>
-          <a:prstGeom prst="rect">
-            <a:avLst/>
-          </a:prstGeom>
-        </p:spPr>
-        <p:txBody>
-          <a:bodyPr anchor="ctr" anchorCtr="0"/>
-          <a:lstStyle>
-            <a:lvl1pPr algn="l" defTabSz="914400" rtl="0" eaLnBrk="1" latinLnBrk="1" hangingPunct="1">
-              <a:spcBef>
-                <a:spcPct val="0"/>
-              </a:spcBef>
-              <a:buNone/>
-              <a:defRPr sz="3200" kern="1200">
-                <a:solidFill>
-                  <a:schemeClr val="bg1"/>
-                </a:solidFill>
-                <a:latin typeface="HY헤드라인M" panose="02030600000101010101" pitchFamily="18" charset="-127"/>
-                <a:ea typeface="HY헤드라인M" panose="02030600000101010101" pitchFamily="18" charset="-127"/>
-                <a:cs typeface="+mj-cs"/>
-              </a:defRPr>
-            </a:lvl1pPr>
-          </a:lstStyle>
-          <a:p>
-            <a:r>
-              <a:rPr lang="en-US" altLang="ko-KR" dirty="0" smtClean="0"/>
-              <a:t> </a:t>
-            </a:r>
-            <a:r>
-              <a:rPr lang="ko-KR" altLang="en-US" dirty="0"/>
-              <a:t> 유효성 검사</a:t>
-            </a:r>
-            <a:r>
-              <a:rPr lang="en-US" altLang="ko-KR" dirty="0"/>
-              <a:t>(validation)</a:t>
-            </a:r>
-            <a:endParaRPr lang="ko-KR" altLang="en-US" dirty="0"/>
-          </a:p>
-        </p:txBody>
-      </p:sp>
-      <p:sp>
-        <p:nvSpPr>
-          <p:cNvPr id="5" name="TextBox 4"/>
-          <p:cNvSpPr txBox="1"/>
-          <p:nvPr/>
-        </p:nvSpPr>
-        <p:spPr>
-          <a:xfrm>
-            <a:off x="848544" y="1134306"/>
-            <a:ext cx="8496944" cy="454292"/>
-          </a:xfrm>
-          <a:prstGeom prst="rect">
-            <a:avLst/>
-          </a:prstGeom>
-          <a:noFill/>
-        </p:spPr>
-        <p:txBody>
-          <a:bodyPr wrap="square" rtlCol="0">
-            <a:spAutoFit/>
-          </a:bodyPr>
-          <a:lstStyle/>
-          <a:p>
-            <a:pPr>
-              <a:lnSpc>
-                <a:spcPct val="150000"/>
-              </a:lnSpc>
-            </a:pPr>
-            <a:r>
-              <a:rPr lang="ko-KR" altLang="en-US" b="1" dirty="0" smtClean="0"/>
-              <a:t>비밀번호 숫자와 영문자의 조합으로 입력하기</a:t>
-            </a:r>
-            <a:endParaRPr lang="en-US" altLang="ko-KR" b="1" dirty="0" smtClean="0">
-              <a:solidFill>
-                <a:srgbClr val="C00000"/>
-              </a:solidFill>
-            </a:endParaRPr>
-          </a:p>
-        </p:txBody>
-      </p:sp>
-      <p:pic>
-        <p:nvPicPr>
-          <p:cNvPr id="2" name="그림 1"/>
-          <p:cNvPicPr>
-            <a:picLocks noChangeAspect="1"/>
-          </p:cNvPicPr>
-          <p:nvPr/>
-        </p:nvPicPr>
-        <p:blipFill>
-          <a:blip r:embed="rId2">
-            <a:extLst>
-              <a:ext uri="{28A0092B-C50C-407E-A947-70E740481C1C}">
-                <a14:useLocalDpi xmlns:a14="http://schemas.microsoft.com/office/drawing/2010/main" val="0"/>
-              </a:ext>
-            </a:extLst>
-          </a:blip>
-          <a:stretch>
-            <a:fillRect/>
-          </a:stretch>
-        </p:blipFill>
-        <p:spPr>
-          <a:xfrm>
-            <a:off x="1202634" y="1772816"/>
-            <a:ext cx="7186283" cy="2629128"/>
-          </a:xfrm>
-          <a:prstGeom prst="rect">
-            <a:avLst/>
-          </a:prstGeom>
-          <a:ln>
-            <a:solidFill>
-              <a:schemeClr val="bg1">
-                <a:lumMod val="85000"/>
-              </a:schemeClr>
-            </a:solidFill>
-          </a:ln>
-        </p:spPr>
-      </p:pic>
-    </p:spTree>
-    <p:extLst>
-      <p:ext uri="{BB962C8B-B14F-4D97-AF65-F5344CB8AC3E}">
-        <p14:creationId xmlns:p14="http://schemas.microsoft.com/office/powerpoint/2010/main" val="2287158929"/>
       </p:ext>
     </p:extLst>
   </p:cSld>
@@ -15077,132 +14990,6 @@
     <p:extLst>
       <p:ext uri="{BB962C8B-B14F-4D97-AF65-F5344CB8AC3E}">
         <p14:creationId xmlns:p14="http://schemas.microsoft.com/office/powerpoint/2010/main" val="689978449"/>
-      </p:ext>
-    </p:extLst>
-  </p:cSld>
-  <p:clrMapOvr>
-    <a:masterClrMapping/>
-  </p:clrMapOvr>
-  <p:timing>
-    <p:tnLst>
-      <p:par>
-        <p:cTn id="1" dur="indefinite" restart="never" nodeType="tmRoot"/>
-      </p:par>
-    </p:tnLst>
-  </p:timing>
-</p:sld>
-</file>
-
-<file path=ppt/slides/slide40.xml><?xml version="1.0" encoding="utf-8"?>
-<p:sld xmlns:a="http://schemas.openxmlformats.org/drawingml/2006/main" xmlns:r="http://schemas.openxmlformats.org/officeDocument/2006/relationships" xmlns:p="http://schemas.openxmlformats.org/presentationml/2006/main">
-  <p:cSld>
-    <p:spTree>
-      <p:nvGrpSpPr>
-        <p:cNvPr id="1" name=""/>
-        <p:cNvGrpSpPr/>
-        <p:nvPr/>
-      </p:nvGrpSpPr>
-      <p:grpSpPr>
-        <a:xfrm>
-          <a:off x="0" y="0"/>
-          <a:ext cx="0" cy="0"/>
-          <a:chOff x="0" y="0"/>
-          <a:chExt cx="0" cy="0"/>
-        </a:xfrm>
-      </p:grpSpPr>
-      <p:sp>
-        <p:nvSpPr>
-          <p:cNvPr id="15" name="제목 5"/>
-          <p:cNvSpPr txBox="1">
-            <a:spLocks/>
-          </p:cNvSpPr>
-          <p:nvPr/>
-        </p:nvSpPr>
-        <p:spPr>
-          <a:xfrm>
-            <a:off x="0" y="-27384"/>
-            <a:ext cx="7995338" cy="854968"/>
-          </a:xfrm>
-          <a:prstGeom prst="rect">
-            <a:avLst/>
-          </a:prstGeom>
-        </p:spPr>
-        <p:txBody>
-          <a:bodyPr anchor="ctr" anchorCtr="0"/>
-          <a:lstStyle>
-            <a:lvl1pPr algn="l" defTabSz="914400" rtl="0" eaLnBrk="1" latinLnBrk="1" hangingPunct="1">
-              <a:spcBef>
-                <a:spcPct val="0"/>
-              </a:spcBef>
-              <a:buNone/>
-              <a:defRPr sz="3200" kern="1200">
-                <a:solidFill>
-                  <a:schemeClr val="bg1"/>
-                </a:solidFill>
-                <a:latin typeface="HY헤드라인M" panose="02030600000101010101" pitchFamily="18" charset="-127"/>
-                <a:ea typeface="HY헤드라인M" panose="02030600000101010101" pitchFamily="18" charset="-127"/>
-                <a:cs typeface="+mj-cs"/>
-              </a:defRPr>
-            </a:lvl1pPr>
-          </a:lstStyle>
-          <a:p>
-            <a:r>
-              <a:rPr lang="en-US" altLang="ko-KR" dirty="0" smtClean="0"/>
-              <a:t> </a:t>
-            </a:r>
-            <a:r>
-              <a:rPr lang="ko-KR" altLang="en-US" dirty="0"/>
-              <a:t> 유효성 검사</a:t>
-            </a:r>
-            <a:r>
-              <a:rPr lang="en-US" altLang="ko-KR" dirty="0"/>
-              <a:t>(validation)</a:t>
-            </a:r>
-            <a:endParaRPr lang="ko-KR" altLang="en-US" dirty="0"/>
-          </a:p>
-        </p:txBody>
-      </p:sp>
-      <p:pic>
-        <p:nvPicPr>
-          <p:cNvPr id="3" name="그림 2"/>
-          <p:cNvPicPr>
-            <a:picLocks noChangeAspect="1"/>
-          </p:cNvPicPr>
-          <p:nvPr/>
-        </p:nvPicPr>
-        <p:blipFill>
-          <a:blip r:embed="rId2">
-            <a:extLst>
-              <a:ext uri="{28A0092B-C50C-407E-A947-70E740481C1C}">
-                <a14:useLocalDpi xmlns:a14="http://schemas.microsoft.com/office/drawing/2010/main" val="0"/>
-              </a:ext>
-            </a:extLst>
-          </a:blip>
-          <a:stretch>
-            <a:fillRect/>
-          </a:stretch>
-        </p:blipFill>
-        <p:spPr>
-          <a:xfrm>
-            <a:off x="1712640" y="1052736"/>
-            <a:ext cx="5797393" cy="5397080"/>
-          </a:xfrm>
-          <a:prstGeom prst="rect">
-            <a:avLst/>
-          </a:prstGeom>
-          <a:ln>
-            <a:solidFill>
-              <a:schemeClr val="bg1">
-                <a:lumMod val="85000"/>
-              </a:schemeClr>
-            </a:solidFill>
-          </a:ln>
-        </p:spPr>
-      </p:pic>
-    </p:spTree>
-    <p:extLst>
-      <p:ext uri="{BB962C8B-B14F-4D97-AF65-F5344CB8AC3E}">
-        <p14:creationId xmlns:p14="http://schemas.microsoft.com/office/powerpoint/2010/main" val="2288174332"/>
       </p:ext>
     </p:extLst>
   </p:cSld>
